--- a/fig.pptx
+++ b/fig.pptx
@@ -4,10 +4,15 @@
   <p:sldMasterIdLst>
     <p:sldMasterId id="2147483648" r:id="rId1"/>
   </p:sldMasterIdLst>
+  <p:notesMasterIdLst>
+    <p:notesMasterId r:id="rId7"/>
+  </p:notesMasterIdLst>
   <p:sldIdLst>
     <p:sldId id="256" r:id="rId2"/>
     <p:sldId id="257" r:id="rId3"/>
     <p:sldId id="258" r:id="rId4"/>
+    <p:sldId id="259" r:id="rId5"/>
+    <p:sldId id="260" r:id="rId6"/>
   </p:sldIdLst>
   <p:sldSz cx="12192000" cy="6858000"/>
   <p:notesSz cx="6858000" cy="9144000"/>
@@ -114,6 +119,439 @@
 </p:presentation>
 </file>
 
+<file path=ppt/notesMasters/notesMaster1.xml><?xml version="1.0" encoding="utf-8"?>
+<p:notesMaster xmlns:a="http://schemas.openxmlformats.org/drawingml/2006/main" xmlns:r="http://schemas.openxmlformats.org/officeDocument/2006/relationships" xmlns:p="http://schemas.openxmlformats.org/presentationml/2006/main">
+  <p:cSld>
+    <p:bg>
+      <p:bgRef idx="1001">
+        <a:schemeClr val="bg1"/>
+      </p:bgRef>
+    </p:bg>
+    <p:spTree>
+      <p:nvGrpSpPr>
+        <p:cNvPr id="1" name=""/>
+        <p:cNvGrpSpPr/>
+        <p:nvPr/>
+      </p:nvGrpSpPr>
+      <p:grpSpPr>
+        <a:xfrm>
+          <a:off x="0" y="0"/>
+          <a:ext cx="0" cy="0"/>
+          <a:chOff x="0" y="0"/>
+          <a:chExt cx="0" cy="0"/>
+        </a:xfrm>
+      </p:grpSpPr>
+      <p:sp>
+        <p:nvSpPr>
+          <p:cNvPr id="2" name="页眉占位符 1"/>
+          <p:cNvSpPr>
+            <a:spLocks noGrp="1"/>
+          </p:cNvSpPr>
+          <p:nvPr>
+            <p:ph type="hdr" sz="quarter"/>
+          </p:nvPr>
+        </p:nvSpPr>
+        <p:spPr>
+          <a:xfrm>
+            <a:off x="0" y="0"/>
+            <a:ext cx="2971800" cy="458788"/>
+          </a:xfrm>
+          <a:prstGeom prst="rect">
+            <a:avLst/>
+          </a:prstGeom>
+        </p:spPr>
+        <p:txBody>
+          <a:bodyPr vert="horz" lIns="91440" tIns="45720" rIns="91440" bIns="45720" rtlCol="0"/>
+          <a:lstStyle>
+            <a:lvl1pPr algn="l">
+              <a:defRPr sz="1200"/>
+            </a:lvl1pPr>
+          </a:lstStyle>
+          <a:p>
+            <a:endParaRPr lang="zh-CN" altLang="en-US"/>
+          </a:p>
+        </p:txBody>
+      </p:sp>
+      <p:sp>
+        <p:nvSpPr>
+          <p:cNvPr id="3" name="日期占位符 2"/>
+          <p:cNvSpPr>
+            <a:spLocks noGrp="1"/>
+          </p:cNvSpPr>
+          <p:nvPr>
+            <p:ph type="dt" idx="1"/>
+          </p:nvPr>
+        </p:nvSpPr>
+        <p:spPr>
+          <a:xfrm>
+            <a:off x="3884613" y="0"/>
+            <a:ext cx="2971800" cy="458788"/>
+          </a:xfrm>
+          <a:prstGeom prst="rect">
+            <a:avLst/>
+          </a:prstGeom>
+        </p:spPr>
+        <p:txBody>
+          <a:bodyPr vert="horz" lIns="91440" tIns="45720" rIns="91440" bIns="45720" rtlCol="0"/>
+          <a:lstStyle>
+            <a:lvl1pPr algn="r">
+              <a:defRPr sz="1200"/>
+            </a:lvl1pPr>
+          </a:lstStyle>
+          <a:p>
+            <a:fld id="{A3F9E89F-C4EB-4BA8-83BD-7B91FB513248}" type="datetimeFigureOut">
+              <a:rPr lang="zh-CN" altLang="en-US" smtClean="0"/>
+              <a:t>2021/8/5</a:t>
+            </a:fld>
+            <a:endParaRPr lang="zh-CN" altLang="en-US"/>
+          </a:p>
+        </p:txBody>
+      </p:sp>
+      <p:sp>
+        <p:nvSpPr>
+          <p:cNvPr id="4" name="幻灯片图像占位符 3"/>
+          <p:cNvSpPr>
+            <a:spLocks noGrp="1" noRot="1" noChangeAspect="1"/>
+          </p:cNvSpPr>
+          <p:nvPr>
+            <p:ph type="sldImg" idx="2"/>
+          </p:nvPr>
+        </p:nvSpPr>
+        <p:spPr>
+          <a:xfrm>
+            <a:off x="685800" y="1143000"/>
+            <a:ext cx="5486400" cy="3086100"/>
+          </a:xfrm>
+          <a:prstGeom prst="rect">
+            <a:avLst/>
+          </a:prstGeom>
+          <a:noFill/>
+          <a:ln w="12700">
+            <a:solidFill>
+              <a:prstClr val="black"/>
+            </a:solidFill>
+          </a:ln>
+        </p:spPr>
+        <p:txBody>
+          <a:bodyPr vert="horz" lIns="91440" tIns="45720" rIns="91440" bIns="45720" rtlCol="0" anchor="ctr"/>
+          <a:lstStyle/>
+          <a:p>
+            <a:endParaRPr lang="zh-CN" altLang="en-US"/>
+          </a:p>
+        </p:txBody>
+      </p:sp>
+      <p:sp>
+        <p:nvSpPr>
+          <p:cNvPr id="5" name="备注占位符 4"/>
+          <p:cNvSpPr>
+            <a:spLocks noGrp="1"/>
+          </p:cNvSpPr>
+          <p:nvPr>
+            <p:ph type="body" sz="quarter" idx="3"/>
+          </p:nvPr>
+        </p:nvSpPr>
+        <p:spPr>
+          <a:xfrm>
+            <a:off x="685800" y="4400550"/>
+            <a:ext cx="5486400" cy="3600450"/>
+          </a:xfrm>
+          <a:prstGeom prst="rect">
+            <a:avLst/>
+          </a:prstGeom>
+        </p:spPr>
+        <p:txBody>
+          <a:bodyPr vert="horz" lIns="91440" tIns="45720" rIns="91440" bIns="45720" rtlCol="0"/>
+          <a:lstStyle/>
+          <a:p>
+            <a:pPr lvl="0"/>
+            <a:r>
+              <a:rPr lang="zh-CN" altLang="en-US"/>
+              <a:t>单击此处编辑母版文本样式</a:t>
+            </a:r>
+          </a:p>
+          <a:p>
+            <a:pPr lvl="1"/>
+            <a:r>
+              <a:rPr lang="zh-CN" altLang="en-US"/>
+              <a:t>二级</a:t>
+            </a:r>
+          </a:p>
+          <a:p>
+            <a:pPr lvl="2"/>
+            <a:r>
+              <a:rPr lang="zh-CN" altLang="en-US"/>
+              <a:t>三级</a:t>
+            </a:r>
+          </a:p>
+          <a:p>
+            <a:pPr lvl="3"/>
+            <a:r>
+              <a:rPr lang="zh-CN" altLang="en-US"/>
+              <a:t>四级</a:t>
+            </a:r>
+          </a:p>
+          <a:p>
+            <a:pPr lvl="4"/>
+            <a:r>
+              <a:rPr lang="zh-CN" altLang="en-US"/>
+              <a:t>五级</a:t>
+            </a:r>
+          </a:p>
+        </p:txBody>
+      </p:sp>
+      <p:sp>
+        <p:nvSpPr>
+          <p:cNvPr id="6" name="页脚占位符 5"/>
+          <p:cNvSpPr>
+            <a:spLocks noGrp="1"/>
+          </p:cNvSpPr>
+          <p:nvPr>
+            <p:ph type="ftr" sz="quarter" idx="4"/>
+          </p:nvPr>
+        </p:nvSpPr>
+        <p:spPr>
+          <a:xfrm>
+            <a:off x="0" y="8685213"/>
+            <a:ext cx="2971800" cy="458787"/>
+          </a:xfrm>
+          <a:prstGeom prst="rect">
+            <a:avLst/>
+          </a:prstGeom>
+        </p:spPr>
+        <p:txBody>
+          <a:bodyPr vert="horz" lIns="91440" tIns="45720" rIns="91440" bIns="45720" rtlCol="0" anchor="b"/>
+          <a:lstStyle>
+            <a:lvl1pPr algn="l">
+              <a:defRPr sz="1200"/>
+            </a:lvl1pPr>
+          </a:lstStyle>
+          <a:p>
+            <a:endParaRPr lang="zh-CN" altLang="en-US"/>
+          </a:p>
+        </p:txBody>
+      </p:sp>
+      <p:sp>
+        <p:nvSpPr>
+          <p:cNvPr id="7" name="灯片编号占位符 6"/>
+          <p:cNvSpPr>
+            <a:spLocks noGrp="1"/>
+          </p:cNvSpPr>
+          <p:nvPr>
+            <p:ph type="sldNum" sz="quarter" idx="5"/>
+          </p:nvPr>
+        </p:nvSpPr>
+        <p:spPr>
+          <a:xfrm>
+            <a:off x="3884613" y="8685213"/>
+            <a:ext cx="2971800" cy="458787"/>
+          </a:xfrm>
+          <a:prstGeom prst="rect">
+            <a:avLst/>
+          </a:prstGeom>
+        </p:spPr>
+        <p:txBody>
+          <a:bodyPr vert="horz" lIns="91440" tIns="45720" rIns="91440" bIns="45720" rtlCol="0" anchor="b"/>
+          <a:lstStyle>
+            <a:lvl1pPr algn="r">
+              <a:defRPr sz="1200"/>
+            </a:lvl1pPr>
+          </a:lstStyle>
+          <a:p>
+            <a:fld id="{CE11DBD1-0BFB-4289-8624-038ED03F48A0}" type="slidenum">
+              <a:rPr lang="zh-CN" altLang="en-US" smtClean="0"/>
+              <a:t>‹#›</a:t>
+            </a:fld>
+            <a:endParaRPr lang="zh-CN" altLang="en-US"/>
+          </a:p>
+        </p:txBody>
+      </p:sp>
+    </p:spTree>
+    <p:extLst>
+      <p:ext uri="{BB962C8B-B14F-4D97-AF65-F5344CB8AC3E}">
+        <p14:creationId xmlns:p14="http://schemas.microsoft.com/office/powerpoint/2010/main" val="2434853247"/>
+      </p:ext>
+    </p:extLst>
+  </p:cSld>
+  <p:clrMap bg1="lt1" tx1="dk1" bg2="lt2" tx2="dk2" accent1="accent1" accent2="accent2" accent3="accent3" accent4="accent4" accent5="accent5" accent6="accent6" hlink="hlink" folHlink="folHlink"/>
+  <p:notesStyle>
+    <a:lvl1pPr marL="0" algn="l" defTabSz="914400" rtl="0" eaLnBrk="1" latinLnBrk="0" hangingPunct="1">
+      <a:defRPr sz="1200" kern="1200">
+        <a:solidFill>
+          <a:schemeClr val="tx1"/>
+        </a:solidFill>
+        <a:latin typeface="+mn-lt"/>
+        <a:ea typeface="+mn-ea"/>
+        <a:cs typeface="+mn-cs"/>
+      </a:defRPr>
+    </a:lvl1pPr>
+    <a:lvl2pPr marL="457200" algn="l" defTabSz="914400" rtl="0" eaLnBrk="1" latinLnBrk="0" hangingPunct="1">
+      <a:defRPr sz="1200" kern="1200">
+        <a:solidFill>
+          <a:schemeClr val="tx1"/>
+        </a:solidFill>
+        <a:latin typeface="+mn-lt"/>
+        <a:ea typeface="+mn-ea"/>
+        <a:cs typeface="+mn-cs"/>
+      </a:defRPr>
+    </a:lvl2pPr>
+    <a:lvl3pPr marL="914400" algn="l" defTabSz="914400" rtl="0" eaLnBrk="1" latinLnBrk="0" hangingPunct="1">
+      <a:defRPr sz="1200" kern="1200">
+        <a:solidFill>
+          <a:schemeClr val="tx1"/>
+        </a:solidFill>
+        <a:latin typeface="+mn-lt"/>
+        <a:ea typeface="+mn-ea"/>
+        <a:cs typeface="+mn-cs"/>
+      </a:defRPr>
+    </a:lvl3pPr>
+    <a:lvl4pPr marL="1371600" algn="l" defTabSz="914400" rtl="0" eaLnBrk="1" latinLnBrk="0" hangingPunct="1">
+      <a:defRPr sz="1200" kern="1200">
+        <a:solidFill>
+          <a:schemeClr val="tx1"/>
+        </a:solidFill>
+        <a:latin typeface="+mn-lt"/>
+        <a:ea typeface="+mn-ea"/>
+        <a:cs typeface="+mn-cs"/>
+      </a:defRPr>
+    </a:lvl4pPr>
+    <a:lvl5pPr marL="1828800" algn="l" defTabSz="914400" rtl="0" eaLnBrk="1" latinLnBrk="0" hangingPunct="1">
+      <a:defRPr sz="1200" kern="1200">
+        <a:solidFill>
+          <a:schemeClr val="tx1"/>
+        </a:solidFill>
+        <a:latin typeface="+mn-lt"/>
+        <a:ea typeface="+mn-ea"/>
+        <a:cs typeface="+mn-cs"/>
+      </a:defRPr>
+    </a:lvl5pPr>
+    <a:lvl6pPr marL="2286000" algn="l" defTabSz="914400" rtl="0" eaLnBrk="1" latinLnBrk="0" hangingPunct="1">
+      <a:defRPr sz="1200" kern="1200">
+        <a:solidFill>
+          <a:schemeClr val="tx1"/>
+        </a:solidFill>
+        <a:latin typeface="+mn-lt"/>
+        <a:ea typeface="+mn-ea"/>
+        <a:cs typeface="+mn-cs"/>
+      </a:defRPr>
+    </a:lvl6pPr>
+    <a:lvl7pPr marL="2743200" algn="l" defTabSz="914400" rtl="0" eaLnBrk="1" latinLnBrk="0" hangingPunct="1">
+      <a:defRPr sz="1200" kern="1200">
+        <a:solidFill>
+          <a:schemeClr val="tx1"/>
+        </a:solidFill>
+        <a:latin typeface="+mn-lt"/>
+        <a:ea typeface="+mn-ea"/>
+        <a:cs typeface="+mn-cs"/>
+      </a:defRPr>
+    </a:lvl7pPr>
+    <a:lvl8pPr marL="3200400" algn="l" defTabSz="914400" rtl="0" eaLnBrk="1" latinLnBrk="0" hangingPunct="1">
+      <a:defRPr sz="1200" kern="1200">
+        <a:solidFill>
+          <a:schemeClr val="tx1"/>
+        </a:solidFill>
+        <a:latin typeface="+mn-lt"/>
+        <a:ea typeface="+mn-ea"/>
+        <a:cs typeface="+mn-cs"/>
+      </a:defRPr>
+    </a:lvl8pPr>
+    <a:lvl9pPr marL="3657600" algn="l" defTabSz="914400" rtl="0" eaLnBrk="1" latinLnBrk="0" hangingPunct="1">
+      <a:defRPr sz="1200" kern="1200">
+        <a:solidFill>
+          <a:schemeClr val="tx1"/>
+        </a:solidFill>
+        <a:latin typeface="+mn-lt"/>
+        <a:ea typeface="+mn-ea"/>
+        <a:cs typeface="+mn-cs"/>
+      </a:defRPr>
+    </a:lvl9pPr>
+  </p:notesStyle>
+</p:notesMaster>
+</file>
+
+<file path=ppt/notesSlides/notesSlide1.xml><?xml version="1.0" encoding="utf-8"?>
+<p:notes xmlns:a="http://schemas.openxmlformats.org/drawingml/2006/main" xmlns:r="http://schemas.openxmlformats.org/officeDocument/2006/relationships" xmlns:p="http://schemas.openxmlformats.org/presentationml/2006/main">
+  <p:cSld>
+    <p:spTree>
+      <p:nvGrpSpPr>
+        <p:cNvPr id="1" name=""/>
+        <p:cNvGrpSpPr/>
+        <p:nvPr/>
+      </p:nvGrpSpPr>
+      <p:grpSpPr>
+        <a:xfrm>
+          <a:off x="0" y="0"/>
+          <a:ext cx="0" cy="0"/>
+          <a:chOff x="0" y="0"/>
+          <a:chExt cx="0" cy="0"/>
+        </a:xfrm>
+      </p:grpSpPr>
+      <p:sp>
+        <p:nvSpPr>
+          <p:cNvPr id="2" name="幻灯片图像占位符 1"/>
+          <p:cNvSpPr>
+            <a:spLocks noGrp="1" noRot="1" noChangeAspect="1"/>
+          </p:cNvSpPr>
+          <p:nvPr>
+            <p:ph type="sldImg"/>
+          </p:nvPr>
+        </p:nvSpPr>
+        <p:spPr/>
+      </p:sp>
+      <p:sp>
+        <p:nvSpPr>
+          <p:cNvPr id="3" name="备注占位符 2"/>
+          <p:cNvSpPr>
+            <a:spLocks noGrp="1"/>
+          </p:cNvSpPr>
+          <p:nvPr>
+            <p:ph type="body" idx="1"/>
+          </p:nvPr>
+        </p:nvSpPr>
+        <p:spPr/>
+        <p:txBody>
+          <a:bodyPr/>
+          <a:lstStyle/>
+          <a:p>
+            <a:endParaRPr lang="zh-CN" altLang="en-US" dirty="0"/>
+          </a:p>
+        </p:txBody>
+      </p:sp>
+      <p:sp>
+        <p:nvSpPr>
+          <p:cNvPr id="4" name="灯片编号占位符 3"/>
+          <p:cNvSpPr>
+            <a:spLocks noGrp="1"/>
+          </p:cNvSpPr>
+          <p:nvPr>
+            <p:ph type="sldNum" sz="quarter" idx="5"/>
+          </p:nvPr>
+        </p:nvSpPr>
+        <p:spPr/>
+        <p:txBody>
+          <a:bodyPr/>
+          <a:lstStyle/>
+          <a:p>
+            <a:fld id="{CE11DBD1-0BFB-4289-8624-038ED03F48A0}" type="slidenum">
+              <a:rPr lang="zh-CN" altLang="en-US" smtClean="0"/>
+              <a:t>5</a:t>
+            </a:fld>
+            <a:endParaRPr lang="zh-CN" altLang="en-US"/>
+          </a:p>
+        </p:txBody>
+      </p:sp>
+    </p:spTree>
+    <p:extLst>
+      <p:ext uri="{BB962C8B-B14F-4D97-AF65-F5344CB8AC3E}">
+        <p14:creationId xmlns:p14="http://schemas.microsoft.com/office/powerpoint/2010/main" val="511564"/>
+      </p:ext>
+    </p:extLst>
+  </p:cSld>
+  <p:clrMapOvr>
+    <a:masterClrMapping/>
+  </p:clrMapOvr>
+</p:notes>
+</file>
+
 <file path=ppt/slideLayouts/slideLayout1.xml><?xml version="1.0" encoding="utf-8"?>
 <p:sldLayout xmlns:a="http://schemas.openxmlformats.org/drawingml/2006/main" xmlns:r="http://schemas.openxmlformats.org/officeDocument/2006/relationships" xmlns:p="http://schemas.openxmlformats.org/presentationml/2006/main" type="title" preserve="1">
   <p:cSld name="标题幻灯片">
@@ -261,7 +699,7 @@
           <a:p>
             <a:fld id="{0900FE7A-C1D6-4F44-B692-AD762A694C99}" type="datetimeFigureOut">
               <a:rPr lang="zh-CN" altLang="en-US" smtClean="0"/>
-              <a:t>2021/7/31</a:t>
+              <a:t>2021/8/5</a:t>
             </a:fld>
             <a:endParaRPr lang="zh-CN" altLang="en-US"/>
           </a:p>
@@ -459,7 +897,7 @@
           <a:p>
             <a:fld id="{0900FE7A-C1D6-4F44-B692-AD762A694C99}" type="datetimeFigureOut">
               <a:rPr lang="zh-CN" altLang="en-US" smtClean="0"/>
-              <a:t>2021/7/31</a:t>
+              <a:t>2021/8/5</a:t>
             </a:fld>
             <a:endParaRPr lang="zh-CN" altLang="en-US"/>
           </a:p>
@@ -667,7 +1105,7 @@
           <a:p>
             <a:fld id="{0900FE7A-C1D6-4F44-B692-AD762A694C99}" type="datetimeFigureOut">
               <a:rPr lang="zh-CN" altLang="en-US" smtClean="0"/>
-              <a:t>2021/7/31</a:t>
+              <a:t>2021/8/5</a:t>
             </a:fld>
             <a:endParaRPr lang="zh-CN" altLang="en-US"/>
           </a:p>
@@ -865,7 +1303,7 @@
           <a:p>
             <a:fld id="{0900FE7A-C1D6-4F44-B692-AD762A694C99}" type="datetimeFigureOut">
               <a:rPr lang="zh-CN" altLang="en-US" smtClean="0"/>
-              <a:t>2021/7/31</a:t>
+              <a:t>2021/8/5</a:t>
             </a:fld>
             <a:endParaRPr lang="zh-CN" altLang="en-US"/>
           </a:p>
@@ -1140,7 +1578,7 @@
           <a:p>
             <a:fld id="{0900FE7A-C1D6-4F44-B692-AD762A694C99}" type="datetimeFigureOut">
               <a:rPr lang="zh-CN" altLang="en-US" smtClean="0"/>
-              <a:t>2021/7/31</a:t>
+              <a:t>2021/8/5</a:t>
             </a:fld>
             <a:endParaRPr lang="zh-CN" altLang="en-US"/>
           </a:p>
@@ -1405,7 +1843,7 @@
           <a:p>
             <a:fld id="{0900FE7A-C1D6-4F44-B692-AD762A694C99}" type="datetimeFigureOut">
               <a:rPr lang="zh-CN" altLang="en-US" smtClean="0"/>
-              <a:t>2021/7/31</a:t>
+              <a:t>2021/8/5</a:t>
             </a:fld>
             <a:endParaRPr lang="zh-CN" altLang="en-US"/>
           </a:p>
@@ -1817,7 +2255,7 @@
           <a:p>
             <a:fld id="{0900FE7A-C1D6-4F44-B692-AD762A694C99}" type="datetimeFigureOut">
               <a:rPr lang="zh-CN" altLang="en-US" smtClean="0"/>
-              <a:t>2021/7/31</a:t>
+              <a:t>2021/8/5</a:t>
             </a:fld>
             <a:endParaRPr lang="zh-CN" altLang="en-US"/>
           </a:p>
@@ -1958,7 +2396,7 @@
           <a:p>
             <a:fld id="{0900FE7A-C1D6-4F44-B692-AD762A694C99}" type="datetimeFigureOut">
               <a:rPr lang="zh-CN" altLang="en-US" smtClean="0"/>
-              <a:t>2021/7/31</a:t>
+              <a:t>2021/8/5</a:t>
             </a:fld>
             <a:endParaRPr lang="zh-CN" altLang="en-US"/>
           </a:p>
@@ -2071,7 +2509,7 @@
           <a:p>
             <a:fld id="{0900FE7A-C1D6-4F44-B692-AD762A694C99}" type="datetimeFigureOut">
               <a:rPr lang="zh-CN" altLang="en-US" smtClean="0"/>
-              <a:t>2021/7/31</a:t>
+              <a:t>2021/8/5</a:t>
             </a:fld>
             <a:endParaRPr lang="zh-CN" altLang="en-US"/>
           </a:p>
@@ -2382,7 +2820,7 @@
           <a:p>
             <a:fld id="{0900FE7A-C1D6-4F44-B692-AD762A694C99}" type="datetimeFigureOut">
               <a:rPr lang="zh-CN" altLang="en-US" smtClean="0"/>
-              <a:t>2021/7/31</a:t>
+              <a:t>2021/8/5</a:t>
             </a:fld>
             <a:endParaRPr lang="zh-CN" altLang="en-US"/>
           </a:p>
@@ -2670,7 +3108,7 @@
           <a:p>
             <a:fld id="{0900FE7A-C1D6-4F44-B692-AD762A694C99}" type="datetimeFigureOut">
               <a:rPr lang="zh-CN" altLang="en-US" smtClean="0"/>
-              <a:t>2021/7/31</a:t>
+              <a:t>2021/8/5</a:t>
             </a:fld>
             <a:endParaRPr lang="zh-CN" altLang="en-US"/>
           </a:p>
@@ -2911,7 +3349,7 @@
           <a:p>
             <a:fld id="{0900FE7A-C1D6-4F44-B692-AD762A694C99}" type="datetimeFigureOut">
               <a:rPr lang="zh-CN" altLang="en-US" smtClean="0"/>
-              <a:t>2021/7/31</a:t>
+              <a:t>2021/8/5</a:t>
             </a:fld>
             <a:endParaRPr lang="zh-CN" altLang="en-US"/>
           </a:p>
@@ -11157,6 +11595,300 @@
     <p:extLst>
       <p:ext uri="{BB962C8B-B14F-4D97-AF65-F5344CB8AC3E}">
         <p14:creationId xmlns:p14="http://schemas.microsoft.com/office/powerpoint/2010/main" val="4223980302"/>
+      </p:ext>
+    </p:extLst>
+  </p:cSld>
+  <p:clrMapOvr>
+    <a:masterClrMapping/>
+  </p:clrMapOvr>
+</p:sld>
+</file>
+
+<file path=ppt/slides/slide4.xml><?xml version="1.0" encoding="utf-8"?>
+<p:sld xmlns:a="http://schemas.openxmlformats.org/drawingml/2006/main" xmlns:r="http://schemas.openxmlformats.org/officeDocument/2006/relationships" xmlns:p="http://schemas.openxmlformats.org/presentationml/2006/main">
+  <p:cSld>
+    <p:spTree>
+      <p:nvGrpSpPr>
+        <p:cNvPr id="1" name=""/>
+        <p:cNvGrpSpPr/>
+        <p:nvPr/>
+      </p:nvGrpSpPr>
+      <p:grpSpPr>
+        <a:xfrm>
+          <a:off x="0" y="0"/>
+          <a:ext cx="0" cy="0"/>
+          <a:chOff x="0" y="0"/>
+          <a:chExt cx="0" cy="0"/>
+        </a:xfrm>
+      </p:grpSpPr>
+      <p:sp>
+        <p:nvSpPr>
+          <p:cNvPr id="181" name="内容占位符 180">
+            <a:extLst>
+              <a:ext uri="{FF2B5EF4-FFF2-40B4-BE49-F238E27FC236}">
+                <a16:creationId xmlns:a16="http://schemas.microsoft.com/office/drawing/2014/main" id="{68C87398-A1BF-43ED-9FBE-FCB6F394142B}"/>
+              </a:ext>
+            </a:extLst>
+          </p:cNvPr>
+          <p:cNvSpPr>
+            <a:spLocks noGrp="1"/>
+          </p:cNvSpPr>
+          <p:nvPr>
+            <p:ph idx="1"/>
+          </p:nvPr>
+        </p:nvSpPr>
+        <p:spPr/>
+        <p:txBody>
+          <a:bodyPr/>
+          <a:lstStyle/>
+          <a:p>
+            <a:endParaRPr lang="zh-CN" altLang="en-US"/>
+          </a:p>
+        </p:txBody>
+      </p:sp>
+    </p:spTree>
+    <p:extLst>
+      <p:ext uri="{BB962C8B-B14F-4D97-AF65-F5344CB8AC3E}">
+        <p14:creationId xmlns:p14="http://schemas.microsoft.com/office/powerpoint/2010/main" val="3466772915"/>
+      </p:ext>
+    </p:extLst>
+  </p:cSld>
+  <p:clrMapOvr>
+    <a:masterClrMapping/>
+  </p:clrMapOvr>
+</p:sld>
+</file>
+
+<file path=ppt/slides/slide5.xml><?xml version="1.0" encoding="utf-8"?>
+<p:sld xmlns:a="http://schemas.openxmlformats.org/drawingml/2006/main" xmlns:r="http://schemas.openxmlformats.org/officeDocument/2006/relationships" xmlns:p="http://schemas.openxmlformats.org/presentationml/2006/main">
+  <p:cSld>
+    <p:spTree>
+      <p:nvGrpSpPr>
+        <p:cNvPr id="1" name=""/>
+        <p:cNvGrpSpPr/>
+        <p:nvPr/>
+      </p:nvGrpSpPr>
+      <p:grpSpPr>
+        <a:xfrm>
+          <a:off x="0" y="0"/>
+          <a:ext cx="0" cy="0"/>
+          <a:chOff x="0" y="0"/>
+          <a:chExt cx="0" cy="0"/>
+        </a:xfrm>
+      </p:grpSpPr>
+      <p:pic>
+        <p:nvPicPr>
+          <p:cNvPr id="5" name="图片 4">
+            <a:extLst>
+              <a:ext uri="{FF2B5EF4-FFF2-40B4-BE49-F238E27FC236}">
+                <a16:creationId xmlns:a16="http://schemas.microsoft.com/office/drawing/2014/main" id="{FE52970D-8325-4AC5-8B43-879DE24C1F93}"/>
+              </a:ext>
+            </a:extLst>
+          </p:cNvPr>
+          <p:cNvPicPr>
+            <a:picLocks noChangeAspect="1"/>
+          </p:cNvPicPr>
+          <p:nvPr/>
+        </p:nvPicPr>
+        <p:blipFill rotWithShape="1">
+          <a:blip r:embed="rId3"/>
+          <a:srcRect l="21700" t="23927" r="16962" b="25117"/>
+          <a:stretch/>
+        </p:blipFill>
+        <p:spPr>
+          <a:xfrm>
+            <a:off x="177605" y="-467752"/>
+            <a:ext cx="11113477" cy="7793503"/>
+          </a:xfrm>
+          <a:prstGeom prst="rect">
+            <a:avLst/>
+          </a:prstGeom>
+        </p:spPr>
+      </p:pic>
+      <p:sp>
+        <p:nvSpPr>
+          <p:cNvPr id="57" name="文本框 56">
+            <a:extLst>
+              <a:ext uri="{FF2B5EF4-FFF2-40B4-BE49-F238E27FC236}">
+                <a16:creationId xmlns:a16="http://schemas.microsoft.com/office/drawing/2014/main" id="{D65027F5-ACB2-4C31-B377-ADCFBB8227D7}"/>
+              </a:ext>
+            </a:extLst>
+          </p:cNvPr>
+          <p:cNvSpPr txBox="1"/>
+          <p:nvPr/>
+        </p:nvSpPr>
+        <p:spPr>
+          <a:xfrm>
+            <a:off x="7924800" y="1844081"/>
+            <a:ext cx="781050" cy="523220"/>
+          </a:xfrm>
+          <a:prstGeom prst="rect">
+            <a:avLst/>
+          </a:prstGeom>
+          <a:noFill/>
+        </p:spPr>
+        <p:txBody>
+          <a:bodyPr wrap="square" rtlCol="0">
+            <a:spAutoFit/>
+          </a:bodyPr>
+          <a:lstStyle/>
+          <a:p>
+            <a:pPr algn="ctr"/>
+            <a:r>
+              <a:rPr lang="en-US" altLang="zh-CN" sz="2800" b="1" dirty="0">
+                <a:solidFill>
+                  <a:srgbClr val="FF0000"/>
+                </a:solidFill>
+              </a:rPr>
+              <a:t>1</a:t>
+            </a:r>
+            <a:endParaRPr lang="zh-CN" altLang="en-US" sz="2800" b="1" dirty="0">
+              <a:solidFill>
+                <a:srgbClr val="FF0000"/>
+              </a:solidFill>
+            </a:endParaRPr>
+          </a:p>
+        </p:txBody>
+      </p:sp>
+      <p:sp>
+        <p:nvSpPr>
+          <p:cNvPr id="206" name="文本框 205">
+            <a:extLst>
+              <a:ext uri="{FF2B5EF4-FFF2-40B4-BE49-F238E27FC236}">
+                <a16:creationId xmlns:a16="http://schemas.microsoft.com/office/drawing/2014/main" id="{4C277ED6-A458-4E8F-9F93-44C59D85522B}"/>
+              </a:ext>
+            </a:extLst>
+          </p:cNvPr>
+          <p:cNvSpPr txBox="1"/>
+          <p:nvPr/>
+        </p:nvSpPr>
+        <p:spPr>
+          <a:xfrm>
+            <a:off x="3495675" y="2936669"/>
+            <a:ext cx="781050" cy="523220"/>
+          </a:xfrm>
+          <a:prstGeom prst="rect">
+            <a:avLst/>
+          </a:prstGeom>
+          <a:noFill/>
+        </p:spPr>
+        <p:txBody>
+          <a:bodyPr wrap="square" rtlCol="0">
+            <a:spAutoFit/>
+          </a:bodyPr>
+          <a:lstStyle/>
+          <a:p>
+            <a:pPr algn="ctr"/>
+            <a:r>
+              <a:rPr lang="en-US" altLang="zh-CN" sz="2800" b="1" dirty="0">
+                <a:solidFill>
+                  <a:srgbClr val="FF0000"/>
+                </a:solidFill>
+              </a:rPr>
+              <a:t>3</a:t>
+            </a:r>
+            <a:endParaRPr lang="zh-CN" altLang="en-US" sz="2800" b="1" dirty="0">
+              <a:solidFill>
+                <a:srgbClr val="FF0000"/>
+              </a:solidFill>
+            </a:endParaRPr>
+          </a:p>
+        </p:txBody>
+      </p:sp>
+      <p:sp>
+        <p:nvSpPr>
+          <p:cNvPr id="207" name="文本框 206">
+            <a:extLst>
+              <a:ext uri="{FF2B5EF4-FFF2-40B4-BE49-F238E27FC236}">
+                <a16:creationId xmlns:a16="http://schemas.microsoft.com/office/drawing/2014/main" id="{8A68CE88-88D4-4481-A0D2-3CC48FBD8F77}"/>
+              </a:ext>
+            </a:extLst>
+          </p:cNvPr>
+          <p:cNvSpPr txBox="1"/>
+          <p:nvPr/>
+        </p:nvSpPr>
+        <p:spPr>
+          <a:xfrm>
+            <a:off x="2714625" y="4794394"/>
+            <a:ext cx="781050" cy="523220"/>
+          </a:xfrm>
+          <a:prstGeom prst="rect">
+            <a:avLst/>
+          </a:prstGeom>
+          <a:noFill/>
+        </p:spPr>
+        <p:txBody>
+          <a:bodyPr wrap="square" rtlCol="0">
+            <a:spAutoFit/>
+          </a:bodyPr>
+          <a:lstStyle/>
+          <a:p>
+            <a:pPr algn="ctr"/>
+            <a:r>
+              <a:rPr lang="en-US" altLang="zh-CN" sz="2800" b="1" dirty="0">
+                <a:solidFill>
+                  <a:srgbClr val="FF0000"/>
+                </a:solidFill>
+              </a:rPr>
+              <a:t>2</a:t>
+            </a:r>
+            <a:endParaRPr lang="zh-CN" altLang="en-US" sz="2800" b="1" dirty="0">
+              <a:solidFill>
+                <a:srgbClr val="FF0000"/>
+              </a:solidFill>
+            </a:endParaRPr>
+          </a:p>
+        </p:txBody>
+      </p:sp>
+      <p:sp>
+        <p:nvSpPr>
+          <p:cNvPr id="211" name="文本框 210">
+            <a:extLst>
+              <a:ext uri="{FF2B5EF4-FFF2-40B4-BE49-F238E27FC236}">
+                <a16:creationId xmlns:a16="http://schemas.microsoft.com/office/drawing/2014/main" id="{F3B3107A-9361-48B3-9FDA-61AFE3C86AEB}"/>
+              </a:ext>
+            </a:extLst>
+          </p:cNvPr>
+          <p:cNvSpPr txBox="1"/>
+          <p:nvPr/>
+        </p:nvSpPr>
+        <p:spPr>
+          <a:xfrm>
+            <a:off x="7381875" y="4679133"/>
+            <a:ext cx="781050" cy="523220"/>
+          </a:xfrm>
+          <a:prstGeom prst="rect">
+            <a:avLst/>
+          </a:prstGeom>
+          <a:noFill/>
+        </p:spPr>
+        <p:txBody>
+          <a:bodyPr wrap="square" rtlCol="0">
+            <a:spAutoFit/>
+          </a:bodyPr>
+          <a:lstStyle/>
+          <a:p>
+            <a:pPr algn="ctr"/>
+            <a:r>
+              <a:rPr lang="en-US" altLang="zh-CN" sz="2800" b="1" dirty="0">
+                <a:solidFill>
+                  <a:srgbClr val="FF0000"/>
+                </a:solidFill>
+              </a:rPr>
+              <a:t>4</a:t>
+            </a:r>
+            <a:endParaRPr lang="zh-CN" altLang="en-US" sz="2800" b="1" dirty="0">
+              <a:solidFill>
+                <a:srgbClr val="FF0000"/>
+              </a:solidFill>
+            </a:endParaRPr>
+          </a:p>
+        </p:txBody>
+      </p:sp>
+    </p:spTree>
+    <p:extLst>
+      <p:ext uri="{BB962C8B-B14F-4D97-AF65-F5344CB8AC3E}">
+        <p14:creationId xmlns:p14="http://schemas.microsoft.com/office/powerpoint/2010/main" val="1031551512"/>
       </p:ext>
     </p:extLst>
   </p:cSld>
@@ -11459,4 +12191,299 @@
     </a:ext>
   </a:extLst>
 </a:theme>
+</file>
+
+<file path=ppt/theme/theme2.xml><?xml version="1.0" encoding="utf-8"?>
+<a:theme xmlns:a="http://schemas.openxmlformats.org/drawingml/2006/main" name="Office 主题​​">
+  <a:themeElements>
+    <a:clrScheme name="Office">
+      <a:dk1>
+        <a:sysClr val="windowText" lastClr="000000"/>
+      </a:dk1>
+      <a:lt1>
+        <a:sysClr val="window" lastClr="FFFFFF"/>
+      </a:lt1>
+      <a:dk2>
+        <a:srgbClr val="44546A"/>
+      </a:dk2>
+      <a:lt2>
+        <a:srgbClr val="E7E6E6"/>
+      </a:lt2>
+      <a:accent1>
+        <a:srgbClr val="4472C4"/>
+      </a:accent1>
+      <a:accent2>
+        <a:srgbClr val="ED7D31"/>
+      </a:accent2>
+      <a:accent3>
+        <a:srgbClr val="A5A5A5"/>
+      </a:accent3>
+      <a:accent4>
+        <a:srgbClr val="FFC000"/>
+      </a:accent4>
+      <a:accent5>
+        <a:srgbClr val="5B9BD5"/>
+      </a:accent5>
+      <a:accent6>
+        <a:srgbClr val="70AD47"/>
+      </a:accent6>
+      <a:hlink>
+        <a:srgbClr val="0563C1"/>
+      </a:hlink>
+      <a:folHlink>
+        <a:srgbClr val="954F72"/>
+      </a:folHlink>
+    </a:clrScheme>
+    <a:fontScheme name="Office">
+      <a:majorFont>
+        <a:latin typeface="等线 Light" panose="020F0302020204030204"/>
+        <a:ea typeface=""/>
+        <a:cs typeface=""/>
+        <a:font script="Jpan" typeface="游ゴシック Light"/>
+        <a:font script="Hang" typeface="맑은 고딕"/>
+        <a:font script="Hans" typeface="等线 Light"/>
+        <a:font script="Hant" typeface="新細明體"/>
+        <a:font script="Arab" typeface="Times New Roman"/>
+        <a:font script="Hebr" typeface="Times New Roman"/>
+        <a:font script="Thai" typeface="Angsana New"/>
+        <a:font script="Ethi" typeface="Nyala"/>
+        <a:font script="Beng" typeface="Vrinda"/>
+        <a:font script="Gujr" typeface="Shruti"/>
+        <a:font script="Khmr" typeface="MoolBoran"/>
+        <a:font script="Knda" typeface="Tunga"/>
+        <a:font script="Guru" typeface="Raavi"/>
+        <a:font script="Cans" typeface="Euphemia"/>
+        <a:font script="Cher" typeface="Plantagenet Cherokee"/>
+        <a:font script="Yiii" typeface="Microsoft Yi Baiti"/>
+        <a:font script="Tibt" typeface="Microsoft Himalaya"/>
+        <a:font script="Thaa" typeface="MV Boli"/>
+        <a:font script="Deva" typeface="Mangal"/>
+        <a:font script="Telu" typeface="Gautami"/>
+        <a:font script="Taml" typeface="Latha"/>
+        <a:font script="Syrc" typeface="Estrangelo Edessa"/>
+        <a:font script="Orya" typeface="Kalinga"/>
+        <a:font script="Mlym" typeface="Kartika"/>
+        <a:font script="Laoo" typeface="DokChampa"/>
+        <a:font script="Sinh" typeface="Iskoola Pota"/>
+        <a:font script="Mong" typeface="Mongolian Baiti"/>
+        <a:font script="Viet" typeface="Times New Roman"/>
+        <a:font script="Uigh" typeface="Microsoft Uighur"/>
+        <a:font script="Geor" typeface="Sylfaen"/>
+        <a:font script="Armn" typeface="Arial"/>
+        <a:font script="Bugi" typeface="Leelawadee UI"/>
+        <a:font script="Bopo" typeface="Microsoft JhengHei"/>
+        <a:font script="Java" typeface="Javanese Text"/>
+        <a:font script="Lisu" typeface="Segoe UI"/>
+        <a:font script="Mymr" typeface="Myanmar Text"/>
+        <a:font script="Nkoo" typeface="Ebrima"/>
+        <a:font script="Olck" typeface="Nirmala UI"/>
+        <a:font script="Osma" typeface="Ebrima"/>
+        <a:font script="Phag" typeface="Phagspa"/>
+        <a:font script="Syrn" typeface="Estrangelo Edessa"/>
+        <a:font script="Syrj" typeface="Estrangelo Edessa"/>
+        <a:font script="Syre" typeface="Estrangelo Edessa"/>
+        <a:font script="Sora" typeface="Nirmala UI"/>
+        <a:font script="Tale" typeface="Microsoft Tai Le"/>
+        <a:font script="Talu" typeface="Microsoft New Tai Lue"/>
+        <a:font script="Tfng" typeface="Ebrima"/>
+      </a:majorFont>
+      <a:minorFont>
+        <a:latin typeface="等线" panose="020F0502020204030204"/>
+        <a:ea typeface=""/>
+        <a:cs typeface=""/>
+        <a:font script="Jpan" typeface="游ゴシック"/>
+        <a:font script="Hang" typeface="맑은 고딕"/>
+        <a:font script="Hans" typeface="等线"/>
+        <a:font script="Hant" typeface="新細明體"/>
+        <a:font script="Arab" typeface="Arial"/>
+        <a:font script="Hebr" typeface="Arial"/>
+        <a:font script="Thai" typeface="Cordia New"/>
+        <a:font script="Ethi" typeface="Nyala"/>
+        <a:font script="Beng" typeface="Vrinda"/>
+        <a:font script="Gujr" typeface="Shruti"/>
+        <a:font script="Khmr" typeface="DaunPenh"/>
+        <a:font script="Knda" typeface="Tunga"/>
+        <a:font script="Guru" typeface="Raavi"/>
+        <a:font script="Cans" typeface="Euphemia"/>
+        <a:font script="Cher" typeface="Plantagenet Cherokee"/>
+        <a:font script="Yiii" typeface="Microsoft Yi Baiti"/>
+        <a:font script="Tibt" typeface="Microsoft Himalaya"/>
+        <a:font script="Thaa" typeface="MV Boli"/>
+        <a:font script="Deva" typeface="Mangal"/>
+        <a:font script="Telu" typeface="Gautami"/>
+        <a:font script="Taml" typeface="Latha"/>
+        <a:font script="Syrc" typeface="Estrangelo Edessa"/>
+        <a:font script="Orya" typeface="Kalinga"/>
+        <a:font script="Mlym" typeface="Kartika"/>
+        <a:font script="Laoo" typeface="DokChampa"/>
+        <a:font script="Sinh" typeface="Iskoola Pota"/>
+        <a:font script="Mong" typeface="Mongolian Baiti"/>
+        <a:font script="Viet" typeface="Arial"/>
+        <a:font script="Uigh" typeface="Microsoft Uighur"/>
+        <a:font script="Geor" typeface="Sylfaen"/>
+        <a:font script="Armn" typeface="Arial"/>
+        <a:font script="Bugi" typeface="Leelawadee UI"/>
+        <a:font script="Bopo" typeface="Microsoft JhengHei"/>
+        <a:font script="Java" typeface="Javanese Text"/>
+        <a:font script="Lisu" typeface="Segoe UI"/>
+        <a:font script="Mymr" typeface="Myanmar Text"/>
+        <a:font script="Nkoo" typeface="Ebrima"/>
+        <a:font script="Olck" typeface="Nirmala UI"/>
+        <a:font script="Osma" typeface="Ebrima"/>
+        <a:font script="Phag" typeface="Phagspa"/>
+        <a:font script="Syrn" typeface="Estrangelo Edessa"/>
+        <a:font script="Syrj" typeface="Estrangelo Edessa"/>
+        <a:font script="Syre" typeface="Estrangelo Edessa"/>
+        <a:font script="Sora" typeface="Nirmala UI"/>
+        <a:font script="Tale" typeface="Microsoft Tai Le"/>
+        <a:font script="Talu" typeface="Microsoft New Tai Lue"/>
+        <a:font script="Tfng" typeface="Ebrima"/>
+      </a:minorFont>
+    </a:fontScheme>
+    <a:fmtScheme name="Office">
+      <a:fillStyleLst>
+        <a:solidFill>
+          <a:schemeClr val="phClr"/>
+        </a:solidFill>
+        <a:gradFill rotWithShape="1">
+          <a:gsLst>
+            <a:gs pos="0">
+              <a:schemeClr val="phClr">
+                <a:lumMod val="110000"/>
+                <a:satMod val="105000"/>
+                <a:tint val="67000"/>
+              </a:schemeClr>
+            </a:gs>
+            <a:gs pos="50000">
+              <a:schemeClr val="phClr">
+                <a:lumMod val="105000"/>
+                <a:satMod val="103000"/>
+                <a:tint val="73000"/>
+              </a:schemeClr>
+            </a:gs>
+            <a:gs pos="100000">
+              <a:schemeClr val="phClr">
+                <a:lumMod val="105000"/>
+                <a:satMod val="109000"/>
+                <a:tint val="81000"/>
+              </a:schemeClr>
+            </a:gs>
+          </a:gsLst>
+          <a:lin ang="5400000" scaled="0"/>
+        </a:gradFill>
+        <a:gradFill rotWithShape="1">
+          <a:gsLst>
+            <a:gs pos="0">
+              <a:schemeClr val="phClr">
+                <a:satMod val="103000"/>
+                <a:lumMod val="102000"/>
+                <a:tint val="94000"/>
+              </a:schemeClr>
+            </a:gs>
+            <a:gs pos="50000">
+              <a:schemeClr val="phClr">
+                <a:satMod val="110000"/>
+                <a:lumMod val="100000"/>
+                <a:shade val="100000"/>
+              </a:schemeClr>
+            </a:gs>
+            <a:gs pos="100000">
+              <a:schemeClr val="phClr">
+                <a:lumMod val="99000"/>
+                <a:satMod val="120000"/>
+                <a:shade val="78000"/>
+              </a:schemeClr>
+            </a:gs>
+          </a:gsLst>
+          <a:lin ang="5400000" scaled="0"/>
+        </a:gradFill>
+      </a:fillStyleLst>
+      <a:lnStyleLst>
+        <a:ln w="6350" cap="flat" cmpd="sng" algn="ctr">
+          <a:solidFill>
+            <a:schemeClr val="phClr"/>
+          </a:solidFill>
+          <a:prstDash val="solid"/>
+          <a:miter lim="800000"/>
+        </a:ln>
+        <a:ln w="12700" cap="flat" cmpd="sng" algn="ctr">
+          <a:solidFill>
+            <a:schemeClr val="phClr"/>
+          </a:solidFill>
+          <a:prstDash val="solid"/>
+          <a:miter lim="800000"/>
+        </a:ln>
+        <a:ln w="19050" cap="flat" cmpd="sng" algn="ctr">
+          <a:solidFill>
+            <a:schemeClr val="phClr"/>
+          </a:solidFill>
+          <a:prstDash val="solid"/>
+          <a:miter lim="800000"/>
+        </a:ln>
+      </a:lnStyleLst>
+      <a:effectStyleLst>
+        <a:effectStyle>
+          <a:effectLst/>
+        </a:effectStyle>
+        <a:effectStyle>
+          <a:effectLst/>
+        </a:effectStyle>
+        <a:effectStyle>
+          <a:effectLst>
+            <a:outerShdw blurRad="57150" dist="19050" dir="5400000" algn="ctr" rotWithShape="0">
+              <a:srgbClr val="000000">
+                <a:alpha val="63000"/>
+              </a:srgbClr>
+            </a:outerShdw>
+          </a:effectLst>
+        </a:effectStyle>
+      </a:effectStyleLst>
+      <a:bgFillStyleLst>
+        <a:solidFill>
+          <a:schemeClr val="phClr"/>
+        </a:solidFill>
+        <a:solidFill>
+          <a:schemeClr val="phClr">
+            <a:tint val="95000"/>
+            <a:satMod val="170000"/>
+          </a:schemeClr>
+        </a:solidFill>
+        <a:gradFill rotWithShape="1">
+          <a:gsLst>
+            <a:gs pos="0">
+              <a:schemeClr val="phClr">
+                <a:tint val="93000"/>
+                <a:satMod val="150000"/>
+                <a:shade val="98000"/>
+                <a:lumMod val="102000"/>
+              </a:schemeClr>
+            </a:gs>
+            <a:gs pos="50000">
+              <a:schemeClr val="phClr">
+                <a:tint val="98000"/>
+                <a:satMod val="130000"/>
+                <a:shade val="90000"/>
+                <a:lumMod val="103000"/>
+              </a:schemeClr>
+            </a:gs>
+            <a:gs pos="100000">
+              <a:schemeClr val="phClr">
+                <a:shade val="63000"/>
+                <a:satMod val="120000"/>
+              </a:schemeClr>
+            </a:gs>
+          </a:gsLst>
+          <a:lin ang="5400000" scaled="0"/>
+        </a:gradFill>
+      </a:bgFillStyleLst>
+    </a:fmtScheme>
+  </a:themeElements>
+  <a:objectDefaults/>
+  <a:extraClrSchemeLst/>
+  <a:extLst>
+    <a:ext uri="{05A4C25C-085E-4340-85A3-A5531E510DB2}">
+      <thm15:themeFamily xmlns:thm15="http://schemas.microsoft.com/office/thememl/2012/main" name="Office Theme" id="{62F939B6-93AF-4DB8-9C6B-D6C7DFDC589F}" vid="{4A3C46E8-61CC-4603-A589-7422A47A8E4A}"/>
+    </a:ext>
+  </a:extLst>
+</a:theme>
 </file>
--- a/fig.pptx
+++ b/fig.pptx
@@ -11,7 +11,7 @@
     <p:sldId id="256" r:id="rId2"/>
     <p:sldId id="257" r:id="rId3"/>
     <p:sldId id="258" r:id="rId4"/>
-    <p:sldId id="259" r:id="rId5"/>
+    <p:sldId id="261" r:id="rId5"/>
     <p:sldId id="260" r:id="rId6"/>
   </p:sldIdLst>
   <p:sldSz cx="12192000" cy="6858000"/>
@@ -11621,35 +11621,9288 @@
           <a:chExt cx="0" cy="0"/>
         </a:xfrm>
       </p:grpSpPr>
-      <p:sp>
-        <p:nvSpPr>
-          <p:cNvPr id="181" name="内容占位符 180">
-            <a:extLst>
-              <a:ext uri="{FF2B5EF4-FFF2-40B4-BE49-F238E27FC236}">
-                <a16:creationId xmlns:a16="http://schemas.microsoft.com/office/drawing/2014/main" id="{68C87398-A1BF-43ED-9FBE-FCB6F394142B}"/>
-              </a:ext>
-            </a:extLst>
-          </p:cNvPr>
-          <p:cNvSpPr>
-            <a:spLocks noGrp="1"/>
-          </p:cNvSpPr>
-          <p:nvPr>
-            <p:ph idx="1"/>
-          </p:nvPr>
-        </p:nvSpPr>
-        <p:spPr/>
-        <p:txBody>
-          <a:bodyPr/>
-          <a:lstStyle/>
-          <a:p>
+      <p:pic>
+        <p:nvPicPr>
+          <p:cNvPr id="5" name="图片 4">
+            <a:extLst>
+              <a:ext uri="{FF2B5EF4-FFF2-40B4-BE49-F238E27FC236}">
+                <a16:creationId xmlns:a16="http://schemas.microsoft.com/office/drawing/2014/main" id="{FE52970D-8325-4AC5-8B43-879DE24C1F93}"/>
+              </a:ext>
+            </a:extLst>
+          </p:cNvPr>
+          <p:cNvPicPr>
+            <a:picLocks noChangeAspect="1"/>
+          </p:cNvPicPr>
+          <p:nvPr/>
+        </p:nvPicPr>
+        <p:blipFill rotWithShape="1">
+          <a:blip r:embed="rId2"/>
+          <a:srcRect l="21700" t="23927" r="16962" b="25117"/>
+          <a:stretch/>
+        </p:blipFill>
+        <p:spPr>
+          <a:xfrm>
+            <a:off x="177605" y="-467752"/>
+            <a:ext cx="11113477" cy="7793503"/>
+          </a:xfrm>
+          <a:prstGeom prst="rect">
+            <a:avLst/>
+          </a:prstGeom>
+        </p:spPr>
+      </p:pic>
+      <p:sp>
+        <p:nvSpPr>
+          <p:cNvPr id="4" name="椭圆 3">
+            <a:extLst>
+              <a:ext uri="{FF2B5EF4-FFF2-40B4-BE49-F238E27FC236}">
+                <a16:creationId xmlns:a16="http://schemas.microsoft.com/office/drawing/2014/main" id="{D73DEFEC-39E0-4C91-AAB7-D5D9DB16A028}"/>
+              </a:ext>
+            </a:extLst>
+          </p:cNvPr>
+          <p:cNvSpPr/>
+          <p:nvPr/>
+        </p:nvSpPr>
+        <p:spPr>
+          <a:xfrm>
+            <a:off x="4740225" y="795998"/>
+            <a:ext cx="239151" cy="211015"/>
+          </a:xfrm>
+          <a:prstGeom prst="ellipse">
+            <a:avLst/>
+          </a:prstGeom>
+          <a:solidFill>
+            <a:schemeClr val="tx1"/>
+          </a:solidFill>
+          <a:ln>
+            <a:noFill/>
+          </a:ln>
+        </p:spPr>
+        <p:style>
+          <a:lnRef idx="2">
+            <a:schemeClr val="accent1">
+              <a:shade val="50000"/>
+            </a:schemeClr>
+          </a:lnRef>
+          <a:fillRef idx="1">
+            <a:schemeClr val="accent1"/>
+          </a:fillRef>
+          <a:effectRef idx="0">
+            <a:schemeClr val="accent1"/>
+          </a:effectRef>
+          <a:fontRef idx="minor">
+            <a:schemeClr val="lt1"/>
+          </a:fontRef>
+        </p:style>
+        <p:txBody>
+          <a:bodyPr rtlCol="0" anchor="ctr"/>
+          <a:lstStyle/>
+          <a:p>
+            <a:pPr algn="ctr"/>
             <a:endParaRPr lang="zh-CN" altLang="en-US"/>
+          </a:p>
+        </p:txBody>
+      </p:sp>
+      <p:sp>
+        <p:nvSpPr>
+          <p:cNvPr id="6" name="椭圆 5">
+            <a:extLst>
+              <a:ext uri="{FF2B5EF4-FFF2-40B4-BE49-F238E27FC236}">
+                <a16:creationId xmlns:a16="http://schemas.microsoft.com/office/drawing/2014/main" id="{4F801746-26F6-49AC-BD18-2417574EB657}"/>
+              </a:ext>
+            </a:extLst>
+          </p:cNvPr>
+          <p:cNvSpPr/>
+          <p:nvPr/>
+        </p:nvSpPr>
+        <p:spPr>
+          <a:xfrm>
+            <a:off x="3936022" y="1511106"/>
+            <a:ext cx="239151" cy="211015"/>
+          </a:xfrm>
+          <a:prstGeom prst="ellipse">
+            <a:avLst/>
+          </a:prstGeom>
+          <a:solidFill>
+            <a:schemeClr val="tx1"/>
+          </a:solidFill>
+          <a:ln>
+            <a:noFill/>
+          </a:ln>
+        </p:spPr>
+        <p:style>
+          <a:lnRef idx="2">
+            <a:schemeClr val="accent1">
+              <a:shade val="50000"/>
+            </a:schemeClr>
+          </a:lnRef>
+          <a:fillRef idx="1">
+            <a:schemeClr val="accent1"/>
+          </a:fillRef>
+          <a:effectRef idx="0">
+            <a:schemeClr val="accent1"/>
+          </a:effectRef>
+          <a:fontRef idx="minor">
+            <a:schemeClr val="lt1"/>
+          </a:fontRef>
+        </p:style>
+        <p:txBody>
+          <a:bodyPr rtlCol="0" anchor="ctr"/>
+          <a:lstStyle/>
+          <a:p>
+            <a:pPr algn="ctr"/>
+            <a:endParaRPr lang="zh-CN" altLang="en-US"/>
+          </a:p>
+        </p:txBody>
+      </p:sp>
+      <p:sp>
+        <p:nvSpPr>
+          <p:cNvPr id="7" name="椭圆 6">
+            <a:extLst>
+              <a:ext uri="{FF2B5EF4-FFF2-40B4-BE49-F238E27FC236}">
+                <a16:creationId xmlns:a16="http://schemas.microsoft.com/office/drawing/2014/main" id="{3001E821-0D60-4548-AA95-A1428D39FB4B}"/>
+              </a:ext>
+            </a:extLst>
+          </p:cNvPr>
+          <p:cNvSpPr/>
+          <p:nvPr/>
+        </p:nvSpPr>
+        <p:spPr>
+          <a:xfrm>
+            <a:off x="3131819" y="2309448"/>
+            <a:ext cx="239151" cy="211015"/>
+          </a:xfrm>
+          <a:prstGeom prst="ellipse">
+            <a:avLst/>
+          </a:prstGeom>
+          <a:solidFill>
+            <a:schemeClr val="tx1"/>
+          </a:solidFill>
+          <a:ln>
+            <a:noFill/>
+          </a:ln>
+        </p:spPr>
+        <p:style>
+          <a:lnRef idx="2">
+            <a:schemeClr val="accent1">
+              <a:shade val="50000"/>
+            </a:schemeClr>
+          </a:lnRef>
+          <a:fillRef idx="1">
+            <a:schemeClr val="accent1"/>
+          </a:fillRef>
+          <a:effectRef idx="0">
+            <a:schemeClr val="accent1"/>
+          </a:effectRef>
+          <a:fontRef idx="minor">
+            <a:schemeClr val="lt1"/>
+          </a:fontRef>
+        </p:style>
+        <p:txBody>
+          <a:bodyPr rtlCol="0" anchor="ctr"/>
+          <a:lstStyle/>
+          <a:p>
+            <a:pPr algn="ctr"/>
+            <a:endParaRPr lang="zh-CN" altLang="en-US"/>
+          </a:p>
+        </p:txBody>
+      </p:sp>
+      <p:sp>
+        <p:nvSpPr>
+          <p:cNvPr id="8" name="椭圆 7">
+            <a:extLst>
+              <a:ext uri="{FF2B5EF4-FFF2-40B4-BE49-F238E27FC236}">
+                <a16:creationId xmlns:a16="http://schemas.microsoft.com/office/drawing/2014/main" id="{E4BC3ADF-52EF-46C4-A701-83DCC7199218}"/>
+              </a:ext>
+            </a:extLst>
+          </p:cNvPr>
+          <p:cNvSpPr/>
+          <p:nvPr/>
+        </p:nvSpPr>
+        <p:spPr>
+          <a:xfrm>
+            <a:off x="2032195" y="3376248"/>
+            <a:ext cx="239151" cy="211015"/>
+          </a:xfrm>
+          <a:prstGeom prst="ellipse">
+            <a:avLst/>
+          </a:prstGeom>
+          <a:solidFill>
+            <a:schemeClr val="tx1"/>
+          </a:solidFill>
+          <a:ln>
+            <a:noFill/>
+          </a:ln>
+        </p:spPr>
+        <p:style>
+          <a:lnRef idx="2">
+            <a:schemeClr val="accent1">
+              <a:shade val="50000"/>
+            </a:schemeClr>
+          </a:lnRef>
+          <a:fillRef idx="1">
+            <a:schemeClr val="accent1"/>
+          </a:fillRef>
+          <a:effectRef idx="0">
+            <a:schemeClr val="accent1"/>
+          </a:effectRef>
+          <a:fontRef idx="minor">
+            <a:schemeClr val="lt1"/>
+          </a:fontRef>
+        </p:style>
+        <p:txBody>
+          <a:bodyPr rtlCol="0" anchor="ctr"/>
+          <a:lstStyle/>
+          <a:p>
+            <a:pPr algn="ctr"/>
+            <a:endParaRPr lang="zh-CN" altLang="en-US"/>
+          </a:p>
+        </p:txBody>
+      </p:sp>
+      <p:sp>
+        <p:nvSpPr>
+          <p:cNvPr id="9" name="椭圆 8">
+            <a:extLst>
+              <a:ext uri="{FF2B5EF4-FFF2-40B4-BE49-F238E27FC236}">
+                <a16:creationId xmlns:a16="http://schemas.microsoft.com/office/drawing/2014/main" id="{442BC09D-6C24-4D99-A73B-19672143D775}"/>
+              </a:ext>
+            </a:extLst>
+          </p:cNvPr>
+          <p:cNvSpPr/>
+          <p:nvPr/>
+        </p:nvSpPr>
+        <p:spPr>
+          <a:xfrm>
+            <a:off x="2578490" y="4006950"/>
+            <a:ext cx="239151" cy="211015"/>
+          </a:xfrm>
+          <a:prstGeom prst="ellipse">
+            <a:avLst/>
+          </a:prstGeom>
+          <a:solidFill>
+            <a:schemeClr val="tx1"/>
+          </a:solidFill>
+          <a:ln>
+            <a:noFill/>
+          </a:ln>
+        </p:spPr>
+        <p:style>
+          <a:lnRef idx="2">
+            <a:schemeClr val="accent1">
+              <a:shade val="50000"/>
+            </a:schemeClr>
+          </a:lnRef>
+          <a:fillRef idx="1">
+            <a:schemeClr val="accent1"/>
+          </a:fillRef>
+          <a:effectRef idx="0">
+            <a:schemeClr val="accent1"/>
+          </a:effectRef>
+          <a:fontRef idx="minor">
+            <a:schemeClr val="lt1"/>
+          </a:fontRef>
+        </p:style>
+        <p:txBody>
+          <a:bodyPr rtlCol="0" anchor="ctr"/>
+          <a:lstStyle/>
+          <a:p>
+            <a:pPr algn="ctr"/>
+            <a:endParaRPr lang="zh-CN" altLang="en-US"/>
+          </a:p>
+        </p:txBody>
+      </p:sp>
+      <p:sp>
+        <p:nvSpPr>
+          <p:cNvPr id="10" name="椭圆 9">
+            <a:extLst>
+              <a:ext uri="{FF2B5EF4-FFF2-40B4-BE49-F238E27FC236}">
+                <a16:creationId xmlns:a16="http://schemas.microsoft.com/office/drawing/2014/main" id="{B504FAAA-E64E-49A7-9DDE-D70EC9A047FC}"/>
+              </a:ext>
+            </a:extLst>
+          </p:cNvPr>
+          <p:cNvSpPr/>
+          <p:nvPr/>
+        </p:nvSpPr>
+        <p:spPr>
+          <a:xfrm>
+            <a:off x="3131819" y="4567313"/>
+            <a:ext cx="239151" cy="211015"/>
+          </a:xfrm>
+          <a:prstGeom prst="ellipse">
+            <a:avLst/>
+          </a:prstGeom>
+          <a:solidFill>
+            <a:schemeClr val="tx1"/>
+          </a:solidFill>
+          <a:ln>
+            <a:noFill/>
+          </a:ln>
+        </p:spPr>
+        <p:style>
+          <a:lnRef idx="2">
+            <a:schemeClr val="accent1">
+              <a:shade val="50000"/>
+            </a:schemeClr>
+          </a:lnRef>
+          <a:fillRef idx="1">
+            <a:schemeClr val="accent1"/>
+          </a:fillRef>
+          <a:effectRef idx="0">
+            <a:schemeClr val="accent1"/>
+          </a:effectRef>
+          <a:fontRef idx="minor">
+            <a:schemeClr val="lt1"/>
+          </a:fontRef>
+        </p:style>
+        <p:txBody>
+          <a:bodyPr rtlCol="0" anchor="ctr"/>
+          <a:lstStyle/>
+          <a:p>
+            <a:pPr algn="ctr"/>
+            <a:endParaRPr lang="zh-CN" altLang="en-US"/>
+          </a:p>
+        </p:txBody>
+      </p:sp>
+      <p:sp>
+        <p:nvSpPr>
+          <p:cNvPr id="11" name="椭圆 10">
+            <a:extLst>
+              <a:ext uri="{FF2B5EF4-FFF2-40B4-BE49-F238E27FC236}">
+                <a16:creationId xmlns:a16="http://schemas.microsoft.com/office/drawing/2014/main" id="{C8303315-9FB5-483A-B0F2-6711BF888BC5}"/>
+              </a:ext>
+            </a:extLst>
+          </p:cNvPr>
+          <p:cNvSpPr/>
+          <p:nvPr/>
+        </p:nvSpPr>
+        <p:spPr>
+          <a:xfrm>
+            <a:off x="3816446" y="5346894"/>
+            <a:ext cx="239151" cy="211015"/>
+          </a:xfrm>
+          <a:prstGeom prst="ellipse">
+            <a:avLst/>
+          </a:prstGeom>
+          <a:solidFill>
+            <a:schemeClr val="tx1"/>
+          </a:solidFill>
+          <a:ln>
+            <a:noFill/>
+          </a:ln>
+        </p:spPr>
+        <p:style>
+          <a:lnRef idx="2">
+            <a:schemeClr val="accent1">
+              <a:shade val="50000"/>
+            </a:schemeClr>
+          </a:lnRef>
+          <a:fillRef idx="1">
+            <a:schemeClr val="accent1"/>
+          </a:fillRef>
+          <a:effectRef idx="0">
+            <a:schemeClr val="accent1"/>
+          </a:effectRef>
+          <a:fontRef idx="minor">
+            <a:schemeClr val="lt1"/>
+          </a:fontRef>
+        </p:style>
+        <p:txBody>
+          <a:bodyPr rtlCol="0" anchor="ctr"/>
+          <a:lstStyle/>
+          <a:p>
+            <a:pPr algn="ctr"/>
+            <a:endParaRPr lang="zh-CN" altLang="en-US"/>
+          </a:p>
+        </p:txBody>
+      </p:sp>
+      <p:sp>
+        <p:nvSpPr>
+          <p:cNvPr id="12" name="椭圆 11">
+            <a:extLst>
+              <a:ext uri="{FF2B5EF4-FFF2-40B4-BE49-F238E27FC236}">
+                <a16:creationId xmlns:a16="http://schemas.microsoft.com/office/drawing/2014/main" id="{247A45E9-3612-44F8-866D-120DE2B36450}"/>
+              </a:ext>
+            </a:extLst>
+          </p:cNvPr>
+          <p:cNvSpPr/>
+          <p:nvPr/>
+        </p:nvSpPr>
+        <p:spPr>
+          <a:xfrm>
+            <a:off x="4501074" y="6062002"/>
+            <a:ext cx="239151" cy="211015"/>
+          </a:xfrm>
+          <a:prstGeom prst="ellipse">
+            <a:avLst/>
+          </a:prstGeom>
+          <a:solidFill>
+            <a:schemeClr val="tx1"/>
+          </a:solidFill>
+          <a:ln>
+            <a:noFill/>
+          </a:ln>
+        </p:spPr>
+        <p:style>
+          <a:lnRef idx="2">
+            <a:schemeClr val="accent1">
+              <a:shade val="50000"/>
+            </a:schemeClr>
+          </a:lnRef>
+          <a:fillRef idx="1">
+            <a:schemeClr val="accent1"/>
+          </a:fillRef>
+          <a:effectRef idx="0">
+            <a:schemeClr val="accent1"/>
+          </a:effectRef>
+          <a:fontRef idx="minor">
+            <a:schemeClr val="lt1"/>
+          </a:fontRef>
+        </p:style>
+        <p:txBody>
+          <a:bodyPr rtlCol="0" anchor="ctr"/>
+          <a:lstStyle/>
+          <a:p>
+            <a:pPr algn="ctr"/>
+            <a:endParaRPr lang="zh-CN" altLang="en-US"/>
+          </a:p>
+        </p:txBody>
+      </p:sp>
+      <p:sp>
+        <p:nvSpPr>
+          <p:cNvPr id="13" name="椭圆 12">
+            <a:extLst>
+              <a:ext uri="{FF2B5EF4-FFF2-40B4-BE49-F238E27FC236}">
+                <a16:creationId xmlns:a16="http://schemas.microsoft.com/office/drawing/2014/main" id="{9CADB6D4-3187-48BE-86EF-0FB9ED4E6CB4}"/>
+              </a:ext>
+            </a:extLst>
+          </p:cNvPr>
+          <p:cNvSpPr/>
+          <p:nvPr/>
+        </p:nvSpPr>
+        <p:spPr>
+          <a:xfrm>
+            <a:off x="5224974" y="6646985"/>
+            <a:ext cx="239151" cy="211015"/>
+          </a:xfrm>
+          <a:prstGeom prst="ellipse">
+            <a:avLst/>
+          </a:prstGeom>
+          <a:solidFill>
+            <a:schemeClr val="tx1"/>
+          </a:solidFill>
+          <a:ln>
+            <a:noFill/>
+          </a:ln>
+        </p:spPr>
+        <p:style>
+          <a:lnRef idx="2">
+            <a:schemeClr val="accent1">
+              <a:shade val="50000"/>
+            </a:schemeClr>
+          </a:lnRef>
+          <a:fillRef idx="1">
+            <a:schemeClr val="accent1"/>
+          </a:fillRef>
+          <a:effectRef idx="0">
+            <a:schemeClr val="accent1"/>
+          </a:effectRef>
+          <a:fontRef idx="minor">
+            <a:schemeClr val="lt1"/>
+          </a:fontRef>
+        </p:style>
+        <p:txBody>
+          <a:bodyPr rtlCol="0" anchor="ctr"/>
+          <a:lstStyle/>
+          <a:p>
+            <a:pPr algn="ctr"/>
+            <a:endParaRPr lang="zh-CN" altLang="en-US"/>
+          </a:p>
+        </p:txBody>
+      </p:sp>
+      <p:sp>
+        <p:nvSpPr>
+          <p:cNvPr id="14" name="椭圆 13">
+            <a:extLst>
+              <a:ext uri="{FF2B5EF4-FFF2-40B4-BE49-F238E27FC236}">
+                <a16:creationId xmlns:a16="http://schemas.microsoft.com/office/drawing/2014/main" id="{1537E509-4807-41B9-A677-940D3514B342}"/>
+              </a:ext>
+            </a:extLst>
+          </p:cNvPr>
+          <p:cNvSpPr/>
+          <p:nvPr/>
+        </p:nvSpPr>
+        <p:spPr>
+          <a:xfrm>
+            <a:off x="5750168" y="7220243"/>
+            <a:ext cx="239151" cy="211015"/>
+          </a:xfrm>
+          <a:prstGeom prst="ellipse">
+            <a:avLst/>
+          </a:prstGeom>
+          <a:solidFill>
+            <a:schemeClr val="tx1"/>
+          </a:solidFill>
+          <a:ln>
+            <a:noFill/>
+          </a:ln>
+        </p:spPr>
+        <p:style>
+          <a:lnRef idx="2">
+            <a:schemeClr val="accent1">
+              <a:shade val="50000"/>
+            </a:schemeClr>
+          </a:lnRef>
+          <a:fillRef idx="1">
+            <a:schemeClr val="accent1"/>
+          </a:fillRef>
+          <a:effectRef idx="0">
+            <a:schemeClr val="accent1"/>
+          </a:effectRef>
+          <a:fontRef idx="minor">
+            <a:schemeClr val="lt1"/>
+          </a:fontRef>
+        </p:style>
+        <p:txBody>
+          <a:bodyPr rtlCol="0" anchor="ctr"/>
+          <a:lstStyle/>
+          <a:p>
+            <a:pPr algn="ctr"/>
+            <a:endParaRPr lang="zh-CN" altLang="en-US"/>
+          </a:p>
+        </p:txBody>
+      </p:sp>
+      <p:sp>
+        <p:nvSpPr>
+          <p:cNvPr id="15" name="椭圆 14">
+            <a:extLst>
+              <a:ext uri="{FF2B5EF4-FFF2-40B4-BE49-F238E27FC236}">
+                <a16:creationId xmlns:a16="http://schemas.microsoft.com/office/drawing/2014/main" id="{43474312-F360-492D-82B4-AD4B78347503}"/>
+              </a:ext>
+            </a:extLst>
+          </p:cNvPr>
+          <p:cNvSpPr/>
+          <p:nvPr/>
+        </p:nvSpPr>
+        <p:spPr>
+          <a:xfrm>
+            <a:off x="5869743" y="6062001"/>
+            <a:ext cx="239151" cy="211015"/>
+          </a:xfrm>
+          <a:prstGeom prst="ellipse">
+            <a:avLst/>
+          </a:prstGeom>
+          <a:solidFill>
+            <a:schemeClr val="tx1"/>
+          </a:solidFill>
+          <a:ln>
+            <a:noFill/>
+          </a:ln>
+        </p:spPr>
+        <p:style>
+          <a:lnRef idx="2">
+            <a:schemeClr val="accent1">
+              <a:shade val="50000"/>
+            </a:schemeClr>
+          </a:lnRef>
+          <a:fillRef idx="1">
+            <a:schemeClr val="accent1"/>
+          </a:fillRef>
+          <a:effectRef idx="0">
+            <a:schemeClr val="accent1"/>
+          </a:effectRef>
+          <a:fontRef idx="minor">
+            <a:schemeClr val="lt1"/>
+          </a:fontRef>
+        </p:style>
+        <p:txBody>
+          <a:bodyPr rtlCol="0" anchor="ctr"/>
+          <a:lstStyle/>
+          <a:p>
+            <a:pPr algn="ctr"/>
+            <a:endParaRPr lang="zh-CN" altLang="en-US"/>
+          </a:p>
+        </p:txBody>
+      </p:sp>
+      <p:sp>
+        <p:nvSpPr>
+          <p:cNvPr id="16" name="椭圆 15">
+            <a:extLst>
+              <a:ext uri="{FF2B5EF4-FFF2-40B4-BE49-F238E27FC236}">
+                <a16:creationId xmlns:a16="http://schemas.microsoft.com/office/drawing/2014/main" id="{6DACE027-4724-49F1-820C-64CDC26F1B64}"/>
+              </a:ext>
+            </a:extLst>
+          </p:cNvPr>
+          <p:cNvSpPr/>
+          <p:nvPr/>
+        </p:nvSpPr>
+        <p:spPr>
+          <a:xfrm>
+            <a:off x="5224973" y="5557909"/>
+            <a:ext cx="239151" cy="211015"/>
+          </a:xfrm>
+          <a:prstGeom prst="ellipse">
+            <a:avLst/>
+          </a:prstGeom>
+          <a:solidFill>
+            <a:schemeClr val="tx1"/>
+          </a:solidFill>
+          <a:ln>
+            <a:noFill/>
+          </a:ln>
+        </p:spPr>
+        <p:style>
+          <a:lnRef idx="2">
+            <a:schemeClr val="accent1">
+              <a:shade val="50000"/>
+            </a:schemeClr>
+          </a:lnRef>
+          <a:fillRef idx="1">
+            <a:schemeClr val="accent1"/>
+          </a:fillRef>
+          <a:effectRef idx="0">
+            <a:schemeClr val="accent1"/>
+          </a:effectRef>
+          <a:fontRef idx="minor">
+            <a:schemeClr val="lt1"/>
+          </a:fontRef>
+        </p:style>
+        <p:txBody>
+          <a:bodyPr rtlCol="0" anchor="ctr"/>
+          <a:lstStyle/>
+          <a:p>
+            <a:pPr algn="ctr"/>
+            <a:endParaRPr lang="zh-CN" altLang="en-US"/>
+          </a:p>
+        </p:txBody>
+      </p:sp>
+      <p:sp>
+        <p:nvSpPr>
+          <p:cNvPr id="17" name="椭圆 16">
+            <a:extLst>
+              <a:ext uri="{FF2B5EF4-FFF2-40B4-BE49-F238E27FC236}">
+                <a16:creationId xmlns:a16="http://schemas.microsoft.com/office/drawing/2014/main" id="{84222348-0B13-41D9-A49D-07D7C3C2CC46}"/>
+              </a:ext>
+            </a:extLst>
+          </p:cNvPr>
+          <p:cNvSpPr/>
+          <p:nvPr/>
+        </p:nvSpPr>
+        <p:spPr>
+          <a:xfrm>
+            <a:off x="4535948" y="4776863"/>
+            <a:ext cx="239151" cy="211015"/>
+          </a:xfrm>
+          <a:prstGeom prst="ellipse">
+            <a:avLst/>
+          </a:prstGeom>
+          <a:solidFill>
+            <a:schemeClr val="tx1"/>
+          </a:solidFill>
+          <a:ln>
+            <a:noFill/>
+          </a:ln>
+        </p:spPr>
+        <p:style>
+          <a:lnRef idx="2">
+            <a:schemeClr val="accent1">
+              <a:shade val="50000"/>
+            </a:schemeClr>
+          </a:lnRef>
+          <a:fillRef idx="1">
+            <a:schemeClr val="accent1"/>
+          </a:fillRef>
+          <a:effectRef idx="0">
+            <a:schemeClr val="accent1"/>
+          </a:effectRef>
+          <a:fontRef idx="minor">
+            <a:schemeClr val="lt1"/>
+          </a:fontRef>
+        </p:style>
+        <p:txBody>
+          <a:bodyPr rtlCol="0" anchor="ctr"/>
+          <a:lstStyle/>
+          <a:p>
+            <a:pPr algn="ctr"/>
+            <a:endParaRPr lang="zh-CN" altLang="en-US"/>
+          </a:p>
+        </p:txBody>
+      </p:sp>
+      <p:sp>
+        <p:nvSpPr>
+          <p:cNvPr id="18" name="椭圆 17">
+            <a:extLst>
+              <a:ext uri="{FF2B5EF4-FFF2-40B4-BE49-F238E27FC236}">
+                <a16:creationId xmlns:a16="http://schemas.microsoft.com/office/drawing/2014/main" id="{76AEEEE1-FD0D-4347-B22F-9EF46333DEB1}"/>
+              </a:ext>
+            </a:extLst>
+          </p:cNvPr>
+          <p:cNvSpPr/>
+          <p:nvPr/>
+        </p:nvSpPr>
+        <p:spPr>
+          <a:xfrm>
+            <a:off x="3698920" y="4006950"/>
+            <a:ext cx="239151" cy="211015"/>
+          </a:xfrm>
+          <a:prstGeom prst="ellipse">
+            <a:avLst/>
+          </a:prstGeom>
+          <a:solidFill>
+            <a:schemeClr val="tx1"/>
+          </a:solidFill>
+          <a:ln>
+            <a:noFill/>
+          </a:ln>
+        </p:spPr>
+        <p:style>
+          <a:lnRef idx="2">
+            <a:schemeClr val="accent1">
+              <a:shade val="50000"/>
+            </a:schemeClr>
+          </a:lnRef>
+          <a:fillRef idx="1">
+            <a:schemeClr val="accent1"/>
+          </a:fillRef>
+          <a:effectRef idx="0">
+            <a:schemeClr val="accent1"/>
+          </a:effectRef>
+          <a:fontRef idx="minor">
+            <a:schemeClr val="lt1"/>
+          </a:fontRef>
+        </p:style>
+        <p:txBody>
+          <a:bodyPr rtlCol="0" anchor="ctr"/>
+          <a:lstStyle/>
+          <a:p>
+            <a:pPr algn="ctr"/>
+            <a:endParaRPr lang="zh-CN" altLang="en-US"/>
+          </a:p>
+        </p:txBody>
+      </p:sp>
+      <p:sp>
+        <p:nvSpPr>
+          <p:cNvPr id="19" name="椭圆 18">
+            <a:extLst>
+              <a:ext uri="{FF2B5EF4-FFF2-40B4-BE49-F238E27FC236}">
+                <a16:creationId xmlns:a16="http://schemas.microsoft.com/office/drawing/2014/main" id="{A8A7F009-9C22-4F5C-B234-7943565DCD31}"/>
+              </a:ext>
+            </a:extLst>
+          </p:cNvPr>
+          <p:cNvSpPr/>
+          <p:nvPr/>
+        </p:nvSpPr>
+        <p:spPr>
+          <a:xfrm>
+            <a:off x="3251394" y="3402329"/>
+            <a:ext cx="239151" cy="211015"/>
+          </a:xfrm>
+          <a:prstGeom prst="ellipse">
+            <a:avLst/>
+          </a:prstGeom>
+          <a:solidFill>
+            <a:schemeClr val="tx1"/>
+          </a:solidFill>
+          <a:ln>
+            <a:noFill/>
+          </a:ln>
+        </p:spPr>
+        <p:style>
+          <a:lnRef idx="2">
+            <a:schemeClr val="accent1">
+              <a:shade val="50000"/>
+            </a:schemeClr>
+          </a:lnRef>
+          <a:fillRef idx="1">
+            <a:schemeClr val="accent1"/>
+          </a:fillRef>
+          <a:effectRef idx="0">
+            <a:schemeClr val="accent1"/>
+          </a:effectRef>
+          <a:fontRef idx="minor">
+            <a:schemeClr val="lt1"/>
+          </a:fontRef>
+        </p:style>
+        <p:txBody>
+          <a:bodyPr rtlCol="0" anchor="ctr"/>
+          <a:lstStyle/>
+          <a:p>
+            <a:pPr algn="ctr"/>
+            <a:endParaRPr lang="zh-CN" altLang="en-US"/>
+          </a:p>
+        </p:txBody>
+      </p:sp>
+      <p:sp>
+        <p:nvSpPr>
+          <p:cNvPr id="20" name="椭圆 19">
+            <a:extLst>
+              <a:ext uri="{FF2B5EF4-FFF2-40B4-BE49-F238E27FC236}">
+                <a16:creationId xmlns:a16="http://schemas.microsoft.com/office/drawing/2014/main" id="{6F8A2C1B-B564-483C-AD0C-B73E0B1948C4}"/>
+              </a:ext>
+            </a:extLst>
+          </p:cNvPr>
+          <p:cNvSpPr/>
+          <p:nvPr/>
+        </p:nvSpPr>
+        <p:spPr>
+          <a:xfrm>
+            <a:off x="3801791" y="2759028"/>
+            <a:ext cx="239151" cy="211015"/>
+          </a:xfrm>
+          <a:prstGeom prst="ellipse">
+            <a:avLst/>
+          </a:prstGeom>
+          <a:solidFill>
+            <a:schemeClr val="tx1"/>
+          </a:solidFill>
+          <a:ln>
+            <a:noFill/>
+          </a:ln>
+        </p:spPr>
+        <p:style>
+          <a:lnRef idx="2">
+            <a:schemeClr val="accent1">
+              <a:shade val="50000"/>
+            </a:schemeClr>
+          </a:lnRef>
+          <a:fillRef idx="1">
+            <a:schemeClr val="accent1"/>
+          </a:fillRef>
+          <a:effectRef idx="0">
+            <a:schemeClr val="accent1"/>
+          </a:effectRef>
+          <a:fontRef idx="minor">
+            <a:schemeClr val="lt1"/>
+          </a:fontRef>
+        </p:style>
+        <p:txBody>
+          <a:bodyPr rtlCol="0" anchor="ctr"/>
+          <a:lstStyle/>
+          <a:p>
+            <a:pPr algn="ctr"/>
+            <a:endParaRPr lang="zh-CN" altLang="en-US"/>
+          </a:p>
+        </p:txBody>
+      </p:sp>
+      <p:sp>
+        <p:nvSpPr>
+          <p:cNvPr id="21" name="椭圆 20">
+            <a:extLst>
+              <a:ext uri="{FF2B5EF4-FFF2-40B4-BE49-F238E27FC236}">
+                <a16:creationId xmlns:a16="http://schemas.microsoft.com/office/drawing/2014/main" id="{7BEDE746-8A21-4FC8-B68B-2C0C6CFE040D}"/>
+              </a:ext>
+            </a:extLst>
+          </p:cNvPr>
+          <p:cNvSpPr/>
+          <p:nvPr/>
+        </p:nvSpPr>
+        <p:spPr>
+          <a:xfrm>
+            <a:off x="4558221" y="2049048"/>
+            <a:ext cx="239151" cy="211015"/>
+          </a:xfrm>
+          <a:prstGeom prst="ellipse">
+            <a:avLst/>
+          </a:prstGeom>
+          <a:solidFill>
+            <a:schemeClr val="tx1"/>
+          </a:solidFill>
+          <a:ln>
+            <a:noFill/>
+          </a:ln>
+        </p:spPr>
+        <p:style>
+          <a:lnRef idx="2">
+            <a:schemeClr val="accent1">
+              <a:shade val="50000"/>
+            </a:schemeClr>
+          </a:lnRef>
+          <a:fillRef idx="1">
+            <a:schemeClr val="accent1"/>
+          </a:fillRef>
+          <a:effectRef idx="0">
+            <a:schemeClr val="accent1"/>
+          </a:effectRef>
+          <a:fontRef idx="minor">
+            <a:schemeClr val="lt1"/>
+          </a:fontRef>
+        </p:style>
+        <p:txBody>
+          <a:bodyPr rtlCol="0" anchor="ctr"/>
+          <a:lstStyle/>
+          <a:p>
+            <a:pPr algn="ctr"/>
+            <a:endParaRPr lang="zh-CN" altLang="en-US"/>
+          </a:p>
+        </p:txBody>
+      </p:sp>
+      <p:sp>
+        <p:nvSpPr>
+          <p:cNvPr id="22" name="椭圆 21">
+            <a:extLst>
+              <a:ext uri="{FF2B5EF4-FFF2-40B4-BE49-F238E27FC236}">
+                <a16:creationId xmlns:a16="http://schemas.microsoft.com/office/drawing/2014/main" id="{36075ED6-4C3C-4B44-8C93-5FC9EA8AB644}"/>
+              </a:ext>
+            </a:extLst>
+          </p:cNvPr>
+          <p:cNvSpPr/>
+          <p:nvPr/>
+        </p:nvSpPr>
+        <p:spPr>
+          <a:xfrm>
+            <a:off x="5246073" y="1300091"/>
+            <a:ext cx="239151" cy="211015"/>
+          </a:xfrm>
+          <a:prstGeom prst="ellipse">
+            <a:avLst/>
+          </a:prstGeom>
+          <a:solidFill>
+            <a:schemeClr val="tx1"/>
+          </a:solidFill>
+          <a:ln>
+            <a:noFill/>
+          </a:ln>
+        </p:spPr>
+        <p:style>
+          <a:lnRef idx="2">
+            <a:schemeClr val="accent1">
+              <a:shade val="50000"/>
+            </a:schemeClr>
+          </a:lnRef>
+          <a:fillRef idx="1">
+            <a:schemeClr val="accent1"/>
+          </a:fillRef>
+          <a:effectRef idx="0">
+            <a:schemeClr val="accent1"/>
+          </a:effectRef>
+          <a:fontRef idx="minor">
+            <a:schemeClr val="lt1"/>
+          </a:fontRef>
+        </p:style>
+        <p:txBody>
+          <a:bodyPr rtlCol="0" anchor="ctr"/>
+          <a:lstStyle/>
+          <a:p>
+            <a:pPr algn="ctr"/>
+            <a:endParaRPr lang="zh-CN" altLang="en-US"/>
+          </a:p>
+        </p:txBody>
+      </p:sp>
+      <p:sp>
+        <p:nvSpPr>
+          <p:cNvPr id="23" name="椭圆 22">
+            <a:extLst>
+              <a:ext uri="{FF2B5EF4-FFF2-40B4-BE49-F238E27FC236}">
+                <a16:creationId xmlns:a16="http://schemas.microsoft.com/office/drawing/2014/main" id="{63F1F7EF-A030-4E34-A27E-0B5813CEB2B4}"/>
+              </a:ext>
+            </a:extLst>
+          </p:cNvPr>
+          <p:cNvSpPr/>
+          <p:nvPr/>
+        </p:nvSpPr>
+        <p:spPr>
+          <a:xfrm>
+            <a:off x="5869743" y="901505"/>
+            <a:ext cx="239151" cy="211015"/>
+          </a:xfrm>
+          <a:prstGeom prst="ellipse">
+            <a:avLst/>
+          </a:prstGeom>
+          <a:solidFill>
+            <a:schemeClr val="tx1"/>
+          </a:solidFill>
+          <a:ln>
+            <a:noFill/>
+          </a:ln>
+        </p:spPr>
+        <p:style>
+          <a:lnRef idx="2">
+            <a:schemeClr val="accent1">
+              <a:shade val="50000"/>
+            </a:schemeClr>
+          </a:lnRef>
+          <a:fillRef idx="1">
+            <a:schemeClr val="accent1"/>
+          </a:fillRef>
+          <a:effectRef idx="0">
+            <a:schemeClr val="accent1"/>
+          </a:effectRef>
+          <a:fontRef idx="minor">
+            <a:schemeClr val="lt1"/>
+          </a:fontRef>
+        </p:style>
+        <p:txBody>
+          <a:bodyPr rtlCol="0" anchor="ctr"/>
+          <a:lstStyle/>
+          <a:p>
+            <a:pPr algn="ctr"/>
+            <a:endParaRPr lang="zh-CN" altLang="en-US"/>
+          </a:p>
+        </p:txBody>
+      </p:sp>
+      <p:sp>
+        <p:nvSpPr>
+          <p:cNvPr id="24" name="椭圆 23">
+            <a:extLst>
+              <a:ext uri="{FF2B5EF4-FFF2-40B4-BE49-F238E27FC236}">
+                <a16:creationId xmlns:a16="http://schemas.microsoft.com/office/drawing/2014/main" id="{9EE1F603-D568-438B-BE87-C0A1C882EEA5}"/>
+              </a:ext>
+            </a:extLst>
+          </p:cNvPr>
+          <p:cNvSpPr/>
+          <p:nvPr/>
+        </p:nvSpPr>
+        <p:spPr>
+          <a:xfrm>
+            <a:off x="5828712" y="1954239"/>
+            <a:ext cx="239151" cy="211015"/>
+          </a:xfrm>
+          <a:prstGeom prst="ellipse">
+            <a:avLst/>
+          </a:prstGeom>
+          <a:solidFill>
+            <a:schemeClr val="tx1"/>
+          </a:solidFill>
+          <a:ln>
+            <a:noFill/>
+          </a:ln>
+        </p:spPr>
+        <p:style>
+          <a:lnRef idx="2">
+            <a:schemeClr val="accent1">
+              <a:shade val="50000"/>
+            </a:schemeClr>
+          </a:lnRef>
+          <a:fillRef idx="1">
+            <a:schemeClr val="accent1"/>
+          </a:fillRef>
+          <a:effectRef idx="0">
+            <a:schemeClr val="accent1"/>
+          </a:effectRef>
+          <a:fontRef idx="minor">
+            <a:schemeClr val="lt1"/>
+          </a:fontRef>
+        </p:style>
+        <p:txBody>
+          <a:bodyPr rtlCol="0" anchor="ctr"/>
+          <a:lstStyle/>
+          <a:p>
+            <a:pPr algn="ctr"/>
+            <a:endParaRPr lang="zh-CN" altLang="en-US"/>
+          </a:p>
+        </p:txBody>
+      </p:sp>
+      <p:sp>
+        <p:nvSpPr>
+          <p:cNvPr id="25" name="椭圆 24">
+            <a:extLst>
+              <a:ext uri="{FF2B5EF4-FFF2-40B4-BE49-F238E27FC236}">
+                <a16:creationId xmlns:a16="http://schemas.microsoft.com/office/drawing/2014/main" id="{F4FF2F57-2A90-4822-8E38-8B817B8D9D57}"/>
+              </a:ext>
+            </a:extLst>
+          </p:cNvPr>
+          <p:cNvSpPr/>
+          <p:nvPr/>
+        </p:nvSpPr>
+        <p:spPr>
+          <a:xfrm>
+            <a:off x="6467627" y="1325590"/>
+            <a:ext cx="239151" cy="211015"/>
+          </a:xfrm>
+          <a:prstGeom prst="ellipse">
+            <a:avLst/>
+          </a:prstGeom>
+          <a:solidFill>
+            <a:schemeClr val="tx1"/>
+          </a:solidFill>
+          <a:ln>
+            <a:noFill/>
+          </a:ln>
+        </p:spPr>
+        <p:style>
+          <a:lnRef idx="2">
+            <a:schemeClr val="accent1">
+              <a:shade val="50000"/>
+            </a:schemeClr>
+          </a:lnRef>
+          <a:fillRef idx="1">
+            <a:schemeClr val="accent1"/>
+          </a:fillRef>
+          <a:effectRef idx="0">
+            <a:schemeClr val="accent1"/>
+          </a:effectRef>
+          <a:fontRef idx="minor">
+            <a:schemeClr val="lt1"/>
+          </a:fontRef>
+        </p:style>
+        <p:txBody>
+          <a:bodyPr rtlCol="0" anchor="ctr"/>
+          <a:lstStyle/>
+          <a:p>
+            <a:pPr algn="ctr"/>
+            <a:endParaRPr lang="zh-CN" altLang="en-US"/>
+          </a:p>
+        </p:txBody>
+      </p:sp>
+      <p:sp>
+        <p:nvSpPr>
+          <p:cNvPr id="26" name="椭圆 25">
+            <a:extLst>
+              <a:ext uri="{FF2B5EF4-FFF2-40B4-BE49-F238E27FC236}">
+                <a16:creationId xmlns:a16="http://schemas.microsoft.com/office/drawing/2014/main" id="{5AD57A3D-6B1A-4304-98B4-50852F3140AC}"/>
+              </a:ext>
+            </a:extLst>
+          </p:cNvPr>
+          <p:cNvSpPr/>
+          <p:nvPr/>
+        </p:nvSpPr>
+        <p:spPr>
+          <a:xfrm>
+            <a:off x="6999261" y="753503"/>
+            <a:ext cx="239151" cy="211015"/>
+          </a:xfrm>
+          <a:prstGeom prst="ellipse">
+            <a:avLst/>
+          </a:prstGeom>
+          <a:solidFill>
+            <a:schemeClr val="tx1"/>
+          </a:solidFill>
+          <a:ln>
+            <a:noFill/>
+          </a:ln>
+        </p:spPr>
+        <p:style>
+          <a:lnRef idx="2">
+            <a:schemeClr val="accent1">
+              <a:shade val="50000"/>
+            </a:schemeClr>
+          </a:lnRef>
+          <a:fillRef idx="1">
+            <a:schemeClr val="accent1"/>
+          </a:fillRef>
+          <a:effectRef idx="0">
+            <a:schemeClr val="accent1"/>
+          </a:effectRef>
+          <a:fontRef idx="minor">
+            <a:schemeClr val="lt1"/>
+          </a:fontRef>
+        </p:style>
+        <p:txBody>
+          <a:bodyPr rtlCol="0" anchor="ctr"/>
+          <a:lstStyle/>
+          <a:p>
+            <a:pPr algn="ctr"/>
+            <a:endParaRPr lang="zh-CN" altLang="en-US"/>
+          </a:p>
+        </p:txBody>
+      </p:sp>
+      <p:sp>
+        <p:nvSpPr>
+          <p:cNvPr id="27" name="椭圆 26">
+            <a:extLst>
+              <a:ext uri="{FF2B5EF4-FFF2-40B4-BE49-F238E27FC236}">
+                <a16:creationId xmlns:a16="http://schemas.microsoft.com/office/drawing/2014/main" id="{EF15676B-0C3C-4123-BFC7-F9A9F2F7A970}"/>
+              </a:ext>
+            </a:extLst>
+          </p:cNvPr>
+          <p:cNvSpPr/>
+          <p:nvPr/>
+        </p:nvSpPr>
+        <p:spPr>
+          <a:xfrm>
+            <a:off x="7814014" y="1536605"/>
+            <a:ext cx="239151" cy="211015"/>
+          </a:xfrm>
+          <a:prstGeom prst="ellipse">
+            <a:avLst/>
+          </a:prstGeom>
+          <a:solidFill>
+            <a:schemeClr val="tx1"/>
+          </a:solidFill>
+          <a:ln>
+            <a:noFill/>
+          </a:ln>
+        </p:spPr>
+        <p:style>
+          <a:lnRef idx="2">
+            <a:schemeClr val="accent1">
+              <a:shade val="50000"/>
+            </a:schemeClr>
+          </a:lnRef>
+          <a:fillRef idx="1">
+            <a:schemeClr val="accent1"/>
+          </a:fillRef>
+          <a:effectRef idx="0">
+            <a:schemeClr val="accent1"/>
+          </a:effectRef>
+          <a:fontRef idx="minor">
+            <a:schemeClr val="lt1"/>
+          </a:fontRef>
+        </p:style>
+        <p:txBody>
+          <a:bodyPr rtlCol="0" anchor="ctr"/>
+          <a:lstStyle/>
+          <a:p>
+            <a:pPr algn="ctr"/>
+            <a:endParaRPr lang="zh-CN" altLang="en-US"/>
+          </a:p>
+        </p:txBody>
+      </p:sp>
+      <p:sp>
+        <p:nvSpPr>
+          <p:cNvPr id="28" name="椭圆 27">
+            <a:extLst>
+              <a:ext uri="{FF2B5EF4-FFF2-40B4-BE49-F238E27FC236}">
+                <a16:creationId xmlns:a16="http://schemas.microsoft.com/office/drawing/2014/main" id="{13FCC0CE-E9BC-4A17-B4BA-08AA51BC80DB}"/>
+              </a:ext>
+            </a:extLst>
+          </p:cNvPr>
+          <p:cNvSpPr/>
+          <p:nvPr/>
+        </p:nvSpPr>
+        <p:spPr>
+          <a:xfrm>
+            <a:off x="7238412" y="2114261"/>
+            <a:ext cx="239151" cy="211015"/>
+          </a:xfrm>
+          <a:prstGeom prst="ellipse">
+            <a:avLst/>
+          </a:prstGeom>
+          <a:solidFill>
+            <a:schemeClr val="tx1"/>
+          </a:solidFill>
+          <a:ln>
+            <a:noFill/>
+          </a:ln>
+        </p:spPr>
+        <p:style>
+          <a:lnRef idx="2">
+            <a:schemeClr val="accent1">
+              <a:shade val="50000"/>
+            </a:schemeClr>
+          </a:lnRef>
+          <a:fillRef idx="1">
+            <a:schemeClr val="accent1"/>
+          </a:fillRef>
+          <a:effectRef idx="0">
+            <a:schemeClr val="accent1"/>
+          </a:effectRef>
+          <a:fontRef idx="minor">
+            <a:schemeClr val="lt1"/>
+          </a:fontRef>
+        </p:style>
+        <p:txBody>
+          <a:bodyPr rtlCol="0" anchor="ctr"/>
+          <a:lstStyle/>
+          <a:p>
+            <a:pPr algn="ctr"/>
+            <a:endParaRPr lang="zh-CN" altLang="en-US"/>
+          </a:p>
+        </p:txBody>
+      </p:sp>
+      <p:sp>
+        <p:nvSpPr>
+          <p:cNvPr id="29" name="椭圆 28">
+            <a:extLst>
+              <a:ext uri="{FF2B5EF4-FFF2-40B4-BE49-F238E27FC236}">
+                <a16:creationId xmlns:a16="http://schemas.microsoft.com/office/drawing/2014/main" id="{F4B9AD50-85F1-472B-AED3-79010E42A118}"/>
+              </a:ext>
+            </a:extLst>
+          </p:cNvPr>
+          <p:cNvSpPr/>
+          <p:nvPr/>
+        </p:nvSpPr>
+        <p:spPr>
+          <a:xfrm>
+            <a:off x="6706778" y="2666711"/>
+            <a:ext cx="239151" cy="211015"/>
+          </a:xfrm>
+          <a:prstGeom prst="ellipse">
+            <a:avLst/>
+          </a:prstGeom>
+          <a:solidFill>
+            <a:schemeClr val="tx1"/>
+          </a:solidFill>
+          <a:ln>
+            <a:noFill/>
+          </a:ln>
+        </p:spPr>
+        <p:style>
+          <a:lnRef idx="2">
+            <a:schemeClr val="accent1">
+              <a:shade val="50000"/>
+            </a:schemeClr>
+          </a:lnRef>
+          <a:fillRef idx="1">
+            <a:schemeClr val="accent1"/>
+          </a:fillRef>
+          <a:effectRef idx="0">
+            <a:schemeClr val="accent1"/>
+          </a:effectRef>
+          <a:fontRef idx="minor">
+            <a:schemeClr val="lt1"/>
+          </a:fontRef>
+        </p:style>
+        <p:txBody>
+          <a:bodyPr rtlCol="0" anchor="ctr"/>
+          <a:lstStyle/>
+          <a:p>
+            <a:pPr algn="ctr"/>
+            <a:endParaRPr lang="zh-CN" altLang="en-US"/>
+          </a:p>
+        </p:txBody>
+      </p:sp>
+      <p:sp>
+        <p:nvSpPr>
+          <p:cNvPr id="30" name="椭圆 29">
+            <a:extLst>
+              <a:ext uri="{FF2B5EF4-FFF2-40B4-BE49-F238E27FC236}">
+                <a16:creationId xmlns:a16="http://schemas.microsoft.com/office/drawing/2014/main" id="{B1026DF5-1C5C-400D-9912-CC0D1C669F93}"/>
+              </a:ext>
+            </a:extLst>
+          </p:cNvPr>
+          <p:cNvSpPr/>
+          <p:nvPr/>
+        </p:nvSpPr>
+        <p:spPr>
+          <a:xfrm>
+            <a:off x="8555510" y="2370699"/>
+            <a:ext cx="239151" cy="211015"/>
+          </a:xfrm>
+          <a:prstGeom prst="ellipse">
+            <a:avLst/>
+          </a:prstGeom>
+          <a:solidFill>
+            <a:schemeClr val="tx1"/>
+          </a:solidFill>
+          <a:ln>
+            <a:noFill/>
+          </a:ln>
+        </p:spPr>
+        <p:style>
+          <a:lnRef idx="2">
+            <a:schemeClr val="accent1">
+              <a:shade val="50000"/>
+            </a:schemeClr>
+          </a:lnRef>
+          <a:fillRef idx="1">
+            <a:schemeClr val="accent1"/>
+          </a:fillRef>
+          <a:effectRef idx="0">
+            <a:schemeClr val="accent1"/>
+          </a:effectRef>
+          <a:fontRef idx="minor">
+            <a:schemeClr val="lt1"/>
+          </a:fontRef>
+        </p:style>
+        <p:txBody>
+          <a:bodyPr rtlCol="0" anchor="ctr"/>
+          <a:lstStyle/>
+          <a:p>
+            <a:pPr algn="ctr"/>
+            <a:endParaRPr lang="zh-CN" altLang="en-US"/>
+          </a:p>
+        </p:txBody>
+      </p:sp>
+      <p:sp>
+        <p:nvSpPr>
+          <p:cNvPr id="31" name="椭圆 30">
+            <a:extLst>
+              <a:ext uri="{FF2B5EF4-FFF2-40B4-BE49-F238E27FC236}">
+                <a16:creationId xmlns:a16="http://schemas.microsoft.com/office/drawing/2014/main" id="{FF765464-BDFC-40AF-9EBC-A213F0C6CA39}"/>
+              </a:ext>
+            </a:extLst>
+          </p:cNvPr>
+          <p:cNvSpPr/>
+          <p:nvPr/>
+        </p:nvSpPr>
+        <p:spPr>
+          <a:xfrm>
+            <a:off x="7965250" y="2864535"/>
+            <a:ext cx="239151" cy="211015"/>
+          </a:xfrm>
+          <a:prstGeom prst="ellipse">
+            <a:avLst/>
+          </a:prstGeom>
+          <a:solidFill>
+            <a:schemeClr val="tx1"/>
+          </a:solidFill>
+          <a:ln>
+            <a:noFill/>
+          </a:ln>
+        </p:spPr>
+        <p:style>
+          <a:lnRef idx="2">
+            <a:schemeClr val="accent1">
+              <a:shade val="50000"/>
+            </a:schemeClr>
+          </a:lnRef>
+          <a:fillRef idx="1">
+            <a:schemeClr val="accent1"/>
+          </a:fillRef>
+          <a:effectRef idx="0">
+            <a:schemeClr val="accent1"/>
+          </a:effectRef>
+          <a:fontRef idx="minor">
+            <a:schemeClr val="lt1"/>
+          </a:fontRef>
+        </p:style>
+        <p:txBody>
+          <a:bodyPr rtlCol="0" anchor="ctr"/>
+          <a:lstStyle/>
+          <a:p>
+            <a:pPr algn="ctr"/>
+            <a:endParaRPr lang="zh-CN" altLang="en-US"/>
+          </a:p>
+        </p:txBody>
+      </p:sp>
+      <p:sp>
+        <p:nvSpPr>
+          <p:cNvPr id="32" name="椭圆 31">
+            <a:extLst>
+              <a:ext uri="{FF2B5EF4-FFF2-40B4-BE49-F238E27FC236}">
+                <a16:creationId xmlns:a16="http://schemas.microsoft.com/office/drawing/2014/main" id="{E05AE1A6-8AB1-4AC3-9C53-C0A4EDBA6ED5}"/>
+              </a:ext>
+            </a:extLst>
+          </p:cNvPr>
+          <p:cNvSpPr/>
+          <p:nvPr/>
+        </p:nvSpPr>
+        <p:spPr>
+          <a:xfrm>
+            <a:off x="7357987" y="3475019"/>
+            <a:ext cx="239151" cy="211015"/>
+          </a:xfrm>
+          <a:prstGeom prst="ellipse">
+            <a:avLst/>
+          </a:prstGeom>
+          <a:solidFill>
+            <a:schemeClr val="tx1"/>
+          </a:solidFill>
+          <a:ln>
+            <a:noFill/>
+          </a:ln>
+        </p:spPr>
+        <p:style>
+          <a:lnRef idx="2">
+            <a:schemeClr val="accent1">
+              <a:shade val="50000"/>
+            </a:schemeClr>
+          </a:lnRef>
+          <a:fillRef idx="1">
+            <a:schemeClr val="accent1"/>
+          </a:fillRef>
+          <a:effectRef idx="0">
+            <a:schemeClr val="accent1"/>
+          </a:effectRef>
+          <a:fontRef idx="minor">
+            <a:schemeClr val="lt1"/>
+          </a:fontRef>
+        </p:style>
+        <p:txBody>
+          <a:bodyPr rtlCol="0" anchor="ctr"/>
+          <a:lstStyle/>
+          <a:p>
+            <a:pPr algn="ctr"/>
+            <a:endParaRPr lang="zh-CN" altLang="en-US"/>
+          </a:p>
+        </p:txBody>
+      </p:sp>
+      <p:sp>
+        <p:nvSpPr>
+          <p:cNvPr id="33" name="椭圆 32">
+            <a:extLst>
+              <a:ext uri="{FF2B5EF4-FFF2-40B4-BE49-F238E27FC236}">
+                <a16:creationId xmlns:a16="http://schemas.microsoft.com/office/drawing/2014/main" id="{B51B7354-30E1-4825-94B4-448B8353C2C0}"/>
+              </a:ext>
+            </a:extLst>
+          </p:cNvPr>
+          <p:cNvSpPr/>
+          <p:nvPr/>
+        </p:nvSpPr>
+        <p:spPr>
+          <a:xfrm>
+            <a:off x="6607716" y="4217965"/>
+            <a:ext cx="239151" cy="211015"/>
+          </a:xfrm>
+          <a:prstGeom prst="ellipse">
+            <a:avLst/>
+          </a:prstGeom>
+          <a:solidFill>
+            <a:schemeClr val="tx1"/>
+          </a:solidFill>
+          <a:ln>
+            <a:noFill/>
+          </a:ln>
+        </p:spPr>
+        <p:style>
+          <a:lnRef idx="2">
+            <a:schemeClr val="accent1">
+              <a:shade val="50000"/>
+            </a:schemeClr>
+          </a:lnRef>
+          <a:fillRef idx="1">
+            <a:schemeClr val="accent1"/>
+          </a:fillRef>
+          <a:effectRef idx="0">
+            <a:schemeClr val="accent1"/>
+          </a:effectRef>
+          <a:fontRef idx="minor">
+            <a:schemeClr val="lt1"/>
+          </a:fontRef>
+        </p:style>
+        <p:txBody>
+          <a:bodyPr rtlCol="0" anchor="ctr"/>
+          <a:lstStyle/>
+          <a:p>
+            <a:pPr algn="ctr"/>
+            <a:endParaRPr lang="zh-CN" altLang="en-US"/>
+          </a:p>
+        </p:txBody>
+      </p:sp>
+      <p:sp>
+        <p:nvSpPr>
+          <p:cNvPr id="34" name="椭圆 33">
+            <a:extLst>
+              <a:ext uri="{FF2B5EF4-FFF2-40B4-BE49-F238E27FC236}">
+                <a16:creationId xmlns:a16="http://schemas.microsoft.com/office/drawing/2014/main" id="{43E9BC5D-960D-4292-A7D1-DCE5307483B2}"/>
+              </a:ext>
+            </a:extLst>
+          </p:cNvPr>
+          <p:cNvSpPr/>
+          <p:nvPr/>
+        </p:nvSpPr>
+        <p:spPr>
+          <a:xfrm>
+            <a:off x="5033742" y="4154658"/>
+            <a:ext cx="239151" cy="211015"/>
+          </a:xfrm>
+          <a:prstGeom prst="ellipse">
+            <a:avLst/>
+          </a:prstGeom>
+          <a:solidFill>
+            <a:schemeClr val="tx1"/>
+          </a:solidFill>
+          <a:ln>
+            <a:noFill/>
+          </a:ln>
+        </p:spPr>
+        <p:style>
+          <a:lnRef idx="2">
+            <a:schemeClr val="accent1">
+              <a:shade val="50000"/>
+            </a:schemeClr>
+          </a:lnRef>
+          <a:fillRef idx="1">
+            <a:schemeClr val="accent1"/>
+          </a:fillRef>
+          <a:effectRef idx="0">
+            <a:schemeClr val="accent1"/>
+          </a:effectRef>
+          <a:fontRef idx="minor">
+            <a:schemeClr val="lt1"/>
+          </a:fontRef>
+        </p:style>
+        <p:txBody>
+          <a:bodyPr rtlCol="0" anchor="ctr"/>
+          <a:lstStyle/>
+          <a:p>
+            <a:pPr algn="ctr"/>
+            <a:endParaRPr lang="zh-CN" altLang="en-US"/>
+          </a:p>
+        </p:txBody>
+      </p:sp>
+      <p:sp>
+        <p:nvSpPr>
+          <p:cNvPr id="35" name="椭圆 34">
+            <a:extLst>
+              <a:ext uri="{FF2B5EF4-FFF2-40B4-BE49-F238E27FC236}">
+                <a16:creationId xmlns:a16="http://schemas.microsoft.com/office/drawing/2014/main" id="{9F95ABDF-0241-40DA-88EE-48636EC1B551}"/>
+              </a:ext>
+            </a:extLst>
+          </p:cNvPr>
+          <p:cNvSpPr/>
+          <p:nvPr/>
+        </p:nvSpPr>
+        <p:spPr>
+          <a:xfrm>
+            <a:off x="4430143" y="3319972"/>
+            <a:ext cx="239151" cy="211015"/>
+          </a:xfrm>
+          <a:prstGeom prst="ellipse">
+            <a:avLst/>
+          </a:prstGeom>
+          <a:solidFill>
+            <a:schemeClr val="tx1"/>
+          </a:solidFill>
+          <a:ln>
+            <a:noFill/>
+          </a:ln>
+        </p:spPr>
+        <p:style>
+          <a:lnRef idx="2">
+            <a:schemeClr val="accent1">
+              <a:shade val="50000"/>
+            </a:schemeClr>
+          </a:lnRef>
+          <a:fillRef idx="1">
+            <a:schemeClr val="accent1"/>
+          </a:fillRef>
+          <a:effectRef idx="0">
+            <a:schemeClr val="accent1"/>
+          </a:effectRef>
+          <a:fontRef idx="minor">
+            <a:schemeClr val="lt1"/>
+          </a:fontRef>
+        </p:style>
+        <p:txBody>
+          <a:bodyPr rtlCol="0" anchor="ctr"/>
+          <a:lstStyle/>
+          <a:p>
+            <a:pPr algn="ctr"/>
+            <a:endParaRPr lang="zh-CN" altLang="en-US"/>
+          </a:p>
+        </p:txBody>
+      </p:sp>
+      <p:sp>
+        <p:nvSpPr>
+          <p:cNvPr id="36" name="椭圆 35">
+            <a:extLst>
+              <a:ext uri="{FF2B5EF4-FFF2-40B4-BE49-F238E27FC236}">
+                <a16:creationId xmlns:a16="http://schemas.microsoft.com/office/drawing/2014/main" id="{7862CE89-49C1-4F12-BC32-37B79C4F6841}"/>
+              </a:ext>
+            </a:extLst>
+          </p:cNvPr>
+          <p:cNvSpPr/>
+          <p:nvPr/>
+        </p:nvSpPr>
+        <p:spPr>
+          <a:xfrm>
+            <a:off x="5820501" y="4847491"/>
+            <a:ext cx="239151" cy="211015"/>
+          </a:xfrm>
+          <a:prstGeom prst="ellipse">
+            <a:avLst/>
+          </a:prstGeom>
+          <a:solidFill>
+            <a:schemeClr val="tx1"/>
+          </a:solidFill>
+          <a:ln>
+            <a:noFill/>
+          </a:ln>
+        </p:spPr>
+        <p:style>
+          <a:lnRef idx="2">
+            <a:schemeClr val="accent1">
+              <a:shade val="50000"/>
+            </a:schemeClr>
+          </a:lnRef>
+          <a:fillRef idx="1">
+            <a:schemeClr val="accent1"/>
+          </a:fillRef>
+          <a:effectRef idx="0">
+            <a:schemeClr val="accent1"/>
+          </a:effectRef>
+          <a:fontRef idx="minor">
+            <a:schemeClr val="lt1"/>
+          </a:fontRef>
+        </p:style>
+        <p:txBody>
+          <a:bodyPr rtlCol="0" anchor="ctr"/>
+          <a:lstStyle/>
+          <a:p>
+            <a:pPr algn="ctr"/>
+            <a:endParaRPr lang="zh-CN" altLang="en-US"/>
+          </a:p>
+        </p:txBody>
+      </p:sp>
+      <p:sp>
+        <p:nvSpPr>
+          <p:cNvPr id="37" name="椭圆 36">
+            <a:extLst>
+              <a:ext uri="{FF2B5EF4-FFF2-40B4-BE49-F238E27FC236}">
+                <a16:creationId xmlns:a16="http://schemas.microsoft.com/office/drawing/2014/main" id="{390A825F-4225-447D-A48F-164372E195BA}"/>
+              </a:ext>
+            </a:extLst>
+          </p:cNvPr>
+          <p:cNvSpPr/>
+          <p:nvPr/>
+        </p:nvSpPr>
+        <p:spPr>
+          <a:xfrm>
+            <a:off x="6394349" y="5526254"/>
+            <a:ext cx="239151" cy="211015"/>
+          </a:xfrm>
+          <a:prstGeom prst="ellipse">
+            <a:avLst/>
+          </a:prstGeom>
+          <a:solidFill>
+            <a:schemeClr val="tx1"/>
+          </a:solidFill>
+          <a:ln>
+            <a:noFill/>
+          </a:ln>
+        </p:spPr>
+        <p:style>
+          <a:lnRef idx="2">
+            <a:schemeClr val="accent1">
+              <a:shade val="50000"/>
+            </a:schemeClr>
+          </a:lnRef>
+          <a:fillRef idx="1">
+            <a:schemeClr val="accent1"/>
+          </a:fillRef>
+          <a:effectRef idx="0">
+            <a:schemeClr val="accent1"/>
+          </a:effectRef>
+          <a:fontRef idx="minor">
+            <a:schemeClr val="lt1"/>
+          </a:fontRef>
+        </p:style>
+        <p:txBody>
+          <a:bodyPr rtlCol="0" anchor="ctr"/>
+          <a:lstStyle/>
+          <a:p>
+            <a:pPr algn="ctr"/>
+            <a:endParaRPr lang="zh-CN" altLang="en-US"/>
+          </a:p>
+        </p:txBody>
+      </p:sp>
+      <p:sp>
+        <p:nvSpPr>
+          <p:cNvPr id="38" name="椭圆 37">
+            <a:extLst>
+              <a:ext uri="{FF2B5EF4-FFF2-40B4-BE49-F238E27FC236}">
+                <a16:creationId xmlns:a16="http://schemas.microsoft.com/office/drawing/2014/main" id="{E074FF51-12F3-4C4D-B591-38F23D2F810E}"/>
+              </a:ext>
+            </a:extLst>
+          </p:cNvPr>
+          <p:cNvSpPr/>
+          <p:nvPr/>
+        </p:nvSpPr>
+        <p:spPr>
+          <a:xfrm>
+            <a:off x="7151662" y="4835777"/>
+            <a:ext cx="239151" cy="211015"/>
+          </a:xfrm>
+          <a:prstGeom prst="ellipse">
+            <a:avLst/>
+          </a:prstGeom>
+          <a:solidFill>
+            <a:schemeClr val="tx1"/>
+          </a:solidFill>
+          <a:ln>
+            <a:noFill/>
+          </a:ln>
+        </p:spPr>
+        <p:style>
+          <a:lnRef idx="2">
+            <a:schemeClr val="accent1">
+              <a:shade val="50000"/>
+            </a:schemeClr>
+          </a:lnRef>
+          <a:fillRef idx="1">
+            <a:schemeClr val="accent1"/>
+          </a:fillRef>
+          <a:effectRef idx="0">
+            <a:schemeClr val="accent1"/>
+          </a:effectRef>
+          <a:fontRef idx="minor">
+            <a:schemeClr val="lt1"/>
+          </a:fontRef>
+        </p:style>
+        <p:txBody>
+          <a:bodyPr rtlCol="0" anchor="ctr"/>
+          <a:lstStyle/>
+          <a:p>
+            <a:pPr algn="ctr"/>
+            <a:endParaRPr lang="zh-CN" altLang="en-US"/>
+          </a:p>
+        </p:txBody>
+      </p:sp>
+      <p:sp>
+        <p:nvSpPr>
+          <p:cNvPr id="39" name="椭圆 38">
+            <a:extLst>
+              <a:ext uri="{FF2B5EF4-FFF2-40B4-BE49-F238E27FC236}">
+                <a16:creationId xmlns:a16="http://schemas.microsoft.com/office/drawing/2014/main" id="{FB7DCF3A-2EF6-4FCB-B9DE-7306ECBB15A8}"/>
+              </a:ext>
+            </a:extLst>
+          </p:cNvPr>
+          <p:cNvSpPr/>
+          <p:nvPr/>
+        </p:nvSpPr>
+        <p:spPr>
+          <a:xfrm>
+            <a:off x="6907242" y="6123252"/>
+            <a:ext cx="239151" cy="211015"/>
+          </a:xfrm>
+          <a:prstGeom prst="ellipse">
+            <a:avLst/>
+          </a:prstGeom>
+          <a:solidFill>
+            <a:schemeClr val="tx1"/>
+          </a:solidFill>
+          <a:ln>
+            <a:noFill/>
+          </a:ln>
+        </p:spPr>
+        <p:style>
+          <a:lnRef idx="2">
+            <a:schemeClr val="accent1">
+              <a:shade val="50000"/>
+            </a:schemeClr>
+          </a:lnRef>
+          <a:fillRef idx="1">
+            <a:schemeClr val="accent1"/>
+          </a:fillRef>
+          <a:effectRef idx="0">
+            <a:schemeClr val="accent1"/>
+          </a:effectRef>
+          <a:fontRef idx="minor">
+            <a:schemeClr val="lt1"/>
+          </a:fontRef>
+        </p:style>
+        <p:txBody>
+          <a:bodyPr rtlCol="0" anchor="ctr"/>
+          <a:lstStyle/>
+          <a:p>
+            <a:pPr algn="ctr"/>
+            <a:endParaRPr lang="zh-CN" altLang="en-US"/>
+          </a:p>
+        </p:txBody>
+      </p:sp>
+      <p:sp>
+        <p:nvSpPr>
+          <p:cNvPr id="40" name="椭圆 39">
+            <a:extLst>
+              <a:ext uri="{FF2B5EF4-FFF2-40B4-BE49-F238E27FC236}">
+                <a16:creationId xmlns:a16="http://schemas.microsoft.com/office/drawing/2014/main" id="{0CCD6EDC-9728-45AA-9073-CADF4351197E}"/>
+              </a:ext>
+            </a:extLst>
+          </p:cNvPr>
+          <p:cNvSpPr/>
+          <p:nvPr/>
+        </p:nvSpPr>
+        <p:spPr>
+          <a:xfrm>
+            <a:off x="7705281" y="5435693"/>
+            <a:ext cx="239151" cy="211015"/>
+          </a:xfrm>
+          <a:prstGeom prst="ellipse">
+            <a:avLst/>
+          </a:prstGeom>
+          <a:solidFill>
+            <a:schemeClr val="tx1"/>
+          </a:solidFill>
+          <a:ln>
+            <a:noFill/>
+          </a:ln>
+        </p:spPr>
+        <p:style>
+          <a:lnRef idx="2">
+            <a:schemeClr val="accent1">
+              <a:shade val="50000"/>
+            </a:schemeClr>
+          </a:lnRef>
+          <a:fillRef idx="1">
+            <a:schemeClr val="accent1"/>
+          </a:fillRef>
+          <a:effectRef idx="0">
+            <a:schemeClr val="accent1"/>
+          </a:effectRef>
+          <a:fontRef idx="minor">
+            <a:schemeClr val="lt1"/>
+          </a:fontRef>
+        </p:style>
+        <p:txBody>
+          <a:bodyPr rtlCol="0" anchor="ctr"/>
+          <a:lstStyle/>
+          <a:p>
+            <a:pPr algn="ctr"/>
+            <a:endParaRPr lang="zh-CN" altLang="en-US"/>
+          </a:p>
+        </p:txBody>
+      </p:sp>
+      <p:sp>
+        <p:nvSpPr>
+          <p:cNvPr id="41" name="椭圆 40">
+            <a:extLst>
+              <a:ext uri="{FF2B5EF4-FFF2-40B4-BE49-F238E27FC236}">
+                <a16:creationId xmlns:a16="http://schemas.microsoft.com/office/drawing/2014/main" id="{0F3B69BA-1756-43A2-8A78-D16D40ACDEDE}"/>
+              </a:ext>
+            </a:extLst>
+          </p:cNvPr>
+          <p:cNvSpPr/>
+          <p:nvPr/>
+        </p:nvSpPr>
+        <p:spPr>
+          <a:xfrm>
+            <a:off x="8584231" y="4661397"/>
+            <a:ext cx="239151" cy="211015"/>
+          </a:xfrm>
+          <a:prstGeom prst="ellipse">
+            <a:avLst/>
+          </a:prstGeom>
+          <a:solidFill>
+            <a:schemeClr val="tx1"/>
+          </a:solidFill>
+          <a:ln>
+            <a:noFill/>
+          </a:ln>
+        </p:spPr>
+        <p:style>
+          <a:lnRef idx="2">
+            <a:schemeClr val="accent1">
+              <a:shade val="50000"/>
+            </a:schemeClr>
+          </a:lnRef>
+          <a:fillRef idx="1">
+            <a:schemeClr val="accent1"/>
+          </a:fillRef>
+          <a:effectRef idx="0">
+            <a:schemeClr val="accent1"/>
+          </a:effectRef>
+          <a:fontRef idx="minor">
+            <a:schemeClr val="lt1"/>
+          </a:fontRef>
+        </p:style>
+        <p:txBody>
+          <a:bodyPr rtlCol="0" anchor="ctr"/>
+          <a:lstStyle/>
+          <a:p>
+            <a:pPr algn="ctr"/>
+            <a:endParaRPr lang="zh-CN" altLang="en-US"/>
+          </a:p>
+        </p:txBody>
+      </p:sp>
+      <p:sp>
+        <p:nvSpPr>
+          <p:cNvPr id="42" name="椭圆 41">
+            <a:extLst>
+              <a:ext uri="{FF2B5EF4-FFF2-40B4-BE49-F238E27FC236}">
+                <a16:creationId xmlns:a16="http://schemas.microsoft.com/office/drawing/2014/main" id="{6B796D52-27CD-4772-97C6-D821F3DBC181}"/>
+              </a:ext>
+            </a:extLst>
+          </p:cNvPr>
+          <p:cNvSpPr/>
+          <p:nvPr/>
+        </p:nvSpPr>
+        <p:spPr>
+          <a:xfrm>
+            <a:off x="7933589" y="4050767"/>
+            <a:ext cx="239151" cy="211015"/>
+          </a:xfrm>
+          <a:prstGeom prst="ellipse">
+            <a:avLst/>
+          </a:prstGeom>
+          <a:solidFill>
+            <a:schemeClr val="tx1"/>
+          </a:solidFill>
+          <a:ln>
+            <a:noFill/>
+          </a:ln>
+        </p:spPr>
+        <p:style>
+          <a:lnRef idx="2">
+            <a:schemeClr val="accent1">
+              <a:shade val="50000"/>
+            </a:schemeClr>
+          </a:lnRef>
+          <a:fillRef idx="1">
+            <a:schemeClr val="accent1"/>
+          </a:fillRef>
+          <a:effectRef idx="0">
+            <a:schemeClr val="accent1"/>
+          </a:effectRef>
+          <a:fontRef idx="minor">
+            <a:schemeClr val="lt1"/>
+          </a:fontRef>
+        </p:style>
+        <p:txBody>
+          <a:bodyPr rtlCol="0" anchor="ctr"/>
+          <a:lstStyle/>
+          <a:p>
+            <a:pPr algn="ctr"/>
+            <a:endParaRPr lang="zh-CN" altLang="en-US"/>
+          </a:p>
+        </p:txBody>
+      </p:sp>
+      <p:sp>
+        <p:nvSpPr>
+          <p:cNvPr id="43" name="椭圆 42">
+            <a:extLst>
+              <a:ext uri="{FF2B5EF4-FFF2-40B4-BE49-F238E27FC236}">
+                <a16:creationId xmlns:a16="http://schemas.microsoft.com/office/drawing/2014/main" id="{8760FDBB-AF87-416C-886C-C748398921B2}"/>
+              </a:ext>
+            </a:extLst>
+          </p:cNvPr>
+          <p:cNvSpPr/>
+          <p:nvPr/>
+        </p:nvSpPr>
+        <p:spPr>
+          <a:xfrm>
+            <a:off x="8405459" y="3481755"/>
+            <a:ext cx="239151" cy="211015"/>
+          </a:xfrm>
+          <a:prstGeom prst="ellipse">
+            <a:avLst/>
+          </a:prstGeom>
+          <a:solidFill>
+            <a:schemeClr val="tx1"/>
+          </a:solidFill>
+          <a:ln>
+            <a:noFill/>
+          </a:ln>
+        </p:spPr>
+        <p:style>
+          <a:lnRef idx="2">
+            <a:schemeClr val="accent1">
+              <a:shade val="50000"/>
+            </a:schemeClr>
+          </a:lnRef>
+          <a:fillRef idx="1">
+            <a:schemeClr val="accent1"/>
+          </a:fillRef>
+          <a:effectRef idx="0">
+            <a:schemeClr val="accent1"/>
+          </a:effectRef>
+          <a:fontRef idx="minor">
+            <a:schemeClr val="lt1"/>
+          </a:fontRef>
+        </p:style>
+        <p:txBody>
+          <a:bodyPr rtlCol="0" anchor="ctr"/>
+          <a:lstStyle/>
+          <a:p>
+            <a:pPr algn="ctr"/>
+            <a:endParaRPr lang="zh-CN" altLang="en-US"/>
+          </a:p>
+        </p:txBody>
+      </p:sp>
+      <p:cxnSp>
+        <p:nvCxnSpPr>
+          <p:cNvPr id="45" name="直接箭头连接符 44">
+            <a:extLst>
+              <a:ext uri="{FF2B5EF4-FFF2-40B4-BE49-F238E27FC236}">
+                <a16:creationId xmlns:a16="http://schemas.microsoft.com/office/drawing/2014/main" id="{BA794364-717C-4150-938A-849672763DBF}"/>
+              </a:ext>
+            </a:extLst>
+          </p:cNvPr>
+          <p:cNvCxnSpPr>
+            <a:cxnSpLocks/>
+          </p:cNvCxnSpPr>
+          <p:nvPr/>
+        </p:nvCxnSpPr>
+        <p:spPr>
+          <a:xfrm flipV="1">
+            <a:off x="2222990" y="2455843"/>
+            <a:ext cx="890223" cy="843766"/>
+          </a:xfrm>
+          <a:prstGeom prst="straightConnector1">
+            <a:avLst/>
+          </a:prstGeom>
+          <a:ln w="38100">
+            <a:tailEnd type="triangle"/>
+          </a:ln>
+        </p:spPr>
+        <p:style>
+          <a:lnRef idx="1">
+            <a:schemeClr val="dk1"/>
+          </a:lnRef>
+          <a:fillRef idx="0">
+            <a:schemeClr val="dk1"/>
+          </a:fillRef>
+          <a:effectRef idx="0">
+            <a:schemeClr val="dk1"/>
+          </a:effectRef>
+          <a:fontRef idx="minor">
+            <a:schemeClr val="tx1"/>
+          </a:fontRef>
+        </p:style>
+      </p:cxnSp>
+      <p:cxnSp>
+        <p:nvCxnSpPr>
+          <p:cNvPr id="48" name="直接箭头连接符 47">
+            <a:extLst>
+              <a:ext uri="{FF2B5EF4-FFF2-40B4-BE49-F238E27FC236}">
+                <a16:creationId xmlns:a16="http://schemas.microsoft.com/office/drawing/2014/main" id="{7A4B4C11-08EC-4EBF-9200-9F74DEC3ABA9}"/>
+              </a:ext>
+            </a:extLst>
+          </p:cNvPr>
+          <p:cNvCxnSpPr>
+            <a:cxnSpLocks/>
+          </p:cNvCxnSpPr>
+          <p:nvPr/>
+        </p:nvCxnSpPr>
+        <p:spPr>
+          <a:xfrm flipV="1">
+            <a:off x="3324463" y="1722121"/>
+            <a:ext cx="676032" cy="603156"/>
+          </a:xfrm>
+          <a:prstGeom prst="straightConnector1">
+            <a:avLst/>
+          </a:prstGeom>
+          <a:ln w="38100">
+            <a:tailEnd type="triangle"/>
+          </a:ln>
+        </p:spPr>
+        <p:style>
+          <a:lnRef idx="1">
+            <a:schemeClr val="dk1"/>
+          </a:lnRef>
+          <a:fillRef idx="0">
+            <a:schemeClr val="dk1"/>
+          </a:fillRef>
+          <a:effectRef idx="0">
+            <a:schemeClr val="dk1"/>
+          </a:effectRef>
+          <a:fontRef idx="minor">
+            <a:schemeClr val="tx1"/>
+          </a:fontRef>
+        </p:style>
+      </p:cxnSp>
+      <p:cxnSp>
+        <p:nvCxnSpPr>
+          <p:cNvPr id="51" name="直接箭头连接符 50">
+            <a:extLst>
+              <a:ext uri="{FF2B5EF4-FFF2-40B4-BE49-F238E27FC236}">
+                <a16:creationId xmlns:a16="http://schemas.microsoft.com/office/drawing/2014/main" id="{92061598-8B3C-4181-A0DF-C23EA38C7D8D}"/>
+              </a:ext>
+            </a:extLst>
+          </p:cNvPr>
+          <p:cNvCxnSpPr>
+            <a:cxnSpLocks/>
+          </p:cNvCxnSpPr>
+          <p:nvPr/>
+        </p:nvCxnSpPr>
+        <p:spPr>
+          <a:xfrm flipV="1">
+            <a:off x="4138837" y="964229"/>
+            <a:ext cx="639974" cy="572376"/>
+          </a:xfrm>
+          <a:prstGeom prst="straightConnector1">
+            <a:avLst/>
+          </a:prstGeom>
+          <a:ln w="38100">
+            <a:tailEnd type="triangle"/>
+          </a:ln>
+        </p:spPr>
+        <p:style>
+          <a:lnRef idx="1">
+            <a:schemeClr val="dk1"/>
+          </a:lnRef>
+          <a:fillRef idx="0">
+            <a:schemeClr val="dk1"/>
+          </a:fillRef>
+          <a:effectRef idx="0">
+            <a:schemeClr val="dk1"/>
+          </a:effectRef>
+          <a:fontRef idx="minor">
+            <a:schemeClr val="tx1"/>
+          </a:fontRef>
+        </p:style>
+      </p:cxnSp>
+      <p:cxnSp>
+        <p:nvCxnSpPr>
+          <p:cNvPr id="53" name="直接箭头连接符 52">
+            <a:extLst>
+              <a:ext uri="{FF2B5EF4-FFF2-40B4-BE49-F238E27FC236}">
+                <a16:creationId xmlns:a16="http://schemas.microsoft.com/office/drawing/2014/main" id="{45AD7F07-485C-4E79-8299-3397BCD0A1EB}"/>
+              </a:ext>
+            </a:extLst>
+          </p:cNvPr>
+          <p:cNvCxnSpPr>
+            <a:cxnSpLocks/>
+          </p:cNvCxnSpPr>
+          <p:nvPr/>
+        </p:nvCxnSpPr>
+        <p:spPr>
+          <a:xfrm flipV="1">
+            <a:off x="4979376" y="-86308"/>
+            <a:ext cx="841125" cy="846553"/>
+          </a:xfrm>
+          <a:prstGeom prst="straightConnector1">
+            <a:avLst/>
+          </a:prstGeom>
+          <a:ln w="38100">
+            <a:tailEnd type="triangle"/>
+          </a:ln>
+        </p:spPr>
+        <p:style>
+          <a:lnRef idx="1">
+            <a:schemeClr val="dk1"/>
+          </a:lnRef>
+          <a:fillRef idx="0">
+            <a:schemeClr val="dk1"/>
+          </a:fillRef>
+          <a:effectRef idx="0">
+            <a:schemeClr val="dk1"/>
+          </a:effectRef>
+          <a:fontRef idx="minor">
+            <a:schemeClr val="tx1"/>
+          </a:fontRef>
+        </p:style>
+      </p:cxnSp>
+      <p:cxnSp>
+        <p:nvCxnSpPr>
+          <p:cNvPr id="55" name="直接箭头连接符 54">
+            <a:extLst>
+              <a:ext uri="{FF2B5EF4-FFF2-40B4-BE49-F238E27FC236}">
+                <a16:creationId xmlns:a16="http://schemas.microsoft.com/office/drawing/2014/main" id="{B61F24C3-B723-4371-8588-2177C8CA2FBF}"/>
+              </a:ext>
+            </a:extLst>
+          </p:cNvPr>
+          <p:cNvCxnSpPr>
+            <a:cxnSpLocks/>
+          </p:cNvCxnSpPr>
+          <p:nvPr/>
+        </p:nvCxnSpPr>
+        <p:spPr>
+          <a:xfrm flipH="1">
+            <a:off x="8725468" y="3714164"/>
+            <a:ext cx="1003226" cy="947233"/>
+          </a:xfrm>
+          <a:prstGeom prst="straightConnector1">
+            <a:avLst/>
+          </a:prstGeom>
+          <a:ln w="38100">
+            <a:tailEnd type="triangle"/>
+          </a:ln>
+        </p:spPr>
+        <p:style>
+          <a:lnRef idx="1">
+            <a:schemeClr val="dk1"/>
+          </a:lnRef>
+          <a:fillRef idx="0">
+            <a:schemeClr val="dk1"/>
+          </a:fillRef>
+          <a:effectRef idx="0">
+            <a:schemeClr val="dk1"/>
+          </a:effectRef>
+          <a:fontRef idx="minor">
+            <a:schemeClr val="tx1"/>
+          </a:fontRef>
+        </p:style>
+      </p:cxnSp>
+      <p:cxnSp>
+        <p:nvCxnSpPr>
+          <p:cNvPr id="58" name="直接箭头连接符 57">
+            <a:extLst>
+              <a:ext uri="{FF2B5EF4-FFF2-40B4-BE49-F238E27FC236}">
+                <a16:creationId xmlns:a16="http://schemas.microsoft.com/office/drawing/2014/main" id="{3375A17E-A26A-4E0E-B29C-7392B7A05F25}"/>
+              </a:ext>
+            </a:extLst>
+          </p:cNvPr>
+          <p:cNvCxnSpPr>
+            <a:cxnSpLocks/>
+          </p:cNvCxnSpPr>
+          <p:nvPr/>
+        </p:nvCxnSpPr>
+        <p:spPr>
+          <a:xfrm flipH="1">
+            <a:off x="7946487" y="4847491"/>
+            <a:ext cx="615626" cy="584225"/>
+          </a:xfrm>
+          <a:prstGeom prst="straightConnector1">
+            <a:avLst/>
+          </a:prstGeom>
+          <a:ln w="38100">
+            <a:tailEnd type="triangle"/>
+          </a:ln>
+        </p:spPr>
+        <p:style>
+          <a:lnRef idx="1">
+            <a:schemeClr val="dk1"/>
+          </a:lnRef>
+          <a:fillRef idx="0">
+            <a:schemeClr val="dk1"/>
+          </a:fillRef>
+          <a:effectRef idx="0">
+            <a:schemeClr val="dk1"/>
+          </a:effectRef>
+          <a:fontRef idx="minor">
+            <a:schemeClr val="tx1"/>
+          </a:fontRef>
+        </p:style>
+      </p:cxnSp>
+      <p:cxnSp>
+        <p:nvCxnSpPr>
+          <p:cNvPr id="61" name="直接箭头连接符 60">
+            <a:extLst>
+              <a:ext uri="{FF2B5EF4-FFF2-40B4-BE49-F238E27FC236}">
+                <a16:creationId xmlns:a16="http://schemas.microsoft.com/office/drawing/2014/main" id="{E93EFC51-7C0B-45EE-9C9E-4D2ACB5F946B}"/>
+              </a:ext>
+            </a:extLst>
+          </p:cNvPr>
+          <p:cNvCxnSpPr>
+            <a:cxnSpLocks/>
+          </p:cNvCxnSpPr>
+          <p:nvPr/>
+        </p:nvCxnSpPr>
+        <p:spPr>
+          <a:xfrm flipH="1">
+            <a:off x="7124035" y="5589091"/>
+            <a:ext cx="615626" cy="584225"/>
+          </a:xfrm>
+          <a:prstGeom prst="straightConnector1">
+            <a:avLst/>
+          </a:prstGeom>
+          <a:ln w="38100">
+            <a:tailEnd type="triangle"/>
+          </a:ln>
+        </p:spPr>
+        <p:style>
+          <a:lnRef idx="1">
+            <a:schemeClr val="dk1"/>
+          </a:lnRef>
+          <a:fillRef idx="0">
+            <a:schemeClr val="dk1"/>
+          </a:fillRef>
+          <a:effectRef idx="0">
+            <a:schemeClr val="dk1"/>
+          </a:effectRef>
+          <a:fontRef idx="minor">
+            <a:schemeClr val="tx1"/>
+          </a:fontRef>
+        </p:style>
+      </p:cxnSp>
+      <p:cxnSp>
+        <p:nvCxnSpPr>
+          <p:cNvPr id="62" name="直接箭头连接符 61">
+            <a:extLst>
+              <a:ext uri="{FF2B5EF4-FFF2-40B4-BE49-F238E27FC236}">
+                <a16:creationId xmlns:a16="http://schemas.microsoft.com/office/drawing/2014/main" id="{53C46FEC-F947-4C97-A8A0-06F76B360738}"/>
+              </a:ext>
+            </a:extLst>
+          </p:cNvPr>
+          <p:cNvCxnSpPr>
+            <a:cxnSpLocks/>
+          </p:cNvCxnSpPr>
+          <p:nvPr/>
+        </p:nvCxnSpPr>
+        <p:spPr>
+          <a:xfrm flipH="1">
+            <a:off x="6093069" y="6334267"/>
+            <a:ext cx="814173" cy="920832"/>
+          </a:xfrm>
+          <a:prstGeom prst="straightConnector1">
+            <a:avLst/>
+          </a:prstGeom>
+          <a:ln w="38100">
+            <a:tailEnd type="triangle"/>
+          </a:ln>
+        </p:spPr>
+        <p:style>
+          <a:lnRef idx="1">
+            <a:schemeClr val="dk1"/>
+          </a:lnRef>
+          <a:fillRef idx="0">
+            <a:schemeClr val="dk1"/>
+          </a:fillRef>
+          <a:effectRef idx="0">
+            <a:schemeClr val="dk1"/>
+          </a:effectRef>
+          <a:fontRef idx="minor">
+            <a:schemeClr val="tx1"/>
+          </a:fontRef>
+        </p:style>
+      </p:cxnSp>
+      <p:cxnSp>
+        <p:nvCxnSpPr>
+          <p:cNvPr id="66" name="直接箭头连接符 65">
+            <a:extLst>
+              <a:ext uri="{FF2B5EF4-FFF2-40B4-BE49-F238E27FC236}">
+                <a16:creationId xmlns:a16="http://schemas.microsoft.com/office/drawing/2014/main" id="{62A0F4AF-B127-417C-BEAF-583EFEE75F25}"/>
+              </a:ext>
+            </a:extLst>
+          </p:cNvPr>
+          <p:cNvCxnSpPr>
+            <a:cxnSpLocks/>
+          </p:cNvCxnSpPr>
+          <p:nvPr/>
+        </p:nvCxnSpPr>
+        <p:spPr>
+          <a:xfrm flipH="1">
+            <a:off x="5285789" y="2182548"/>
+            <a:ext cx="589060" cy="484163"/>
+          </a:xfrm>
+          <a:prstGeom prst="straightConnector1">
+            <a:avLst/>
+          </a:prstGeom>
+          <a:ln w="38100">
+            <a:tailEnd type="triangle"/>
+          </a:ln>
+        </p:spPr>
+        <p:style>
+          <a:lnRef idx="1">
+            <a:schemeClr val="dk1"/>
+          </a:lnRef>
+          <a:fillRef idx="0">
+            <a:schemeClr val="dk1"/>
+          </a:fillRef>
+          <a:effectRef idx="0">
+            <a:schemeClr val="dk1"/>
+          </a:effectRef>
+          <a:fontRef idx="minor">
+            <a:schemeClr val="tx1"/>
+          </a:fontRef>
+        </p:style>
+      </p:cxnSp>
+      <p:sp>
+        <p:nvSpPr>
+          <p:cNvPr id="67" name="椭圆 66">
+            <a:extLst>
+              <a:ext uri="{FF2B5EF4-FFF2-40B4-BE49-F238E27FC236}">
+                <a16:creationId xmlns:a16="http://schemas.microsoft.com/office/drawing/2014/main" id="{29F7A64A-3159-4DD6-852A-B9890F00CCB3}"/>
+              </a:ext>
+            </a:extLst>
+          </p:cNvPr>
+          <p:cNvSpPr/>
+          <p:nvPr/>
+        </p:nvSpPr>
+        <p:spPr>
+          <a:xfrm>
+            <a:off x="5046638" y="2621866"/>
+            <a:ext cx="239151" cy="211015"/>
+          </a:xfrm>
+          <a:prstGeom prst="ellipse">
+            <a:avLst/>
+          </a:prstGeom>
+          <a:solidFill>
+            <a:schemeClr val="tx1"/>
+          </a:solidFill>
+          <a:ln>
+            <a:noFill/>
+          </a:ln>
+        </p:spPr>
+        <p:style>
+          <a:lnRef idx="2">
+            <a:schemeClr val="accent1">
+              <a:shade val="50000"/>
+            </a:schemeClr>
+          </a:lnRef>
+          <a:fillRef idx="1">
+            <a:schemeClr val="accent1"/>
+          </a:fillRef>
+          <a:effectRef idx="0">
+            <a:schemeClr val="accent1"/>
+          </a:effectRef>
+          <a:fontRef idx="minor">
+            <a:schemeClr val="lt1"/>
+          </a:fontRef>
+        </p:style>
+        <p:txBody>
+          <a:bodyPr rtlCol="0" anchor="ctr"/>
+          <a:lstStyle/>
+          <a:p>
+            <a:pPr algn="ctr"/>
+            <a:endParaRPr lang="zh-CN" altLang="en-US"/>
+          </a:p>
+        </p:txBody>
+      </p:sp>
+      <p:cxnSp>
+        <p:nvCxnSpPr>
+          <p:cNvPr id="70" name="直接箭头连接符 69">
+            <a:extLst>
+              <a:ext uri="{FF2B5EF4-FFF2-40B4-BE49-F238E27FC236}">
+                <a16:creationId xmlns:a16="http://schemas.microsoft.com/office/drawing/2014/main" id="{2D6B70BF-04F5-4B31-8BD8-CB4C7BD4AFD2}"/>
+              </a:ext>
+            </a:extLst>
+          </p:cNvPr>
+          <p:cNvCxnSpPr>
+            <a:cxnSpLocks/>
+          </p:cNvCxnSpPr>
+          <p:nvPr/>
+        </p:nvCxnSpPr>
+        <p:spPr>
+          <a:xfrm flipH="1">
+            <a:off x="4577882" y="2850609"/>
+            <a:ext cx="482381" cy="483578"/>
+          </a:xfrm>
+          <a:prstGeom prst="straightConnector1">
+            <a:avLst/>
+          </a:prstGeom>
+          <a:ln w="38100">
+            <a:tailEnd type="triangle"/>
+          </a:ln>
+        </p:spPr>
+        <p:style>
+          <a:lnRef idx="1">
+            <a:schemeClr val="dk1"/>
+          </a:lnRef>
+          <a:fillRef idx="0">
+            <a:schemeClr val="dk1"/>
+          </a:fillRef>
+          <a:effectRef idx="0">
+            <a:schemeClr val="dk1"/>
+          </a:effectRef>
+          <a:fontRef idx="minor">
+            <a:schemeClr val="tx1"/>
+          </a:fontRef>
+        </p:style>
+      </p:cxnSp>
+      <p:cxnSp>
+        <p:nvCxnSpPr>
+          <p:cNvPr id="72" name="直接箭头连接符 71">
+            <a:extLst>
+              <a:ext uri="{FF2B5EF4-FFF2-40B4-BE49-F238E27FC236}">
+                <a16:creationId xmlns:a16="http://schemas.microsoft.com/office/drawing/2014/main" id="{73ED0356-EFFB-4D3F-B224-2CC13D1C7A47}"/>
+              </a:ext>
+            </a:extLst>
+          </p:cNvPr>
+          <p:cNvCxnSpPr>
+            <a:cxnSpLocks/>
+          </p:cNvCxnSpPr>
+          <p:nvPr/>
+        </p:nvCxnSpPr>
+        <p:spPr>
+          <a:xfrm>
+            <a:off x="4549718" y="3598837"/>
+            <a:ext cx="492745" cy="585642"/>
+          </a:xfrm>
+          <a:prstGeom prst="straightConnector1">
+            <a:avLst/>
+          </a:prstGeom>
+          <a:ln w="38100">
+            <a:tailEnd type="triangle"/>
+          </a:ln>
+        </p:spPr>
+        <p:style>
+          <a:lnRef idx="1">
+            <a:schemeClr val="dk1"/>
+          </a:lnRef>
+          <a:fillRef idx="0">
+            <a:schemeClr val="dk1"/>
+          </a:fillRef>
+          <a:effectRef idx="0">
+            <a:schemeClr val="dk1"/>
+          </a:effectRef>
+          <a:fontRef idx="minor">
+            <a:schemeClr val="tx1"/>
+          </a:fontRef>
+        </p:style>
+      </p:cxnSp>
+      <p:cxnSp>
+        <p:nvCxnSpPr>
+          <p:cNvPr id="75" name="直接箭头连接符 74">
+            <a:extLst>
+              <a:ext uri="{FF2B5EF4-FFF2-40B4-BE49-F238E27FC236}">
+                <a16:creationId xmlns:a16="http://schemas.microsoft.com/office/drawing/2014/main" id="{07E459A5-0840-4178-8B58-B8B9A416C484}"/>
+              </a:ext>
+            </a:extLst>
+          </p:cNvPr>
+          <p:cNvCxnSpPr>
+            <a:cxnSpLocks/>
+          </p:cNvCxnSpPr>
+          <p:nvPr/>
+        </p:nvCxnSpPr>
+        <p:spPr>
+          <a:xfrm>
+            <a:off x="5254788" y="4323472"/>
+            <a:ext cx="540761" cy="558898"/>
+          </a:xfrm>
+          <a:prstGeom prst="straightConnector1">
+            <a:avLst/>
+          </a:prstGeom>
+          <a:ln w="38100">
+            <a:tailEnd type="triangle"/>
+          </a:ln>
+        </p:spPr>
+        <p:style>
+          <a:lnRef idx="1">
+            <a:schemeClr val="dk1"/>
+          </a:lnRef>
+          <a:fillRef idx="0">
+            <a:schemeClr val="dk1"/>
+          </a:fillRef>
+          <a:effectRef idx="0">
+            <a:schemeClr val="dk1"/>
+          </a:effectRef>
+          <a:fontRef idx="minor">
+            <a:schemeClr val="tx1"/>
+          </a:fontRef>
+        </p:style>
+      </p:cxnSp>
+      <p:cxnSp>
+        <p:nvCxnSpPr>
+          <p:cNvPr id="77" name="直接箭头连接符 76">
+            <a:extLst>
+              <a:ext uri="{FF2B5EF4-FFF2-40B4-BE49-F238E27FC236}">
+                <a16:creationId xmlns:a16="http://schemas.microsoft.com/office/drawing/2014/main" id="{F95A2B5C-F157-4A95-B416-5BEDBC1C1F30}"/>
+              </a:ext>
+            </a:extLst>
+          </p:cNvPr>
+          <p:cNvCxnSpPr>
+            <a:cxnSpLocks/>
+          </p:cNvCxnSpPr>
+          <p:nvPr/>
+        </p:nvCxnSpPr>
+        <p:spPr>
+          <a:xfrm flipV="1">
+            <a:off x="6034290" y="4428980"/>
+            <a:ext cx="513432" cy="426272"/>
+          </a:xfrm>
+          <a:prstGeom prst="straightConnector1">
+            <a:avLst/>
+          </a:prstGeom>
+          <a:ln w="38100">
+            <a:tailEnd type="triangle"/>
+          </a:ln>
+        </p:spPr>
+        <p:style>
+          <a:lnRef idx="1">
+            <a:schemeClr val="dk1"/>
+          </a:lnRef>
+          <a:fillRef idx="0">
+            <a:schemeClr val="dk1"/>
+          </a:fillRef>
+          <a:effectRef idx="0">
+            <a:schemeClr val="dk1"/>
+          </a:effectRef>
+          <a:fontRef idx="minor">
+            <a:schemeClr val="tx1"/>
+          </a:fontRef>
+        </p:style>
+      </p:cxnSp>
+      <p:cxnSp>
+        <p:nvCxnSpPr>
+          <p:cNvPr id="81" name="直接箭头连接符 80">
+            <a:extLst>
+              <a:ext uri="{FF2B5EF4-FFF2-40B4-BE49-F238E27FC236}">
+                <a16:creationId xmlns:a16="http://schemas.microsoft.com/office/drawing/2014/main" id="{8D546F78-A3E5-40D6-BD57-4AD63A0EC05F}"/>
+              </a:ext>
+            </a:extLst>
+          </p:cNvPr>
+          <p:cNvCxnSpPr>
+            <a:cxnSpLocks/>
+          </p:cNvCxnSpPr>
+          <p:nvPr/>
+        </p:nvCxnSpPr>
+        <p:spPr>
+          <a:xfrm flipV="1">
+            <a:off x="6819321" y="3714164"/>
+            <a:ext cx="581188" cy="495880"/>
+          </a:xfrm>
+          <a:prstGeom prst="straightConnector1">
+            <a:avLst/>
+          </a:prstGeom>
+          <a:ln w="38100">
+            <a:tailEnd type="triangle"/>
+          </a:ln>
+        </p:spPr>
+        <p:style>
+          <a:lnRef idx="1">
+            <a:schemeClr val="dk1"/>
+          </a:lnRef>
+          <a:fillRef idx="0">
+            <a:schemeClr val="dk1"/>
+          </a:fillRef>
+          <a:effectRef idx="0">
+            <a:schemeClr val="dk1"/>
+          </a:effectRef>
+          <a:fontRef idx="minor">
+            <a:schemeClr val="tx1"/>
+          </a:fontRef>
+        </p:style>
+      </p:cxnSp>
+      <p:cxnSp>
+        <p:nvCxnSpPr>
+          <p:cNvPr id="83" name="直接箭头连接符 82">
+            <a:extLst>
+              <a:ext uri="{FF2B5EF4-FFF2-40B4-BE49-F238E27FC236}">
+                <a16:creationId xmlns:a16="http://schemas.microsoft.com/office/drawing/2014/main" id="{3D44CBAC-F396-4473-8749-5C2E209BAC2A}"/>
+              </a:ext>
+            </a:extLst>
+          </p:cNvPr>
+          <p:cNvCxnSpPr>
+            <a:cxnSpLocks/>
+          </p:cNvCxnSpPr>
+          <p:nvPr/>
+        </p:nvCxnSpPr>
+        <p:spPr>
+          <a:xfrm flipH="1" flipV="1">
+            <a:off x="6907243" y="2955931"/>
+            <a:ext cx="450744" cy="488584"/>
+          </a:xfrm>
+          <a:prstGeom prst="straightConnector1">
+            <a:avLst/>
+          </a:prstGeom>
+          <a:ln w="38100">
+            <a:tailEnd type="triangle"/>
+          </a:ln>
+        </p:spPr>
+        <p:style>
+          <a:lnRef idx="1">
+            <a:schemeClr val="dk1"/>
+          </a:lnRef>
+          <a:fillRef idx="0">
+            <a:schemeClr val="dk1"/>
+          </a:fillRef>
+          <a:effectRef idx="0">
+            <a:schemeClr val="dk1"/>
+          </a:effectRef>
+          <a:fontRef idx="minor">
+            <a:schemeClr val="tx1"/>
+          </a:fontRef>
+        </p:style>
+      </p:cxnSp>
+      <p:cxnSp>
+        <p:nvCxnSpPr>
+          <p:cNvPr id="86" name="直接箭头连接符 85">
+            <a:extLst>
+              <a:ext uri="{FF2B5EF4-FFF2-40B4-BE49-F238E27FC236}">
+                <a16:creationId xmlns:a16="http://schemas.microsoft.com/office/drawing/2014/main" id="{32369F43-6004-4700-A955-FA83DA49E3F3}"/>
+              </a:ext>
+            </a:extLst>
+          </p:cNvPr>
+          <p:cNvCxnSpPr>
+            <a:cxnSpLocks/>
+          </p:cNvCxnSpPr>
+          <p:nvPr/>
+        </p:nvCxnSpPr>
+        <p:spPr>
+          <a:xfrm flipH="1" flipV="1">
+            <a:off x="6159882" y="2211551"/>
+            <a:ext cx="450744" cy="488584"/>
+          </a:xfrm>
+          <a:prstGeom prst="straightConnector1">
+            <a:avLst/>
+          </a:prstGeom>
+          <a:ln w="38100">
+            <a:tailEnd type="triangle"/>
+          </a:ln>
+        </p:spPr>
+        <p:style>
+          <a:lnRef idx="1">
+            <a:schemeClr val="dk1"/>
+          </a:lnRef>
+          <a:fillRef idx="0">
+            <a:schemeClr val="dk1"/>
+          </a:fillRef>
+          <a:effectRef idx="0">
+            <a:schemeClr val="dk1"/>
+          </a:effectRef>
+          <a:fontRef idx="minor">
+            <a:schemeClr val="tx1"/>
+          </a:fontRef>
+        </p:style>
+      </p:cxnSp>
+      <p:cxnSp>
+        <p:nvCxnSpPr>
+          <p:cNvPr id="87" name="直接箭头连接符 86">
+            <a:extLst>
+              <a:ext uri="{FF2B5EF4-FFF2-40B4-BE49-F238E27FC236}">
+                <a16:creationId xmlns:a16="http://schemas.microsoft.com/office/drawing/2014/main" id="{1C3CD6C2-1B01-4D5C-95D7-44CEE61F107E}"/>
+              </a:ext>
+            </a:extLst>
+          </p:cNvPr>
+          <p:cNvCxnSpPr>
+            <a:cxnSpLocks/>
+          </p:cNvCxnSpPr>
+          <p:nvPr/>
+        </p:nvCxnSpPr>
+        <p:spPr>
+          <a:xfrm flipH="1">
+            <a:off x="5436178" y="1027199"/>
+            <a:ext cx="433565" cy="363490"/>
+          </a:xfrm>
+          <a:prstGeom prst="straightConnector1">
+            <a:avLst/>
+          </a:prstGeom>
+          <a:ln w="38100">
+            <a:tailEnd type="triangle"/>
+          </a:ln>
+        </p:spPr>
+        <p:style>
+          <a:lnRef idx="1">
+            <a:schemeClr val="dk1"/>
+          </a:lnRef>
+          <a:fillRef idx="0">
+            <a:schemeClr val="dk1"/>
+          </a:fillRef>
+          <a:effectRef idx="0">
+            <a:schemeClr val="dk1"/>
+          </a:effectRef>
+          <a:fontRef idx="minor">
+            <a:schemeClr val="tx1"/>
+          </a:fontRef>
+        </p:style>
+      </p:cxnSp>
+      <p:cxnSp>
+        <p:nvCxnSpPr>
+          <p:cNvPr id="89" name="直接箭头连接符 88">
+            <a:extLst>
+              <a:ext uri="{FF2B5EF4-FFF2-40B4-BE49-F238E27FC236}">
+                <a16:creationId xmlns:a16="http://schemas.microsoft.com/office/drawing/2014/main" id="{18C6145F-D2A0-4AE1-9D71-2F8D8583935F}"/>
+              </a:ext>
+            </a:extLst>
+          </p:cNvPr>
+          <p:cNvCxnSpPr>
+            <a:cxnSpLocks/>
+          </p:cNvCxnSpPr>
+          <p:nvPr/>
+        </p:nvCxnSpPr>
+        <p:spPr>
+          <a:xfrm flipH="1">
+            <a:off x="4735539" y="1578204"/>
+            <a:ext cx="470974" cy="485247"/>
+          </a:xfrm>
+          <a:prstGeom prst="straightConnector1">
+            <a:avLst/>
+          </a:prstGeom>
+          <a:ln w="38100">
+            <a:tailEnd type="triangle"/>
+          </a:ln>
+        </p:spPr>
+        <p:style>
+          <a:lnRef idx="1">
+            <a:schemeClr val="dk1"/>
+          </a:lnRef>
+          <a:fillRef idx="0">
+            <a:schemeClr val="dk1"/>
+          </a:fillRef>
+          <a:effectRef idx="0">
+            <a:schemeClr val="dk1"/>
+          </a:effectRef>
+          <a:fontRef idx="minor">
+            <a:schemeClr val="tx1"/>
+          </a:fontRef>
+        </p:style>
+      </p:cxnSp>
+      <p:cxnSp>
+        <p:nvCxnSpPr>
+          <p:cNvPr id="90" name="直接箭头连接符 89">
+            <a:extLst>
+              <a:ext uri="{FF2B5EF4-FFF2-40B4-BE49-F238E27FC236}">
+                <a16:creationId xmlns:a16="http://schemas.microsoft.com/office/drawing/2014/main" id="{C752D318-F7D1-4362-AA85-ECEA680580EC}"/>
+              </a:ext>
+            </a:extLst>
+          </p:cNvPr>
+          <p:cNvCxnSpPr>
+            <a:cxnSpLocks/>
+          </p:cNvCxnSpPr>
+          <p:nvPr/>
+        </p:nvCxnSpPr>
+        <p:spPr>
+          <a:xfrm flipH="1">
+            <a:off x="4028280" y="2363883"/>
+            <a:ext cx="433565" cy="363490"/>
+          </a:xfrm>
+          <a:prstGeom prst="straightConnector1">
+            <a:avLst/>
+          </a:prstGeom>
+          <a:ln w="38100">
+            <a:tailEnd type="triangle"/>
+          </a:ln>
+        </p:spPr>
+        <p:style>
+          <a:lnRef idx="1">
+            <a:schemeClr val="dk1"/>
+          </a:lnRef>
+          <a:fillRef idx="0">
+            <a:schemeClr val="dk1"/>
+          </a:fillRef>
+          <a:effectRef idx="0">
+            <a:schemeClr val="dk1"/>
+          </a:effectRef>
+          <a:fontRef idx="minor">
+            <a:schemeClr val="tx1"/>
+          </a:fontRef>
+        </p:style>
+      </p:cxnSp>
+      <p:cxnSp>
+        <p:nvCxnSpPr>
+          <p:cNvPr id="91" name="直接箭头连接符 90">
+            <a:extLst>
+              <a:ext uri="{FF2B5EF4-FFF2-40B4-BE49-F238E27FC236}">
+                <a16:creationId xmlns:a16="http://schemas.microsoft.com/office/drawing/2014/main" id="{5843D574-DDD9-4882-840D-1891310A8387}"/>
+              </a:ext>
+            </a:extLst>
+          </p:cNvPr>
+          <p:cNvCxnSpPr>
+            <a:cxnSpLocks/>
+          </p:cNvCxnSpPr>
+          <p:nvPr/>
+        </p:nvCxnSpPr>
+        <p:spPr>
+          <a:xfrm flipH="1">
+            <a:off x="3445696" y="3033492"/>
+            <a:ext cx="433565" cy="363490"/>
+          </a:xfrm>
+          <a:prstGeom prst="straightConnector1">
+            <a:avLst/>
+          </a:prstGeom>
+          <a:ln w="38100">
+            <a:tailEnd type="triangle"/>
+          </a:ln>
+        </p:spPr>
+        <p:style>
+          <a:lnRef idx="1">
+            <a:schemeClr val="dk1"/>
+          </a:lnRef>
+          <a:fillRef idx="0">
+            <a:schemeClr val="dk1"/>
+          </a:fillRef>
+          <a:effectRef idx="0">
+            <a:schemeClr val="dk1"/>
+          </a:effectRef>
+          <a:fontRef idx="minor">
+            <a:schemeClr val="tx1"/>
+          </a:fontRef>
+        </p:style>
+      </p:cxnSp>
+      <p:cxnSp>
+        <p:nvCxnSpPr>
+          <p:cNvPr id="94" name="直接箭头连接符 93">
+            <a:extLst>
+              <a:ext uri="{FF2B5EF4-FFF2-40B4-BE49-F238E27FC236}">
+                <a16:creationId xmlns:a16="http://schemas.microsoft.com/office/drawing/2014/main" id="{EB7BF1A4-2A3E-489D-9333-0F602135A1A7}"/>
+              </a:ext>
+            </a:extLst>
+          </p:cNvPr>
+          <p:cNvCxnSpPr>
+            <a:cxnSpLocks/>
+            <a:endCxn id="18" idx="1"/>
+          </p:cNvCxnSpPr>
+          <p:nvPr/>
+        </p:nvCxnSpPr>
+        <p:spPr>
+          <a:xfrm>
+            <a:off x="3251394" y="3503149"/>
+            <a:ext cx="482549" cy="534703"/>
+          </a:xfrm>
+          <a:prstGeom prst="straightConnector1">
+            <a:avLst/>
+          </a:prstGeom>
+          <a:ln w="38100">
+            <a:tailEnd type="triangle"/>
+          </a:ln>
+        </p:spPr>
+        <p:style>
+          <a:lnRef idx="1">
+            <a:schemeClr val="dk1"/>
+          </a:lnRef>
+          <a:fillRef idx="0">
+            <a:schemeClr val="dk1"/>
+          </a:fillRef>
+          <a:effectRef idx="0">
+            <a:schemeClr val="dk1"/>
+          </a:effectRef>
+          <a:fontRef idx="minor">
+            <a:schemeClr val="tx1"/>
+          </a:fontRef>
+        </p:style>
+      </p:cxnSp>
+      <p:cxnSp>
+        <p:nvCxnSpPr>
+          <p:cNvPr id="97" name="直接箭头连接符 96">
+            <a:extLst>
+              <a:ext uri="{FF2B5EF4-FFF2-40B4-BE49-F238E27FC236}">
+                <a16:creationId xmlns:a16="http://schemas.microsoft.com/office/drawing/2014/main" id="{4CCB627B-08E2-4816-87D9-93F3FF746A89}"/>
+              </a:ext>
+            </a:extLst>
+          </p:cNvPr>
+          <p:cNvCxnSpPr>
+            <a:cxnSpLocks/>
+          </p:cNvCxnSpPr>
+          <p:nvPr/>
+        </p:nvCxnSpPr>
+        <p:spPr>
+          <a:xfrm>
+            <a:off x="3934256" y="4243388"/>
+            <a:ext cx="482549" cy="534703"/>
+          </a:xfrm>
+          <a:prstGeom prst="straightConnector1">
+            <a:avLst/>
+          </a:prstGeom>
+          <a:ln w="38100">
+            <a:tailEnd type="triangle"/>
+          </a:ln>
+        </p:spPr>
+        <p:style>
+          <a:lnRef idx="1">
+            <a:schemeClr val="dk1"/>
+          </a:lnRef>
+          <a:fillRef idx="0">
+            <a:schemeClr val="dk1"/>
+          </a:fillRef>
+          <a:effectRef idx="0">
+            <a:schemeClr val="dk1"/>
+          </a:effectRef>
+          <a:fontRef idx="minor">
+            <a:schemeClr val="tx1"/>
+          </a:fontRef>
+        </p:style>
+      </p:cxnSp>
+      <p:cxnSp>
+        <p:nvCxnSpPr>
+          <p:cNvPr id="98" name="直接箭头连接符 97">
+            <a:extLst>
+              <a:ext uri="{FF2B5EF4-FFF2-40B4-BE49-F238E27FC236}">
+                <a16:creationId xmlns:a16="http://schemas.microsoft.com/office/drawing/2014/main" id="{49A4C264-4AD3-4882-BCF3-97E9DF81E3C3}"/>
+              </a:ext>
+            </a:extLst>
+          </p:cNvPr>
+          <p:cNvCxnSpPr>
+            <a:cxnSpLocks/>
+          </p:cNvCxnSpPr>
+          <p:nvPr/>
+        </p:nvCxnSpPr>
+        <p:spPr>
+          <a:xfrm>
+            <a:off x="4790344" y="5006497"/>
+            <a:ext cx="482549" cy="534703"/>
+          </a:xfrm>
+          <a:prstGeom prst="straightConnector1">
+            <a:avLst/>
+          </a:prstGeom>
+          <a:ln w="38100">
+            <a:tailEnd type="triangle"/>
+          </a:ln>
+        </p:spPr>
+        <p:style>
+          <a:lnRef idx="1">
+            <a:schemeClr val="dk1"/>
+          </a:lnRef>
+          <a:fillRef idx="0">
+            <a:schemeClr val="dk1"/>
+          </a:fillRef>
+          <a:effectRef idx="0">
+            <a:schemeClr val="dk1"/>
+          </a:effectRef>
+          <a:fontRef idx="minor">
+            <a:schemeClr val="tx1"/>
+          </a:fontRef>
+        </p:style>
+      </p:cxnSp>
+      <p:cxnSp>
+        <p:nvCxnSpPr>
+          <p:cNvPr id="99" name="直接箭头连接符 98">
+            <a:extLst>
+              <a:ext uri="{FF2B5EF4-FFF2-40B4-BE49-F238E27FC236}">
+                <a16:creationId xmlns:a16="http://schemas.microsoft.com/office/drawing/2014/main" id="{9E36C370-DF6A-4978-8D60-51FF0FCAAF93}"/>
+              </a:ext>
+            </a:extLst>
+          </p:cNvPr>
+          <p:cNvCxnSpPr>
+            <a:cxnSpLocks/>
+          </p:cNvCxnSpPr>
+          <p:nvPr/>
+        </p:nvCxnSpPr>
+        <p:spPr>
+          <a:xfrm>
+            <a:off x="5496041" y="5730552"/>
+            <a:ext cx="299508" cy="331449"/>
+          </a:xfrm>
+          <a:prstGeom prst="straightConnector1">
+            <a:avLst/>
+          </a:prstGeom>
+          <a:ln w="38100">
+            <a:tailEnd type="triangle"/>
+          </a:ln>
+        </p:spPr>
+        <p:style>
+          <a:lnRef idx="1">
+            <a:schemeClr val="dk1"/>
+          </a:lnRef>
+          <a:fillRef idx="0">
+            <a:schemeClr val="dk1"/>
+          </a:fillRef>
+          <a:effectRef idx="0">
+            <a:schemeClr val="dk1"/>
+          </a:effectRef>
+          <a:fontRef idx="minor">
+            <a:schemeClr val="tx1"/>
+          </a:fontRef>
+        </p:style>
+      </p:cxnSp>
+      <p:cxnSp>
+        <p:nvCxnSpPr>
+          <p:cNvPr id="101" name="直接箭头连接符 100">
+            <a:extLst>
+              <a:ext uri="{FF2B5EF4-FFF2-40B4-BE49-F238E27FC236}">
+                <a16:creationId xmlns:a16="http://schemas.microsoft.com/office/drawing/2014/main" id="{D53B94FC-EBB4-4D90-8539-EAF2EBD4DBC7}"/>
+              </a:ext>
+            </a:extLst>
+          </p:cNvPr>
+          <p:cNvCxnSpPr>
+            <a:cxnSpLocks/>
+            <a:endCxn id="37" idx="4"/>
+          </p:cNvCxnSpPr>
+          <p:nvPr/>
+        </p:nvCxnSpPr>
+        <p:spPr>
+          <a:xfrm flipV="1">
+            <a:off x="6084779" y="5737269"/>
+            <a:ext cx="429146" cy="356884"/>
+          </a:xfrm>
+          <a:prstGeom prst="straightConnector1">
+            <a:avLst/>
+          </a:prstGeom>
+          <a:ln w="38100">
+            <a:tailEnd type="triangle"/>
+          </a:ln>
+        </p:spPr>
+        <p:style>
+          <a:lnRef idx="1">
+            <a:schemeClr val="dk1"/>
+          </a:lnRef>
+          <a:fillRef idx="0">
+            <a:schemeClr val="dk1"/>
+          </a:fillRef>
+          <a:effectRef idx="0">
+            <a:schemeClr val="dk1"/>
+          </a:effectRef>
+          <a:fontRef idx="minor">
+            <a:schemeClr val="tx1"/>
+          </a:fontRef>
+        </p:style>
+      </p:cxnSp>
+      <p:cxnSp>
+        <p:nvCxnSpPr>
+          <p:cNvPr id="103" name="直接箭头连接符 102">
+            <a:extLst>
+              <a:ext uri="{FF2B5EF4-FFF2-40B4-BE49-F238E27FC236}">
+                <a16:creationId xmlns:a16="http://schemas.microsoft.com/office/drawing/2014/main" id="{C900AB8E-343B-4C27-84DF-FF4EDD1417E9}"/>
+              </a:ext>
+            </a:extLst>
+          </p:cNvPr>
+          <p:cNvCxnSpPr>
+            <a:cxnSpLocks/>
+          </p:cNvCxnSpPr>
+          <p:nvPr/>
+        </p:nvCxnSpPr>
+        <p:spPr>
+          <a:xfrm flipV="1">
+            <a:off x="6731396" y="5049313"/>
+            <a:ext cx="429146" cy="356884"/>
+          </a:xfrm>
+          <a:prstGeom prst="straightConnector1">
+            <a:avLst/>
+          </a:prstGeom>
+          <a:ln w="38100">
+            <a:tailEnd type="triangle"/>
+          </a:ln>
+        </p:spPr>
+        <p:style>
+          <a:lnRef idx="1">
+            <a:schemeClr val="dk1"/>
+          </a:lnRef>
+          <a:fillRef idx="0">
+            <a:schemeClr val="dk1"/>
+          </a:fillRef>
+          <a:effectRef idx="0">
+            <a:schemeClr val="dk1"/>
+          </a:effectRef>
+          <a:fontRef idx="minor">
+            <a:schemeClr val="tx1"/>
+          </a:fontRef>
+        </p:style>
+      </p:cxnSp>
+      <p:cxnSp>
+        <p:nvCxnSpPr>
+          <p:cNvPr id="104" name="直接箭头连接符 103">
+            <a:extLst>
+              <a:ext uri="{FF2B5EF4-FFF2-40B4-BE49-F238E27FC236}">
+                <a16:creationId xmlns:a16="http://schemas.microsoft.com/office/drawing/2014/main" id="{A36305EC-1E4E-4DBE-9F40-7D79BBB48442}"/>
+              </a:ext>
+            </a:extLst>
+          </p:cNvPr>
+          <p:cNvCxnSpPr>
+            <a:cxnSpLocks/>
+          </p:cNvCxnSpPr>
+          <p:nvPr/>
+        </p:nvCxnSpPr>
+        <p:spPr>
+          <a:xfrm flipV="1">
+            <a:off x="7413488" y="4250289"/>
+            <a:ext cx="530944" cy="526574"/>
+          </a:xfrm>
+          <a:prstGeom prst="straightConnector1">
+            <a:avLst/>
+          </a:prstGeom>
+          <a:ln w="38100">
+            <a:tailEnd type="triangle"/>
+          </a:ln>
+        </p:spPr>
+        <p:style>
+          <a:lnRef idx="1">
+            <a:schemeClr val="dk1"/>
+          </a:lnRef>
+          <a:fillRef idx="0">
+            <a:schemeClr val="dk1"/>
+          </a:fillRef>
+          <a:effectRef idx="0">
+            <a:schemeClr val="dk1"/>
+          </a:effectRef>
+          <a:fontRef idx="minor">
+            <a:schemeClr val="tx1"/>
+          </a:fontRef>
+        </p:style>
+      </p:cxnSp>
+      <p:cxnSp>
+        <p:nvCxnSpPr>
+          <p:cNvPr id="106" name="直接箭头连接符 105">
+            <a:extLst>
+              <a:ext uri="{FF2B5EF4-FFF2-40B4-BE49-F238E27FC236}">
+                <a16:creationId xmlns:a16="http://schemas.microsoft.com/office/drawing/2014/main" id="{45B24565-C2FC-420E-8360-484355203879}"/>
+              </a:ext>
+            </a:extLst>
+          </p:cNvPr>
+          <p:cNvCxnSpPr>
+            <a:cxnSpLocks/>
+          </p:cNvCxnSpPr>
+          <p:nvPr/>
+        </p:nvCxnSpPr>
+        <p:spPr>
+          <a:xfrm flipV="1">
+            <a:off x="8194524" y="3692770"/>
+            <a:ext cx="389707" cy="360072"/>
+          </a:xfrm>
+          <a:prstGeom prst="straightConnector1">
+            <a:avLst/>
+          </a:prstGeom>
+          <a:ln w="38100">
+            <a:tailEnd type="triangle"/>
+          </a:ln>
+        </p:spPr>
+        <p:style>
+          <a:lnRef idx="1">
+            <a:schemeClr val="dk1"/>
+          </a:lnRef>
+          <a:fillRef idx="0">
+            <a:schemeClr val="dk1"/>
+          </a:fillRef>
+          <a:effectRef idx="0">
+            <a:schemeClr val="dk1"/>
+          </a:effectRef>
+          <a:fontRef idx="minor">
+            <a:schemeClr val="tx1"/>
+          </a:fontRef>
+        </p:style>
+      </p:cxnSp>
+      <p:cxnSp>
+        <p:nvCxnSpPr>
+          <p:cNvPr id="108" name="直接箭头连接符 107">
+            <a:extLst>
+              <a:ext uri="{FF2B5EF4-FFF2-40B4-BE49-F238E27FC236}">
+                <a16:creationId xmlns:a16="http://schemas.microsoft.com/office/drawing/2014/main" id="{BD616DCC-CA2E-4212-A9D9-DC9C45DB26B0}"/>
+              </a:ext>
+            </a:extLst>
+          </p:cNvPr>
+          <p:cNvCxnSpPr>
+            <a:cxnSpLocks/>
+          </p:cNvCxnSpPr>
+          <p:nvPr/>
+        </p:nvCxnSpPr>
+        <p:spPr>
+          <a:xfrm flipH="1" flipV="1">
+            <a:off x="8172740" y="3049815"/>
+            <a:ext cx="411491" cy="438642"/>
+          </a:xfrm>
+          <a:prstGeom prst="straightConnector1">
+            <a:avLst/>
+          </a:prstGeom>
+          <a:ln w="38100">
+            <a:tailEnd type="triangle"/>
+          </a:ln>
+        </p:spPr>
+        <p:style>
+          <a:lnRef idx="1">
+            <a:schemeClr val="dk1"/>
+          </a:lnRef>
+          <a:fillRef idx="0">
+            <a:schemeClr val="dk1"/>
+          </a:fillRef>
+          <a:effectRef idx="0">
+            <a:schemeClr val="dk1"/>
+          </a:effectRef>
+          <a:fontRef idx="minor">
+            <a:schemeClr val="tx1"/>
+          </a:fontRef>
+        </p:style>
+      </p:cxnSp>
+      <p:cxnSp>
+        <p:nvCxnSpPr>
+          <p:cNvPr id="110" name="直接箭头连接符 109">
+            <a:extLst>
+              <a:ext uri="{FF2B5EF4-FFF2-40B4-BE49-F238E27FC236}">
+                <a16:creationId xmlns:a16="http://schemas.microsoft.com/office/drawing/2014/main" id="{3471572C-BC3F-4733-B242-B9DF789CC50F}"/>
+              </a:ext>
+            </a:extLst>
+          </p:cNvPr>
+          <p:cNvCxnSpPr>
+            <a:cxnSpLocks/>
+          </p:cNvCxnSpPr>
+          <p:nvPr/>
+        </p:nvCxnSpPr>
+        <p:spPr>
+          <a:xfrm flipH="1" flipV="1">
+            <a:off x="7451496" y="2324415"/>
+            <a:ext cx="549206" cy="514598"/>
+          </a:xfrm>
+          <a:prstGeom prst="straightConnector1">
+            <a:avLst/>
+          </a:prstGeom>
+          <a:ln w="38100">
+            <a:tailEnd type="triangle"/>
+          </a:ln>
+        </p:spPr>
+        <p:style>
+          <a:lnRef idx="1">
+            <a:schemeClr val="dk1"/>
+          </a:lnRef>
+          <a:fillRef idx="0">
+            <a:schemeClr val="dk1"/>
+          </a:fillRef>
+          <a:effectRef idx="0">
+            <a:schemeClr val="dk1"/>
+          </a:effectRef>
+          <a:fontRef idx="minor">
+            <a:schemeClr val="tx1"/>
+          </a:fontRef>
+        </p:style>
+      </p:cxnSp>
+      <p:cxnSp>
+        <p:nvCxnSpPr>
+          <p:cNvPr id="112" name="直接箭头连接符 111">
+            <a:extLst>
+              <a:ext uri="{FF2B5EF4-FFF2-40B4-BE49-F238E27FC236}">
+                <a16:creationId xmlns:a16="http://schemas.microsoft.com/office/drawing/2014/main" id="{7A9535D9-8418-4CC8-AB0B-28B15779837F}"/>
+              </a:ext>
+            </a:extLst>
+          </p:cNvPr>
+          <p:cNvCxnSpPr>
+            <a:cxnSpLocks/>
+          </p:cNvCxnSpPr>
+          <p:nvPr/>
+        </p:nvCxnSpPr>
+        <p:spPr>
+          <a:xfrm flipH="1" flipV="1">
+            <a:off x="6633500" y="1544096"/>
+            <a:ext cx="604912" cy="553592"/>
+          </a:xfrm>
+          <a:prstGeom prst="straightConnector1">
+            <a:avLst/>
+          </a:prstGeom>
+          <a:ln w="38100">
+            <a:tailEnd type="triangle"/>
+          </a:ln>
+        </p:spPr>
+        <p:style>
+          <a:lnRef idx="1">
+            <a:schemeClr val="dk1"/>
+          </a:lnRef>
+          <a:fillRef idx="0">
+            <a:schemeClr val="dk1"/>
+          </a:fillRef>
+          <a:effectRef idx="0">
+            <a:schemeClr val="dk1"/>
+          </a:effectRef>
+          <a:fontRef idx="minor">
+            <a:schemeClr val="tx1"/>
+          </a:fontRef>
+        </p:style>
+      </p:cxnSp>
+      <p:cxnSp>
+        <p:nvCxnSpPr>
+          <p:cNvPr id="113" name="直接箭头连接符 112">
+            <a:extLst>
+              <a:ext uri="{FF2B5EF4-FFF2-40B4-BE49-F238E27FC236}">
+                <a16:creationId xmlns:a16="http://schemas.microsoft.com/office/drawing/2014/main" id="{D7D632EF-4E60-44CB-8D3F-D43D756C7B8F}"/>
+              </a:ext>
+            </a:extLst>
+          </p:cNvPr>
+          <p:cNvCxnSpPr>
+            <a:cxnSpLocks/>
+          </p:cNvCxnSpPr>
+          <p:nvPr/>
+        </p:nvCxnSpPr>
+        <p:spPr>
+          <a:xfrm flipH="1" flipV="1">
+            <a:off x="6093069" y="1068156"/>
+            <a:ext cx="352277" cy="300583"/>
+          </a:xfrm>
+          <a:prstGeom prst="straightConnector1">
+            <a:avLst/>
+          </a:prstGeom>
+          <a:ln w="38100">
+            <a:tailEnd type="triangle"/>
+          </a:ln>
+        </p:spPr>
+        <p:style>
+          <a:lnRef idx="1">
+            <a:schemeClr val="dk1"/>
+          </a:lnRef>
+          <a:fillRef idx="0">
+            <a:schemeClr val="dk1"/>
+          </a:fillRef>
+          <a:effectRef idx="0">
+            <a:schemeClr val="dk1"/>
+          </a:effectRef>
+          <a:fontRef idx="minor">
+            <a:schemeClr val="tx1"/>
+          </a:fontRef>
+        </p:style>
+      </p:cxnSp>
+      <p:cxnSp>
+        <p:nvCxnSpPr>
+          <p:cNvPr id="125" name="直接箭头连接符 124">
+            <a:extLst>
+              <a:ext uri="{FF2B5EF4-FFF2-40B4-BE49-F238E27FC236}">
+                <a16:creationId xmlns:a16="http://schemas.microsoft.com/office/drawing/2014/main" id="{25E827D4-EADB-4037-A7BB-8AE6C24955BB}"/>
+              </a:ext>
+            </a:extLst>
+          </p:cNvPr>
+          <p:cNvCxnSpPr/>
+          <p:nvPr/>
+        </p:nvCxnSpPr>
+        <p:spPr>
+          <a:xfrm>
+            <a:off x="2205028" y="3580526"/>
+            <a:ext cx="414417" cy="470241"/>
+          </a:xfrm>
+          <a:prstGeom prst="straightConnector1">
+            <a:avLst/>
+          </a:prstGeom>
+          <a:ln w="38100">
+            <a:headEnd type="triangle"/>
+            <a:tailEnd type="triangle"/>
+          </a:ln>
+        </p:spPr>
+        <p:style>
+          <a:lnRef idx="1">
+            <a:schemeClr val="accent1"/>
+          </a:lnRef>
+          <a:fillRef idx="0">
+            <a:schemeClr val="accent1"/>
+          </a:fillRef>
+          <a:effectRef idx="0">
+            <a:schemeClr val="accent1"/>
+          </a:effectRef>
+          <a:fontRef idx="minor">
+            <a:schemeClr val="tx1"/>
+          </a:fontRef>
+        </p:style>
+      </p:cxnSp>
+      <p:cxnSp>
+        <p:nvCxnSpPr>
+          <p:cNvPr id="126" name="直接箭头连接符 125">
+            <a:extLst>
+              <a:ext uri="{FF2B5EF4-FFF2-40B4-BE49-F238E27FC236}">
+                <a16:creationId xmlns:a16="http://schemas.microsoft.com/office/drawing/2014/main" id="{18CEE6CC-5026-4A31-866A-E46DEE9277E7}"/>
+              </a:ext>
+            </a:extLst>
+          </p:cNvPr>
+          <p:cNvCxnSpPr/>
+          <p:nvPr/>
+        </p:nvCxnSpPr>
+        <p:spPr>
+          <a:xfrm>
+            <a:off x="2808916" y="4171875"/>
+            <a:ext cx="414417" cy="470241"/>
+          </a:xfrm>
+          <a:prstGeom prst="straightConnector1">
+            <a:avLst/>
+          </a:prstGeom>
+          <a:ln w="38100">
+            <a:headEnd type="triangle"/>
+            <a:tailEnd type="triangle"/>
+          </a:ln>
+        </p:spPr>
+        <p:style>
+          <a:lnRef idx="1">
+            <a:schemeClr val="accent1"/>
+          </a:lnRef>
+          <a:fillRef idx="0">
+            <a:schemeClr val="accent1"/>
+          </a:fillRef>
+          <a:effectRef idx="0">
+            <a:schemeClr val="accent1"/>
+          </a:effectRef>
+          <a:fontRef idx="minor">
+            <a:schemeClr val="tx1"/>
+          </a:fontRef>
+        </p:style>
+      </p:cxnSp>
+      <p:cxnSp>
+        <p:nvCxnSpPr>
+          <p:cNvPr id="127" name="直接箭头连接符 126">
+            <a:extLst>
+              <a:ext uri="{FF2B5EF4-FFF2-40B4-BE49-F238E27FC236}">
+                <a16:creationId xmlns:a16="http://schemas.microsoft.com/office/drawing/2014/main" id="{AE5C9658-4707-47CE-9349-C473797E48FF}"/>
+              </a:ext>
+            </a:extLst>
+          </p:cNvPr>
+          <p:cNvCxnSpPr>
+            <a:cxnSpLocks/>
+          </p:cNvCxnSpPr>
+          <p:nvPr/>
+        </p:nvCxnSpPr>
+        <p:spPr>
+          <a:xfrm>
+            <a:off x="3342530" y="4784631"/>
+            <a:ext cx="473916" cy="523158"/>
+          </a:xfrm>
+          <a:prstGeom prst="straightConnector1">
+            <a:avLst/>
+          </a:prstGeom>
+          <a:ln w="38100">
+            <a:headEnd type="triangle"/>
+            <a:tailEnd type="triangle"/>
+          </a:ln>
+        </p:spPr>
+        <p:style>
+          <a:lnRef idx="1">
+            <a:schemeClr val="accent1"/>
+          </a:lnRef>
+          <a:fillRef idx="0">
+            <a:schemeClr val="accent1"/>
+          </a:fillRef>
+          <a:effectRef idx="0">
+            <a:schemeClr val="accent1"/>
+          </a:effectRef>
+          <a:fontRef idx="minor">
+            <a:schemeClr val="tx1"/>
+          </a:fontRef>
+        </p:style>
+      </p:cxnSp>
+      <p:cxnSp>
+        <p:nvCxnSpPr>
+          <p:cNvPr id="129" name="直接箭头连接符 128">
+            <a:extLst>
+              <a:ext uri="{FF2B5EF4-FFF2-40B4-BE49-F238E27FC236}">
+                <a16:creationId xmlns:a16="http://schemas.microsoft.com/office/drawing/2014/main" id="{55FD0ABF-AF90-456A-910C-6999A7EAC50F}"/>
+              </a:ext>
+            </a:extLst>
+          </p:cNvPr>
+          <p:cNvCxnSpPr>
+            <a:cxnSpLocks/>
+          </p:cNvCxnSpPr>
+          <p:nvPr/>
+        </p:nvCxnSpPr>
+        <p:spPr>
+          <a:xfrm>
+            <a:off x="4066890" y="5468973"/>
+            <a:ext cx="473916" cy="523158"/>
+          </a:xfrm>
+          <a:prstGeom prst="straightConnector1">
+            <a:avLst/>
+          </a:prstGeom>
+          <a:ln w="38100">
+            <a:headEnd type="triangle"/>
+            <a:tailEnd type="triangle"/>
+          </a:ln>
+        </p:spPr>
+        <p:style>
+          <a:lnRef idx="1">
+            <a:schemeClr val="accent1"/>
+          </a:lnRef>
+          <a:fillRef idx="0">
+            <a:schemeClr val="accent1"/>
+          </a:fillRef>
+          <a:effectRef idx="0">
+            <a:schemeClr val="accent1"/>
+          </a:effectRef>
+          <a:fontRef idx="minor">
+            <a:schemeClr val="tx1"/>
+          </a:fontRef>
+        </p:style>
+      </p:cxnSp>
+      <p:cxnSp>
+        <p:nvCxnSpPr>
+          <p:cNvPr id="130" name="直接箭头连接符 129">
+            <a:extLst>
+              <a:ext uri="{FF2B5EF4-FFF2-40B4-BE49-F238E27FC236}">
+                <a16:creationId xmlns:a16="http://schemas.microsoft.com/office/drawing/2014/main" id="{E9752638-FB2C-419F-8A70-AF0DFFAD5A1F}"/>
+              </a:ext>
+            </a:extLst>
+          </p:cNvPr>
+          <p:cNvCxnSpPr>
+            <a:cxnSpLocks/>
+          </p:cNvCxnSpPr>
+          <p:nvPr/>
+        </p:nvCxnSpPr>
+        <p:spPr>
+          <a:xfrm>
+            <a:off x="4790344" y="6153203"/>
+            <a:ext cx="473916" cy="523158"/>
+          </a:xfrm>
+          <a:prstGeom prst="straightConnector1">
+            <a:avLst/>
+          </a:prstGeom>
+          <a:ln w="38100">
+            <a:headEnd type="triangle"/>
+            <a:tailEnd type="triangle"/>
+          </a:ln>
+        </p:spPr>
+        <p:style>
+          <a:lnRef idx="1">
+            <a:schemeClr val="accent1"/>
+          </a:lnRef>
+          <a:fillRef idx="0">
+            <a:schemeClr val="accent1"/>
+          </a:fillRef>
+          <a:effectRef idx="0">
+            <a:schemeClr val="accent1"/>
+          </a:effectRef>
+          <a:fontRef idx="minor">
+            <a:schemeClr val="tx1"/>
+          </a:fontRef>
+        </p:style>
+      </p:cxnSp>
+      <p:cxnSp>
+        <p:nvCxnSpPr>
+          <p:cNvPr id="131" name="直接箭头连接符 130">
+            <a:extLst>
+              <a:ext uri="{FF2B5EF4-FFF2-40B4-BE49-F238E27FC236}">
+                <a16:creationId xmlns:a16="http://schemas.microsoft.com/office/drawing/2014/main" id="{AC0D52BB-E0F4-4752-AF76-ABE91C236761}"/>
+              </a:ext>
+            </a:extLst>
+          </p:cNvPr>
+          <p:cNvCxnSpPr>
+            <a:cxnSpLocks/>
+          </p:cNvCxnSpPr>
+          <p:nvPr/>
+        </p:nvCxnSpPr>
+        <p:spPr>
+          <a:xfrm>
+            <a:off x="5461335" y="6876735"/>
+            <a:ext cx="473916" cy="523158"/>
+          </a:xfrm>
+          <a:prstGeom prst="straightConnector1">
+            <a:avLst/>
+          </a:prstGeom>
+          <a:ln w="38100">
+            <a:headEnd type="triangle"/>
+            <a:tailEnd type="triangle"/>
+          </a:ln>
+        </p:spPr>
+        <p:style>
+          <a:lnRef idx="1">
+            <a:schemeClr val="accent1"/>
+          </a:lnRef>
+          <a:fillRef idx="0">
+            <a:schemeClr val="accent1"/>
+          </a:fillRef>
+          <a:effectRef idx="0">
+            <a:schemeClr val="accent1"/>
+          </a:effectRef>
+          <a:fontRef idx="minor">
+            <a:schemeClr val="tx1"/>
+          </a:fontRef>
+        </p:style>
+      </p:cxnSp>
+      <p:cxnSp>
+        <p:nvCxnSpPr>
+          <p:cNvPr id="134" name="直接箭头连接符 133">
+            <a:extLst>
+              <a:ext uri="{FF2B5EF4-FFF2-40B4-BE49-F238E27FC236}">
+                <a16:creationId xmlns:a16="http://schemas.microsoft.com/office/drawing/2014/main" id="{9158EC0A-7EC3-412E-98C6-21AA10720E69}"/>
+              </a:ext>
+            </a:extLst>
+          </p:cNvPr>
+          <p:cNvCxnSpPr>
+            <a:cxnSpLocks/>
+          </p:cNvCxnSpPr>
+          <p:nvPr/>
+        </p:nvCxnSpPr>
+        <p:spPr>
+          <a:xfrm>
+            <a:off x="7304662" y="1027199"/>
+            <a:ext cx="520194" cy="457947"/>
+          </a:xfrm>
+          <a:prstGeom prst="straightConnector1">
+            <a:avLst/>
+          </a:prstGeom>
+          <a:ln w="38100">
+            <a:headEnd type="triangle"/>
+            <a:tailEnd type="triangle"/>
+          </a:ln>
+        </p:spPr>
+        <p:style>
+          <a:lnRef idx="1">
+            <a:schemeClr val="accent1"/>
+          </a:lnRef>
+          <a:fillRef idx="0">
+            <a:schemeClr val="accent1"/>
+          </a:fillRef>
+          <a:effectRef idx="0">
+            <a:schemeClr val="accent1"/>
+          </a:effectRef>
+          <a:fontRef idx="minor">
+            <a:schemeClr val="tx1"/>
+          </a:fontRef>
+        </p:style>
+      </p:cxnSp>
+      <p:cxnSp>
+        <p:nvCxnSpPr>
+          <p:cNvPr id="137" name="直接箭头连接符 136">
+            <a:extLst>
+              <a:ext uri="{FF2B5EF4-FFF2-40B4-BE49-F238E27FC236}">
+                <a16:creationId xmlns:a16="http://schemas.microsoft.com/office/drawing/2014/main" id="{42CBE104-C6A8-4F4E-A2C4-761AB88E4929}"/>
+              </a:ext>
+            </a:extLst>
+          </p:cNvPr>
+          <p:cNvCxnSpPr>
+            <a:cxnSpLocks/>
+          </p:cNvCxnSpPr>
+          <p:nvPr/>
+        </p:nvCxnSpPr>
+        <p:spPr>
+          <a:xfrm>
+            <a:off x="8028297" y="1789464"/>
+            <a:ext cx="527213" cy="512761"/>
+          </a:xfrm>
+          <a:prstGeom prst="straightConnector1">
+            <a:avLst/>
+          </a:prstGeom>
+          <a:ln w="38100">
+            <a:headEnd type="triangle"/>
+            <a:tailEnd type="triangle"/>
+          </a:ln>
+        </p:spPr>
+        <p:style>
+          <a:lnRef idx="1">
+            <a:schemeClr val="accent1"/>
+          </a:lnRef>
+          <a:fillRef idx="0">
+            <a:schemeClr val="accent1"/>
+          </a:fillRef>
+          <a:effectRef idx="0">
+            <a:schemeClr val="accent1"/>
+          </a:effectRef>
+          <a:fontRef idx="minor">
+            <a:schemeClr val="tx1"/>
+          </a:fontRef>
+        </p:style>
+      </p:cxnSp>
+      <p:cxnSp>
+        <p:nvCxnSpPr>
+          <p:cNvPr id="141" name="直接箭头连接符 140">
+            <a:extLst>
+              <a:ext uri="{FF2B5EF4-FFF2-40B4-BE49-F238E27FC236}">
+                <a16:creationId xmlns:a16="http://schemas.microsoft.com/office/drawing/2014/main" id="{280D5FE5-3CF1-4573-B8FA-752F9E25402F}"/>
+              </a:ext>
+            </a:extLst>
+          </p:cNvPr>
+          <p:cNvCxnSpPr>
+            <a:cxnSpLocks/>
+          </p:cNvCxnSpPr>
+          <p:nvPr/>
+        </p:nvCxnSpPr>
+        <p:spPr>
+          <a:xfrm>
+            <a:off x="2341968" y="3444515"/>
+            <a:ext cx="879931" cy="43942"/>
+          </a:xfrm>
+          <a:prstGeom prst="straightConnector1">
+            <a:avLst/>
+          </a:prstGeom>
+          <a:ln w="38100">
+            <a:headEnd type="triangle"/>
+            <a:tailEnd type="triangle"/>
+          </a:ln>
+        </p:spPr>
+        <p:style>
+          <a:lnRef idx="1">
+            <a:schemeClr val="accent1"/>
+          </a:lnRef>
+          <a:fillRef idx="0">
+            <a:schemeClr val="accent1"/>
+          </a:fillRef>
+          <a:effectRef idx="0">
+            <a:schemeClr val="accent1"/>
+          </a:effectRef>
+          <a:fontRef idx="minor">
+            <a:schemeClr val="tx1"/>
+          </a:fontRef>
+        </p:style>
+      </p:cxnSp>
+      <p:cxnSp>
+        <p:nvCxnSpPr>
+          <p:cNvPr id="143" name="直接箭头连接符 142">
+            <a:extLst>
+              <a:ext uri="{FF2B5EF4-FFF2-40B4-BE49-F238E27FC236}">
+                <a16:creationId xmlns:a16="http://schemas.microsoft.com/office/drawing/2014/main" id="{79846DC5-C863-47D4-9955-1AE67945DFB3}"/>
+              </a:ext>
+            </a:extLst>
+          </p:cNvPr>
+          <p:cNvCxnSpPr>
+            <a:cxnSpLocks/>
+          </p:cNvCxnSpPr>
+          <p:nvPr/>
+        </p:nvCxnSpPr>
+        <p:spPr>
+          <a:xfrm>
+            <a:off x="3579488" y="3559703"/>
+            <a:ext cx="879931" cy="43942"/>
+          </a:xfrm>
+          <a:prstGeom prst="straightConnector1">
+            <a:avLst/>
+          </a:prstGeom>
+          <a:ln w="38100">
+            <a:headEnd type="triangle"/>
+            <a:tailEnd type="triangle"/>
+          </a:ln>
+        </p:spPr>
+        <p:style>
+          <a:lnRef idx="1">
+            <a:schemeClr val="accent1"/>
+          </a:lnRef>
+          <a:fillRef idx="0">
+            <a:schemeClr val="accent1"/>
+          </a:fillRef>
+          <a:effectRef idx="0">
+            <a:schemeClr val="accent1"/>
+          </a:effectRef>
+          <a:fontRef idx="minor">
+            <a:schemeClr val="tx1"/>
+          </a:fontRef>
+        </p:style>
+      </p:cxnSp>
+      <p:cxnSp>
+        <p:nvCxnSpPr>
+          <p:cNvPr id="144" name="直接箭头连接符 143">
+            <a:extLst>
+              <a:ext uri="{FF2B5EF4-FFF2-40B4-BE49-F238E27FC236}">
+                <a16:creationId xmlns:a16="http://schemas.microsoft.com/office/drawing/2014/main" id="{5EB3CD81-A6D4-4F57-AD32-08876A1A24B0}"/>
+              </a:ext>
+            </a:extLst>
+          </p:cNvPr>
+          <p:cNvCxnSpPr>
+            <a:cxnSpLocks/>
+          </p:cNvCxnSpPr>
+          <p:nvPr/>
+        </p:nvCxnSpPr>
+        <p:spPr>
+          <a:xfrm>
+            <a:off x="7613198" y="3600171"/>
+            <a:ext cx="678705" cy="0"/>
+          </a:xfrm>
+          <a:prstGeom prst="straightConnector1">
+            <a:avLst/>
+          </a:prstGeom>
+          <a:ln w="38100">
+            <a:headEnd type="triangle"/>
+            <a:tailEnd type="triangle"/>
+          </a:ln>
+        </p:spPr>
+        <p:style>
+          <a:lnRef idx="1">
+            <a:schemeClr val="accent1"/>
+          </a:lnRef>
+          <a:fillRef idx="0">
+            <a:schemeClr val="accent1"/>
+          </a:fillRef>
+          <a:effectRef idx="0">
+            <a:schemeClr val="accent1"/>
+          </a:effectRef>
+          <a:fontRef idx="minor">
+            <a:schemeClr val="tx1"/>
+          </a:fontRef>
+        </p:style>
+      </p:cxnSp>
+      <p:cxnSp>
+        <p:nvCxnSpPr>
+          <p:cNvPr id="147" name="直接箭头连接符 146">
+            <a:extLst>
+              <a:ext uri="{FF2B5EF4-FFF2-40B4-BE49-F238E27FC236}">
+                <a16:creationId xmlns:a16="http://schemas.microsoft.com/office/drawing/2014/main" id="{8A15F23D-226B-4E68-ABE1-810BD2917E29}"/>
+              </a:ext>
+            </a:extLst>
+          </p:cNvPr>
+          <p:cNvCxnSpPr>
+            <a:cxnSpLocks/>
+          </p:cNvCxnSpPr>
+          <p:nvPr/>
+        </p:nvCxnSpPr>
+        <p:spPr>
+          <a:xfrm>
+            <a:off x="5884539" y="5139603"/>
+            <a:ext cx="0" cy="858300"/>
+          </a:xfrm>
+          <a:prstGeom prst="straightConnector1">
+            <a:avLst/>
+          </a:prstGeom>
+          <a:ln w="38100">
+            <a:headEnd type="triangle"/>
+            <a:tailEnd type="triangle"/>
+          </a:ln>
+        </p:spPr>
+        <p:style>
+          <a:lnRef idx="1">
+            <a:schemeClr val="accent1"/>
+          </a:lnRef>
+          <a:fillRef idx="0">
+            <a:schemeClr val="accent1"/>
+          </a:fillRef>
+          <a:effectRef idx="0">
+            <a:schemeClr val="accent1"/>
+          </a:effectRef>
+          <a:fontRef idx="minor">
+            <a:schemeClr val="tx1"/>
+          </a:fontRef>
+        </p:style>
+      </p:cxnSp>
+      <p:cxnSp>
+        <p:nvCxnSpPr>
+          <p:cNvPr id="150" name="直接箭头连接符 149">
+            <a:extLst>
+              <a:ext uri="{FF2B5EF4-FFF2-40B4-BE49-F238E27FC236}">
+                <a16:creationId xmlns:a16="http://schemas.microsoft.com/office/drawing/2014/main" id="{ECB17FE0-1DE0-48C8-BFF7-7B6B2C4FBFAE}"/>
+              </a:ext>
+            </a:extLst>
+          </p:cNvPr>
+          <p:cNvCxnSpPr>
+            <a:cxnSpLocks/>
+          </p:cNvCxnSpPr>
+          <p:nvPr/>
+        </p:nvCxnSpPr>
+        <p:spPr>
+          <a:xfrm>
+            <a:off x="5935251" y="6334267"/>
+            <a:ext cx="0" cy="858300"/>
+          </a:xfrm>
+          <a:prstGeom prst="straightConnector1">
+            <a:avLst/>
+          </a:prstGeom>
+          <a:ln w="38100">
+            <a:headEnd type="triangle"/>
+            <a:tailEnd type="triangle"/>
+          </a:ln>
+        </p:spPr>
+        <p:style>
+          <a:lnRef idx="1">
+            <a:schemeClr val="accent1"/>
+          </a:lnRef>
+          <a:fillRef idx="0">
+            <a:schemeClr val="accent1"/>
+          </a:fillRef>
+          <a:effectRef idx="0">
+            <a:schemeClr val="accent1"/>
+          </a:effectRef>
+          <a:fontRef idx="minor">
+            <a:schemeClr val="tx1"/>
+          </a:fontRef>
+        </p:style>
+      </p:cxnSp>
+      <p:cxnSp>
+        <p:nvCxnSpPr>
+          <p:cNvPr id="152" name="直接箭头连接符 151">
+            <a:extLst>
+              <a:ext uri="{FF2B5EF4-FFF2-40B4-BE49-F238E27FC236}">
+                <a16:creationId xmlns:a16="http://schemas.microsoft.com/office/drawing/2014/main" id="{134D7BFC-C5C7-4C0E-9401-0ABA4B2EABD5}"/>
+              </a:ext>
+            </a:extLst>
+          </p:cNvPr>
+          <p:cNvCxnSpPr>
+            <a:cxnSpLocks/>
+          </p:cNvCxnSpPr>
+          <p:nvPr/>
+        </p:nvCxnSpPr>
+        <p:spPr>
+          <a:xfrm>
+            <a:off x="5989318" y="1165399"/>
+            <a:ext cx="0" cy="858300"/>
+          </a:xfrm>
+          <a:prstGeom prst="straightConnector1">
+            <a:avLst/>
+          </a:prstGeom>
+          <a:ln w="38100">
+            <a:headEnd type="triangle"/>
+            <a:tailEnd type="triangle"/>
+          </a:ln>
+        </p:spPr>
+        <p:style>
+          <a:lnRef idx="1">
+            <a:schemeClr val="accent1"/>
+          </a:lnRef>
+          <a:fillRef idx="0">
+            <a:schemeClr val="accent1"/>
+          </a:fillRef>
+          <a:effectRef idx="0">
+            <a:schemeClr val="accent1"/>
+          </a:effectRef>
+          <a:fontRef idx="minor">
+            <a:schemeClr val="tx1"/>
+          </a:fontRef>
+        </p:style>
+      </p:cxnSp>
+      <p:cxnSp>
+        <p:nvCxnSpPr>
+          <p:cNvPr id="153" name="直接箭头连接符 152">
+            <a:extLst>
+              <a:ext uri="{FF2B5EF4-FFF2-40B4-BE49-F238E27FC236}">
+                <a16:creationId xmlns:a16="http://schemas.microsoft.com/office/drawing/2014/main" id="{BA6DC71F-5853-47EE-9BC5-42A1AC2FA2F7}"/>
+              </a:ext>
+            </a:extLst>
+          </p:cNvPr>
+          <p:cNvCxnSpPr>
+            <a:cxnSpLocks/>
+          </p:cNvCxnSpPr>
+          <p:nvPr/>
+        </p:nvCxnSpPr>
+        <p:spPr>
+          <a:xfrm>
+            <a:off x="5461335" y="1578204"/>
+            <a:ext cx="353305" cy="403434"/>
+          </a:xfrm>
+          <a:prstGeom prst="straightConnector1">
+            <a:avLst/>
+          </a:prstGeom>
+          <a:ln w="38100">
+            <a:headEnd type="triangle"/>
+            <a:tailEnd type="triangle"/>
+          </a:ln>
+        </p:spPr>
+        <p:style>
+          <a:lnRef idx="1">
+            <a:schemeClr val="accent1"/>
+          </a:lnRef>
+          <a:fillRef idx="0">
+            <a:schemeClr val="accent1"/>
+          </a:fillRef>
+          <a:effectRef idx="0">
+            <a:schemeClr val="accent1"/>
+          </a:effectRef>
+          <a:fontRef idx="minor">
+            <a:schemeClr val="tx1"/>
+          </a:fontRef>
+        </p:style>
+      </p:cxnSp>
+      <p:cxnSp>
+        <p:nvCxnSpPr>
+          <p:cNvPr id="158" name="直接箭头连接符 157">
+            <a:extLst>
+              <a:ext uri="{FF2B5EF4-FFF2-40B4-BE49-F238E27FC236}">
+                <a16:creationId xmlns:a16="http://schemas.microsoft.com/office/drawing/2014/main" id="{E3C2B921-E184-4A1E-9482-861FCFA9C3F6}"/>
+              </a:ext>
+            </a:extLst>
+          </p:cNvPr>
+          <p:cNvCxnSpPr>
+            <a:cxnSpLocks/>
+          </p:cNvCxnSpPr>
+          <p:nvPr/>
+        </p:nvCxnSpPr>
+        <p:spPr>
+          <a:xfrm>
+            <a:off x="4870486" y="972960"/>
+            <a:ext cx="353305" cy="403434"/>
+          </a:xfrm>
+          <a:prstGeom prst="straightConnector1">
+            <a:avLst/>
+          </a:prstGeom>
+          <a:ln w="38100">
+            <a:headEnd type="triangle"/>
+            <a:tailEnd type="triangle"/>
+          </a:ln>
+        </p:spPr>
+        <p:style>
+          <a:lnRef idx="1">
+            <a:schemeClr val="accent1"/>
+          </a:lnRef>
+          <a:fillRef idx="0">
+            <a:schemeClr val="accent1"/>
+          </a:fillRef>
+          <a:effectRef idx="0">
+            <a:schemeClr val="accent1"/>
+          </a:effectRef>
+          <a:fontRef idx="minor">
+            <a:schemeClr val="tx1"/>
+          </a:fontRef>
+        </p:style>
+      </p:cxnSp>
+      <p:cxnSp>
+        <p:nvCxnSpPr>
+          <p:cNvPr id="159" name="直接箭头连接符 158">
+            <a:extLst>
+              <a:ext uri="{FF2B5EF4-FFF2-40B4-BE49-F238E27FC236}">
+                <a16:creationId xmlns:a16="http://schemas.microsoft.com/office/drawing/2014/main" id="{8DC1C04B-5C46-4763-9B28-FB506EFC8755}"/>
+              </a:ext>
+            </a:extLst>
+          </p:cNvPr>
+          <p:cNvCxnSpPr>
+            <a:cxnSpLocks/>
+          </p:cNvCxnSpPr>
+          <p:nvPr/>
+        </p:nvCxnSpPr>
+        <p:spPr>
+          <a:xfrm>
+            <a:off x="4090446" y="1656312"/>
+            <a:ext cx="353305" cy="403434"/>
+          </a:xfrm>
+          <a:prstGeom prst="straightConnector1">
+            <a:avLst/>
+          </a:prstGeom>
+          <a:ln w="38100">
+            <a:headEnd type="triangle"/>
+            <a:tailEnd type="triangle"/>
+          </a:ln>
+        </p:spPr>
+        <p:style>
+          <a:lnRef idx="1">
+            <a:schemeClr val="accent1"/>
+          </a:lnRef>
+          <a:fillRef idx="0">
+            <a:schemeClr val="accent1"/>
+          </a:fillRef>
+          <a:effectRef idx="0">
+            <a:schemeClr val="accent1"/>
+          </a:effectRef>
+          <a:fontRef idx="minor">
+            <a:schemeClr val="tx1"/>
+          </a:fontRef>
+        </p:style>
+      </p:cxnSp>
+      <p:cxnSp>
+        <p:nvCxnSpPr>
+          <p:cNvPr id="160" name="直接箭头连接符 159">
+            <a:extLst>
+              <a:ext uri="{FF2B5EF4-FFF2-40B4-BE49-F238E27FC236}">
+                <a16:creationId xmlns:a16="http://schemas.microsoft.com/office/drawing/2014/main" id="{629975E9-36B6-4B9C-B318-BF9672A22F0C}"/>
+              </a:ext>
+            </a:extLst>
+          </p:cNvPr>
+          <p:cNvCxnSpPr>
+            <a:cxnSpLocks/>
+          </p:cNvCxnSpPr>
+          <p:nvPr/>
+        </p:nvCxnSpPr>
+        <p:spPr>
+          <a:xfrm>
+            <a:off x="3382764" y="2456226"/>
+            <a:ext cx="353305" cy="403434"/>
+          </a:xfrm>
+          <a:prstGeom prst="straightConnector1">
+            <a:avLst/>
+          </a:prstGeom>
+          <a:ln w="38100">
+            <a:headEnd type="triangle"/>
+            <a:tailEnd type="triangle"/>
+          </a:ln>
+        </p:spPr>
+        <p:style>
+          <a:lnRef idx="1">
+            <a:schemeClr val="accent1"/>
+          </a:lnRef>
+          <a:fillRef idx="0">
+            <a:schemeClr val="accent1"/>
+          </a:fillRef>
+          <a:effectRef idx="0">
+            <a:schemeClr val="accent1"/>
+          </a:effectRef>
+          <a:fontRef idx="minor">
+            <a:schemeClr val="tx1"/>
+          </a:fontRef>
+        </p:style>
+      </p:cxnSp>
+      <p:cxnSp>
+        <p:nvCxnSpPr>
+          <p:cNvPr id="161" name="直接箭头连接符 160">
+            <a:extLst>
+              <a:ext uri="{FF2B5EF4-FFF2-40B4-BE49-F238E27FC236}">
+                <a16:creationId xmlns:a16="http://schemas.microsoft.com/office/drawing/2014/main" id="{8A1A6805-D742-4516-A5ED-CE8D203FF61A}"/>
+              </a:ext>
+            </a:extLst>
+          </p:cNvPr>
+          <p:cNvCxnSpPr>
+            <a:cxnSpLocks/>
+          </p:cNvCxnSpPr>
+          <p:nvPr/>
+        </p:nvCxnSpPr>
+        <p:spPr>
+          <a:xfrm>
+            <a:off x="7537896" y="3716239"/>
+            <a:ext cx="353305" cy="403434"/>
+          </a:xfrm>
+          <a:prstGeom prst="straightConnector1">
+            <a:avLst/>
+          </a:prstGeom>
+          <a:ln w="38100">
+            <a:headEnd type="triangle"/>
+            <a:tailEnd type="triangle"/>
+          </a:ln>
+        </p:spPr>
+        <p:style>
+          <a:lnRef idx="1">
+            <a:schemeClr val="accent1"/>
+          </a:lnRef>
+          <a:fillRef idx="0">
+            <a:schemeClr val="accent1"/>
+          </a:fillRef>
+          <a:effectRef idx="0">
+            <a:schemeClr val="accent1"/>
+          </a:effectRef>
+          <a:fontRef idx="minor">
+            <a:schemeClr val="tx1"/>
+          </a:fontRef>
+        </p:style>
+      </p:cxnSp>
+      <p:cxnSp>
+        <p:nvCxnSpPr>
+          <p:cNvPr id="162" name="直接箭头连接符 161">
+            <a:extLst>
+              <a:ext uri="{FF2B5EF4-FFF2-40B4-BE49-F238E27FC236}">
+                <a16:creationId xmlns:a16="http://schemas.microsoft.com/office/drawing/2014/main" id="{152968C2-FAA7-435C-9250-8294303F742D}"/>
+              </a:ext>
+            </a:extLst>
+          </p:cNvPr>
+          <p:cNvCxnSpPr>
+            <a:cxnSpLocks/>
+          </p:cNvCxnSpPr>
+          <p:nvPr/>
+        </p:nvCxnSpPr>
+        <p:spPr>
+          <a:xfrm>
+            <a:off x="6793990" y="4459680"/>
+            <a:ext cx="353305" cy="403434"/>
+          </a:xfrm>
+          <a:prstGeom prst="straightConnector1">
+            <a:avLst/>
+          </a:prstGeom>
+          <a:ln w="38100">
+            <a:headEnd type="triangle"/>
+            <a:tailEnd type="triangle"/>
+          </a:ln>
+        </p:spPr>
+        <p:style>
+          <a:lnRef idx="1">
+            <a:schemeClr val="accent1"/>
+          </a:lnRef>
+          <a:fillRef idx="0">
+            <a:schemeClr val="accent1"/>
+          </a:fillRef>
+          <a:effectRef idx="0">
+            <a:schemeClr val="accent1"/>
+          </a:effectRef>
+          <a:fontRef idx="minor">
+            <a:schemeClr val="tx1"/>
+          </a:fontRef>
+        </p:style>
+      </p:cxnSp>
+      <p:cxnSp>
+        <p:nvCxnSpPr>
+          <p:cNvPr id="163" name="直接箭头连接符 162">
+            <a:extLst>
+              <a:ext uri="{FF2B5EF4-FFF2-40B4-BE49-F238E27FC236}">
+                <a16:creationId xmlns:a16="http://schemas.microsoft.com/office/drawing/2014/main" id="{D0AF19C3-9183-4A1D-9AD0-7518C8BA9394}"/>
+              </a:ext>
+            </a:extLst>
+          </p:cNvPr>
+          <p:cNvCxnSpPr>
+            <a:cxnSpLocks/>
+          </p:cNvCxnSpPr>
+          <p:nvPr/>
+        </p:nvCxnSpPr>
+        <p:spPr>
+          <a:xfrm>
+            <a:off x="7325655" y="5106851"/>
+            <a:ext cx="353305" cy="403434"/>
+          </a:xfrm>
+          <a:prstGeom prst="straightConnector1">
+            <a:avLst/>
+          </a:prstGeom>
+          <a:ln w="38100">
+            <a:headEnd type="triangle"/>
+            <a:tailEnd type="triangle"/>
+          </a:ln>
+        </p:spPr>
+        <p:style>
+          <a:lnRef idx="1">
+            <a:schemeClr val="accent1"/>
+          </a:lnRef>
+          <a:fillRef idx="0">
+            <a:schemeClr val="accent1"/>
+          </a:fillRef>
+          <a:effectRef idx="0">
+            <a:schemeClr val="accent1"/>
+          </a:effectRef>
+          <a:fontRef idx="minor">
+            <a:schemeClr val="tx1"/>
+          </a:fontRef>
+        </p:style>
+      </p:cxnSp>
+      <p:cxnSp>
+        <p:nvCxnSpPr>
+          <p:cNvPr id="164" name="直接箭头连接符 163">
+            <a:extLst>
+              <a:ext uri="{FF2B5EF4-FFF2-40B4-BE49-F238E27FC236}">
+                <a16:creationId xmlns:a16="http://schemas.microsoft.com/office/drawing/2014/main" id="{E609A247-660E-43F0-9D6C-59B8128A853E}"/>
+              </a:ext>
+            </a:extLst>
+          </p:cNvPr>
+          <p:cNvCxnSpPr>
+            <a:cxnSpLocks/>
+          </p:cNvCxnSpPr>
+          <p:nvPr/>
+        </p:nvCxnSpPr>
+        <p:spPr>
+          <a:xfrm>
+            <a:off x="6600285" y="5735163"/>
+            <a:ext cx="353305" cy="403434"/>
+          </a:xfrm>
+          <a:prstGeom prst="straightConnector1">
+            <a:avLst/>
+          </a:prstGeom>
+          <a:ln w="38100">
+            <a:headEnd type="triangle"/>
+            <a:tailEnd type="triangle"/>
+          </a:ln>
+        </p:spPr>
+        <p:style>
+          <a:lnRef idx="1">
+            <a:schemeClr val="accent1"/>
+          </a:lnRef>
+          <a:fillRef idx="0">
+            <a:schemeClr val="accent1"/>
+          </a:fillRef>
+          <a:effectRef idx="0">
+            <a:schemeClr val="accent1"/>
+          </a:effectRef>
+          <a:fontRef idx="minor">
+            <a:schemeClr val="tx1"/>
+          </a:fontRef>
+        </p:style>
+      </p:cxnSp>
+      <p:cxnSp>
+        <p:nvCxnSpPr>
+          <p:cNvPr id="165" name="直接箭头连接符 164">
+            <a:extLst>
+              <a:ext uri="{FF2B5EF4-FFF2-40B4-BE49-F238E27FC236}">
+                <a16:creationId xmlns:a16="http://schemas.microsoft.com/office/drawing/2014/main" id="{FD5AE7BC-A19E-42EB-B2C6-2C17A77D68EA}"/>
+              </a:ext>
+            </a:extLst>
+          </p:cNvPr>
+          <p:cNvCxnSpPr>
+            <a:cxnSpLocks/>
+          </p:cNvCxnSpPr>
+          <p:nvPr/>
+        </p:nvCxnSpPr>
+        <p:spPr>
+          <a:xfrm flipV="1">
+            <a:off x="4701983" y="4337493"/>
+            <a:ext cx="339309" cy="413271"/>
+          </a:xfrm>
+          <a:prstGeom prst="straightConnector1">
+            <a:avLst/>
+          </a:prstGeom>
+          <a:ln w="38100">
+            <a:headEnd type="triangle"/>
+            <a:tailEnd type="triangle"/>
+          </a:ln>
+        </p:spPr>
+        <p:style>
+          <a:lnRef idx="1">
+            <a:schemeClr val="accent1"/>
+          </a:lnRef>
+          <a:fillRef idx="0">
+            <a:schemeClr val="accent1"/>
+          </a:fillRef>
+          <a:effectRef idx="0">
+            <a:schemeClr val="accent1"/>
+          </a:effectRef>
+          <a:fontRef idx="minor">
+            <a:schemeClr val="tx1"/>
+          </a:fontRef>
+        </p:style>
+      </p:cxnSp>
+      <p:cxnSp>
+        <p:nvCxnSpPr>
+          <p:cNvPr id="169" name="直接箭头连接符 168">
+            <a:extLst>
+              <a:ext uri="{FF2B5EF4-FFF2-40B4-BE49-F238E27FC236}">
+                <a16:creationId xmlns:a16="http://schemas.microsoft.com/office/drawing/2014/main" id="{257B62B1-4258-4FAC-B98D-AF4947312ADF}"/>
+              </a:ext>
+            </a:extLst>
+          </p:cNvPr>
+          <p:cNvCxnSpPr>
+            <a:cxnSpLocks/>
+          </p:cNvCxnSpPr>
+          <p:nvPr/>
+        </p:nvCxnSpPr>
+        <p:spPr>
+          <a:xfrm flipV="1">
+            <a:off x="4118600" y="4926387"/>
+            <a:ext cx="368326" cy="387967"/>
+          </a:xfrm>
+          <a:prstGeom prst="straightConnector1">
+            <a:avLst/>
+          </a:prstGeom>
+          <a:ln w="38100">
+            <a:headEnd type="triangle"/>
+            <a:tailEnd type="triangle"/>
+          </a:ln>
+        </p:spPr>
+        <p:style>
+          <a:lnRef idx="1">
+            <a:schemeClr val="accent1"/>
+          </a:lnRef>
+          <a:fillRef idx="0">
+            <a:schemeClr val="accent1"/>
+          </a:fillRef>
+          <a:effectRef idx="0">
+            <a:schemeClr val="accent1"/>
+          </a:effectRef>
+          <a:fontRef idx="minor">
+            <a:schemeClr val="tx1"/>
+          </a:fontRef>
+        </p:style>
+      </p:cxnSp>
+      <p:cxnSp>
+        <p:nvCxnSpPr>
+          <p:cNvPr id="170" name="直接箭头连接符 169">
+            <a:extLst>
+              <a:ext uri="{FF2B5EF4-FFF2-40B4-BE49-F238E27FC236}">
+                <a16:creationId xmlns:a16="http://schemas.microsoft.com/office/drawing/2014/main" id="{5E429CBB-FE5E-4755-B83B-8E04869A6EBA}"/>
+              </a:ext>
+            </a:extLst>
+          </p:cNvPr>
+          <p:cNvCxnSpPr>
+            <a:cxnSpLocks/>
+          </p:cNvCxnSpPr>
+          <p:nvPr/>
+        </p:nvCxnSpPr>
+        <p:spPr>
+          <a:xfrm flipV="1">
+            <a:off x="4833790" y="5772710"/>
+            <a:ext cx="418352" cy="365887"/>
+          </a:xfrm>
+          <a:prstGeom prst="straightConnector1">
+            <a:avLst/>
+          </a:prstGeom>
+          <a:ln w="38100">
+            <a:headEnd type="triangle"/>
+            <a:tailEnd type="triangle"/>
+          </a:ln>
+        </p:spPr>
+        <p:style>
+          <a:lnRef idx="1">
+            <a:schemeClr val="accent1"/>
+          </a:lnRef>
+          <a:fillRef idx="0">
+            <a:schemeClr val="accent1"/>
+          </a:fillRef>
+          <a:effectRef idx="0">
+            <a:schemeClr val="accent1"/>
+          </a:effectRef>
+          <a:fontRef idx="minor">
+            <a:schemeClr val="tx1"/>
+          </a:fontRef>
+        </p:style>
+      </p:cxnSp>
+      <p:cxnSp>
+        <p:nvCxnSpPr>
+          <p:cNvPr id="172" name="直接箭头连接符 171">
+            <a:extLst>
+              <a:ext uri="{FF2B5EF4-FFF2-40B4-BE49-F238E27FC236}">
+                <a16:creationId xmlns:a16="http://schemas.microsoft.com/office/drawing/2014/main" id="{CF123CF8-E4C6-4406-A7F3-655BF9AFF0FC}"/>
+              </a:ext>
+            </a:extLst>
+          </p:cNvPr>
+          <p:cNvCxnSpPr>
+            <a:cxnSpLocks/>
+          </p:cNvCxnSpPr>
+          <p:nvPr/>
+        </p:nvCxnSpPr>
+        <p:spPr>
+          <a:xfrm flipV="1">
+            <a:off x="5405150" y="6249733"/>
+            <a:ext cx="418352" cy="365887"/>
+          </a:xfrm>
+          <a:prstGeom prst="straightConnector1">
+            <a:avLst/>
+          </a:prstGeom>
+          <a:ln w="38100">
+            <a:headEnd type="triangle"/>
+            <a:tailEnd type="triangle"/>
+          </a:ln>
+        </p:spPr>
+        <p:style>
+          <a:lnRef idx="1">
+            <a:schemeClr val="accent1"/>
+          </a:lnRef>
+          <a:fillRef idx="0">
+            <a:schemeClr val="accent1"/>
+          </a:fillRef>
+          <a:effectRef idx="0">
+            <a:schemeClr val="accent1"/>
+          </a:effectRef>
+          <a:fontRef idx="minor">
+            <a:schemeClr val="tx1"/>
+          </a:fontRef>
+        </p:style>
+      </p:cxnSp>
+      <p:cxnSp>
+        <p:nvCxnSpPr>
+          <p:cNvPr id="174" name="直接箭头连接符 173">
+            <a:extLst>
+              <a:ext uri="{FF2B5EF4-FFF2-40B4-BE49-F238E27FC236}">
+                <a16:creationId xmlns:a16="http://schemas.microsoft.com/office/drawing/2014/main" id="{CF8C0613-07F8-4077-82AA-6F123EFA7061}"/>
+              </a:ext>
+            </a:extLst>
+          </p:cNvPr>
+          <p:cNvCxnSpPr>
+            <a:cxnSpLocks/>
+          </p:cNvCxnSpPr>
+          <p:nvPr/>
+        </p:nvCxnSpPr>
+        <p:spPr>
+          <a:xfrm flipV="1">
+            <a:off x="3375253" y="4201376"/>
+            <a:ext cx="368326" cy="387967"/>
+          </a:xfrm>
+          <a:prstGeom prst="straightConnector1">
+            <a:avLst/>
+          </a:prstGeom>
+          <a:ln w="38100">
+            <a:headEnd type="triangle"/>
+            <a:tailEnd type="triangle"/>
+          </a:ln>
+        </p:spPr>
+        <p:style>
+          <a:lnRef idx="1">
+            <a:schemeClr val="accent1"/>
+          </a:lnRef>
+          <a:fillRef idx="0">
+            <a:schemeClr val="accent1"/>
+          </a:fillRef>
+          <a:effectRef idx="0">
+            <a:schemeClr val="accent1"/>
+          </a:effectRef>
+          <a:fontRef idx="minor">
+            <a:schemeClr val="tx1"/>
+          </a:fontRef>
+        </p:style>
+      </p:cxnSp>
+      <p:cxnSp>
+        <p:nvCxnSpPr>
+          <p:cNvPr id="176" name="直接箭头连接符 175">
+            <a:extLst>
+              <a:ext uri="{FF2B5EF4-FFF2-40B4-BE49-F238E27FC236}">
+                <a16:creationId xmlns:a16="http://schemas.microsoft.com/office/drawing/2014/main" id="{BD4202F3-FD83-447E-B1F5-458CE6BD4391}"/>
+              </a:ext>
+            </a:extLst>
+          </p:cNvPr>
+          <p:cNvCxnSpPr>
+            <a:cxnSpLocks/>
+          </p:cNvCxnSpPr>
+          <p:nvPr/>
+        </p:nvCxnSpPr>
+        <p:spPr>
+          <a:xfrm flipV="1">
+            <a:off x="6727291" y="981764"/>
+            <a:ext cx="368326" cy="387967"/>
+          </a:xfrm>
+          <a:prstGeom prst="straightConnector1">
+            <a:avLst/>
+          </a:prstGeom>
+          <a:ln w="38100">
+            <a:headEnd type="triangle"/>
+            <a:tailEnd type="triangle"/>
+          </a:ln>
+        </p:spPr>
+        <p:style>
+          <a:lnRef idx="1">
+            <a:schemeClr val="accent1"/>
+          </a:lnRef>
+          <a:fillRef idx="0">
+            <a:schemeClr val="accent1"/>
+          </a:fillRef>
+          <a:effectRef idx="0">
+            <a:schemeClr val="accent1"/>
+          </a:effectRef>
+          <a:fontRef idx="minor">
+            <a:schemeClr val="tx1"/>
+          </a:fontRef>
+        </p:style>
+      </p:cxnSp>
+      <p:cxnSp>
+        <p:nvCxnSpPr>
+          <p:cNvPr id="177" name="直接箭头连接符 176">
+            <a:extLst>
+              <a:ext uri="{FF2B5EF4-FFF2-40B4-BE49-F238E27FC236}">
+                <a16:creationId xmlns:a16="http://schemas.microsoft.com/office/drawing/2014/main" id="{1F082A93-D702-4BFD-B7B0-39E5C17C3C31}"/>
+              </a:ext>
+            </a:extLst>
+          </p:cNvPr>
+          <p:cNvCxnSpPr>
+            <a:cxnSpLocks/>
+          </p:cNvCxnSpPr>
+          <p:nvPr/>
+        </p:nvCxnSpPr>
+        <p:spPr>
+          <a:xfrm flipV="1">
+            <a:off x="7431426" y="1759326"/>
+            <a:ext cx="368326" cy="387967"/>
+          </a:xfrm>
+          <a:prstGeom prst="straightConnector1">
+            <a:avLst/>
+          </a:prstGeom>
+          <a:ln w="38100">
+            <a:headEnd type="triangle"/>
+            <a:tailEnd type="triangle"/>
+          </a:ln>
+        </p:spPr>
+        <p:style>
+          <a:lnRef idx="1">
+            <a:schemeClr val="accent1"/>
+          </a:lnRef>
+          <a:fillRef idx="0">
+            <a:schemeClr val="accent1"/>
+          </a:fillRef>
+          <a:effectRef idx="0">
+            <a:schemeClr val="accent1"/>
+          </a:effectRef>
+          <a:fontRef idx="minor">
+            <a:schemeClr val="tx1"/>
+          </a:fontRef>
+        </p:style>
+      </p:cxnSp>
+      <p:cxnSp>
+        <p:nvCxnSpPr>
+          <p:cNvPr id="178" name="直接箭头连接符 177">
+            <a:extLst>
+              <a:ext uri="{FF2B5EF4-FFF2-40B4-BE49-F238E27FC236}">
+                <a16:creationId xmlns:a16="http://schemas.microsoft.com/office/drawing/2014/main" id="{81A1844D-71CF-4849-B1A8-0B1C53B84A3D}"/>
+              </a:ext>
+            </a:extLst>
+          </p:cNvPr>
+          <p:cNvCxnSpPr>
+            <a:cxnSpLocks/>
+          </p:cNvCxnSpPr>
+          <p:nvPr/>
+        </p:nvCxnSpPr>
+        <p:spPr>
+          <a:xfrm flipV="1">
+            <a:off x="8172740" y="2520463"/>
+            <a:ext cx="368326" cy="387967"/>
+          </a:xfrm>
+          <a:prstGeom prst="straightConnector1">
+            <a:avLst/>
+          </a:prstGeom>
+          <a:ln w="38100">
+            <a:headEnd type="triangle"/>
+            <a:tailEnd type="triangle"/>
+          </a:ln>
+        </p:spPr>
+        <p:style>
+          <a:lnRef idx="1">
+            <a:schemeClr val="accent1"/>
+          </a:lnRef>
+          <a:fillRef idx="0">
+            <a:schemeClr val="accent1"/>
+          </a:fillRef>
+          <a:effectRef idx="0">
+            <a:schemeClr val="accent1"/>
+          </a:effectRef>
+          <a:fontRef idx="minor">
+            <a:schemeClr val="tx1"/>
+          </a:fontRef>
+        </p:style>
+      </p:cxnSp>
+      <p:cxnSp>
+        <p:nvCxnSpPr>
+          <p:cNvPr id="179" name="直接箭头连接符 178">
+            <a:extLst>
+              <a:ext uri="{FF2B5EF4-FFF2-40B4-BE49-F238E27FC236}">
+                <a16:creationId xmlns:a16="http://schemas.microsoft.com/office/drawing/2014/main" id="{FD0E1350-E4AD-4E5B-AD15-B442BAA61A59}"/>
+              </a:ext>
+            </a:extLst>
+          </p:cNvPr>
+          <p:cNvCxnSpPr>
+            <a:cxnSpLocks/>
+          </p:cNvCxnSpPr>
+          <p:nvPr/>
+        </p:nvCxnSpPr>
+        <p:spPr>
+          <a:xfrm flipV="1">
+            <a:off x="5428424" y="5112477"/>
+            <a:ext cx="368326" cy="387967"/>
+          </a:xfrm>
+          <a:prstGeom prst="straightConnector1">
+            <a:avLst/>
+          </a:prstGeom>
+          <a:ln w="38100">
+            <a:headEnd type="triangle"/>
+            <a:tailEnd type="triangle"/>
+          </a:ln>
+        </p:spPr>
+        <p:style>
+          <a:lnRef idx="1">
+            <a:schemeClr val="accent1"/>
+          </a:lnRef>
+          <a:fillRef idx="0">
+            <a:schemeClr val="accent1"/>
+          </a:fillRef>
+          <a:effectRef idx="0">
+            <a:schemeClr val="accent1"/>
+          </a:effectRef>
+          <a:fontRef idx="minor">
+            <a:schemeClr val="tx1"/>
+          </a:fontRef>
+        </p:style>
+      </p:cxnSp>
+      <p:cxnSp>
+        <p:nvCxnSpPr>
+          <p:cNvPr id="180" name="直接箭头连接符 179">
+            <a:extLst>
+              <a:ext uri="{FF2B5EF4-FFF2-40B4-BE49-F238E27FC236}">
+                <a16:creationId xmlns:a16="http://schemas.microsoft.com/office/drawing/2014/main" id="{1990438D-F6C0-42B6-8E8C-2F1AFD2263BA}"/>
+              </a:ext>
+            </a:extLst>
+          </p:cNvPr>
+          <p:cNvCxnSpPr>
+            <a:cxnSpLocks/>
+          </p:cNvCxnSpPr>
+          <p:nvPr/>
+        </p:nvCxnSpPr>
+        <p:spPr>
+          <a:xfrm flipH="1" flipV="1">
+            <a:off x="6058580" y="5094770"/>
+            <a:ext cx="326674" cy="378510"/>
+          </a:xfrm>
+          <a:prstGeom prst="straightConnector1">
+            <a:avLst/>
+          </a:prstGeom>
+          <a:ln w="38100">
+            <a:headEnd type="triangle"/>
+            <a:tailEnd type="triangle"/>
+          </a:ln>
+        </p:spPr>
+        <p:style>
+          <a:lnRef idx="1">
+            <a:schemeClr val="accent1"/>
+          </a:lnRef>
+          <a:fillRef idx="0">
+            <a:schemeClr val="accent1"/>
+          </a:fillRef>
+          <a:effectRef idx="0">
+            <a:schemeClr val="accent1"/>
+          </a:effectRef>
+          <a:fontRef idx="minor">
+            <a:schemeClr val="tx1"/>
+          </a:fontRef>
+        </p:style>
+      </p:cxnSp>
+      <p:cxnSp>
+        <p:nvCxnSpPr>
+          <p:cNvPr id="182" name="直接箭头连接符 181">
+            <a:extLst>
+              <a:ext uri="{FF2B5EF4-FFF2-40B4-BE49-F238E27FC236}">
+                <a16:creationId xmlns:a16="http://schemas.microsoft.com/office/drawing/2014/main" id="{E44340BD-7BFE-42DA-80C6-4857C0055769}"/>
+              </a:ext>
+            </a:extLst>
+          </p:cNvPr>
+          <p:cNvCxnSpPr>
+            <a:cxnSpLocks/>
+          </p:cNvCxnSpPr>
+          <p:nvPr/>
+        </p:nvCxnSpPr>
+        <p:spPr>
+          <a:xfrm>
+            <a:off x="8180627" y="4266417"/>
+            <a:ext cx="458833" cy="445960"/>
+          </a:xfrm>
+          <a:prstGeom prst="straightConnector1">
+            <a:avLst/>
+          </a:prstGeom>
+          <a:ln w="38100">
+            <a:headEnd type="triangle"/>
+            <a:tailEnd type="triangle"/>
+          </a:ln>
+        </p:spPr>
+        <p:style>
+          <a:lnRef idx="1">
+            <a:schemeClr val="accent1"/>
+          </a:lnRef>
+          <a:fillRef idx="0">
+            <a:schemeClr val="accent1"/>
+          </a:fillRef>
+          <a:effectRef idx="0">
+            <a:schemeClr val="accent1"/>
+          </a:effectRef>
+          <a:fontRef idx="minor">
+            <a:schemeClr val="tx1"/>
+          </a:fontRef>
+        </p:style>
+      </p:cxnSp>
+      <p:sp>
+        <p:nvSpPr>
+          <p:cNvPr id="185" name="文本框 184">
+            <a:extLst>
+              <a:ext uri="{FF2B5EF4-FFF2-40B4-BE49-F238E27FC236}">
+                <a16:creationId xmlns:a16="http://schemas.microsoft.com/office/drawing/2014/main" id="{EEDE850D-2078-4498-9ED9-B46CE7E5C985}"/>
+              </a:ext>
+            </a:extLst>
+          </p:cNvPr>
+          <p:cNvSpPr txBox="1"/>
+          <p:nvPr/>
+        </p:nvSpPr>
+        <p:spPr>
+          <a:xfrm>
+            <a:off x="10025850" y="3437803"/>
+            <a:ext cx="795660" cy="369332"/>
+          </a:xfrm>
+          <a:prstGeom prst="rect">
+            <a:avLst/>
+          </a:prstGeom>
+          <a:noFill/>
+        </p:spPr>
+        <p:txBody>
+          <a:bodyPr wrap="square" rtlCol="0">
+            <a:spAutoFit/>
+          </a:bodyPr>
+          <a:lstStyle/>
+          <a:p>
+            <a:r>
+              <a:rPr lang="en-US" altLang="zh-CN" b="1" dirty="0"/>
+              <a:t>S</a:t>
+            </a:r>
+            <a:endParaRPr lang="zh-CN" altLang="en-US" b="1" dirty="0"/>
+          </a:p>
+        </p:txBody>
+      </p:sp>
+      <p:sp>
+        <p:nvSpPr>
+          <p:cNvPr id="186" name="文本框 185">
+            <a:extLst>
+              <a:ext uri="{FF2B5EF4-FFF2-40B4-BE49-F238E27FC236}">
+                <a16:creationId xmlns:a16="http://schemas.microsoft.com/office/drawing/2014/main" id="{3156E850-8296-4777-9D43-AAAF807BF3C0}"/>
+              </a:ext>
+            </a:extLst>
+          </p:cNvPr>
+          <p:cNvSpPr txBox="1"/>
+          <p:nvPr/>
+        </p:nvSpPr>
+        <p:spPr>
+          <a:xfrm>
+            <a:off x="8845269" y="4764263"/>
+            <a:ext cx="795660" cy="369332"/>
+          </a:xfrm>
+          <a:prstGeom prst="rect">
+            <a:avLst/>
+          </a:prstGeom>
+          <a:noFill/>
+        </p:spPr>
+        <p:txBody>
+          <a:bodyPr wrap="square" rtlCol="0">
+            <a:spAutoFit/>
+          </a:bodyPr>
+          <a:lstStyle/>
+          <a:p>
+            <a:r>
+              <a:rPr lang="en-US" altLang="zh-CN" b="1" dirty="0"/>
+              <a:t>1</a:t>
+            </a:r>
+            <a:endParaRPr lang="zh-CN" altLang="en-US" b="1" dirty="0"/>
+          </a:p>
+        </p:txBody>
+      </p:sp>
+      <p:sp>
+        <p:nvSpPr>
+          <p:cNvPr id="187" name="文本框 186">
+            <a:extLst>
+              <a:ext uri="{FF2B5EF4-FFF2-40B4-BE49-F238E27FC236}">
+                <a16:creationId xmlns:a16="http://schemas.microsoft.com/office/drawing/2014/main" id="{CB7CEE84-727B-4A0B-8DEF-D860476A3EDB}"/>
+              </a:ext>
+            </a:extLst>
+          </p:cNvPr>
+          <p:cNvSpPr txBox="1"/>
+          <p:nvPr/>
+        </p:nvSpPr>
+        <p:spPr>
+          <a:xfrm>
+            <a:off x="7856470" y="5566830"/>
+            <a:ext cx="795660" cy="369332"/>
+          </a:xfrm>
+          <a:prstGeom prst="rect">
+            <a:avLst/>
+          </a:prstGeom>
+          <a:noFill/>
+        </p:spPr>
+        <p:txBody>
+          <a:bodyPr wrap="square" rtlCol="0">
+            <a:spAutoFit/>
+          </a:bodyPr>
+          <a:lstStyle/>
+          <a:p>
+            <a:r>
+              <a:rPr lang="en-US" altLang="zh-CN" b="1" dirty="0"/>
+              <a:t>2</a:t>
+            </a:r>
+            <a:endParaRPr lang="zh-CN" altLang="en-US" b="1" dirty="0"/>
+          </a:p>
+        </p:txBody>
+      </p:sp>
+      <p:sp>
+        <p:nvSpPr>
+          <p:cNvPr id="188" name="文本框 187">
+            <a:extLst>
+              <a:ext uri="{FF2B5EF4-FFF2-40B4-BE49-F238E27FC236}">
+                <a16:creationId xmlns:a16="http://schemas.microsoft.com/office/drawing/2014/main" id="{3BB61F29-4EBC-49ED-AD4E-7152EEC3A9A2}"/>
+              </a:ext>
+            </a:extLst>
+          </p:cNvPr>
+          <p:cNvSpPr txBox="1"/>
+          <p:nvPr/>
+        </p:nvSpPr>
+        <p:spPr>
+          <a:xfrm>
+            <a:off x="7166929" y="6323919"/>
+            <a:ext cx="795660" cy="369332"/>
+          </a:xfrm>
+          <a:prstGeom prst="rect">
+            <a:avLst/>
+          </a:prstGeom>
+          <a:noFill/>
+        </p:spPr>
+        <p:txBody>
+          <a:bodyPr wrap="square" rtlCol="0">
+            <a:spAutoFit/>
+          </a:bodyPr>
+          <a:lstStyle/>
+          <a:p>
+            <a:r>
+              <a:rPr lang="en-US" altLang="zh-CN" b="1" dirty="0"/>
+              <a:t>3</a:t>
+            </a:r>
+            <a:endParaRPr lang="zh-CN" altLang="en-US" b="1" dirty="0"/>
+          </a:p>
+        </p:txBody>
+      </p:sp>
+      <p:sp>
+        <p:nvSpPr>
+          <p:cNvPr id="189" name="文本框 188">
+            <a:extLst>
+              <a:ext uri="{FF2B5EF4-FFF2-40B4-BE49-F238E27FC236}">
+                <a16:creationId xmlns:a16="http://schemas.microsoft.com/office/drawing/2014/main" id="{F65309B5-AA3A-4928-A5E4-1FEC9FA7A8C5}"/>
+              </a:ext>
+            </a:extLst>
+          </p:cNvPr>
+          <p:cNvSpPr txBox="1"/>
+          <p:nvPr/>
+        </p:nvSpPr>
+        <p:spPr>
+          <a:xfrm>
+            <a:off x="6269981" y="7084619"/>
+            <a:ext cx="795660" cy="369332"/>
+          </a:xfrm>
+          <a:prstGeom prst="rect">
+            <a:avLst/>
+          </a:prstGeom>
+          <a:noFill/>
+        </p:spPr>
+        <p:txBody>
+          <a:bodyPr wrap="square" rtlCol="0">
+            <a:spAutoFit/>
+          </a:bodyPr>
+          <a:lstStyle/>
+          <a:p>
+            <a:r>
+              <a:rPr lang="en-US" altLang="zh-CN" b="1" dirty="0"/>
+              <a:t>4</a:t>
+            </a:r>
+            <a:endParaRPr lang="zh-CN" altLang="en-US" b="1" dirty="0"/>
+          </a:p>
+        </p:txBody>
+      </p:sp>
+      <p:sp>
+        <p:nvSpPr>
+          <p:cNvPr id="190" name="文本框 189">
+            <a:extLst>
+              <a:ext uri="{FF2B5EF4-FFF2-40B4-BE49-F238E27FC236}">
+                <a16:creationId xmlns:a16="http://schemas.microsoft.com/office/drawing/2014/main" id="{2B4B913C-AB33-4A9E-952C-1B722F88C317}"/>
+              </a:ext>
+            </a:extLst>
+          </p:cNvPr>
+          <p:cNvSpPr txBox="1"/>
+          <p:nvPr/>
+        </p:nvSpPr>
+        <p:spPr>
+          <a:xfrm>
+            <a:off x="4879904" y="6857665"/>
+            <a:ext cx="795660" cy="369332"/>
+          </a:xfrm>
+          <a:prstGeom prst="rect">
+            <a:avLst/>
+          </a:prstGeom>
+          <a:noFill/>
+        </p:spPr>
+        <p:txBody>
+          <a:bodyPr wrap="square" rtlCol="0">
+            <a:spAutoFit/>
+          </a:bodyPr>
+          <a:lstStyle/>
+          <a:p>
+            <a:r>
+              <a:rPr lang="en-US" altLang="zh-CN" b="1" dirty="0"/>
+              <a:t>5</a:t>
+            </a:r>
+            <a:endParaRPr lang="zh-CN" altLang="en-US" b="1" dirty="0"/>
+          </a:p>
+        </p:txBody>
+      </p:sp>
+      <p:sp>
+        <p:nvSpPr>
+          <p:cNvPr id="191" name="文本框 190">
+            <a:extLst>
+              <a:ext uri="{FF2B5EF4-FFF2-40B4-BE49-F238E27FC236}">
+                <a16:creationId xmlns:a16="http://schemas.microsoft.com/office/drawing/2014/main" id="{9CC8FF5A-2107-436E-BF6D-AC2D55D4C0FB}"/>
+              </a:ext>
+            </a:extLst>
+          </p:cNvPr>
+          <p:cNvSpPr txBox="1"/>
+          <p:nvPr/>
+        </p:nvSpPr>
+        <p:spPr>
+          <a:xfrm>
+            <a:off x="5931421" y="6228759"/>
+            <a:ext cx="795660" cy="369332"/>
+          </a:xfrm>
+          <a:prstGeom prst="rect">
+            <a:avLst/>
+          </a:prstGeom>
+          <a:noFill/>
+        </p:spPr>
+        <p:txBody>
+          <a:bodyPr wrap="square" rtlCol="0">
+            <a:spAutoFit/>
+          </a:bodyPr>
+          <a:lstStyle/>
+          <a:p>
+            <a:r>
+              <a:rPr lang="en-US" altLang="zh-CN" b="1" dirty="0"/>
+              <a:t>6</a:t>
+            </a:r>
+            <a:endParaRPr lang="zh-CN" altLang="en-US" b="1" dirty="0"/>
+          </a:p>
+        </p:txBody>
+      </p:sp>
+      <p:sp>
+        <p:nvSpPr>
+          <p:cNvPr id="192" name="文本框 191">
+            <a:extLst>
+              <a:ext uri="{FF2B5EF4-FFF2-40B4-BE49-F238E27FC236}">
+                <a16:creationId xmlns:a16="http://schemas.microsoft.com/office/drawing/2014/main" id="{FDBE4F58-6591-4C7F-A67D-789476B2EEF7}"/>
+              </a:ext>
+            </a:extLst>
+          </p:cNvPr>
+          <p:cNvSpPr txBox="1"/>
+          <p:nvPr/>
+        </p:nvSpPr>
+        <p:spPr>
+          <a:xfrm>
+            <a:off x="6695804" y="5446043"/>
+            <a:ext cx="795660" cy="369332"/>
+          </a:xfrm>
+          <a:prstGeom prst="rect">
+            <a:avLst/>
+          </a:prstGeom>
+          <a:noFill/>
+        </p:spPr>
+        <p:txBody>
+          <a:bodyPr wrap="square" rtlCol="0">
+            <a:spAutoFit/>
+          </a:bodyPr>
+          <a:lstStyle/>
+          <a:p>
+            <a:r>
+              <a:rPr lang="en-US" altLang="zh-CN" b="1" dirty="0"/>
+              <a:t>7</a:t>
+            </a:r>
+            <a:endParaRPr lang="zh-CN" altLang="en-US" b="1" dirty="0"/>
+          </a:p>
+        </p:txBody>
+      </p:sp>
+      <p:sp>
+        <p:nvSpPr>
+          <p:cNvPr id="193" name="文本框 192">
+            <a:extLst>
+              <a:ext uri="{FF2B5EF4-FFF2-40B4-BE49-F238E27FC236}">
+                <a16:creationId xmlns:a16="http://schemas.microsoft.com/office/drawing/2014/main" id="{0EACB425-3FC7-4B3A-9650-E8AE4D0F9C37}"/>
+              </a:ext>
+            </a:extLst>
+          </p:cNvPr>
+          <p:cNvSpPr txBox="1"/>
+          <p:nvPr/>
+        </p:nvSpPr>
+        <p:spPr>
+          <a:xfrm>
+            <a:off x="7362849" y="4742800"/>
+            <a:ext cx="795660" cy="369332"/>
+          </a:xfrm>
+          <a:prstGeom prst="rect">
+            <a:avLst/>
+          </a:prstGeom>
+          <a:noFill/>
+        </p:spPr>
+        <p:txBody>
+          <a:bodyPr wrap="square" rtlCol="0">
+            <a:spAutoFit/>
+          </a:bodyPr>
+          <a:lstStyle/>
+          <a:p>
+            <a:r>
+              <a:rPr lang="en-US" altLang="zh-CN" b="1" dirty="0"/>
+              <a:t>8</a:t>
+            </a:r>
+            <a:endParaRPr lang="zh-CN" altLang="en-US" b="1" dirty="0"/>
+          </a:p>
+        </p:txBody>
+      </p:sp>
+      <p:sp>
+        <p:nvSpPr>
+          <p:cNvPr id="194" name="文本框 193">
+            <a:extLst>
+              <a:ext uri="{FF2B5EF4-FFF2-40B4-BE49-F238E27FC236}">
+                <a16:creationId xmlns:a16="http://schemas.microsoft.com/office/drawing/2014/main" id="{9DF0CA69-7907-4E7A-BA1D-66EE05ABE710}"/>
+              </a:ext>
+            </a:extLst>
+          </p:cNvPr>
+          <p:cNvSpPr txBox="1"/>
+          <p:nvPr/>
+        </p:nvSpPr>
+        <p:spPr>
+          <a:xfrm>
+            <a:off x="8215710" y="3999126"/>
+            <a:ext cx="795660" cy="369332"/>
+          </a:xfrm>
+          <a:prstGeom prst="rect">
+            <a:avLst/>
+          </a:prstGeom>
+          <a:noFill/>
+        </p:spPr>
+        <p:txBody>
+          <a:bodyPr wrap="square" rtlCol="0">
+            <a:spAutoFit/>
+          </a:bodyPr>
+          <a:lstStyle/>
+          <a:p>
+            <a:r>
+              <a:rPr lang="en-US" altLang="zh-CN" b="1" dirty="0"/>
+              <a:t>9</a:t>
+            </a:r>
+            <a:endParaRPr lang="zh-CN" altLang="en-US" b="1" dirty="0"/>
+          </a:p>
+        </p:txBody>
+      </p:sp>
+      <p:sp>
+        <p:nvSpPr>
+          <p:cNvPr id="195" name="文本框 194">
+            <a:extLst>
+              <a:ext uri="{FF2B5EF4-FFF2-40B4-BE49-F238E27FC236}">
+                <a16:creationId xmlns:a16="http://schemas.microsoft.com/office/drawing/2014/main" id="{EF68FBCB-6EEF-45F5-B4B8-1EFEF6E03D23}"/>
+              </a:ext>
+            </a:extLst>
+          </p:cNvPr>
+          <p:cNvSpPr txBox="1"/>
+          <p:nvPr/>
+        </p:nvSpPr>
+        <p:spPr>
+          <a:xfrm>
+            <a:off x="8653427" y="3161655"/>
+            <a:ext cx="795660" cy="369332"/>
+          </a:xfrm>
+          <a:prstGeom prst="rect">
+            <a:avLst/>
+          </a:prstGeom>
+          <a:noFill/>
+        </p:spPr>
+        <p:txBody>
+          <a:bodyPr wrap="square" rtlCol="0">
+            <a:spAutoFit/>
+          </a:bodyPr>
+          <a:lstStyle/>
+          <a:p>
+            <a:r>
+              <a:rPr lang="en-US" altLang="zh-CN" b="1" dirty="0"/>
+              <a:t>10</a:t>
+            </a:r>
+            <a:endParaRPr lang="zh-CN" altLang="en-US" b="1" dirty="0"/>
+          </a:p>
+        </p:txBody>
+      </p:sp>
+      <p:sp>
+        <p:nvSpPr>
+          <p:cNvPr id="196" name="文本框 195">
+            <a:extLst>
+              <a:ext uri="{FF2B5EF4-FFF2-40B4-BE49-F238E27FC236}">
+                <a16:creationId xmlns:a16="http://schemas.microsoft.com/office/drawing/2014/main" id="{684861B7-2A6D-45F0-A7A5-23BC686A332F}"/>
+              </a:ext>
+            </a:extLst>
+          </p:cNvPr>
+          <p:cNvSpPr txBox="1"/>
+          <p:nvPr/>
+        </p:nvSpPr>
+        <p:spPr>
+          <a:xfrm>
+            <a:off x="8809105" y="2132371"/>
+            <a:ext cx="795660" cy="369332"/>
+          </a:xfrm>
+          <a:prstGeom prst="rect">
+            <a:avLst/>
+          </a:prstGeom>
+          <a:noFill/>
+        </p:spPr>
+        <p:txBody>
+          <a:bodyPr wrap="square" rtlCol="0">
+            <a:spAutoFit/>
+          </a:bodyPr>
+          <a:lstStyle/>
+          <a:p>
+            <a:r>
+              <a:rPr lang="en-US" altLang="zh-CN" b="1" dirty="0"/>
+              <a:t>11</a:t>
+            </a:r>
+            <a:endParaRPr lang="zh-CN" altLang="en-US" b="1" dirty="0"/>
+          </a:p>
+        </p:txBody>
+      </p:sp>
+      <p:sp>
+        <p:nvSpPr>
+          <p:cNvPr id="197" name="文本框 196">
+            <a:extLst>
+              <a:ext uri="{FF2B5EF4-FFF2-40B4-BE49-F238E27FC236}">
+                <a16:creationId xmlns:a16="http://schemas.microsoft.com/office/drawing/2014/main" id="{820647A8-5C62-447E-8FF1-3424695CBD44}"/>
+              </a:ext>
+            </a:extLst>
+          </p:cNvPr>
+          <p:cNvSpPr txBox="1"/>
+          <p:nvPr/>
+        </p:nvSpPr>
+        <p:spPr>
+          <a:xfrm>
+            <a:off x="7530818" y="2780764"/>
+            <a:ext cx="795660" cy="369332"/>
+          </a:xfrm>
+          <a:prstGeom prst="rect">
+            <a:avLst/>
+          </a:prstGeom>
+          <a:noFill/>
+        </p:spPr>
+        <p:txBody>
+          <a:bodyPr wrap="square" rtlCol="0">
+            <a:spAutoFit/>
+          </a:bodyPr>
+          <a:lstStyle/>
+          <a:p>
+            <a:r>
+              <a:rPr lang="en-US" altLang="zh-CN" b="1" dirty="0"/>
+              <a:t>12</a:t>
+            </a:r>
+            <a:endParaRPr lang="zh-CN" altLang="en-US" b="1" dirty="0"/>
+          </a:p>
+        </p:txBody>
+      </p:sp>
+      <p:sp>
+        <p:nvSpPr>
+          <p:cNvPr id="198" name="文本框 197">
+            <a:extLst>
+              <a:ext uri="{FF2B5EF4-FFF2-40B4-BE49-F238E27FC236}">
+                <a16:creationId xmlns:a16="http://schemas.microsoft.com/office/drawing/2014/main" id="{4A581849-A962-4445-A692-43D314C5F531}"/>
+              </a:ext>
+            </a:extLst>
+          </p:cNvPr>
+          <p:cNvSpPr txBox="1"/>
+          <p:nvPr/>
+        </p:nvSpPr>
+        <p:spPr>
+          <a:xfrm>
+            <a:off x="6844000" y="3428341"/>
+            <a:ext cx="795660" cy="369332"/>
+          </a:xfrm>
+          <a:prstGeom prst="rect">
+            <a:avLst/>
+          </a:prstGeom>
+          <a:noFill/>
+        </p:spPr>
+        <p:txBody>
+          <a:bodyPr wrap="square" rtlCol="0">
+            <a:spAutoFit/>
+          </a:bodyPr>
+          <a:lstStyle/>
+          <a:p>
+            <a:r>
+              <a:rPr lang="en-US" altLang="zh-CN" b="1" dirty="0"/>
+              <a:t>13</a:t>
+            </a:r>
+            <a:endParaRPr lang="zh-CN" altLang="en-US" b="1" dirty="0"/>
+          </a:p>
+        </p:txBody>
+      </p:sp>
+      <p:sp>
+        <p:nvSpPr>
+          <p:cNvPr id="199" name="文本框 198">
+            <a:extLst>
+              <a:ext uri="{FF2B5EF4-FFF2-40B4-BE49-F238E27FC236}">
+                <a16:creationId xmlns:a16="http://schemas.microsoft.com/office/drawing/2014/main" id="{544DC799-6062-40BF-966A-57D43EFEB169}"/>
+              </a:ext>
+            </a:extLst>
+          </p:cNvPr>
+          <p:cNvSpPr txBox="1"/>
+          <p:nvPr/>
+        </p:nvSpPr>
+        <p:spPr>
+          <a:xfrm>
+            <a:off x="6367420" y="3885759"/>
+            <a:ext cx="795660" cy="369332"/>
+          </a:xfrm>
+          <a:prstGeom prst="rect">
+            <a:avLst/>
+          </a:prstGeom>
+          <a:noFill/>
+        </p:spPr>
+        <p:txBody>
+          <a:bodyPr wrap="square" rtlCol="0">
+            <a:spAutoFit/>
+          </a:bodyPr>
+          <a:lstStyle/>
+          <a:p>
+            <a:r>
+              <a:rPr lang="en-US" altLang="zh-CN" b="1" dirty="0"/>
+              <a:t>14</a:t>
+            </a:r>
+            <a:endParaRPr lang="zh-CN" altLang="en-US" b="1" dirty="0"/>
+          </a:p>
+        </p:txBody>
+      </p:sp>
+      <p:sp>
+        <p:nvSpPr>
+          <p:cNvPr id="200" name="文本框 199">
+            <a:extLst>
+              <a:ext uri="{FF2B5EF4-FFF2-40B4-BE49-F238E27FC236}">
+                <a16:creationId xmlns:a16="http://schemas.microsoft.com/office/drawing/2014/main" id="{4A233A71-B659-40B3-8F6E-0E6816033F5F}"/>
+              </a:ext>
+            </a:extLst>
+          </p:cNvPr>
+          <p:cNvSpPr txBox="1"/>
+          <p:nvPr/>
+        </p:nvSpPr>
+        <p:spPr>
+          <a:xfrm>
+            <a:off x="5796112" y="4399672"/>
+            <a:ext cx="795660" cy="369332"/>
+          </a:xfrm>
+          <a:prstGeom prst="rect">
+            <a:avLst/>
+          </a:prstGeom>
+          <a:noFill/>
+        </p:spPr>
+        <p:txBody>
+          <a:bodyPr wrap="square" rtlCol="0">
+            <a:spAutoFit/>
+          </a:bodyPr>
+          <a:lstStyle/>
+          <a:p>
+            <a:r>
+              <a:rPr lang="en-US" altLang="zh-CN" b="1" dirty="0"/>
+              <a:t>15</a:t>
+            </a:r>
+            <a:endParaRPr lang="zh-CN" altLang="en-US" b="1" dirty="0"/>
+          </a:p>
+        </p:txBody>
+      </p:sp>
+      <p:sp>
+        <p:nvSpPr>
+          <p:cNvPr id="201" name="文本框 200">
+            <a:extLst>
+              <a:ext uri="{FF2B5EF4-FFF2-40B4-BE49-F238E27FC236}">
+                <a16:creationId xmlns:a16="http://schemas.microsoft.com/office/drawing/2014/main" id="{22D5AF89-C043-483A-BD7B-CACB47ADBD7F}"/>
+              </a:ext>
+            </a:extLst>
+          </p:cNvPr>
+          <p:cNvSpPr txBox="1"/>
+          <p:nvPr/>
+        </p:nvSpPr>
+        <p:spPr>
+          <a:xfrm>
+            <a:off x="5148867" y="5104211"/>
+            <a:ext cx="795660" cy="369332"/>
+          </a:xfrm>
+          <a:prstGeom prst="rect">
+            <a:avLst/>
+          </a:prstGeom>
+          <a:noFill/>
+        </p:spPr>
+        <p:txBody>
+          <a:bodyPr wrap="square" rtlCol="0">
+            <a:spAutoFit/>
+          </a:bodyPr>
+          <a:lstStyle/>
+          <a:p>
+            <a:r>
+              <a:rPr lang="en-US" altLang="zh-CN" b="1" dirty="0"/>
+              <a:t>16</a:t>
+            </a:r>
+            <a:endParaRPr lang="zh-CN" altLang="en-US" b="1" dirty="0"/>
+          </a:p>
+        </p:txBody>
+      </p:sp>
+      <p:sp>
+        <p:nvSpPr>
+          <p:cNvPr id="202" name="文本框 201">
+            <a:extLst>
+              <a:ext uri="{FF2B5EF4-FFF2-40B4-BE49-F238E27FC236}">
+                <a16:creationId xmlns:a16="http://schemas.microsoft.com/office/drawing/2014/main" id="{C79433D4-3A75-4221-A8F3-0FBB0E06705F}"/>
+              </a:ext>
+            </a:extLst>
+          </p:cNvPr>
+          <p:cNvSpPr txBox="1"/>
+          <p:nvPr/>
+        </p:nvSpPr>
+        <p:spPr>
+          <a:xfrm>
+            <a:off x="4501074" y="5771773"/>
+            <a:ext cx="795660" cy="369332"/>
+          </a:xfrm>
+          <a:prstGeom prst="rect">
+            <a:avLst/>
+          </a:prstGeom>
+          <a:noFill/>
+        </p:spPr>
+        <p:txBody>
+          <a:bodyPr wrap="square" rtlCol="0">
+            <a:spAutoFit/>
+          </a:bodyPr>
+          <a:lstStyle/>
+          <a:p>
+            <a:r>
+              <a:rPr lang="en-US" altLang="zh-CN" b="1" dirty="0"/>
+              <a:t>17</a:t>
+            </a:r>
+            <a:endParaRPr lang="zh-CN" altLang="en-US" b="1" dirty="0"/>
+          </a:p>
+        </p:txBody>
+      </p:sp>
+      <p:sp>
+        <p:nvSpPr>
+          <p:cNvPr id="203" name="文本框 202">
+            <a:extLst>
+              <a:ext uri="{FF2B5EF4-FFF2-40B4-BE49-F238E27FC236}">
+                <a16:creationId xmlns:a16="http://schemas.microsoft.com/office/drawing/2014/main" id="{7F9B2A17-82B7-4779-AC62-E1CFDEA7E89B}"/>
+              </a:ext>
+            </a:extLst>
+          </p:cNvPr>
+          <p:cNvSpPr txBox="1"/>
+          <p:nvPr/>
+        </p:nvSpPr>
+        <p:spPr>
+          <a:xfrm>
+            <a:off x="3663164" y="5616541"/>
+            <a:ext cx="795660" cy="369332"/>
+          </a:xfrm>
+          <a:prstGeom prst="rect">
+            <a:avLst/>
+          </a:prstGeom>
+          <a:noFill/>
+        </p:spPr>
+        <p:txBody>
+          <a:bodyPr wrap="square" rtlCol="0">
+            <a:spAutoFit/>
+          </a:bodyPr>
+          <a:lstStyle/>
+          <a:p>
+            <a:r>
+              <a:rPr lang="en-US" altLang="zh-CN" b="1" dirty="0"/>
+              <a:t>18</a:t>
+            </a:r>
+            <a:endParaRPr lang="zh-CN" altLang="en-US" b="1" dirty="0"/>
+          </a:p>
+        </p:txBody>
+      </p:sp>
+      <p:sp>
+        <p:nvSpPr>
+          <p:cNvPr id="204" name="文本框 203">
+            <a:extLst>
+              <a:ext uri="{FF2B5EF4-FFF2-40B4-BE49-F238E27FC236}">
+                <a16:creationId xmlns:a16="http://schemas.microsoft.com/office/drawing/2014/main" id="{A581AD5B-DF01-4AA7-93C2-5581EC0AE2E8}"/>
+              </a:ext>
+            </a:extLst>
+          </p:cNvPr>
+          <p:cNvSpPr txBox="1"/>
+          <p:nvPr/>
+        </p:nvSpPr>
+        <p:spPr>
+          <a:xfrm>
+            <a:off x="4427411" y="4987205"/>
+            <a:ext cx="795660" cy="369332"/>
+          </a:xfrm>
+          <a:prstGeom prst="rect">
+            <a:avLst/>
+          </a:prstGeom>
+          <a:noFill/>
+        </p:spPr>
+        <p:txBody>
+          <a:bodyPr wrap="square" rtlCol="0">
+            <a:spAutoFit/>
+          </a:bodyPr>
+          <a:lstStyle/>
+          <a:p>
+            <a:r>
+              <a:rPr lang="en-US" altLang="zh-CN" b="1" dirty="0"/>
+              <a:t>19</a:t>
+            </a:r>
+            <a:endParaRPr lang="zh-CN" altLang="en-US" b="1" dirty="0"/>
+          </a:p>
+        </p:txBody>
+      </p:sp>
+      <p:cxnSp>
+        <p:nvCxnSpPr>
+          <p:cNvPr id="205" name="直接箭头连接符 204">
+            <a:extLst>
+              <a:ext uri="{FF2B5EF4-FFF2-40B4-BE49-F238E27FC236}">
+                <a16:creationId xmlns:a16="http://schemas.microsoft.com/office/drawing/2014/main" id="{E6C11EB8-1EDD-4F78-A00E-EEB0C723CA79}"/>
+              </a:ext>
+            </a:extLst>
+          </p:cNvPr>
+          <p:cNvCxnSpPr>
+            <a:cxnSpLocks/>
+          </p:cNvCxnSpPr>
+          <p:nvPr/>
+        </p:nvCxnSpPr>
+        <p:spPr>
+          <a:xfrm flipH="1">
+            <a:off x="6132191" y="1536605"/>
+            <a:ext cx="367965" cy="417634"/>
+          </a:xfrm>
+          <a:prstGeom prst="straightConnector1">
+            <a:avLst/>
+          </a:prstGeom>
+          <a:ln w="38100">
+            <a:headEnd type="triangle"/>
+            <a:tailEnd type="triangle"/>
+          </a:ln>
+        </p:spPr>
+        <p:style>
+          <a:lnRef idx="1">
+            <a:schemeClr val="accent1"/>
+          </a:lnRef>
+          <a:fillRef idx="0">
+            <a:schemeClr val="accent1"/>
+          </a:fillRef>
+          <a:effectRef idx="0">
+            <a:schemeClr val="accent1"/>
+          </a:effectRef>
+          <a:fontRef idx="minor">
+            <a:schemeClr val="tx1"/>
+          </a:fontRef>
+        </p:style>
+      </p:cxnSp>
+      <p:cxnSp>
+        <p:nvCxnSpPr>
+          <p:cNvPr id="208" name="直接箭头连接符 207">
+            <a:extLst>
+              <a:ext uri="{FF2B5EF4-FFF2-40B4-BE49-F238E27FC236}">
+                <a16:creationId xmlns:a16="http://schemas.microsoft.com/office/drawing/2014/main" id="{D173F3B0-B25C-4B07-A9B8-3413021F80E5}"/>
+              </a:ext>
+            </a:extLst>
+          </p:cNvPr>
+          <p:cNvCxnSpPr>
+            <a:cxnSpLocks/>
+          </p:cNvCxnSpPr>
+          <p:nvPr/>
+        </p:nvCxnSpPr>
+        <p:spPr>
+          <a:xfrm flipH="1">
+            <a:off x="6912353" y="2278360"/>
+            <a:ext cx="367965" cy="417634"/>
+          </a:xfrm>
+          <a:prstGeom prst="straightConnector1">
+            <a:avLst/>
+          </a:prstGeom>
+          <a:ln w="38100">
+            <a:headEnd type="triangle"/>
+            <a:tailEnd type="triangle"/>
+          </a:ln>
+        </p:spPr>
+        <p:style>
+          <a:lnRef idx="1">
+            <a:schemeClr val="accent1"/>
+          </a:lnRef>
+          <a:fillRef idx="0">
+            <a:schemeClr val="accent1"/>
+          </a:fillRef>
+          <a:effectRef idx="0">
+            <a:schemeClr val="accent1"/>
+          </a:effectRef>
+          <a:fontRef idx="minor">
+            <a:schemeClr val="tx1"/>
+          </a:fontRef>
+        </p:style>
+      </p:cxnSp>
+      <p:cxnSp>
+        <p:nvCxnSpPr>
+          <p:cNvPr id="209" name="直接箭头连接符 208">
+            <a:extLst>
+              <a:ext uri="{FF2B5EF4-FFF2-40B4-BE49-F238E27FC236}">
+                <a16:creationId xmlns:a16="http://schemas.microsoft.com/office/drawing/2014/main" id="{A0E15800-1BDC-49F8-8492-A91DE4CB4ED5}"/>
+              </a:ext>
+            </a:extLst>
+          </p:cNvPr>
+          <p:cNvCxnSpPr>
+            <a:cxnSpLocks/>
+          </p:cNvCxnSpPr>
+          <p:nvPr/>
+        </p:nvCxnSpPr>
+        <p:spPr>
+          <a:xfrm flipH="1">
+            <a:off x="7597285" y="3041015"/>
+            <a:ext cx="367965" cy="417634"/>
+          </a:xfrm>
+          <a:prstGeom prst="straightConnector1">
+            <a:avLst/>
+          </a:prstGeom>
+          <a:ln w="38100">
+            <a:headEnd type="triangle"/>
+            <a:tailEnd type="triangle"/>
+          </a:ln>
+        </p:spPr>
+        <p:style>
+          <a:lnRef idx="1">
+            <a:schemeClr val="accent1"/>
+          </a:lnRef>
+          <a:fillRef idx="0">
+            <a:schemeClr val="accent1"/>
+          </a:fillRef>
+          <a:effectRef idx="0">
+            <a:schemeClr val="accent1"/>
+          </a:effectRef>
+          <a:fontRef idx="minor">
+            <a:schemeClr val="tx1"/>
+          </a:fontRef>
+        </p:style>
+      </p:cxnSp>
+      <p:sp>
+        <p:nvSpPr>
+          <p:cNvPr id="210" name="文本框 209">
+            <a:extLst>
+              <a:ext uri="{FF2B5EF4-FFF2-40B4-BE49-F238E27FC236}">
+                <a16:creationId xmlns:a16="http://schemas.microsoft.com/office/drawing/2014/main" id="{F1CC4C3C-7CBF-47E0-BF91-2C111468325C}"/>
+              </a:ext>
+            </a:extLst>
+          </p:cNvPr>
+          <p:cNvSpPr txBox="1"/>
+          <p:nvPr/>
+        </p:nvSpPr>
+        <p:spPr>
+          <a:xfrm>
+            <a:off x="5036828" y="4357467"/>
+            <a:ext cx="795660" cy="369332"/>
+          </a:xfrm>
+          <a:prstGeom prst="rect">
+            <a:avLst/>
+          </a:prstGeom>
+          <a:noFill/>
+        </p:spPr>
+        <p:txBody>
+          <a:bodyPr wrap="square" rtlCol="0">
+            <a:spAutoFit/>
+          </a:bodyPr>
+          <a:lstStyle/>
+          <a:p>
+            <a:r>
+              <a:rPr lang="en-US" altLang="zh-CN" b="1" dirty="0"/>
+              <a:t>20</a:t>
+            </a:r>
+            <a:endParaRPr lang="zh-CN" altLang="en-US" b="1" dirty="0"/>
+          </a:p>
+        </p:txBody>
+      </p:sp>
+      <p:sp>
+        <p:nvSpPr>
+          <p:cNvPr id="212" name="文本框 211">
+            <a:extLst>
+              <a:ext uri="{FF2B5EF4-FFF2-40B4-BE49-F238E27FC236}">
+                <a16:creationId xmlns:a16="http://schemas.microsoft.com/office/drawing/2014/main" id="{920F000E-23CC-4992-B7D1-06191F74D0E7}"/>
+              </a:ext>
+            </a:extLst>
+          </p:cNvPr>
+          <p:cNvSpPr txBox="1"/>
+          <p:nvPr/>
+        </p:nvSpPr>
+        <p:spPr>
+          <a:xfrm>
+            <a:off x="6405668" y="2815745"/>
+            <a:ext cx="795660" cy="369332"/>
+          </a:xfrm>
+          <a:prstGeom prst="rect">
+            <a:avLst/>
+          </a:prstGeom>
+          <a:noFill/>
+        </p:spPr>
+        <p:txBody>
+          <a:bodyPr wrap="square" rtlCol="0">
+            <a:spAutoFit/>
+          </a:bodyPr>
+          <a:lstStyle/>
+          <a:p>
+            <a:r>
+              <a:rPr lang="en-US" altLang="zh-CN" b="1" dirty="0"/>
+              <a:t>21</a:t>
+            </a:r>
+            <a:endParaRPr lang="zh-CN" altLang="en-US" b="1" dirty="0"/>
+          </a:p>
+        </p:txBody>
+      </p:sp>
+      <p:sp>
+        <p:nvSpPr>
+          <p:cNvPr id="213" name="文本框 212">
+            <a:extLst>
+              <a:ext uri="{FF2B5EF4-FFF2-40B4-BE49-F238E27FC236}">
+                <a16:creationId xmlns:a16="http://schemas.microsoft.com/office/drawing/2014/main" id="{AD6A6E78-9BBC-4211-A7CA-01D1A3DE9209}"/>
+              </a:ext>
+            </a:extLst>
+          </p:cNvPr>
+          <p:cNvSpPr txBox="1"/>
+          <p:nvPr/>
+        </p:nvSpPr>
+        <p:spPr>
+          <a:xfrm>
+            <a:off x="7186903" y="2302187"/>
+            <a:ext cx="795660" cy="369332"/>
+          </a:xfrm>
+          <a:prstGeom prst="rect">
+            <a:avLst/>
+          </a:prstGeom>
+          <a:noFill/>
+        </p:spPr>
+        <p:txBody>
+          <a:bodyPr wrap="square" rtlCol="0">
+            <a:spAutoFit/>
+          </a:bodyPr>
+          <a:lstStyle/>
+          <a:p>
+            <a:r>
+              <a:rPr lang="en-US" altLang="zh-CN" b="1" dirty="0"/>
+              <a:t>22</a:t>
+            </a:r>
+            <a:endParaRPr lang="zh-CN" altLang="en-US" b="1" dirty="0"/>
+          </a:p>
+        </p:txBody>
+      </p:sp>
+      <p:sp>
+        <p:nvSpPr>
+          <p:cNvPr id="214" name="文本框 213">
+            <a:extLst>
+              <a:ext uri="{FF2B5EF4-FFF2-40B4-BE49-F238E27FC236}">
+                <a16:creationId xmlns:a16="http://schemas.microsoft.com/office/drawing/2014/main" id="{37784FDE-9879-4159-8B85-7EA6B41442F3}"/>
+              </a:ext>
+            </a:extLst>
+          </p:cNvPr>
+          <p:cNvSpPr txBox="1"/>
+          <p:nvPr/>
+        </p:nvSpPr>
+        <p:spPr>
+          <a:xfrm>
+            <a:off x="7779350" y="1787792"/>
+            <a:ext cx="795660" cy="369332"/>
+          </a:xfrm>
+          <a:prstGeom prst="rect">
+            <a:avLst/>
+          </a:prstGeom>
+          <a:noFill/>
+        </p:spPr>
+        <p:txBody>
+          <a:bodyPr wrap="square" rtlCol="0">
+            <a:spAutoFit/>
+          </a:bodyPr>
+          <a:lstStyle/>
+          <a:p>
+            <a:r>
+              <a:rPr lang="en-US" altLang="zh-CN" b="1" dirty="0"/>
+              <a:t>23</a:t>
+            </a:r>
+            <a:endParaRPr lang="zh-CN" altLang="en-US" b="1" dirty="0"/>
+          </a:p>
+        </p:txBody>
+      </p:sp>
+      <p:sp>
+        <p:nvSpPr>
+          <p:cNvPr id="215" name="文本框 214">
+            <a:extLst>
+              <a:ext uri="{FF2B5EF4-FFF2-40B4-BE49-F238E27FC236}">
+                <a16:creationId xmlns:a16="http://schemas.microsoft.com/office/drawing/2014/main" id="{10BDC21D-BFC5-4685-8144-95004738DF4C}"/>
+              </a:ext>
+            </a:extLst>
+          </p:cNvPr>
+          <p:cNvSpPr txBox="1"/>
+          <p:nvPr/>
+        </p:nvSpPr>
+        <p:spPr>
+          <a:xfrm>
+            <a:off x="6960157" y="1064288"/>
+            <a:ext cx="795660" cy="369332"/>
+          </a:xfrm>
+          <a:prstGeom prst="rect">
+            <a:avLst/>
+          </a:prstGeom>
+          <a:noFill/>
+        </p:spPr>
+        <p:txBody>
+          <a:bodyPr wrap="square" rtlCol="0">
+            <a:spAutoFit/>
+          </a:bodyPr>
+          <a:lstStyle/>
+          <a:p>
+            <a:r>
+              <a:rPr lang="en-US" altLang="zh-CN" b="1" dirty="0"/>
+              <a:t>24</a:t>
+            </a:r>
+            <a:endParaRPr lang="zh-CN" altLang="en-US" b="1" dirty="0"/>
+          </a:p>
+        </p:txBody>
+      </p:sp>
+      <p:sp>
+        <p:nvSpPr>
+          <p:cNvPr id="216" name="文本框 215">
+            <a:extLst>
+              <a:ext uri="{FF2B5EF4-FFF2-40B4-BE49-F238E27FC236}">
+                <a16:creationId xmlns:a16="http://schemas.microsoft.com/office/drawing/2014/main" id="{19AC6BF4-38A7-406D-AAF4-0871A68612B6}"/>
+              </a:ext>
+            </a:extLst>
+          </p:cNvPr>
+          <p:cNvSpPr txBox="1"/>
+          <p:nvPr/>
+        </p:nvSpPr>
+        <p:spPr>
+          <a:xfrm>
+            <a:off x="6386443" y="1634987"/>
+            <a:ext cx="795660" cy="369332"/>
+          </a:xfrm>
+          <a:prstGeom prst="rect">
+            <a:avLst/>
+          </a:prstGeom>
+          <a:noFill/>
+        </p:spPr>
+        <p:txBody>
+          <a:bodyPr wrap="square" rtlCol="0">
+            <a:spAutoFit/>
+          </a:bodyPr>
+          <a:lstStyle/>
+          <a:p>
+            <a:r>
+              <a:rPr lang="en-US" altLang="zh-CN" b="1" dirty="0"/>
+              <a:t>25</a:t>
+            </a:r>
+            <a:endParaRPr lang="zh-CN" altLang="en-US" b="1" dirty="0"/>
+          </a:p>
+        </p:txBody>
+      </p:sp>
+      <p:sp>
+        <p:nvSpPr>
+          <p:cNvPr id="217" name="文本框 216">
+            <a:extLst>
+              <a:ext uri="{FF2B5EF4-FFF2-40B4-BE49-F238E27FC236}">
+                <a16:creationId xmlns:a16="http://schemas.microsoft.com/office/drawing/2014/main" id="{8F7E5AAD-39CD-4E29-A127-C65703A06178}"/>
+              </a:ext>
+            </a:extLst>
+          </p:cNvPr>
+          <p:cNvSpPr txBox="1"/>
+          <p:nvPr/>
+        </p:nvSpPr>
+        <p:spPr>
+          <a:xfrm>
+            <a:off x="5812056" y="2223708"/>
+            <a:ext cx="795660" cy="369332"/>
+          </a:xfrm>
+          <a:prstGeom prst="rect">
+            <a:avLst/>
+          </a:prstGeom>
+          <a:noFill/>
+        </p:spPr>
+        <p:txBody>
+          <a:bodyPr wrap="square" rtlCol="0">
+            <a:spAutoFit/>
+          </a:bodyPr>
+          <a:lstStyle/>
+          <a:p>
+            <a:r>
+              <a:rPr lang="en-US" altLang="zh-CN" b="1" dirty="0"/>
+              <a:t>26</a:t>
+            </a:r>
+            <a:endParaRPr lang="zh-CN" altLang="en-US" b="1" dirty="0"/>
+          </a:p>
+        </p:txBody>
+      </p:sp>
+      <p:sp>
+        <p:nvSpPr>
+          <p:cNvPr id="218" name="文本框 217">
+            <a:extLst>
+              <a:ext uri="{FF2B5EF4-FFF2-40B4-BE49-F238E27FC236}">
+                <a16:creationId xmlns:a16="http://schemas.microsoft.com/office/drawing/2014/main" id="{DC4E1F71-051D-4D38-96B6-9E0F066CDD4C}"/>
+              </a:ext>
+            </a:extLst>
+          </p:cNvPr>
+          <p:cNvSpPr txBox="1"/>
+          <p:nvPr/>
+        </p:nvSpPr>
+        <p:spPr>
+          <a:xfrm>
+            <a:off x="5131088" y="2835188"/>
+            <a:ext cx="795660" cy="369332"/>
+          </a:xfrm>
+          <a:prstGeom prst="rect">
+            <a:avLst/>
+          </a:prstGeom>
+          <a:noFill/>
+        </p:spPr>
+        <p:txBody>
+          <a:bodyPr wrap="square" rtlCol="0">
+            <a:spAutoFit/>
+          </a:bodyPr>
+          <a:lstStyle/>
+          <a:p>
+            <a:r>
+              <a:rPr lang="en-US" altLang="zh-CN" b="1" dirty="0"/>
+              <a:t>27</a:t>
+            </a:r>
+            <a:endParaRPr lang="zh-CN" altLang="en-US" b="1" dirty="0"/>
+          </a:p>
+        </p:txBody>
+      </p:sp>
+      <p:sp>
+        <p:nvSpPr>
+          <p:cNvPr id="219" name="文本框 218">
+            <a:extLst>
+              <a:ext uri="{FF2B5EF4-FFF2-40B4-BE49-F238E27FC236}">
+                <a16:creationId xmlns:a16="http://schemas.microsoft.com/office/drawing/2014/main" id="{F6E6A605-CAB9-42B2-88F4-D5F3CE689E45}"/>
+              </a:ext>
+            </a:extLst>
+          </p:cNvPr>
+          <p:cNvSpPr txBox="1"/>
+          <p:nvPr/>
+        </p:nvSpPr>
+        <p:spPr>
+          <a:xfrm>
+            <a:off x="4768383" y="3350579"/>
+            <a:ext cx="795660" cy="369332"/>
+          </a:xfrm>
+          <a:prstGeom prst="rect">
+            <a:avLst/>
+          </a:prstGeom>
+          <a:noFill/>
+        </p:spPr>
+        <p:txBody>
+          <a:bodyPr wrap="square" rtlCol="0">
+            <a:spAutoFit/>
+          </a:bodyPr>
+          <a:lstStyle/>
+          <a:p>
+            <a:r>
+              <a:rPr lang="en-US" altLang="zh-CN" b="1" dirty="0"/>
+              <a:t>28</a:t>
+            </a:r>
+            <a:endParaRPr lang="zh-CN" altLang="en-US" b="1" dirty="0"/>
+          </a:p>
+        </p:txBody>
+      </p:sp>
+      <p:sp>
+        <p:nvSpPr>
+          <p:cNvPr id="220" name="文本框 219">
+            <a:extLst>
+              <a:ext uri="{FF2B5EF4-FFF2-40B4-BE49-F238E27FC236}">
+                <a16:creationId xmlns:a16="http://schemas.microsoft.com/office/drawing/2014/main" id="{7D5E4FB8-954E-4DC7-AF61-06036300E0E1}"/>
+              </a:ext>
+            </a:extLst>
+          </p:cNvPr>
+          <p:cNvSpPr txBox="1"/>
+          <p:nvPr/>
+        </p:nvSpPr>
+        <p:spPr>
+          <a:xfrm>
+            <a:off x="3966240" y="3882997"/>
+            <a:ext cx="795660" cy="369332"/>
+          </a:xfrm>
+          <a:prstGeom prst="rect">
+            <a:avLst/>
+          </a:prstGeom>
+          <a:noFill/>
+        </p:spPr>
+        <p:txBody>
+          <a:bodyPr wrap="square" rtlCol="0">
+            <a:spAutoFit/>
+          </a:bodyPr>
+          <a:lstStyle/>
+          <a:p>
+            <a:r>
+              <a:rPr lang="en-US" altLang="zh-CN" b="1" dirty="0"/>
+              <a:t>29</a:t>
+            </a:r>
+            <a:endParaRPr lang="zh-CN" altLang="en-US" b="1" dirty="0"/>
+          </a:p>
+        </p:txBody>
+      </p:sp>
+      <p:sp>
+        <p:nvSpPr>
+          <p:cNvPr id="221" name="文本框 220">
+            <a:extLst>
+              <a:ext uri="{FF2B5EF4-FFF2-40B4-BE49-F238E27FC236}">
+                <a16:creationId xmlns:a16="http://schemas.microsoft.com/office/drawing/2014/main" id="{E4352561-3818-4880-958E-C5201E72D2F9}"/>
+              </a:ext>
+            </a:extLst>
+          </p:cNvPr>
+          <p:cNvSpPr txBox="1"/>
+          <p:nvPr/>
+        </p:nvSpPr>
+        <p:spPr>
+          <a:xfrm>
+            <a:off x="3395446" y="4548320"/>
+            <a:ext cx="795660" cy="369332"/>
+          </a:xfrm>
+          <a:prstGeom prst="rect">
+            <a:avLst/>
+          </a:prstGeom>
+          <a:noFill/>
+        </p:spPr>
+        <p:txBody>
+          <a:bodyPr wrap="square" rtlCol="0">
+            <a:spAutoFit/>
+          </a:bodyPr>
+          <a:lstStyle/>
+          <a:p>
+            <a:r>
+              <a:rPr lang="en-US" altLang="zh-CN" b="1" dirty="0"/>
+              <a:t>30</a:t>
+            </a:r>
+            <a:endParaRPr lang="zh-CN" altLang="en-US" b="1" dirty="0"/>
+          </a:p>
+        </p:txBody>
+      </p:sp>
+      <p:sp>
+        <p:nvSpPr>
+          <p:cNvPr id="222" name="文本框 221">
+            <a:extLst>
+              <a:ext uri="{FF2B5EF4-FFF2-40B4-BE49-F238E27FC236}">
+                <a16:creationId xmlns:a16="http://schemas.microsoft.com/office/drawing/2014/main" id="{6428F3B0-D30E-456A-9DFD-55160C699751}"/>
+              </a:ext>
+            </a:extLst>
+          </p:cNvPr>
+          <p:cNvSpPr txBox="1"/>
+          <p:nvPr/>
+        </p:nvSpPr>
+        <p:spPr>
+          <a:xfrm>
+            <a:off x="2177613" y="4052895"/>
+            <a:ext cx="795660" cy="369332"/>
+          </a:xfrm>
+          <a:prstGeom prst="rect">
+            <a:avLst/>
+          </a:prstGeom>
+          <a:noFill/>
+        </p:spPr>
+        <p:txBody>
+          <a:bodyPr wrap="square" rtlCol="0">
+            <a:spAutoFit/>
+          </a:bodyPr>
+          <a:lstStyle/>
+          <a:p>
+            <a:r>
+              <a:rPr lang="en-US" altLang="zh-CN" b="1" dirty="0"/>
+              <a:t>31</a:t>
+            </a:r>
+            <a:endParaRPr lang="zh-CN" altLang="en-US" b="1" dirty="0"/>
+          </a:p>
+        </p:txBody>
+      </p:sp>
+      <p:sp>
+        <p:nvSpPr>
+          <p:cNvPr id="223" name="文本框 222">
+            <a:extLst>
+              <a:ext uri="{FF2B5EF4-FFF2-40B4-BE49-F238E27FC236}">
+                <a16:creationId xmlns:a16="http://schemas.microsoft.com/office/drawing/2014/main" id="{D1B6BA48-8DD6-4EB5-BD55-03BF51566B1F}"/>
+              </a:ext>
+            </a:extLst>
+          </p:cNvPr>
+          <p:cNvSpPr txBox="1"/>
+          <p:nvPr/>
+        </p:nvSpPr>
+        <p:spPr>
+          <a:xfrm>
+            <a:off x="2861616" y="3557111"/>
+            <a:ext cx="795660" cy="369332"/>
+          </a:xfrm>
+          <a:prstGeom prst="rect">
+            <a:avLst/>
+          </a:prstGeom>
+          <a:noFill/>
+        </p:spPr>
+        <p:txBody>
+          <a:bodyPr wrap="square" rtlCol="0">
+            <a:spAutoFit/>
+          </a:bodyPr>
+          <a:lstStyle/>
+          <a:p>
+            <a:r>
+              <a:rPr lang="en-US" altLang="zh-CN" b="1" dirty="0"/>
+              <a:t>32</a:t>
+            </a:r>
+            <a:endParaRPr lang="zh-CN" altLang="en-US" b="1" dirty="0"/>
+          </a:p>
+        </p:txBody>
+      </p:sp>
+      <p:sp>
+        <p:nvSpPr>
+          <p:cNvPr id="224" name="文本框 223">
+            <a:extLst>
+              <a:ext uri="{FF2B5EF4-FFF2-40B4-BE49-F238E27FC236}">
+                <a16:creationId xmlns:a16="http://schemas.microsoft.com/office/drawing/2014/main" id="{A9A77421-125C-4CD4-AC77-10E592617C79}"/>
+              </a:ext>
+            </a:extLst>
+          </p:cNvPr>
+          <p:cNvSpPr txBox="1"/>
+          <p:nvPr/>
+        </p:nvSpPr>
+        <p:spPr>
+          <a:xfrm>
+            <a:off x="3929884" y="2946776"/>
+            <a:ext cx="795660" cy="369332"/>
+          </a:xfrm>
+          <a:prstGeom prst="rect">
+            <a:avLst/>
+          </a:prstGeom>
+          <a:noFill/>
+        </p:spPr>
+        <p:txBody>
+          <a:bodyPr wrap="square" rtlCol="0">
+            <a:spAutoFit/>
+          </a:bodyPr>
+          <a:lstStyle/>
+          <a:p>
+            <a:r>
+              <a:rPr lang="en-US" altLang="zh-CN" b="1" dirty="0"/>
+              <a:t>33</a:t>
+            </a:r>
+            <a:endParaRPr lang="zh-CN" altLang="en-US" b="1" dirty="0"/>
+          </a:p>
+        </p:txBody>
+      </p:sp>
+      <p:sp>
+        <p:nvSpPr>
+          <p:cNvPr id="225" name="文本框 224">
+            <a:extLst>
+              <a:ext uri="{FF2B5EF4-FFF2-40B4-BE49-F238E27FC236}">
+                <a16:creationId xmlns:a16="http://schemas.microsoft.com/office/drawing/2014/main" id="{C0EE9E99-B051-49C7-96B2-B047257B97E5}"/>
+              </a:ext>
+            </a:extLst>
+          </p:cNvPr>
+          <p:cNvSpPr txBox="1"/>
+          <p:nvPr/>
+        </p:nvSpPr>
+        <p:spPr>
+          <a:xfrm>
+            <a:off x="4481756" y="2355390"/>
+            <a:ext cx="795660" cy="369332"/>
+          </a:xfrm>
+          <a:prstGeom prst="rect">
+            <a:avLst/>
+          </a:prstGeom>
+          <a:noFill/>
+        </p:spPr>
+        <p:txBody>
+          <a:bodyPr wrap="square" rtlCol="0">
+            <a:spAutoFit/>
+          </a:bodyPr>
+          <a:lstStyle/>
+          <a:p>
+            <a:r>
+              <a:rPr lang="en-US" altLang="zh-CN" b="1" dirty="0"/>
+              <a:t>34</a:t>
+            </a:r>
+            <a:endParaRPr lang="zh-CN" altLang="en-US" b="1" dirty="0"/>
+          </a:p>
+        </p:txBody>
+      </p:sp>
+      <p:sp>
+        <p:nvSpPr>
+          <p:cNvPr id="226" name="文本框 225">
+            <a:extLst>
+              <a:ext uri="{FF2B5EF4-FFF2-40B4-BE49-F238E27FC236}">
+                <a16:creationId xmlns:a16="http://schemas.microsoft.com/office/drawing/2014/main" id="{B09B4726-F4E6-462E-80E0-B921B0D6DD41}"/>
+              </a:ext>
+            </a:extLst>
+          </p:cNvPr>
+          <p:cNvSpPr txBox="1"/>
+          <p:nvPr/>
+        </p:nvSpPr>
+        <p:spPr>
+          <a:xfrm>
+            <a:off x="5148867" y="1593970"/>
+            <a:ext cx="795660" cy="369332"/>
+          </a:xfrm>
+          <a:prstGeom prst="rect">
+            <a:avLst/>
+          </a:prstGeom>
+          <a:noFill/>
+        </p:spPr>
+        <p:txBody>
+          <a:bodyPr wrap="square" rtlCol="0">
+            <a:spAutoFit/>
+          </a:bodyPr>
+          <a:lstStyle/>
+          <a:p>
+            <a:r>
+              <a:rPr lang="en-US" altLang="zh-CN" b="1" dirty="0"/>
+              <a:t>35</a:t>
+            </a:r>
+            <a:endParaRPr lang="zh-CN" altLang="en-US" b="1" dirty="0"/>
+          </a:p>
+        </p:txBody>
+      </p:sp>
+      <p:sp>
+        <p:nvSpPr>
+          <p:cNvPr id="227" name="文本框 226">
+            <a:extLst>
+              <a:ext uri="{FF2B5EF4-FFF2-40B4-BE49-F238E27FC236}">
+                <a16:creationId xmlns:a16="http://schemas.microsoft.com/office/drawing/2014/main" id="{123C08EF-7640-4565-8B34-099366C5F3CC}"/>
+              </a:ext>
+            </a:extLst>
+          </p:cNvPr>
+          <p:cNvSpPr txBox="1"/>
+          <p:nvPr/>
+        </p:nvSpPr>
+        <p:spPr>
+          <a:xfrm>
+            <a:off x="5565636" y="621716"/>
+            <a:ext cx="795660" cy="369332"/>
+          </a:xfrm>
+          <a:prstGeom prst="rect">
+            <a:avLst/>
+          </a:prstGeom>
+          <a:noFill/>
+        </p:spPr>
+        <p:txBody>
+          <a:bodyPr wrap="square" rtlCol="0">
+            <a:spAutoFit/>
+          </a:bodyPr>
+          <a:lstStyle/>
+          <a:p>
+            <a:r>
+              <a:rPr lang="en-US" altLang="zh-CN" b="1" dirty="0"/>
+              <a:t>36</a:t>
+            </a:r>
+            <a:endParaRPr lang="zh-CN" altLang="en-US" b="1" dirty="0"/>
+          </a:p>
+        </p:txBody>
+      </p:sp>
+      <p:sp>
+        <p:nvSpPr>
+          <p:cNvPr id="228" name="文本框 227">
+            <a:extLst>
+              <a:ext uri="{FF2B5EF4-FFF2-40B4-BE49-F238E27FC236}">
+                <a16:creationId xmlns:a16="http://schemas.microsoft.com/office/drawing/2014/main" id="{1FA7C960-D37E-4C7B-9C96-B488FC0CE445}"/>
+              </a:ext>
+            </a:extLst>
+          </p:cNvPr>
+          <p:cNvSpPr txBox="1"/>
+          <p:nvPr/>
+        </p:nvSpPr>
+        <p:spPr>
+          <a:xfrm>
+            <a:off x="4370553" y="586033"/>
+            <a:ext cx="795660" cy="369332"/>
+          </a:xfrm>
+          <a:prstGeom prst="rect">
+            <a:avLst/>
+          </a:prstGeom>
+          <a:noFill/>
+        </p:spPr>
+        <p:txBody>
+          <a:bodyPr wrap="square" rtlCol="0">
+            <a:spAutoFit/>
+          </a:bodyPr>
+          <a:lstStyle/>
+          <a:p>
+            <a:r>
+              <a:rPr lang="en-US" altLang="zh-CN" b="1" dirty="0"/>
+              <a:t>37</a:t>
+            </a:r>
+            <a:endParaRPr lang="zh-CN" altLang="en-US" b="1" dirty="0"/>
+          </a:p>
+        </p:txBody>
+      </p:sp>
+      <p:sp>
+        <p:nvSpPr>
+          <p:cNvPr id="229" name="文本框 228">
+            <a:extLst>
+              <a:ext uri="{FF2B5EF4-FFF2-40B4-BE49-F238E27FC236}">
+                <a16:creationId xmlns:a16="http://schemas.microsoft.com/office/drawing/2014/main" id="{3874CBB9-8F02-4113-9BCC-8AEC2DB6E251}"/>
+              </a:ext>
+            </a:extLst>
+          </p:cNvPr>
+          <p:cNvSpPr txBox="1"/>
+          <p:nvPr/>
+        </p:nvSpPr>
+        <p:spPr>
+          <a:xfrm>
+            <a:off x="3605803" y="1289961"/>
+            <a:ext cx="795660" cy="369332"/>
+          </a:xfrm>
+          <a:prstGeom prst="rect">
+            <a:avLst/>
+          </a:prstGeom>
+          <a:noFill/>
+        </p:spPr>
+        <p:txBody>
+          <a:bodyPr wrap="square" rtlCol="0">
+            <a:spAutoFit/>
+          </a:bodyPr>
+          <a:lstStyle/>
+          <a:p>
+            <a:r>
+              <a:rPr lang="en-US" altLang="zh-CN" b="1" dirty="0"/>
+              <a:t>38</a:t>
+            </a:r>
+            <a:endParaRPr lang="zh-CN" altLang="en-US" b="1" dirty="0"/>
+          </a:p>
+        </p:txBody>
+      </p:sp>
+      <p:sp>
+        <p:nvSpPr>
+          <p:cNvPr id="230" name="文本框 229">
+            <a:extLst>
+              <a:ext uri="{FF2B5EF4-FFF2-40B4-BE49-F238E27FC236}">
+                <a16:creationId xmlns:a16="http://schemas.microsoft.com/office/drawing/2014/main" id="{79F7512F-5756-45AF-848A-5F1D7E869B3E}"/>
+              </a:ext>
+            </a:extLst>
+          </p:cNvPr>
+          <p:cNvSpPr txBox="1"/>
+          <p:nvPr/>
+        </p:nvSpPr>
+        <p:spPr>
+          <a:xfrm>
+            <a:off x="2861616" y="1975714"/>
+            <a:ext cx="795660" cy="369332"/>
+          </a:xfrm>
+          <a:prstGeom prst="rect">
+            <a:avLst/>
+          </a:prstGeom>
+          <a:noFill/>
+        </p:spPr>
+        <p:txBody>
+          <a:bodyPr wrap="square" rtlCol="0">
+            <a:spAutoFit/>
+          </a:bodyPr>
+          <a:lstStyle/>
+          <a:p>
+            <a:r>
+              <a:rPr lang="en-US" altLang="zh-CN" b="1" dirty="0"/>
+              <a:t>39</a:t>
+            </a:r>
+            <a:endParaRPr lang="zh-CN" altLang="en-US" b="1" dirty="0"/>
+          </a:p>
+        </p:txBody>
+      </p:sp>
+      <p:sp>
+        <p:nvSpPr>
+          <p:cNvPr id="231" name="文本框 230">
+            <a:extLst>
+              <a:ext uri="{FF2B5EF4-FFF2-40B4-BE49-F238E27FC236}">
+                <a16:creationId xmlns:a16="http://schemas.microsoft.com/office/drawing/2014/main" id="{FDA84F2C-86E4-466A-9787-585D1D74A906}"/>
+              </a:ext>
+            </a:extLst>
+          </p:cNvPr>
+          <p:cNvSpPr txBox="1"/>
+          <p:nvPr/>
+        </p:nvSpPr>
+        <p:spPr>
+          <a:xfrm>
+            <a:off x="1681262" y="3136007"/>
+            <a:ext cx="795660" cy="369332"/>
+          </a:xfrm>
+          <a:prstGeom prst="rect">
+            <a:avLst/>
+          </a:prstGeom>
+          <a:noFill/>
+        </p:spPr>
+        <p:txBody>
+          <a:bodyPr wrap="square" rtlCol="0">
+            <a:spAutoFit/>
+          </a:bodyPr>
+          <a:lstStyle/>
+          <a:p>
+            <a:r>
+              <a:rPr lang="en-US" altLang="zh-CN" b="1" dirty="0"/>
+              <a:t>40</a:t>
+            </a:r>
+            <a:endParaRPr lang="zh-CN" altLang="en-US" b="1" dirty="0"/>
+          </a:p>
+        </p:txBody>
+      </p:sp>
+      <p:sp>
+        <p:nvSpPr>
+          <p:cNvPr id="232" name="等腰三角形 231">
+            <a:extLst>
+              <a:ext uri="{FF2B5EF4-FFF2-40B4-BE49-F238E27FC236}">
+                <a16:creationId xmlns:a16="http://schemas.microsoft.com/office/drawing/2014/main" id="{6BA81206-6524-4902-A143-0D75734CAE94}"/>
+              </a:ext>
+            </a:extLst>
+          </p:cNvPr>
+          <p:cNvSpPr/>
+          <p:nvPr/>
+        </p:nvSpPr>
+        <p:spPr>
+          <a:xfrm>
+            <a:off x="9670690" y="3350951"/>
+            <a:ext cx="355160" cy="360072"/>
+          </a:xfrm>
+          <a:prstGeom prst="triangle">
+            <a:avLst/>
+          </a:prstGeom>
+          <a:solidFill>
+            <a:srgbClr val="FF0000"/>
+          </a:solidFill>
+          <a:ln>
+            <a:noFill/>
+          </a:ln>
+        </p:spPr>
+        <p:style>
+          <a:lnRef idx="2">
+            <a:schemeClr val="accent1">
+              <a:shade val="50000"/>
+            </a:schemeClr>
+          </a:lnRef>
+          <a:fillRef idx="1">
+            <a:schemeClr val="accent1"/>
+          </a:fillRef>
+          <a:effectRef idx="0">
+            <a:schemeClr val="accent1"/>
+          </a:effectRef>
+          <a:fontRef idx="minor">
+            <a:schemeClr val="lt1"/>
+          </a:fontRef>
+        </p:style>
+        <p:txBody>
+          <a:bodyPr rtlCol="0" anchor="ctr"/>
+          <a:lstStyle/>
+          <a:p>
+            <a:pPr algn="ctr"/>
+            <a:endParaRPr lang="zh-CN" altLang="en-US"/>
+          </a:p>
+        </p:txBody>
+      </p:sp>
+      <p:sp>
+        <p:nvSpPr>
+          <p:cNvPr id="233" name="等腰三角形 232">
+            <a:extLst>
+              <a:ext uri="{FF2B5EF4-FFF2-40B4-BE49-F238E27FC236}">
+                <a16:creationId xmlns:a16="http://schemas.microsoft.com/office/drawing/2014/main" id="{4988F820-9E1F-4737-935E-471FB9001735}"/>
+              </a:ext>
+            </a:extLst>
+          </p:cNvPr>
+          <p:cNvSpPr/>
+          <p:nvPr/>
+        </p:nvSpPr>
+        <p:spPr>
+          <a:xfrm>
+            <a:off x="5766947" y="-516641"/>
+            <a:ext cx="355160" cy="360072"/>
+          </a:xfrm>
+          <a:prstGeom prst="triangle">
+            <a:avLst/>
+          </a:prstGeom>
+          <a:solidFill>
+            <a:srgbClr val="FF0000"/>
+          </a:solidFill>
+          <a:ln>
+            <a:noFill/>
+          </a:ln>
+        </p:spPr>
+        <p:style>
+          <a:lnRef idx="2">
+            <a:schemeClr val="accent1">
+              <a:shade val="50000"/>
+            </a:schemeClr>
+          </a:lnRef>
+          <a:fillRef idx="1">
+            <a:schemeClr val="accent1"/>
+          </a:fillRef>
+          <a:effectRef idx="0">
+            <a:schemeClr val="accent1"/>
+          </a:effectRef>
+          <a:fontRef idx="minor">
+            <a:schemeClr val="lt1"/>
+          </a:fontRef>
+        </p:style>
+        <p:txBody>
+          <a:bodyPr rtlCol="0" anchor="ctr"/>
+          <a:lstStyle/>
+          <a:p>
+            <a:pPr algn="ctr"/>
+            <a:endParaRPr lang="zh-CN" altLang="en-US"/>
+          </a:p>
+        </p:txBody>
+      </p:sp>
+      <p:sp>
+        <p:nvSpPr>
+          <p:cNvPr id="234" name="文本框 233">
+            <a:extLst>
+              <a:ext uri="{FF2B5EF4-FFF2-40B4-BE49-F238E27FC236}">
+                <a16:creationId xmlns:a16="http://schemas.microsoft.com/office/drawing/2014/main" id="{CD813810-4C87-41FC-BE42-E9F38BDEF699}"/>
+              </a:ext>
+            </a:extLst>
+          </p:cNvPr>
+          <p:cNvSpPr txBox="1"/>
+          <p:nvPr/>
+        </p:nvSpPr>
+        <p:spPr>
+          <a:xfrm>
+            <a:off x="5382042" y="-486265"/>
+            <a:ext cx="795660" cy="369332"/>
+          </a:xfrm>
+          <a:prstGeom prst="rect">
+            <a:avLst/>
+          </a:prstGeom>
+          <a:noFill/>
+        </p:spPr>
+        <p:txBody>
+          <a:bodyPr wrap="square" rtlCol="0">
+            <a:spAutoFit/>
+          </a:bodyPr>
+          <a:lstStyle/>
+          <a:p>
+            <a:r>
+              <a:rPr lang="en-US" altLang="zh-CN" b="1" dirty="0"/>
+              <a:t>T</a:t>
+            </a:r>
+            <a:endParaRPr lang="zh-CN" altLang="en-US" b="1" dirty="0"/>
+          </a:p>
+        </p:txBody>
+      </p:sp>
+      <p:sp>
+        <p:nvSpPr>
+          <p:cNvPr id="235" name="矩形 234">
+            <a:extLst>
+              <a:ext uri="{FF2B5EF4-FFF2-40B4-BE49-F238E27FC236}">
+                <a16:creationId xmlns:a16="http://schemas.microsoft.com/office/drawing/2014/main" id="{0FEC4166-27F6-494E-9190-B65A9A75C603}"/>
+              </a:ext>
+            </a:extLst>
+          </p:cNvPr>
+          <p:cNvSpPr/>
+          <p:nvPr/>
+        </p:nvSpPr>
+        <p:spPr>
+          <a:xfrm>
+            <a:off x="177605" y="-301600"/>
+            <a:ext cx="3083460" cy="1970177"/>
+          </a:xfrm>
+          <a:prstGeom prst="rect">
+            <a:avLst/>
+          </a:prstGeom>
+          <a:solidFill>
+            <a:schemeClr val="bg1"/>
+          </a:solidFill>
+          <a:ln>
+            <a:solidFill>
+              <a:schemeClr val="tx1"/>
+            </a:solidFill>
+          </a:ln>
+        </p:spPr>
+        <p:style>
+          <a:lnRef idx="2">
+            <a:schemeClr val="accent1">
+              <a:shade val="50000"/>
+            </a:schemeClr>
+          </a:lnRef>
+          <a:fillRef idx="1">
+            <a:schemeClr val="accent1"/>
+          </a:fillRef>
+          <a:effectRef idx="0">
+            <a:schemeClr val="accent1"/>
+          </a:effectRef>
+          <a:fontRef idx="minor">
+            <a:schemeClr val="lt1"/>
+          </a:fontRef>
+        </p:style>
+        <p:txBody>
+          <a:bodyPr rtlCol="0" anchor="ctr"/>
+          <a:lstStyle/>
+          <a:p>
+            <a:pPr algn="ctr"/>
+            <a:endParaRPr lang="zh-CN" altLang="en-US"/>
+          </a:p>
+        </p:txBody>
+      </p:sp>
+      <p:cxnSp>
+        <p:nvCxnSpPr>
+          <p:cNvPr id="236" name="直接箭头连接符 235">
+            <a:extLst>
+              <a:ext uri="{FF2B5EF4-FFF2-40B4-BE49-F238E27FC236}">
+                <a16:creationId xmlns:a16="http://schemas.microsoft.com/office/drawing/2014/main" id="{7CC1F145-D708-40C6-BD19-ABB6C1B74503}"/>
+              </a:ext>
+            </a:extLst>
+          </p:cNvPr>
+          <p:cNvCxnSpPr>
+            <a:cxnSpLocks/>
+          </p:cNvCxnSpPr>
+          <p:nvPr/>
+        </p:nvCxnSpPr>
+        <p:spPr>
+          <a:xfrm flipV="1">
+            <a:off x="302166" y="-86308"/>
+            <a:ext cx="606370" cy="1"/>
+          </a:xfrm>
+          <a:prstGeom prst="straightConnector1">
+            <a:avLst/>
+          </a:prstGeom>
+          <a:ln w="38100">
+            <a:tailEnd type="triangle"/>
+          </a:ln>
+        </p:spPr>
+        <p:style>
+          <a:lnRef idx="1">
+            <a:schemeClr val="dk1"/>
+          </a:lnRef>
+          <a:fillRef idx="0">
+            <a:schemeClr val="dk1"/>
+          </a:fillRef>
+          <a:effectRef idx="0">
+            <a:schemeClr val="dk1"/>
+          </a:effectRef>
+          <a:fontRef idx="minor">
+            <a:schemeClr val="tx1"/>
+          </a:fontRef>
+        </p:style>
+      </p:cxnSp>
+      <p:cxnSp>
+        <p:nvCxnSpPr>
+          <p:cNvPr id="238" name="直接箭头连接符 237">
+            <a:extLst>
+              <a:ext uri="{FF2B5EF4-FFF2-40B4-BE49-F238E27FC236}">
+                <a16:creationId xmlns:a16="http://schemas.microsoft.com/office/drawing/2014/main" id="{4924AC84-3056-45AA-919E-59B4B177C950}"/>
+              </a:ext>
+            </a:extLst>
+          </p:cNvPr>
+          <p:cNvCxnSpPr>
+            <a:cxnSpLocks/>
+          </p:cNvCxnSpPr>
+          <p:nvPr/>
+        </p:nvCxnSpPr>
+        <p:spPr>
+          <a:xfrm>
+            <a:off x="302166" y="287604"/>
+            <a:ext cx="598752" cy="0"/>
+          </a:xfrm>
+          <a:prstGeom prst="straightConnector1">
+            <a:avLst/>
+          </a:prstGeom>
+          <a:ln w="38100">
+            <a:headEnd type="triangle"/>
+            <a:tailEnd type="triangle"/>
+          </a:ln>
+        </p:spPr>
+        <p:style>
+          <a:lnRef idx="1">
+            <a:schemeClr val="accent1"/>
+          </a:lnRef>
+          <a:fillRef idx="0">
+            <a:schemeClr val="accent1"/>
+          </a:fillRef>
+          <a:effectRef idx="0">
+            <a:schemeClr val="accent1"/>
+          </a:effectRef>
+          <a:fontRef idx="minor">
+            <a:schemeClr val="tx1"/>
+          </a:fontRef>
+        </p:style>
+      </p:cxnSp>
+      <p:sp>
+        <p:nvSpPr>
+          <p:cNvPr id="241" name="等腰三角形 240">
+            <a:extLst>
+              <a:ext uri="{FF2B5EF4-FFF2-40B4-BE49-F238E27FC236}">
+                <a16:creationId xmlns:a16="http://schemas.microsoft.com/office/drawing/2014/main" id="{92EF3149-E61C-4FAF-843B-F2E7B5352F7A}"/>
+              </a:ext>
+            </a:extLst>
+          </p:cNvPr>
+          <p:cNvSpPr/>
+          <p:nvPr/>
+        </p:nvSpPr>
+        <p:spPr>
+          <a:xfrm>
+            <a:off x="365501" y="471579"/>
+            <a:ext cx="355160" cy="360072"/>
+          </a:xfrm>
+          <a:prstGeom prst="triangle">
+            <a:avLst/>
+          </a:prstGeom>
+          <a:solidFill>
+            <a:srgbClr val="FF0000"/>
+          </a:solidFill>
+          <a:ln>
+            <a:noFill/>
+          </a:ln>
+        </p:spPr>
+        <p:style>
+          <a:lnRef idx="2">
+            <a:schemeClr val="accent1">
+              <a:shade val="50000"/>
+            </a:schemeClr>
+          </a:lnRef>
+          <a:fillRef idx="1">
+            <a:schemeClr val="accent1"/>
+          </a:fillRef>
+          <a:effectRef idx="0">
+            <a:schemeClr val="accent1"/>
+          </a:effectRef>
+          <a:fontRef idx="minor">
+            <a:schemeClr val="lt1"/>
+          </a:fontRef>
+        </p:style>
+        <p:txBody>
+          <a:bodyPr rtlCol="0" anchor="ctr"/>
+          <a:lstStyle/>
+          <a:p>
+            <a:pPr algn="ctr"/>
+            <a:endParaRPr lang="zh-CN" altLang="en-US"/>
+          </a:p>
+        </p:txBody>
+      </p:sp>
+      <p:sp>
+        <p:nvSpPr>
+          <p:cNvPr id="242" name="椭圆 241">
+            <a:extLst>
+              <a:ext uri="{FF2B5EF4-FFF2-40B4-BE49-F238E27FC236}">
+                <a16:creationId xmlns:a16="http://schemas.microsoft.com/office/drawing/2014/main" id="{A2B3B7D6-59BA-447E-A312-80DF423FE24F}"/>
+              </a:ext>
+            </a:extLst>
+          </p:cNvPr>
+          <p:cNvSpPr/>
+          <p:nvPr/>
+        </p:nvSpPr>
+        <p:spPr>
+          <a:xfrm>
+            <a:off x="423505" y="1059891"/>
+            <a:ext cx="239151" cy="211015"/>
+          </a:xfrm>
+          <a:prstGeom prst="ellipse">
+            <a:avLst/>
+          </a:prstGeom>
+          <a:solidFill>
+            <a:schemeClr val="tx1"/>
+          </a:solidFill>
+          <a:ln>
+            <a:noFill/>
+          </a:ln>
+        </p:spPr>
+        <p:style>
+          <a:lnRef idx="2">
+            <a:schemeClr val="accent1">
+              <a:shade val="50000"/>
+            </a:schemeClr>
+          </a:lnRef>
+          <a:fillRef idx="1">
+            <a:schemeClr val="accent1"/>
+          </a:fillRef>
+          <a:effectRef idx="0">
+            <a:schemeClr val="accent1"/>
+          </a:effectRef>
+          <a:fontRef idx="minor">
+            <a:schemeClr val="lt1"/>
+          </a:fontRef>
+        </p:style>
+        <p:txBody>
+          <a:bodyPr rtlCol="0" anchor="ctr"/>
+          <a:lstStyle/>
+          <a:p>
+            <a:pPr algn="ctr"/>
+            <a:endParaRPr lang="zh-CN" altLang="en-US"/>
+          </a:p>
+        </p:txBody>
+      </p:sp>
+      <p:sp>
+        <p:nvSpPr>
+          <p:cNvPr id="243" name="文本框 242">
+            <a:extLst>
+              <a:ext uri="{FF2B5EF4-FFF2-40B4-BE49-F238E27FC236}">
+                <a16:creationId xmlns:a16="http://schemas.microsoft.com/office/drawing/2014/main" id="{AB75A6EF-FF00-4558-B24C-06A6C3A5DB2B}"/>
+              </a:ext>
+            </a:extLst>
+          </p:cNvPr>
+          <p:cNvSpPr txBox="1"/>
+          <p:nvPr/>
+        </p:nvSpPr>
+        <p:spPr>
+          <a:xfrm>
+            <a:off x="1046841" y="-276246"/>
+            <a:ext cx="2229272" cy="369332"/>
+          </a:xfrm>
+          <a:prstGeom prst="rect">
+            <a:avLst/>
+          </a:prstGeom>
+          <a:noFill/>
+        </p:spPr>
+        <p:txBody>
+          <a:bodyPr wrap="square" rtlCol="0">
+            <a:spAutoFit/>
+          </a:bodyPr>
+          <a:lstStyle/>
+          <a:p>
+            <a:r>
+              <a:rPr lang="en-US" altLang="zh-CN" dirty="0"/>
+              <a:t>One-direction lane</a:t>
+            </a:r>
+            <a:endParaRPr lang="zh-CN" altLang="en-US" dirty="0"/>
+          </a:p>
+        </p:txBody>
+      </p:sp>
+      <p:sp>
+        <p:nvSpPr>
+          <p:cNvPr id="244" name="文本框 243">
+            <a:extLst>
+              <a:ext uri="{FF2B5EF4-FFF2-40B4-BE49-F238E27FC236}">
+                <a16:creationId xmlns:a16="http://schemas.microsoft.com/office/drawing/2014/main" id="{81DB2FC8-B2A7-49C3-840A-D89F4005A57C}"/>
+              </a:ext>
+            </a:extLst>
+          </p:cNvPr>
+          <p:cNvSpPr txBox="1"/>
+          <p:nvPr/>
+        </p:nvSpPr>
+        <p:spPr>
+          <a:xfrm>
+            <a:off x="1046841" y="106874"/>
+            <a:ext cx="2229272" cy="369332"/>
+          </a:xfrm>
+          <a:prstGeom prst="rect">
+            <a:avLst/>
+          </a:prstGeom>
+          <a:noFill/>
+        </p:spPr>
+        <p:txBody>
+          <a:bodyPr wrap="square" rtlCol="0">
+            <a:spAutoFit/>
+          </a:bodyPr>
+          <a:lstStyle/>
+          <a:p>
+            <a:r>
+              <a:rPr lang="en-US" altLang="zh-CN" dirty="0"/>
+              <a:t>Bi-direction lane</a:t>
+            </a:r>
+            <a:endParaRPr lang="zh-CN" altLang="en-US" dirty="0"/>
+          </a:p>
+        </p:txBody>
+      </p:sp>
+      <p:sp>
+        <p:nvSpPr>
+          <p:cNvPr id="245" name="文本框 244">
+            <a:extLst>
+              <a:ext uri="{FF2B5EF4-FFF2-40B4-BE49-F238E27FC236}">
+                <a16:creationId xmlns:a16="http://schemas.microsoft.com/office/drawing/2014/main" id="{B078ED5D-7A0A-42E5-A35C-5B149D7E449F}"/>
+              </a:ext>
+            </a:extLst>
+          </p:cNvPr>
+          <p:cNvSpPr txBox="1"/>
+          <p:nvPr/>
+        </p:nvSpPr>
+        <p:spPr>
+          <a:xfrm>
+            <a:off x="799448" y="468413"/>
+            <a:ext cx="2685747" cy="369332"/>
+          </a:xfrm>
+          <a:prstGeom prst="rect">
+            <a:avLst/>
+          </a:prstGeom>
+          <a:noFill/>
+        </p:spPr>
+        <p:txBody>
+          <a:bodyPr wrap="square" rtlCol="0">
+            <a:spAutoFit/>
+          </a:bodyPr>
+          <a:lstStyle/>
+          <a:p>
+            <a:r>
+              <a:rPr lang="en-US" altLang="zh-CN" dirty="0"/>
+              <a:t>Dummy source/terminal</a:t>
+            </a:r>
+            <a:endParaRPr lang="zh-CN" altLang="en-US" dirty="0"/>
+          </a:p>
+        </p:txBody>
+      </p:sp>
+      <p:sp>
+        <p:nvSpPr>
+          <p:cNvPr id="246" name="文本框 245">
+            <a:extLst>
+              <a:ext uri="{FF2B5EF4-FFF2-40B4-BE49-F238E27FC236}">
+                <a16:creationId xmlns:a16="http://schemas.microsoft.com/office/drawing/2014/main" id="{E0139A50-96ED-4AB1-A801-23187674D90A}"/>
+              </a:ext>
+            </a:extLst>
+          </p:cNvPr>
+          <p:cNvSpPr txBox="1"/>
+          <p:nvPr/>
+        </p:nvSpPr>
+        <p:spPr>
+          <a:xfrm>
+            <a:off x="799448" y="924413"/>
+            <a:ext cx="2685747" cy="369332"/>
+          </a:xfrm>
+          <a:prstGeom prst="rect">
+            <a:avLst/>
+          </a:prstGeom>
+          <a:noFill/>
+        </p:spPr>
+        <p:txBody>
+          <a:bodyPr wrap="square" rtlCol="0">
+            <a:spAutoFit/>
+          </a:bodyPr>
+          <a:lstStyle/>
+          <a:p>
+            <a:r>
+              <a:rPr lang="en-US" altLang="zh-CN" dirty="0"/>
+              <a:t>Intersection node</a:t>
+            </a:r>
+            <a:endParaRPr lang="zh-CN" altLang="en-US" dirty="0"/>
+          </a:p>
+        </p:txBody>
+      </p:sp>
+      <p:cxnSp>
+        <p:nvCxnSpPr>
+          <p:cNvPr id="247" name="直接箭头连接符 246">
+            <a:extLst>
+              <a:ext uri="{FF2B5EF4-FFF2-40B4-BE49-F238E27FC236}">
+                <a16:creationId xmlns:a16="http://schemas.microsoft.com/office/drawing/2014/main" id="{2B478877-4DAE-4501-8845-3BA4E04DA73C}"/>
+              </a:ext>
+            </a:extLst>
+          </p:cNvPr>
+          <p:cNvCxnSpPr>
+            <a:cxnSpLocks/>
+          </p:cNvCxnSpPr>
+          <p:nvPr/>
+        </p:nvCxnSpPr>
+        <p:spPr>
+          <a:xfrm flipH="1" flipV="1">
+            <a:off x="8800143" y="2574121"/>
+            <a:ext cx="870547" cy="843053"/>
+          </a:xfrm>
+          <a:prstGeom prst="straightConnector1">
+            <a:avLst/>
+          </a:prstGeom>
+          <a:ln w="38100">
+            <a:tailEnd type="triangle"/>
+          </a:ln>
+        </p:spPr>
+        <p:style>
+          <a:lnRef idx="1">
+            <a:schemeClr val="dk1"/>
+          </a:lnRef>
+          <a:fillRef idx="0">
+            <a:schemeClr val="dk1"/>
+          </a:fillRef>
+          <a:effectRef idx="0">
+            <a:schemeClr val="dk1"/>
+          </a:effectRef>
+          <a:fontRef idx="minor">
+            <a:schemeClr val="tx1"/>
+          </a:fontRef>
+        </p:style>
+      </p:cxnSp>
+      <p:cxnSp>
+        <p:nvCxnSpPr>
+          <p:cNvPr id="249" name="直接箭头连接符 248">
+            <a:extLst>
+              <a:ext uri="{FF2B5EF4-FFF2-40B4-BE49-F238E27FC236}">
+                <a16:creationId xmlns:a16="http://schemas.microsoft.com/office/drawing/2014/main" id="{113E4EEC-0341-437F-9BB8-2535C91E845F}"/>
+              </a:ext>
+            </a:extLst>
+          </p:cNvPr>
+          <p:cNvCxnSpPr>
+            <a:cxnSpLocks/>
+          </p:cNvCxnSpPr>
+          <p:nvPr/>
+        </p:nvCxnSpPr>
+        <p:spPr>
+          <a:xfrm flipH="1">
+            <a:off x="8703807" y="3561004"/>
+            <a:ext cx="852471" cy="1"/>
+          </a:xfrm>
+          <a:prstGeom prst="straightConnector1">
+            <a:avLst/>
+          </a:prstGeom>
+          <a:ln w="38100">
+            <a:tailEnd type="triangle"/>
+          </a:ln>
+        </p:spPr>
+        <p:style>
+          <a:lnRef idx="1">
+            <a:schemeClr val="dk1"/>
+          </a:lnRef>
+          <a:fillRef idx="0">
+            <a:schemeClr val="dk1"/>
+          </a:fillRef>
+          <a:effectRef idx="0">
+            <a:schemeClr val="dk1"/>
+          </a:effectRef>
+          <a:fontRef idx="minor">
+            <a:schemeClr val="tx1"/>
+          </a:fontRef>
+        </p:style>
+      </p:cxnSp>
+      <p:cxnSp>
+        <p:nvCxnSpPr>
+          <p:cNvPr id="252" name="直接箭头连接符 251">
+            <a:extLst>
+              <a:ext uri="{FF2B5EF4-FFF2-40B4-BE49-F238E27FC236}">
+                <a16:creationId xmlns:a16="http://schemas.microsoft.com/office/drawing/2014/main" id="{9DFE4185-2F12-4838-9F38-9651ED639C42}"/>
+              </a:ext>
+            </a:extLst>
+          </p:cNvPr>
+          <p:cNvCxnSpPr>
+            <a:cxnSpLocks/>
+          </p:cNvCxnSpPr>
+          <p:nvPr/>
+        </p:nvCxnSpPr>
+        <p:spPr>
+          <a:xfrm flipH="1" flipV="1">
+            <a:off x="6075382" y="-110975"/>
+            <a:ext cx="870547" cy="843053"/>
+          </a:xfrm>
+          <a:prstGeom prst="straightConnector1">
+            <a:avLst/>
+          </a:prstGeom>
+          <a:ln w="38100">
+            <a:tailEnd type="triangle"/>
+          </a:ln>
+        </p:spPr>
+        <p:style>
+          <a:lnRef idx="1">
+            <a:schemeClr val="dk1"/>
+          </a:lnRef>
+          <a:fillRef idx="0">
+            <a:schemeClr val="dk1"/>
+          </a:fillRef>
+          <a:effectRef idx="0">
+            <a:schemeClr val="dk1"/>
+          </a:effectRef>
+          <a:fontRef idx="minor">
+            <a:schemeClr val="tx1"/>
+          </a:fontRef>
+        </p:style>
+      </p:cxnSp>
+      <p:cxnSp>
+        <p:nvCxnSpPr>
+          <p:cNvPr id="253" name="直接箭头连接符 252">
+            <a:extLst>
+              <a:ext uri="{FF2B5EF4-FFF2-40B4-BE49-F238E27FC236}">
+                <a16:creationId xmlns:a16="http://schemas.microsoft.com/office/drawing/2014/main" id="{145B4270-5DFD-4BC0-A92A-C3D02E5975C9}"/>
+              </a:ext>
+            </a:extLst>
+          </p:cNvPr>
+          <p:cNvCxnSpPr>
+            <a:cxnSpLocks/>
+          </p:cNvCxnSpPr>
+          <p:nvPr/>
+        </p:nvCxnSpPr>
+        <p:spPr>
+          <a:xfrm flipV="1">
+            <a:off x="5944526" y="-111683"/>
+            <a:ext cx="1" cy="952400"/>
+          </a:xfrm>
+          <a:prstGeom prst="straightConnector1">
+            <a:avLst/>
+          </a:prstGeom>
+          <a:ln w="38100">
+            <a:tailEnd type="triangle"/>
+          </a:ln>
+        </p:spPr>
+        <p:style>
+          <a:lnRef idx="1">
+            <a:schemeClr val="dk1"/>
+          </a:lnRef>
+          <a:fillRef idx="0">
+            <a:schemeClr val="dk1"/>
+          </a:fillRef>
+          <a:effectRef idx="0">
+            <a:schemeClr val="dk1"/>
+          </a:effectRef>
+          <a:fontRef idx="minor">
+            <a:schemeClr val="tx1"/>
+          </a:fontRef>
+        </p:style>
+      </p:cxnSp>
+      <p:sp>
+        <p:nvSpPr>
+          <p:cNvPr id="2" name="文本框 1">
+            <a:extLst>
+              <a:ext uri="{FF2B5EF4-FFF2-40B4-BE49-F238E27FC236}">
+                <a16:creationId xmlns:a16="http://schemas.microsoft.com/office/drawing/2014/main" id="{DC7E1D47-8230-458F-BD3F-B2949263F6A3}"/>
+              </a:ext>
+            </a:extLst>
+          </p:cNvPr>
+          <p:cNvSpPr txBox="1"/>
+          <p:nvPr/>
+        </p:nvSpPr>
+        <p:spPr>
+          <a:xfrm>
+            <a:off x="9302699" y="4257733"/>
+            <a:ext cx="1014480" cy="369332"/>
+          </a:xfrm>
+          <a:prstGeom prst="rect">
+            <a:avLst/>
+          </a:prstGeom>
+          <a:noFill/>
+        </p:spPr>
+        <p:txBody>
+          <a:bodyPr wrap="square" rtlCol="0">
+            <a:spAutoFit/>
+          </a:bodyPr>
+          <a:lstStyle/>
+          <a:p>
+            <a:r>
+              <a:rPr lang="en-US" altLang="zh-CN" dirty="0">
+                <a:solidFill>
+                  <a:srgbClr val="FF0000"/>
+                </a:solidFill>
+              </a:rPr>
+              <a:t>5350</a:t>
+            </a:r>
+            <a:endParaRPr lang="zh-CN" altLang="en-US" dirty="0">
+              <a:solidFill>
+                <a:srgbClr val="FF0000"/>
+              </a:solidFill>
+            </a:endParaRPr>
+          </a:p>
+        </p:txBody>
+      </p:sp>
+      <p:sp>
+        <p:nvSpPr>
+          <p:cNvPr id="171" name="文本框 170">
+            <a:extLst>
+              <a:ext uri="{FF2B5EF4-FFF2-40B4-BE49-F238E27FC236}">
+                <a16:creationId xmlns:a16="http://schemas.microsoft.com/office/drawing/2014/main" id="{05CA9F1C-BAEC-4C8A-81C2-1F2E52E6F2B4}"/>
+              </a:ext>
+            </a:extLst>
+          </p:cNvPr>
+          <p:cNvSpPr txBox="1"/>
+          <p:nvPr/>
+        </p:nvSpPr>
+        <p:spPr>
+          <a:xfrm>
+            <a:off x="8795459" y="3562680"/>
+            <a:ext cx="1014480" cy="369332"/>
+          </a:xfrm>
+          <a:prstGeom prst="rect">
+            <a:avLst/>
+          </a:prstGeom>
+          <a:noFill/>
+        </p:spPr>
+        <p:txBody>
+          <a:bodyPr wrap="square" rtlCol="0">
+            <a:spAutoFit/>
+          </a:bodyPr>
+          <a:lstStyle/>
+          <a:p>
+            <a:r>
+              <a:rPr lang="en-US" altLang="zh-CN" dirty="0">
+                <a:solidFill>
+                  <a:srgbClr val="FF0000"/>
+                </a:solidFill>
+              </a:rPr>
+              <a:t>3850</a:t>
+            </a:r>
+            <a:endParaRPr lang="zh-CN" altLang="en-US" dirty="0">
+              <a:solidFill>
+                <a:srgbClr val="FF0000"/>
+              </a:solidFill>
+            </a:endParaRPr>
+          </a:p>
+        </p:txBody>
+      </p:sp>
+      <p:sp>
+        <p:nvSpPr>
+          <p:cNvPr id="173" name="文本框 172">
+            <a:extLst>
+              <a:ext uri="{FF2B5EF4-FFF2-40B4-BE49-F238E27FC236}">
+                <a16:creationId xmlns:a16="http://schemas.microsoft.com/office/drawing/2014/main" id="{7B48FC45-1FB4-4460-9623-390722A65565}"/>
+              </a:ext>
+            </a:extLst>
+          </p:cNvPr>
+          <p:cNvSpPr txBox="1"/>
+          <p:nvPr/>
+        </p:nvSpPr>
+        <p:spPr>
+          <a:xfrm>
+            <a:off x="9310166" y="2617873"/>
+            <a:ext cx="1014480" cy="369332"/>
+          </a:xfrm>
+          <a:prstGeom prst="rect">
+            <a:avLst/>
+          </a:prstGeom>
+          <a:noFill/>
+        </p:spPr>
+        <p:txBody>
+          <a:bodyPr wrap="square" rtlCol="0">
+            <a:spAutoFit/>
+          </a:bodyPr>
+          <a:lstStyle/>
+          <a:p>
+            <a:r>
+              <a:rPr lang="en-US" altLang="zh-CN" dirty="0">
+                <a:solidFill>
+                  <a:srgbClr val="FF0000"/>
+                </a:solidFill>
+              </a:rPr>
+              <a:t>3850</a:t>
+            </a:r>
+            <a:endParaRPr lang="zh-CN" altLang="en-US" dirty="0">
+              <a:solidFill>
+                <a:srgbClr val="FF0000"/>
+              </a:solidFill>
+            </a:endParaRPr>
+          </a:p>
+        </p:txBody>
+      </p:sp>
+      <p:sp>
+        <p:nvSpPr>
+          <p:cNvPr id="175" name="文本框 174">
+            <a:extLst>
+              <a:ext uri="{FF2B5EF4-FFF2-40B4-BE49-F238E27FC236}">
+                <a16:creationId xmlns:a16="http://schemas.microsoft.com/office/drawing/2014/main" id="{80B8FD53-B098-45B4-A0F2-E4182300B9B7}"/>
+              </a:ext>
+            </a:extLst>
+          </p:cNvPr>
+          <p:cNvSpPr txBox="1"/>
+          <p:nvPr/>
+        </p:nvSpPr>
+        <p:spPr>
+          <a:xfrm>
+            <a:off x="8262268" y="5131610"/>
+            <a:ext cx="1014480" cy="369332"/>
+          </a:xfrm>
+          <a:prstGeom prst="rect">
+            <a:avLst/>
+          </a:prstGeom>
+          <a:noFill/>
+        </p:spPr>
+        <p:txBody>
+          <a:bodyPr wrap="square" rtlCol="0">
+            <a:spAutoFit/>
+          </a:bodyPr>
+          <a:lstStyle/>
+          <a:p>
+            <a:r>
+              <a:rPr lang="en-US" altLang="zh-CN" dirty="0">
+                <a:solidFill>
+                  <a:srgbClr val="FF0000"/>
+                </a:solidFill>
+              </a:rPr>
+              <a:t>3200</a:t>
+            </a:r>
+            <a:endParaRPr lang="zh-CN" altLang="en-US" dirty="0">
+              <a:solidFill>
+                <a:srgbClr val="FF0000"/>
+              </a:solidFill>
+            </a:endParaRPr>
+          </a:p>
+        </p:txBody>
+      </p:sp>
+      <p:sp>
+        <p:nvSpPr>
+          <p:cNvPr id="181" name="文本框 180">
+            <a:extLst>
+              <a:ext uri="{FF2B5EF4-FFF2-40B4-BE49-F238E27FC236}">
+                <a16:creationId xmlns:a16="http://schemas.microsoft.com/office/drawing/2014/main" id="{2D53FE4C-CD2C-43F4-BC2E-71D21506A25F}"/>
+              </a:ext>
+            </a:extLst>
+          </p:cNvPr>
+          <p:cNvSpPr txBox="1"/>
+          <p:nvPr/>
+        </p:nvSpPr>
+        <p:spPr>
+          <a:xfrm>
+            <a:off x="7866432" y="4438992"/>
+            <a:ext cx="1014480" cy="369332"/>
+          </a:xfrm>
+          <a:prstGeom prst="rect">
+            <a:avLst/>
+          </a:prstGeom>
+          <a:noFill/>
+        </p:spPr>
+        <p:txBody>
+          <a:bodyPr wrap="square" rtlCol="0">
+            <a:spAutoFit/>
+          </a:bodyPr>
+          <a:lstStyle/>
+          <a:p>
+            <a:r>
+              <a:rPr lang="en-US" altLang="zh-CN" dirty="0">
+                <a:solidFill>
+                  <a:srgbClr val="FF0000"/>
+                </a:solidFill>
+              </a:rPr>
+              <a:t>2150</a:t>
+            </a:r>
+            <a:endParaRPr lang="zh-CN" altLang="en-US" dirty="0">
+              <a:solidFill>
+                <a:srgbClr val="FF0000"/>
+              </a:solidFill>
+            </a:endParaRPr>
+          </a:p>
+        </p:txBody>
+      </p:sp>
+      <p:sp>
+        <p:nvSpPr>
+          <p:cNvPr id="183" name="文本框 182">
+            <a:extLst>
+              <a:ext uri="{FF2B5EF4-FFF2-40B4-BE49-F238E27FC236}">
+                <a16:creationId xmlns:a16="http://schemas.microsoft.com/office/drawing/2014/main" id="{BDF84473-A7B1-4615-8B03-8D8E5519AF50}"/>
+              </a:ext>
+            </a:extLst>
+          </p:cNvPr>
+          <p:cNvSpPr txBox="1"/>
+          <p:nvPr/>
+        </p:nvSpPr>
+        <p:spPr>
+          <a:xfrm>
+            <a:off x="7453486" y="4987205"/>
+            <a:ext cx="1014480" cy="369332"/>
+          </a:xfrm>
+          <a:prstGeom prst="rect">
+            <a:avLst/>
+          </a:prstGeom>
+          <a:noFill/>
+        </p:spPr>
+        <p:txBody>
+          <a:bodyPr wrap="square" rtlCol="0">
+            <a:spAutoFit/>
+          </a:bodyPr>
+          <a:lstStyle/>
+          <a:p>
+            <a:r>
+              <a:rPr lang="en-US" altLang="zh-CN" dirty="0">
+                <a:solidFill>
+                  <a:srgbClr val="FF0000"/>
+                </a:solidFill>
+              </a:rPr>
+              <a:t>3200</a:t>
+            </a:r>
+            <a:endParaRPr lang="zh-CN" altLang="en-US" dirty="0">
+              <a:solidFill>
+                <a:srgbClr val="FF0000"/>
+              </a:solidFill>
+            </a:endParaRPr>
+          </a:p>
+        </p:txBody>
+      </p:sp>
+      <p:sp>
+        <p:nvSpPr>
+          <p:cNvPr id="184" name="文本框 183">
+            <a:extLst>
+              <a:ext uri="{FF2B5EF4-FFF2-40B4-BE49-F238E27FC236}">
+                <a16:creationId xmlns:a16="http://schemas.microsoft.com/office/drawing/2014/main" id="{7C831AFE-8C05-4D3C-BEF1-03AC9E61CE1E}"/>
+              </a:ext>
+            </a:extLst>
+          </p:cNvPr>
+          <p:cNvSpPr txBox="1"/>
+          <p:nvPr/>
+        </p:nvSpPr>
+        <p:spPr>
+          <a:xfrm>
+            <a:off x="7087792" y="4279269"/>
+            <a:ext cx="1014480" cy="369332"/>
+          </a:xfrm>
+          <a:prstGeom prst="rect">
+            <a:avLst/>
+          </a:prstGeom>
+          <a:noFill/>
+        </p:spPr>
+        <p:txBody>
+          <a:bodyPr wrap="square" rtlCol="0">
+            <a:spAutoFit/>
+          </a:bodyPr>
+          <a:lstStyle/>
+          <a:p>
+            <a:r>
+              <a:rPr lang="en-US" altLang="zh-CN" dirty="0">
+                <a:solidFill>
+                  <a:srgbClr val="FF0000"/>
+                </a:solidFill>
+              </a:rPr>
+              <a:t>3200</a:t>
+            </a:r>
+            <a:endParaRPr lang="zh-CN" altLang="en-US" dirty="0">
+              <a:solidFill>
+                <a:srgbClr val="FF0000"/>
+              </a:solidFill>
+            </a:endParaRPr>
+          </a:p>
+        </p:txBody>
+      </p:sp>
+      <p:sp>
+        <p:nvSpPr>
+          <p:cNvPr id="206" name="文本框 205">
+            <a:extLst>
+              <a:ext uri="{FF2B5EF4-FFF2-40B4-BE49-F238E27FC236}">
+                <a16:creationId xmlns:a16="http://schemas.microsoft.com/office/drawing/2014/main" id="{EB8559DA-6E64-47CF-95C6-D605A7F92BB8}"/>
+              </a:ext>
+            </a:extLst>
+          </p:cNvPr>
+          <p:cNvSpPr txBox="1"/>
+          <p:nvPr/>
+        </p:nvSpPr>
+        <p:spPr>
+          <a:xfrm>
+            <a:off x="8264993" y="3793066"/>
+            <a:ext cx="1014480" cy="369332"/>
+          </a:xfrm>
+          <a:prstGeom prst="rect">
+            <a:avLst/>
+          </a:prstGeom>
+          <a:noFill/>
+        </p:spPr>
+        <p:txBody>
+          <a:bodyPr wrap="square" rtlCol="0">
+            <a:spAutoFit/>
+          </a:bodyPr>
+          <a:lstStyle/>
+          <a:p>
+            <a:r>
+              <a:rPr lang="en-US" altLang="zh-CN" dirty="0">
+                <a:solidFill>
+                  <a:srgbClr val="FF0000"/>
+                </a:solidFill>
+              </a:rPr>
+              <a:t>5350</a:t>
+            </a:r>
+            <a:endParaRPr lang="zh-CN" altLang="en-US" dirty="0">
+              <a:solidFill>
+                <a:srgbClr val="FF0000"/>
+              </a:solidFill>
+            </a:endParaRPr>
+          </a:p>
+        </p:txBody>
+      </p:sp>
+      <p:sp>
+        <p:nvSpPr>
+          <p:cNvPr id="207" name="文本框 206">
+            <a:extLst>
+              <a:ext uri="{FF2B5EF4-FFF2-40B4-BE49-F238E27FC236}">
+                <a16:creationId xmlns:a16="http://schemas.microsoft.com/office/drawing/2014/main" id="{61AE10BA-5759-47F9-A44D-C4161E3275DC}"/>
+              </a:ext>
+            </a:extLst>
+          </p:cNvPr>
+          <p:cNvSpPr txBox="1"/>
+          <p:nvPr/>
+        </p:nvSpPr>
+        <p:spPr>
+          <a:xfrm>
+            <a:off x="8289129" y="2832934"/>
+            <a:ext cx="1014480" cy="369332"/>
+          </a:xfrm>
+          <a:prstGeom prst="rect">
+            <a:avLst/>
+          </a:prstGeom>
+          <a:noFill/>
+        </p:spPr>
+        <p:txBody>
+          <a:bodyPr wrap="square" rtlCol="0">
+            <a:spAutoFit/>
+          </a:bodyPr>
+          <a:lstStyle/>
+          <a:p>
+            <a:r>
+              <a:rPr lang="en-US" altLang="zh-CN" dirty="0">
+                <a:solidFill>
+                  <a:srgbClr val="FF0000"/>
+                </a:solidFill>
+              </a:rPr>
+              <a:t>7900</a:t>
+            </a:r>
+            <a:endParaRPr lang="zh-CN" altLang="en-US" dirty="0">
+              <a:solidFill>
+                <a:srgbClr val="FF0000"/>
+              </a:solidFill>
+            </a:endParaRPr>
+          </a:p>
+        </p:txBody>
+      </p:sp>
+      <p:sp>
+        <p:nvSpPr>
+          <p:cNvPr id="211" name="文本框 210">
+            <a:extLst>
+              <a:ext uri="{FF2B5EF4-FFF2-40B4-BE49-F238E27FC236}">
+                <a16:creationId xmlns:a16="http://schemas.microsoft.com/office/drawing/2014/main" id="{EAD1397E-F1A0-4B6C-87CB-5AD900C6F3DD}"/>
+              </a:ext>
+            </a:extLst>
+          </p:cNvPr>
+          <p:cNvSpPr txBox="1"/>
+          <p:nvPr/>
+        </p:nvSpPr>
+        <p:spPr>
+          <a:xfrm>
+            <a:off x="7780181" y="3283109"/>
+            <a:ext cx="1014480" cy="369332"/>
+          </a:xfrm>
+          <a:prstGeom prst="rect">
+            <a:avLst/>
+          </a:prstGeom>
+          <a:noFill/>
+        </p:spPr>
+        <p:txBody>
+          <a:bodyPr wrap="square" rtlCol="0">
+            <a:spAutoFit/>
+          </a:bodyPr>
+          <a:lstStyle/>
+          <a:p>
+            <a:r>
+              <a:rPr lang="en-US" altLang="zh-CN" dirty="0">
+                <a:solidFill>
+                  <a:srgbClr val="FF0000"/>
+                </a:solidFill>
+              </a:rPr>
+              <a:t>1300</a:t>
+            </a:r>
+            <a:endParaRPr lang="zh-CN" altLang="en-US" dirty="0">
+              <a:solidFill>
+                <a:srgbClr val="FF0000"/>
+              </a:solidFill>
+            </a:endParaRPr>
+          </a:p>
+        </p:txBody>
+      </p:sp>
+      <p:sp>
+        <p:nvSpPr>
+          <p:cNvPr id="237" name="文本框 236">
+            <a:extLst>
+              <a:ext uri="{FF2B5EF4-FFF2-40B4-BE49-F238E27FC236}">
+                <a16:creationId xmlns:a16="http://schemas.microsoft.com/office/drawing/2014/main" id="{9D143853-DCA5-4A7C-B623-51831504FDC7}"/>
+              </a:ext>
+            </a:extLst>
+          </p:cNvPr>
+          <p:cNvSpPr txBox="1"/>
+          <p:nvPr/>
+        </p:nvSpPr>
+        <p:spPr>
+          <a:xfrm>
+            <a:off x="7824856" y="2096127"/>
+            <a:ext cx="1014480" cy="369332"/>
+          </a:xfrm>
+          <a:prstGeom prst="rect">
+            <a:avLst/>
+          </a:prstGeom>
+          <a:noFill/>
+        </p:spPr>
+        <p:txBody>
+          <a:bodyPr wrap="square" rtlCol="0">
+            <a:spAutoFit/>
+          </a:bodyPr>
+          <a:lstStyle/>
+          <a:p>
+            <a:r>
+              <a:rPr lang="en-US" altLang="zh-CN" dirty="0">
+                <a:solidFill>
+                  <a:srgbClr val="FF0000"/>
+                </a:solidFill>
+              </a:rPr>
+              <a:t>4200</a:t>
+            </a:r>
+            <a:endParaRPr lang="zh-CN" altLang="en-US" dirty="0">
+              <a:solidFill>
+                <a:srgbClr val="FF0000"/>
+              </a:solidFill>
+            </a:endParaRPr>
+          </a:p>
+        </p:txBody>
+      </p:sp>
+      <p:sp>
+        <p:nvSpPr>
+          <p:cNvPr id="239" name="文本框 238">
+            <a:extLst>
+              <a:ext uri="{FF2B5EF4-FFF2-40B4-BE49-F238E27FC236}">
+                <a16:creationId xmlns:a16="http://schemas.microsoft.com/office/drawing/2014/main" id="{9C81D42B-8149-4F9D-B3CD-7ED13EF0E19F}"/>
+              </a:ext>
+            </a:extLst>
+          </p:cNvPr>
+          <p:cNvSpPr txBox="1"/>
+          <p:nvPr/>
+        </p:nvSpPr>
+        <p:spPr>
+          <a:xfrm>
+            <a:off x="7755028" y="2413779"/>
+            <a:ext cx="1014480" cy="369332"/>
+          </a:xfrm>
+          <a:prstGeom prst="rect">
+            <a:avLst/>
+          </a:prstGeom>
+          <a:noFill/>
+        </p:spPr>
+        <p:txBody>
+          <a:bodyPr wrap="square" rtlCol="0">
+            <a:spAutoFit/>
+          </a:bodyPr>
+          <a:lstStyle/>
+          <a:p>
+            <a:r>
+              <a:rPr lang="en-US" altLang="zh-CN" dirty="0">
+                <a:solidFill>
+                  <a:srgbClr val="FF0000"/>
+                </a:solidFill>
+              </a:rPr>
+              <a:t>350</a:t>
+            </a:r>
+            <a:endParaRPr lang="zh-CN" altLang="en-US" dirty="0">
+              <a:solidFill>
+                <a:srgbClr val="FF0000"/>
+              </a:solidFill>
+            </a:endParaRPr>
+          </a:p>
+        </p:txBody>
+      </p:sp>
+      <p:sp>
+        <p:nvSpPr>
+          <p:cNvPr id="240" name="文本框 239">
+            <a:extLst>
+              <a:ext uri="{FF2B5EF4-FFF2-40B4-BE49-F238E27FC236}">
+                <a16:creationId xmlns:a16="http://schemas.microsoft.com/office/drawing/2014/main" id="{B6F8A1DF-9D97-4B01-8791-FCCEA478BA45}"/>
+              </a:ext>
+            </a:extLst>
+          </p:cNvPr>
+          <p:cNvSpPr txBox="1"/>
+          <p:nvPr/>
+        </p:nvSpPr>
+        <p:spPr>
+          <a:xfrm>
+            <a:off x="7153703" y="2954719"/>
+            <a:ext cx="1014480" cy="369332"/>
+          </a:xfrm>
+          <a:prstGeom prst="rect">
+            <a:avLst/>
+          </a:prstGeom>
+          <a:noFill/>
+        </p:spPr>
+        <p:txBody>
+          <a:bodyPr wrap="square" rtlCol="0">
+            <a:spAutoFit/>
+          </a:bodyPr>
+          <a:lstStyle/>
+          <a:p>
+            <a:r>
+              <a:rPr lang="en-US" altLang="zh-CN" dirty="0">
+                <a:solidFill>
+                  <a:srgbClr val="FF0000"/>
+                </a:solidFill>
+              </a:rPr>
+              <a:t>1800</a:t>
+            </a:r>
+            <a:endParaRPr lang="zh-CN" altLang="en-US" dirty="0">
+              <a:solidFill>
+                <a:srgbClr val="FF0000"/>
+              </a:solidFill>
+            </a:endParaRPr>
+          </a:p>
+        </p:txBody>
+      </p:sp>
+      <p:sp>
+        <p:nvSpPr>
+          <p:cNvPr id="248" name="文本框 247">
+            <a:extLst>
+              <a:ext uri="{FF2B5EF4-FFF2-40B4-BE49-F238E27FC236}">
+                <a16:creationId xmlns:a16="http://schemas.microsoft.com/office/drawing/2014/main" id="{6A6AEF76-17EB-4185-81E4-0317C6F18412}"/>
+              </a:ext>
+            </a:extLst>
+          </p:cNvPr>
+          <p:cNvSpPr txBox="1"/>
+          <p:nvPr/>
+        </p:nvSpPr>
+        <p:spPr>
+          <a:xfrm>
+            <a:off x="7132420" y="2520079"/>
+            <a:ext cx="1014480" cy="369332"/>
+          </a:xfrm>
+          <a:prstGeom prst="rect">
+            <a:avLst/>
+          </a:prstGeom>
+          <a:noFill/>
+        </p:spPr>
+        <p:txBody>
+          <a:bodyPr wrap="square" rtlCol="0">
+            <a:spAutoFit/>
+          </a:bodyPr>
+          <a:lstStyle/>
+          <a:p>
+            <a:r>
+              <a:rPr lang="en-US" altLang="zh-CN" dirty="0">
+                <a:solidFill>
+                  <a:srgbClr val="FF0000"/>
+                </a:solidFill>
+              </a:rPr>
+              <a:t>5750</a:t>
+            </a:r>
+            <a:endParaRPr lang="zh-CN" altLang="en-US" dirty="0">
+              <a:solidFill>
+                <a:srgbClr val="FF0000"/>
+              </a:solidFill>
+            </a:endParaRPr>
+          </a:p>
+        </p:txBody>
+      </p:sp>
+      <p:sp>
+        <p:nvSpPr>
+          <p:cNvPr id="251" name="文本框 250">
+            <a:extLst>
+              <a:ext uri="{FF2B5EF4-FFF2-40B4-BE49-F238E27FC236}">
+                <a16:creationId xmlns:a16="http://schemas.microsoft.com/office/drawing/2014/main" id="{29FD4319-9400-4835-B6DA-51EF2833C73E}"/>
+              </a:ext>
+            </a:extLst>
+          </p:cNvPr>
+          <p:cNvSpPr txBox="1"/>
+          <p:nvPr/>
+        </p:nvSpPr>
+        <p:spPr>
+          <a:xfrm>
+            <a:off x="6515618" y="3115344"/>
+            <a:ext cx="1014480" cy="369332"/>
+          </a:xfrm>
+          <a:prstGeom prst="rect">
+            <a:avLst/>
+          </a:prstGeom>
+          <a:noFill/>
+        </p:spPr>
+        <p:txBody>
+          <a:bodyPr wrap="square" rtlCol="0">
+            <a:spAutoFit/>
+          </a:bodyPr>
+          <a:lstStyle/>
+          <a:p>
+            <a:r>
+              <a:rPr lang="en-US" altLang="zh-CN" dirty="0">
+                <a:solidFill>
+                  <a:srgbClr val="FF0000"/>
+                </a:solidFill>
+              </a:rPr>
+              <a:t>3100</a:t>
+            </a:r>
+            <a:endParaRPr lang="zh-CN" altLang="en-US" dirty="0">
+              <a:solidFill>
+                <a:srgbClr val="FF0000"/>
+              </a:solidFill>
+            </a:endParaRPr>
+          </a:p>
+        </p:txBody>
+      </p:sp>
+      <p:sp>
+        <p:nvSpPr>
+          <p:cNvPr id="254" name="文本框 253">
+            <a:extLst>
+              <a:ext uri="{FF2B5EF4-FFF2-40B4-BE49-F238E27FC236}">
+                <a16:creationId xmlns:a16="http://schemas.microsoft.com/office/drawing/2014/main" id="{A67579CD-1BCB-4752-BCEE-67C67E4491D9}"/>
+              </a:ext>
+            </a:extLst>
+          </p:cNvPr>
+          <p:cNvSpPr txBox="1"/>
+          <p:nvPr/>
+        </p:nvSpPr>
+        <p:spPr>
+          <a:xfrm>
+            <a:off x="5845905" y="2467905"/>
+            <a:ext cx="922255" cy="369332"/>
+          </a:xfrm>
+          <a:prstGeom prst="rect">
+            <a:avLst/>
+          </a:prstGeom>
+          <a:noFill/>
+        </p:spPr>
+        <p:txBody>
+          <a:bodyPr wrap="square" rtlCol="0">
+            <a:spAutoFit/>
+          </a:bodyPr>
+          <a:lstStyle/>
+          <a:p>
+            <a:r>
+              <a:rPr lang="en-US" altLang="zh-CN" dirty="0">
+                <a:solidFill>
+                  <a:srgbClr val="FF0000"/>
+                </a:solidFill>
+              </a:rPr>
+              <a:t>3100</a:t>
+            </a:r>
+            <a:endParaRPr lang="zh-CN" altLang="en-US" dirty="0">
+              <a:solidFill>
+                <a:srgbClr val="FF0000"/>
+              </a:solidFill>
+            </a:endParaRPr>
+          </a:p>
+        </p:txBody>
+      </p:sp>
+      <p:sp>
+        <p:nvSpPr>
+          <p:cNvPr id="255" name="文本框 254">
+            <a:extLst>
+              <a:ext uri="{FF2B5EF4-FFF2-40B4-BE49-F238E27FC236}">
+                <a16:creationId xmlns:a16="http://schemas.microsoft.com/office/drawing/2014/main" id="{CD25E3EA-3AE2-417C-8DA4-6515B4CDB48F}"/>
+              </a:ext>
+            </a:extLst>
+          </p:cNvPr>
+          <p:cNvSpPr txBox="1"/>
+          <p:nvPr/>
+        </p:nvSpPr>
+        <p:spPr>
+          <a:xfrm>
+            <a:off x="6500155" y="1913376"/>
+            <a:ext cx="922255" cy="369332"/>
+          </a:xfrm>
+          <a:prstGeom prst="rect">
+            <a:avLst/>
+          </a:prstGeom>
+          <a:noFill/>
+        </p:spPr>
+        <p:txBody>
+          <a:bodyPr wrap="square" rtlCol="0">
+            <a:spAutoFit/>
+          </a:bodyPr>
+          <a:lstStyle/>
+          <a:p>
+            <a:r>
+              <a:rPr lang="en-US" altLang="zh-CN" dirty="0">
+                <a:solidFill>
+                  <a:srgbClr val="FF0000"/>
+                </a:solidFill>
+              </a:rPr>
+              <a:t>7450</a:t>
+            </a:r>
+            <a:endParaRPr lang="zh-CN" altLang="en-US" dirty="0">
+              <a:solidFill>
+                <a:srgbClr val="FF0000"/>
+              </a:solidFill>
+            </a:endParaRPr>
+          </a:p>
+        </p:txBody>
+      </p:sp>
+      <p:sp>
+        <p:nvSpPr>
+          <p:cNvPr id="256" name="文本框 255">
+            <a:extLst>
+              <a:ext uri="{FF2B5EF4-FFF2-40B4-BE49-F238E27FC236}">
+                <a16:creationId xmlns:a16="http://schemas.microsoft.com/office/drawing/2014/main" id="{F0717DEB-B3C5-4521-9DBA-F07C1AB97FE2}"/>
+              </a:ext>
+            </a:extLst>
+          </p:cNvPr>
+          <p:cNvSpPr txBox="1"/>
+          <p:nvPr/>
+        </p:nvSpPr>
+        <p:spPr>
+          <a:xfrm>
+            <a:off x="7086542" y="1584907"/>
+            <a:ext cx="922255" cy="369332"/>
+          </a:xfrm>
+          <a:prstGeom prst="rect">
+            <a:avLst/>
+          </a:prstGeom>
+          <a:noFill/>
+        </p:spPr>
+        <p:txBody>
+          <a:bodyPr wrap="square" rtlCol="0">
+            <a:spAutoFit/>
+          </a:bodyPr>
+          <a:lstStyle/>
+          <a:p>
+            <a:r>
+              <a:rPr lang="en-US" altLang="zh-CN" dirty="0">
+                <a:solidFill>
+                  <a:srgbClr val="FF0000"/>
+                </a:solidFill>
+              </a:rPr>
+              <a:t>1700</a:t>
+            </a:r>
+            <a:endParaRPr lang="zh-CN" altLang="en-US" dirty="0">
+              <a:solidFill>
+                <a:srgbClr val="FF0000"/>
+              </a:solidFill>
+            </a:endParaRPr>
+          </a:p>
+        </p:txBody>
+      </p:sp>
+      <p:sp>
+        <p:nvSpPr>
+          <p:cNvPr id="257" name="文本框 256">
+            <a:extLst>
+              <a:ext uri="{FF2B5EF4-FFF2-40B4-BE49-F238E27FC236}">
+                <a16:creationId xmlns:a16="http://schemas.microsoft.com/office/drawing/2014/main" id="{3F7A4267-7277-4C9B-AF9D-7FD5A4ADFF00}"/>
+              </a:ext>
+            </a:extLst>
+          </p:cNvPr>
+          <p:cNvSpPr txBox="1"/>
+          <p:nvPr/>
+        </p:nvSpPr>
+        <p:spPr>
+          <a:xfrm>
+            <a:off x="7452763" y="945775"/>
+            <a:ext cx="922255" cy="369332"/>
+          </a:xfrm>
+          <a:prstGeom prst="rect">
+            <a:avLst/>
+          </a:prstGeom>
+          <a:noFill/>
+        </p:spPr>
+        <p:txBody>
+          <a:bodyPr wrap="square" rtlCol="0">
+            <a:spAutoFit/>
+          </a:bodyPr>
+          <a:lstStyle/>
+          <a:p>
+            <a:r>
+              <a:rPr lang="en-US" altLang="zh-CN" dirty="0">
+                <a:solidFill>
+                  <a:srgbClr val="FF0000"/>
+                </a:solidFill>
+              </a:rPr>
+              <a:t>2500</a:t>
+            </a:r>
+            <a:endParaRPr lang="zh-CN" altLang="en-US" dirty="0">
+              <a:solidFill>
+                <a:srgbClr val="FF0000"/>
+              </a:solidFill>
+            </a:endParaRPr>
+          </a:p>
+        </p:txBody>
+      </p:sp>
+      <p:sp>
+        <p:nvSpPr>
+          <p:cNvPr id="258" name="文本框 257">
+            <a:extLst>
+              <a:ext uri="{FF2B5EF4-FFF2-40B4-BE49-F238E27FC236}">
+                <a16:creationId xmlns:a16="http://schemas.microsoft.com/office/drawing/2014/main" id="{04182B61-15B9-4666-A082-D160C65BBB16}"/>
+              </a:ext>
+            </a:extLst>
+          </p:cNvPr>
+          <p:cNvSpPr txBox="1"/>
+          <p:nvPr/>
+        </p:nvSpPr>
+        <p:spPr>
+          <a:xfrm>
+            <a:off x="6279073" y="-158823"/>
+            <a:ext cx="922255" cy="369332"/>
+          </a:xfrm>
+          <a:prstGeom prst="rect">
+            <a:avLst/>
+          </a:prstGeom>
+          <a:noFill/>
+        </p:spPr>
+        <p:txBody>
+          <a:bodyPr wrap="square" rtlCol="0">
+            <a:spAutoFit/>
+          </a:bodyPr>
+          <a:lstStyle/>
+          <a:p>
+            <a:r>
+              <a:rPr lang="en-US" altLang="zh-CN" dirty="0">
+                <a:solidFill>
+                  <a:srgbClr val="FF0000"/>
+                </a:solidFill>
+              </a:rPr>
+              <a:t>2500</a:t>
+            </a:r>
+            <a:endParaRPr lang="zh-CN" altLang="en-US" dirty="0">
+              <a:solidFill>
+                <a:srgbClr val="FF0000"/>
+              </a:solidFill>
+            </a:endParaRPr>
+          </a:p>
+        </p:txBody>
+      </p:sp>
+      <p:sp>
+        <p:nvSpPr>
+          <p:cNvPr id="259" name="文本框 258">
+            <a:extLst>
+              <a:ext uri="{FF2B5EF4-FFF2-40B4-BE49-F238E27FC236}">
+                <a16:creationId xmlns:a16="http://schemas.microsoft.com/office/drawing/2014/main" id="{724709B7-7F0A-4C63-A2AC-70345320DAAE}"/>
+              </a:ext>
+            </a:extLst>
+          </p:cNvPr>
+          <p:cNvSpPr txBox="1"/>
+          <p:nvPr/>
+        </p:nvSpPr>
+        <p:spPr>
+          <a:xfrm>
+            <a:off x="6226889" y="770117"/>
+            <a:ext cx="922255" cy="369332"/>
+          </a:xfrm>
+          <a:prstGeom prst="rect">
+            <a:avLst/>
+          </a:prstGeom>
+          <a:noFill/>
+        </p:spPr>
+        <p:txBody>
+          <a:bodyPr wrap="square" rtlCol="0">
+            <a:spAutoFit/>
+          </a:bodyPr>
+          <a:lstStyle/>
+          <a:p>
+            <a:r>
+              <a:rPr lang="en-US" altLang="zh-CN" dirty="0">
+                <a:solidFill>
+                  <a:srgbClr val="FF0000"/>
+                </a:solidFill>
+              </a:rPr>
+              <a:t>7450</a:t>
+            </a:r>
+            <a:endParaRPr lang="zh-CN" altLang="en-US" dirty="0">
+              <a:solidFill>
+                <a:srgbClr val="FF0000"/>
+              </a:solidFill>
+            </a:endParaRPr>
+          </a:p>
+        </p:txBody>
+      </p:sp>
+      <p:sp>
+        <p:nvSpPr>
+          <p:cNvPr id="260" name="文本框 259">
+            <a:extLst>
+              <a:ext uri="{FF2B5EF4-FFF2-40B4-BE49-F238E27FC236}">
+                <a16:creationId xmlns:a16="http://schemas.microsoft.com/office/drawing/2014/main" id="{508CA7CB-C37B-4929-8596-63B8D0A50C53}"/>
+              </a:ext>
+            </a:extLst>
+          </p:cNvPr>
+          <p:cNvSpPr txBox="1"/>
+          <p:nvPr/>
+        </p:nvSpPr>
+        <p:spPr>
+          <a:xfrm>
+            <a:off x="5331899" y="2508059"/>
+            <a:ext cx="922255" cy="369332"/>
+          </a:xfrm>
+          <a:prstGeom prst="rect">
+            <a:avLst/>
+          </a:prstGeom>
+          <a:noFill/>
+        </p:spPr>
+        <p:txBody>
+          <a:bodyPr wrap="square" rtlCol="0">
+            <a:spAutoFit/>
+          </a:bodyPr>
+          <a:lstStyle/>
+          <a:p>
+            <a:r>
+              <a:rPr lang="en-US" altLang="zh-CN" dirty="0">
+                <a:solidFill>
+                  <a:srgbClr val="FF0000"/>
+                </a:solidFill>
+              </a:rPr>
+              <a:t>1500</a:t>
+            </a:r>
+            <a:endParaRPr lang="zh-CN" altLang="en-US" dirty="0">
+              <a:solidFill>
+                <a:srgbClr val="FF0000"/>
+              </a:solidFill>
+            </a:endParaRPr>
+          </a:p>
+        </p:txBody>
+      </p:sp>
+      <p:sp>
+        <p:nvSpPr>
+          <p:cNvPr id="261" name="文本框 260">
+            <a:extLst>
+              <a:ext uri="{FF2B5EF4-FFF2-40B4-BE49-F238E27FC236}">
+                <a16:creationId xmlns:a16="http://schemas.microsoft.com/office/drawing/2014/main" id="{518FF5E9-20DF-4C8B-9E1A-F3E50A49295C}"/>
+              </a:ext>
+            </a:extLst>
+          </p:cNvPr>
+          <p:cNvSpPr txBox="1"/>
+          <p:nvPr/>
+        </p:nvSpPr>
+        <p:spPr>
+          <a:xfrm>
+            <a:off x="5118745" y="1860942"/>
+            <a:ext cx="922255" cy="369332"/>
+          </a:xfrm>
+          <a:prstGeom prst="rect">
+            <a:avLst/>
+          </a:prstGeom>
+          <a:noFill/>
+        </p:spPr>
+        <p:txBody>
+          <a:bodyPr wrap="square" rtlCol="0">
+            <a:spAutoFit/>
+          </a:bodyPr>
+          <a:lstStyle/>
+          <a:p>
+            <a:r>
+              <a:rPr lang="en-US" altLang="zh-CN" dirty="0">
+                <a:solidFill>
+                  <a:srgbClr val="FF0000"/>
+                </a:solidFill>
+              </a:rPr>
+              <a:t>1000</a:t>
+            </a:r>
+            <a:endParaRPr lang="zh-CN" altLang="en-US" dirty="0">
+              <a:solidFill>
+                <a:srgbClr val="FF0000"/>
+              </a:solidFill>
+            </a:endParaRPr>
+          </a:p>
+        </p:txBody>
+      </p:sp>
+      <p:sp>
+        <p:nvSpPr>
+          <p:cNvPr id="262" name="文本框 261">
+            <a:extLst>
+              <a:ext uri="{FF2B5EF4-FFF2-40B4-BE49-F238E27FC236}">
+                <a16:creationId xmlns:a16="http://schemas.microsoft.com/office/drawing/2014/main" id="{1EF02A98-D6BA-42E9-B5F2-ADEAD97D49B1}"/>
+              </a:ext>
+            </a:extLst>
+          </p:cNvPr>
+          <p:cNvSpPr txBox="1"/>
+          <p:nvPr/>
+        </p:nvSpPr>
+        <p:spPr>
+          <a:xfrm>
+            <a:off x="5614125" y="1327935"/>
+            <a:ext cx="922255" cy="369332"/>
+          </a:xfrm>
+          <a:prstGeom prst="rect">
+            <a:avLst/>
+          </a:prstGeom>
+          <a:noFill/>
+        </p:spPr>
+        <p:txBody>
+          <a:bodyPr wrap="square" rtlCol="0">
+            <a:spAutoFit/>
+          </a:bodyPr>
+          <a:lstStyle/>
+          <a:p>
+            <a:r>
+              <a:rPr lang="en-US" altLang="zh-CN" dirty="0">
+                <a:solidFill>
+                  <a:srgbClr val="FF0000"/>
+                </a:solidFill>
+              </a:rPr>
+              <a:t>600</a:t>
+            </a:r>
+            <a:endParaRPr lang="zh-CN" altLang="en-US" dirty="0">
+              <a:solidFill>
+                <a:srgbClr val="FF0000"/>
+              </a:solidFill>
+            </a:endParaRPr>
+          </a:p>
+        </p:txBody>
+      </p:sp>
+      <p:sp>
+        <p:nvSpPr>
+          <p:cNvPr id="263" name="文本框 262">
+            <a:extLst>
+              <a:ext uri="{FF2B5EF4-FFF2-40B4-BE49-F238E27FC236}">
+                <a16:creationId xmlns:a16="http://schemas.microsoft.com/office/drawing/2014/main" id="{16ED1338-53D1-4B5C-9EB0-F72A78A5A6DF}"/>
+              </a:ext>
+            </a:extLst>
+          </p:cNvPr>
+          <p:cNvSpPr txBox="1"/>
+          <p:nvPr/>
+        </p:nvSpPr>
+        <p:spPr>
+          <a:xfrm>
+            <a:off x="4751766" y="3141652"/>
+            <a:ext cx="922255" cy="369332"/>
+          </a:xfrm>
+          <a:prstGeom prst="rect">
+            <a:avLst/>
+          </a:prstGeom>
+          <a:noFill/>
+        </p:spPr>
+        <p:txBody>
+          <a:bodyPr wrap="square" rtlCol="0">
+            <a:spAutoFit/>
+          </a:bodyPr>
+          <a:lstStyle/>
+          <a:p>
+            <a:r>
+              <a:rPr lang="en-US" altLang="zh-CN" dirty="0">
+                <a:solidFill>
+                  <a:srgbClr val="FF0000"/>
+                </a:solidFill>
+              </a:rPr>
+              <a:t>1500</a:t>
+            </a:r>
+            <a:endParaRPr lang="zh-CN" altLang="en-US" dirty="0">
+              <a:solidFill>
+                <a:srgbClr val="FF0000"/>
+              </a:solidFill>
+            </a:endParaRPr>
+          </a:p>
+        </p:txBody>
+      </p:sp>
+      <p:sp>
+        <p:nvSpPr>
+          <p:cNvPr id="264" name="文本框 263">
+            <a:extLst>
+              <a:ext uri="{FF2B5EF4-FFF2-40B4-BE49-F238E27FC236}">
+                <a16:creationId xmlns:a16="http://schemas.microsoft.com/office/drawing/2014/main" id="{DB81BDB8-3D7D-409B-B903-97E26E613D3D}"/>
+              </a:ext>
+            </a:extLst>
+          </p:cNvPr>
+          <p:cNvSpPr txBox="1"/>
+          <p:nvPr/>
+        </p:nvSpPr>
+        <p:spPr>
+          <a:xfrm>
+            <a:off x="3759892" y="3157717"/>
+            <a:ext cx="922255" cy="369332"/>
+          </a:xfrm>
+          <a:prstGeom prst="rect">
+            <a:avLst/>
+          </a:prstGeom>
+          <a:noFill/>
+        </p:spPr>
+        <p:txBody>
+          <a:bodyPr wrap="square" rtlCol="0">
+            <a:spAutoFit/>
+          </a:bodyPr>
+          <a:lstStyle/>
+          <a:p>
+            <a:r>
+              <a:rPr lang="en-US" altLang="zh-CN" dirty="0">
+                <a:solidFill>
+                  <a:srgbClr val="FF0000"/>
+                </a:solidFill>
+              </a:rPr>
+              <a:t>1500</a:t>
+            </a:r>
+            <a:endParaRPr lang="zh-CN" altLang="en-US" dirty="0">
+              <a:solidFill>
+                <a:srgbClr val="FF0000"/>
+              </a:solidFill>
+            </a:endParaRPr>
+          </a:p>
+        </p:txBody>
+      </p:sp>
+      <p:sp>
+        <p:nvSpPr>
+          <p:cNvPr id="265" name="文本框 264">
+            <a:extLst>
+              <a:ext uri="{FF2B5EF4-FFF2-40B4-BE49-F238E27FC236}">
+                <a16:creationId xmlns:a16="http://schemas.microsoft.com/office/drawing/2014/main" id="{29AE9502-4E72-4523-9A8E-D06A30A09FE1}"/>
+              </a:ext>
+            </a:extLst>
+          </p:cNvPr>
+          <p:cNvSpPr txBox="1"/>
+          <p:nvPr/>
+        </p:nvSpPr>
+        <p:spPr>
+          <a:xfrm>
+            <a:off x="2403031" y="3174726"/>
+            <a:ext cx="922255" cy="369332"/>
+          </a:xfrm>
+          <a:prstGeom prst="rect">
+            <a:avLst/>
+          </a:prstGeom>
+          <a:noFill/>
+        </p:spPr>
+        <p:txBody>
+          <a:bodyPr wrap="square" rtlCol="0">
+            <a:spAutoFit/>
+          </a:bodyPr>
+          <a:lstStyle/>
+          <a:p>
+            <a:r>
+              <a:rPr lang="en-US" altLang="zh-CN" dirty="0">
+                <a:solidFill>
+                  <a:srgbClr val="FF0000"/>
+                </a:solidFill>
+              </a:rPr>
+              <a:t>1500</a:t>
+            </a:r>
+            <a:endParaRPr lang="zh-CN" altLang="en-US" dirty="0">
+              <a:solidFill>
+                <a:srgbClr val="FF0000"/>
+              </a:solidFill>
+            </a:endParaRPr>
+          </a:p>
+        </p:txBody>
+      </p:sp>
+      <p:sp>
+        <p:nvSpPr>
+          <p:cNvPr id="266" name="文本框 265">
+            <a:extLst>
+              <a:ext uri="{FF2B5EF4-FFF2-40B4-BE49-F238E27FC236}">
+                <a16:creationId xmlns:a16="http://schemas.microsoft.com/office/drawing/2014/main" id="{EFEB2068-43F6-4BE8-A3D4-D0AB65854A6D}"/>
+              </a:ext>
+            </a:extLst>
+          </p:cNvPr>
+          <p:cNvSpPr txBox="1"/>
+          <p:nvPr/>
+        </p:nvSpPr>
+        <p:spPr>
+          <a:xfrm>
+            <a:off x="4476747" y="1406796"/>
+            <a:ext cx="922255" cy="369332"/>
+          </a:xfrm>
+          <a:prstGeom prst="rect">
+            <a:avLst/>
+          </a:prstGeom>
+          <a:noFill/>
+        </p:spPr>
+        <p:txBody>
+          <a:bodyPr wrap="square" rtlCol="0">
+            <a:spAutoFit/>
+          </a:bodyPr>
+          <a:lstStyle/>
+          <a:p>
+            <a:r>
+              <a:rPr lang="en-US" altLang="zh-CN" dirty="0">
+                <a:solidFill>
+                  <a:srgbClr val="FF0000"/>
+                </a:solidFill>
+              </a:rPr>
+              <a:t>4950</a:t>
+            </a:r>
+            <a:endParaRPr lang="zh-CN" altLang="en-US" dirty="0">
+              <a:solidFill>
+                <a:srgbClr val="FF0000"/>
+              </a:solidFill>
+            </a:endParaRPr>
+          </a:p>
+        </p:txBody>
+      </p:sp>
+      <p:sp>
+        <p:nvSpPr>
+          <p:cNvPr id="267" name="文本框 266">
+            <a:extLst>
+              <a:ext uri="{FF2B5EF4-FFF2-40B4-BE49-F238E27FC236}">
+                <a16:creationId xmlns:a16="http://schemas.microsoft.com/office/drawing/2014/main" id="{333BFC84-521F-4D40-9179-B2B8C7787FB8}"/>
+              </a:ext>
+            </a:extLst>
+          </p:cNvPr>
+          <p:cNvSpPr txBox="1"/>
+          <p:nvPr/>
+        </p:nvSpPr>
+        <p:spPr>
+          <a:xfrm>
+            <a:off x="3783201" y="1944951"/>
+            <a:ext cx="922255" cy="369332"/>
+          </a:xfrm>
+          <a:prstGeom prst="rect">
+            <a:avLst/>
+          </a:prstGeom>
+          <a:noFill/>
+        </p:spPr>
+        <p:txBody>
+          <a:bodyPr wrap="square" rtlCol="0">
+            <a:spAutoFit/>
+          </a:bodyPr>
+          <a:lstStyle/>
+          <a:p>
+            <a:r>
+              <a:rPr lang="en-US" altLang="zh-CN" dirty="0">
+                <a:solidFill>
+                  <a:srgbClr val="FF0000"/>
+                </a:solidFill>
+              </a:rPr>
+              <a:t>4950</a:t>
+            </a:r>
+            <a:endParaRPr lang="zh-CN" altLang="en-US" dirty="0">
+              <a:solidFill>
+                <a:srgbClr val="FF0000"/>
+              </a:solidFill>
+            </a:endParaRPr>
+          </a:p>
+        </p:txBody>
+      </p:sp>
+      <p:sp>
+        <p:nvSpPr>
+          <p:cNvPr id="268" name="文本框 267">
+            <a:extLst>
+              <a:ext uri="{FF2B5EF4-FFF2-40B4-BE49-F238E27FC236}">
+                <a16:creationId xmlns:a16="http://schemas.microsoft.com/office/drawing/2014/main" id="{BE366D8C-EAAC-48B2-A033-5A53EBF27A7E}"/>
+              </a:ext>
+            </a:extLst>
+          </p:cNvPr>
+          <p:cNvSpPr txBox="1"/>
+          <p:nvPr/>
+        </p:nvSpPr>
+        <p:spPr>
+          <a:xfrm>
+            <a:off x="4987856" y="863031"/>
+            <a:ext cx="922255" cy="369332"/>
+          </a:xfrm>
+          <a:prstGeom prst="rect">
+            <a:avLst/>
+          </a:prstGeom>
+          <a:noFill/>
+        </p:spPr>
+        <p:txBody>
+          <a:bodyPr wrap="square" rtlCol="0">
+            <a:spAutoFit/>
+          </a:bodyPr>
+          <a:lstStyle/>
+          <a:p>
+            <a:r>
+              <a:rPr lang="en-US" altLang="zh-CN" dirty="0">
+                <a:solidFill>
+                  <a:srgbClr val="FF0000"/>
+                </a:solidFill>
+              </a:rPr>
+              <a:t>1000</a:t>
+            </a:r>
+            <a:endParaRPr lang="zh-CN" altLang="en-US" dirty="0">
+              <a:solidFill>
+                <a:srgbClr val="FF0000"/>
+              </a:solidFill>
+            </a:endParaRPr>
+          </a:p>
+        </p:txBody>
+      </p:sp>
+      <p:sp>
+        <p:nvSpPr>
+          <p:cNvPr id="269" name="文本框 268">
+            <a:extLst>
+              <a:ext uri="{FF2B5EF4-FFF2-40B4-BE49-F238E27FC236}">
+                <a16:creationId xmlns:a16="http://schemas.microsoft.com/office/drawing/2014/main" id="{18FD7E0E-99E0-4EF6-B219-0F943F79C439}"/>
+              </a:ext>
+            </a:extLst>
+          </p:cNvPr>
+          <p:cNvSpPr txBox="1"/>
+          <p:nvPr/>
+        </p:nvSpPr>
+        <p:spPr>
+          <a:xfrm>
+            <a:off x="5455118" y="988335"/>
+            <a:ext cx="922255" cy="369332"/>
+          </a:xfrm>
+          <a:prstGeom prst="rect">
+            <a:avLst/>
+          </a:prstGeom>
+          <a:noFill/>
+        </p:spPr>
+        <p:txBody>
+          <a:bodyPr wrap="square" rtlCol="0">
+            <a:spAutoFit/>
+          </a:bodyPr>
+          <a:lstStyle/>
+          <a:p>
+            <a:r>
+              <a:rPr lang="en-US" altLang="zh-CN" dirty="0">
+                <a:solidFill>
+                  <a:srgbClr val="FF0000"/>
+                </a:solidFill>
+              </a:rPr>
+              <a:t>4950</a:t>
+            </a:r>
+            <a:endParaRPr lang="zh-CN" altLang="en-US" dirty="0">
+              <a:solidFill>
+                <a:srgbClr val="FF0000"/>
+              </a:solidFill>
+            </a:endParaRPr>
+          </a:p>
+        </p:txBody>
+      </p:sp>
+      <p:sp>
+        <p:nvSpPr>
+          <p:cNvPr id="270" name="文本框 269">
+            <a:extLst>
+              <a:ext uri="{FF2B5EF4-FFF2-40B4-BE49-F238E27FC236}">
+                <a16:creationId xmlns:a16="http://schemas.microsoft.com/office/drawing/2014/main" id="{29547DF1-0C63-450F-96F6-B56F3AAC96AE}"/>
+              </a:ext>
+            </a:extLst>
+          </p:cNvPr>
+          <p:cNvSpPr txBox="1"/>
+          <p:nvPr/>
+        </p:nvSpPr>
+        <p:spPr>
+          <a:xfrm>
+            <a:off x="5564043" y="204285"/>
+            <a:ext cx="922255" cy="369332"/>
+          </a:xfrm>
+          <a:prstGeom prst="rect">
+            <a:avLst/>
+          </a:prstGeom>
+          <a:noFill/>
+        </p:spPr>
+        <p:txBody>
+          <a:bodyPr wrap="square" rtlCol="0">
+            <a:spAutoFit/>
+          </a:bodyPr>
+          <a:lstStyle/>
+          <a:p>
+            <a:r>
+              <a:rPr lang="en-US" altLang="zh-CN" dirty="0">
+                <a:solidFill>
+                  <a:srgbClr val="FF0000"/>
+                </a:solidFill>
+              </a:rPr>
+              <a:t>3100</a:t>
+            </a:r>
+            <a:endParaRPr lang="zh-CN" altLang="en-US" dirty="0">
+              <a:solidFill>
+                <a:srgbClr val="FF0000"/>
+              </a:solidFill>
+            </a:endParaRPr>
+          </a:p>
+        </p:txBody>
+      </p:sp>
+      <p:sp>
+        <p:nvSpPr>
+          <p:cNvPr id="271" name="文本框 270">
+            <a:extLst>
+              <a:ext uri="{FF2B5EF4-FFF2-40B4-BE49-F238E27FC236}">
+                <a16:creationId xmlns:a16="http://schemas.microsoft.com/office/drawing/2014/main" id="{398A75F7-75C7-46F3-9FA0-727012A2699F}"/>
+              </a:ext>
+            </a:extLst>
+          </p:cNvPr>
+          <p:cNvSpPr txBox="1"/>
+          <p:nvPr/>
+        </p:nvSpPr>
+        <p:spPr>
+          <a:xfrm>
+            <a:off x="4784945" y="157593"/>
+            <a:ext cx="922255" cy="369332"/>
+          </a:xfrm>
+          <a:prstGeom prst="rect">
+            <a:avLst/>
+          </a:prstGeom>
+          <a:noFill/>
+        </p:spPr>
+        <p:txBody>
+          <a:bodyPr wrap="square" rtlCol="0">
+            <a:spAutoFit/>
+          </a:bodyPr>
+          <a:lstStyle/>
+          <a:p>
+            <a:r>
+              <a:rPr lang="en-US" altLang="zh-CN" dirty="0">
+                <a:solidFill>
+                  <a:srgbClr val="FF0000"/>
+                </a:solidFill>
+              </a:rPr>
+              <a:t>7450</a:t>
+            </a:r>
+            <a:endParaRPr lang="zh-CN" altLang="en-US" dirty="0">
+              <a:solidFill>
+                <a:srgbClr val="FF0000"/>
+              </a:solidFill>
+            </a:endParaRPr>
+          </a:p>
+        </p:txBody>
+      </p:sp>
+      <p:sp>
+        <p:nvSpPr>
+          <p:cNvPr id="272" name="文本框 271">
+            <a:extLst>
+              <a:ext uri="{FF2B5EF4-FFF2-40B4-BE49-F238E27FC236}">
+                <a16:creationId xmlns:a16="http://schemas.microsoft.com/office/drawing/2014/main" id="{AA67EE5B-5D41-414C-B0B5-45330D31A671}"/>
+              </a:ext>
+            </a:extLst>
+          </p:cNvPr>
+          <p:cNvSpPr txBox="1"/>
+          <p:nvPr/>
+        </p:nvSpPr>
+        <p:spPr>
+          <a:xfrm>
+            <a:off x="3840323" y="950422"/>
+            <a:ext cx="922255" cy="369332"/>
+          </a:xfrm>
+          <a:prstGeom prst="rect">
+            <a:avLst/>
+          </a:prstGeom>
+          <a:noFill/>
+        </p:spPr>
+        <p:txBody>
+          <a:bodyPr wrap="square" rtlCol="0">
+            <a:spAutoFit/>
+          </a:bodyPr>
+          <a:lstStyle/>
+          <a:p>
+            <a:r>
+              <a:rPr lang="en-US" altLang="zh-CN" dirty="0">
+                <a:solidFill>
+                  <a:srgbClr val="FF0000"/>
+                </a:solidFill>
+              </a:rPr>
+              <a:t>6450</a:t>
+            </a:r>
+            <a:endParaRPr lang="zh-CN" altLang="en-US" dirty="0">
+              <a:solidFill>
+                <a:srgbClr val="FF0000"/>
+              </a:solidFill>
+            </a:endParaRPr>
+          </a:p>
+        </p:txBody>
+      </p:sp>
+      <p:sp>
+        <p:nvSpPr>
+          <p:cNvPr id="273" name="文本框 272">
+            <a:extLst>
+              <a:ext uri="{FF2B5EF4-FFF2-40B4-BE49-F238E27FC236}">
+                <a16:creationId xmlns:a16="http://schemas.microsoft.com/office/drawing/2014/main" id="{FD45B2B8-FD28-49B0-A790-8A4C2FC21AC3}"/>
+              </a:ext>
+            </a:extLst>
+          </p:cNvPr>
+          <p:cNvSpPr txBox="1"/>
+          <p:nvPr/>
+        </p:nvSpPr>
+        <p:spPr>
+          <a:xfrm>
+            <a:off x="2257421" y="2298933"/>
+            <a:ext cx="922255" cy="369332"/>
+          </a:xfrm>
+          <a:prstGeom prst="rect">
+            <a:avLst/>
+          </a:prstGeom>
+          <a:noFill/>
+        </p:spPr>
+        <p:txBody>
+          <a:bodyPr wrap="square" rtlCol="0">
+            <a:spAutoFit/>
+          </a:bodyPr>
+          <a:lstStyle/>
+          <a:p>
+            <a:r>
+              <a:rPr lang="en-US" altLang="zh-CN" dirty="0">
+                <a:solidFill>
+                  <a:srgbClr val="FF0000"/>
+                </a:solidFill>
+              </a:rPr>
+              <a:t>1500</a:t>
+            </a:r>
+            <a:endParaRPr lang="zh-CN" altLang="en-US" dirty="0">
+              <a:solidFill>
+                <a:srgbClr val="FF0000"/>
+              </a:solidFill>
+            </a:endParaRPr>
+          </a:p>
+        </p:txBody>
+      </p:sp>
+      <p:sp>
+        <p:nvSpPr>
+          <p:cNvPr id="274" name="文本框 273">
+            <a:extLst>
+              <a:ext uri="{FF2B5EF4-FFF2-40B4-BE49-F238E27FC236}">
+                <a16:creationId xmlns:a16="http://schemas.microsoft.com/office/drawing/2014/main" id="{10154376-FE7F-4A07-AA1B-7D2E6038CDB6}"/>
+              </a:ext>
+            </a:extLst>
+          </p:cNvPr>
+          <p:cNvSpPr txBox="1"/>
+          <p:nvPr/>
+        </p:nvSpPr>
+        <p:spPr>
+          <a:xfrm>
+            <a:off x="3095553" y="1648870"/>
+            <a:ext cx="922255" cy="369332"/>
+          </a:xfrm>
+          <a:prstGeom prst="rect">
+            <a:avLst/>
+          </a:prstGeom>
+          <a:noFill/>
+        </p:spPr>
+        <p:txBody>
+          <a:bodyPr wrap="square" rtlCol="0">
+            <a:spAutoFit/>
+          </a:bodyPr>
+          <a:lstStyle/>
+          <a:p>
+            <a:r>
+              <a:rPr lang="en-US" altLang="zh-CN" dirty="0">
+                <a:solidFill>
+                  <a:srgbClr val="FF0000"/>
+                </a:solidFill>
+              </a:rPr>
+              <a:t>1500</a:t>
+            </a:r>
+            <a:endParaRPr lang="zh-CN" altLang="en-US" dirty="0">
+              <a:solidFill>
+                <a:srgbClr val="FF0000"/>
+              </a:solidFill>
+            </a:endParaRPr>
+          </a:p>
+        </p:txBody>
+      </p:sp>
+      <p:sp>
+        <p:nvSpPr>
+          <p:cNvPr id="3" name="任意多边形: 形状 2">
+            <a:extLst>
+              <a:ext uri="{FF2B5EF4-FFF2-40B4-BE49-F238E27FC236}">
+                <a16:creationId xmlns:a16="http://schemas.microsoft.com/office/drawing/2014/main" id="{6F33DFBF-C9B1-484B-84F7-5ADFFDC4E31A}"/>
+              </a:ext>
+            </a:extLst>
+          </p:cNvPr>
+          <p:cNvSpPr/>
+          <p:nvPr/>
+        </p:nvSpPr>
+        <p:spPr>
+          <a:xfrm>
+            <a:off x="4133850" y="-381000"/>
+            <a:ext cx="3314700" cy="7219950"/>
+          </a:xfrm>
+          <a:custGeom>
+            <a:avLst/>
+            <a:gdLst>
+              <a:gd name="connsiteX0" fmla="*/ 3314700 w 3314700"/>
+              <a:gd name="connsiteY0" fmla="*/ 0 h 7219950"/>
+              <a:gd name="connsiteX1" fmla="*/ 3276600 w 3314700"/>
+              <a:gd name="connsiteY1" fmla="*/ 95250 h 7219950"/>
+              <a:gd name="connsiteX2" fmla="*/ 3200400 w 3314700"/>
+              <a:gd name="connsiteY2" fmla="*/ 209550 h 7219950"/>
+              <a:gd name="connsiteX3" fmla="*/ 3162300 w 3314700"/>
+              <a:gd name="connsiteY3" fmla="*/ 285750 h 7219950"/>
+              <a:gd name="connsiteX4" fmla="*/ 3124200 w 3314700"/>
+              <a:gd name="connsiteY4" fmla="*/ 342900 h 7219950"/>
+              <a:gd name="connsiteX5" fmla="*/ 3009900 w 3314700"/>
+              <a:gd name="connsiteY5" fmla="*/ 552450 h 7219950"/>
+              <a:gd name="connsiteX6" fmla="*/ 2876550 w 3314700"/>
+              <a:gd name="connsiteY6" fmla="*/ 704850 h 7219950"/>
+              <a:gd name="connsiteX7" fmla="*/ 2838450 w 3314700"/>
+              <a:gd name="connsiteY7" fmla="*/ 781050 h 7219950"/>
+              <a:gd name="connsiteX8" fmla="*/ 2781300 w 3314700"/>
+              <a:gd name="connsiteY8" fmla="*/ 838200 h 7219950"/>
+              <a:gd name="connsiteX9" fmla="*/ 2705100 w 3314700"/>
+              <a:gd name="connsiteY9" fmla="*/ 933450 h 7219950"/>
+              <a:gd name="connsiteX10" fmla="*/ 2647950 w 3314700"/>
+              <a:gd name="connsiteY10" fmla="*/ 1047750 h 7219950"/>
+              <a:gd name="connsiteX11" fmla="*/ 2571750 w 3314700"/>
+              <a:gd name="connsiteY11" fmla="*/ 1143000 h 7219950"/>
+              <a:gd name="connsiteX12" fmla="*/ 2552700 w 3314700"/>
+              <a:gd name="connsiteY12" fmla="*/ 1257300 h 7219950"/>
+              <a:gd name="connsiteX13" fmla="*/ 2438400 w 3314700"/>
+              <a:gd name="connsiteY13" fmla="*/ 1390650 h 7219950"/>
+              <a:gd name="connsiteX14" fmla="*/ 2362200 w 3314700"/>
+              <a:gd name="connsiteY14" fmla="*/ 1504950 h 7219950"/>
+              <a:gd name="connsiteX15" fmla="*/ 2286000 w 3314700"/>
+              <a:gd name="connsiteY15" fmla="*/ 1562100 h 7219950"/>
+              <a:gd name="connsiteX16" fmla="*/ 2228850 w 3314700"/>
+              <a:gd name="connsiteY16" fmla="*/ 1619250 h 7219950"/>
+              <a:gd name="connsiteX17" fmla="*/ 2076450 w 3314700"/>
+              <a:gd name="connsiteY17" fmla="*/ 1733550 h 7219950"/>
+              <a:gd name="connsiteX18" fmla="*/ 2000250 w 3314700"/>
+              <a:gd name="connsiteY18" fmla="*/ 1809750 h 7219950"/>
+              <a:gd name="connsiteX19" fmla="*/ 1905000 w 3314700"/>
+              <a:gd name="connsiteY19" fmla="*/ 1885950 h 7219950"/>
+              <a:gd name="connsiteX20" fmla="*/ 1790700 w 3314700"/>
+              <a:gd name="connsiteY20" fmla="*/ 1981200 h 7219950"/>
+              <a:gd name="connsiteX21" fmla="*/ 1657350 w 3314700"/>
+              <a:gd name="connsiteY21" fmla="*/ 2095500 h 7219950"/>
+              <a:gd name="connsiteX22" fmla="*/ 1600200 w 3314700"/>
+              <a:gd name="connsiteY22" fmla="*/ 2152650 h 7219950"/>
+              <a:gd name="connsiteX23" fmla="*/ 1428750 w 3314700"/>
+              <a:gd name="connsiteY23" fmla="*/ 2266950 h 7219950"/>
+              <a:gd name="connsiteX24" fmla="*/ 1295400 w 3314700"/>
+              <a:gd name="connsiteY24" fmla="*/ 2381250 h 7219950"/>
+              <a:gd name="connsiteX25" fmla="*/ 1123950 w 3314700"/>
+              <a:gd name="connsiteY25" fmla="*/ 2514600 h 7219950"/>
+              <a:gd name="connsiteX26" fmla="*/ 819150 w 3314700"/>
+              <a:gd name="connsiteY26" fmla="*/ 2724150 h 7219950"/>
+              <a:gd name="connsiteX27" fmla="*/ 762000 w 3314700"/>
+              <a:gd name="connsiteY27" fmla="*/ 2762250 h 7219950"/>
+              <a:gd name="connsiteX28" fmla="*/ 685800 w 3314700"/>
+              <a:gd name="connsiteY28" fmla="*/ 2838450 h 7219950"/>
+              <a:gd name="connsiteX29" fmla="*/ 590550 w 3314700"/>
+              <a:gd name="connsiteY29" fmla="*/ 2914650 h 7219950"/>
+              <a:gd name="connsiteX30" fmla="*/ 533400 w 3314700"/>
+              <a:gd name="connsiteY30" fmla="*/ 2990850 h 7219950"/>
+              <a:gd name="connsiteX31" fmla="*/ 457200 w 3314700"/>
+              <a:gd name="connsiteY31" fmla="*/ 3067050 h 7219950"/>
+              <a:gd name="connsiteX32" fmla="*/ 419100 w 3314700"/>
+              <a:gd name="connsiteY32" fmla="*/ 3143250 h 7219950"/>
+              <a:gd name="connsiteX33" fmla="*/ 247650 w 3314700"/>
+              <a:gd name="connsiteY33" fmla="*/ 3314700 h 7219950"/>
+              <a:gd name="connsiteX34" fmla="*/ 209550 w 3314700"/>
+              <a:gd name="connsiteY34" fmla="*/ 3371850 h 7219950"/>
+              <a:gd name="connsiteX35" fmla="*/ 190500 w 3314700"/>
+              <a:gd name="connsiteY35" fmla="*/ 3429000 h 7219950"/>
+              <a:gd name="connsiteX36" fmla="*/ 76200 w 3314700"/>
+              <a:gd name="connsiteY36" fmla="*/ 3600450 h 7219950"/>
+              <a:gd name="connsiteX37" fmla="*/ 57150 w 3314700"/>
+              <a:gd name="connsiteY37" fmla="*/ 3657600 h 7219950"/>
+              <a:gd name="connsiteX38" fmla="*/ 0 w 3314700"/>
+              <a:gd name="connsiteY38" fmla="*/ 3867150 h 7219950"/>
+              <a:gd name="connsiteX39" fmla="*/ 76200 w 3314700"/>
+              <a:gd name="connsiteY39" fmla="*/ 5105400 h 7219950"/>
+              <a:gd name="connsiteX40" fmla="*/ 95250 w 3314700"/>
+              <a:gd name="connsiteY40" fmla="*/ 5257800 h 7219950"/>
+              <a:gd name="connsiteX41" fmla="*/ 361950 w 3314700"/>
+              <a:gd name="connsiteY41" fmla="*/ 6076950 h 7219950"/>
+              <a:gd name="connsiteX42" fmla="*/ 419100 w 3314700"/>
+              <a:gd name="connsiteY42" fmla="*/ 6229350 h 7219950"/>
+              <a:gd name="connsiteX43" fmla="*/ 438150 w 3314700"/>
+              <a:gd name="connsiteY43" fmla="*/ 6324600 h 7219950"/>
+              <a:gd name="connsiteX44" fmla="*/ 495300 w 3314700"/>
+              <a:gd name="connsiteY44" fmla="*/ 6477000 h 7219950"/>
+              <a:gd name="connsiteX45" fmla="*/ 495300 w 3314700"/>
+              <a:gd name="connsiteY45" fmla="*/ 7219950 h 7219950"/>
+            </a:gdLst>
+            <a:ahLst/>
+            <a:cxnLst>
+              <a:cxn ang="0">
+                <a:pos x="connsiteX0" y="connsiteY0"/>
+              </a:cxn>
+              <a:cxn ang="0">
+                <a:pos x="connsiteX1" y="connsiteY1"/>
+              </a:cxn>
+              <a:cxn ang="0">
+                <a:pos x="connsiteX2" y="connsiteY2"/>
+              </a:cxn>
+              <a:cxn ang="0">
+                <a:pos x="connsiteX3" y="connsiteY3"/>
+              </a:cxn>
+              <a:cxn ang="0">
+                <a:pos x="connsiteX4" y="connsiteY4"/>
+              </a:cxn>
+              <a:cxn ang="0">
+                <a:pos x="connsiteX5" y="connsiteY5"/>
+              </a:cxn>
+              <a:cxn ang="0">
+                <a:pos x="connsiteX6" y="connsiteY6"/>
+              </a:cxn>
+              <a:cxn ang="0">
+                <a:pos x="connsiteX7" y="connsiteY7"/>
+              </a:cxn>
+              <a:cxn ang="0">
+                <a:pos x="connsiteX8" y="connsiteY8"/>
+              </a:cxn>
+              <a:cxn ang="0">
+                <a:pos x="connsiteX9" y="connsiteY9"/>
+              </a:cxn>
+              <a:cxn ang="0">
+                <a:pos x="connsiteX10" y="connsiteY10"/>
+              </a:cxn>
+              <a:cxn ang="0">
+                <a:pos x="connsiteX11" y="connsiteY11"/>
+              </a:cxn>
+              <a:cxn ang="0">
+                <a:pos x="connsiteX12" y="connsiteY12"/>
+              </a:cxn>
+              <a:cxn ang="0">
+                <a:pos x="connsiteX13" y="connsiteY13"/>
+              </a:cxn>
+              <a:cxn ang="0">
+                <a:pos x="connsiteX14" y="connsiteY14"/>
+              </a:cxn>
+              <a:cxn ang="0">
+                <a:pos x="connsiteX15" y="connsiteY15"/>
+              </a:cxn>
+              <a:cxn ang="0">
+                <a:pos x="connsiteX16" y="connsiteY16"/>
+              </a:cxn>
+              <a:cxn ang="0">
+                <a:pos x="connsiteX17" y="connsiteY17"/>
+              </a:cxn>
+              <a:cxn ang="0">
+                <a:pos x="connsiteX18" y="connsiteY18"/>
+              </a:cxn>
+              <a:cxn ang="0">
+                <a:pos x="connsiteX19" y="connsiteY19"/>
+              </a:cxn>
+              <a:cxn ang="0">
+                <a:pos x="connsiteX20" y="connsiteY20"/>
+              </a:cxn>
+              <a:cxn ang="0">
+                <a:pos x="connsiteX21" y="connsiteY21"/>
+              </a:cxn>
+              <a:cxn ang="0">
+                <a:pos x="connsiteX22" y="connsiteY22"/>
+              </a:cxn>
+              <a:cxn ang="0">
+                <a:pos x="connsiteX23" y="connsiteY23"/>
+              </a:cxn>
+              <a:cxn ang="0">
+                <a:pos x="connsiteX24" y="connsiteY24"/>
+              </a:cxn>
+              <a:cxn ang="0">
+                <a:pos x="connsiteX25" y="connsiteY25"/>
+              </a:cxn>
+              <a:cxn ang="0">
+                <a:pos x="connsiteX26" y="connsiteY26"/>
+              </a:cxn>
+              <a:cxn ang="0">
+                <a:pos x="connsiteX27" y="connsiteY27"/>
+              </a:cxn>
+              <a:cxn ang="0">
+                <a:pos x="connsiteX28" y="connsiteY28"/>
+              </a:cxn>
+              <a:cxn ang="0">
+                <a:pos x="connsiteX29" y="connsiteY29"/>
+              </a:cxn>
+              <a:cxn ang="0">
+                <a:pos x="connsiteX30" y="connsiteY30"/>
+              </a:cxn>
+              <a:cxn ang="0">
+                <a:pos x="connsiteX31" y="connsiteY31"/>
+              </a:cxn>
+              <a:cxn ang="0">
+                <a:pos x="connsiteX32" y="connsiteY32"/>
+              </a:cxn>
+              <a:cxn ang="0">
+                <a:pos x="connsiteX33" y="connsiteY33"/>
+              </a:cxn>
+              <a:cxn ang="0">
+                <a:pos x="connsiteX34" y="connsiteY34"/>
+              </a:cxn>
+              <a:cxn ang="0">
+                <a:pos x="connsiteX35" y="connsiteY35"/>
+              </a:cxn>
+              <a:cxn ang="0">
+                <a:pos x="connsiteX36" y="connsiteY36"/>
+              </a:cxn>
+              <a:cxn ang="0">
+                <a:pos x="connsiteX37" y="connsiteY37"/>
+              </a:cxn>
+              <a:cxn ang="0">
+                <a:pos x="connsiteX38" y="connsiteY38"/>
+              </a:cxn>
+              <a:cxn ang="0">
+                <a:pos x="connsiteX39" y="connsiteY39"/>
+              </a:cxn>
+              <a:cxn ang="0">
+                <a:pos x="connsiteX40" y="connsiteY40"/>
+              </a:cxn>
+              <a:cxn ang="0">
+                <a:pos x="connsiteX41" y="connsiteY41"/>
+              </a:cxn>
+              <a:cxn ang="0">
+                <a:pos x="connsiteX42" y="connsiteY42"/>
+              </a:cxn>
+              <a:cxn ang="0">
+                <a:pos x="connsiteX43" y="connsiteY43"/>
+              </a:cxn>
+              <a:cxn ang="0">
+                <a:pos x="connsiteX44" y="connsiteY44"/>
+              </a:cxn>
+              <a:cxn ang="0">
+                <a:pos x="connsiteX45" y="connsiteY45"/>
+              </a:cxn>
+            </a:cxnLst>
+            <a:rect l="l" t="t" r="r" b="b"/>
+            <a:pathLst>
+              <a:path w="3314700" h="7219950">
+                <a:moveTo>
+                  <a:pt x="3314700" y="0"/>
+                </a:moveTo>
+                <a:cubicBezTo>
+                  <a:pt x="3302000" y="31750"/>
+                  <a:pt x="3292975" y="65230"/>
+                  <a:pt x="3276600" y="95250"/>
+                </a:cubicBezTo>
+                <a:cubicBezTo>
+                  <a:pt x="3254673" y="135449"/>
+                  <a:pt x="3223959" y="170285"/>
+                  <a:pt x="3200400" y="209550"/>
+                </a:cubicBezTo>
+                <a:cubicBezTo>
+                  <a:pt x="3185789" y="233901"/>
+                  <a:pt x="3176389" y="261094"/>
+                  <a:pt x="3162300" y="285750"/>
+                </a:cubicBezTo>
+                <a:cubicBezTo>
+                  <a:pt x="3150941" y="305629"/>
+                  <a:pt x="3135163" y="322800"/>
+                  <a:pt x="3124200" y="342900"/>
+                </a:cubicBezTo>
+                <a:cubicBezTo>
+                  <a:pt x="3102485" y="382710"/>
+                  <a:pt x="3053414" y="501684"/>
+                  <a:pt x="3009900" y="552450"/>
+                </a:cubicBezTo>
+                <a:cubicBezTo>
+                  <a:pt x="2928102" y="647881"/>
+                  <a:pt x="2940357" y="602759"/>
+                  <a:pt x="2876550" y="704850"/>
+                </a:cubicBezTo>
+                <a:cubicBezTo>
+                  <a:pt x="2861499" y="728932"/>
+                  <a:pt x="2854956" y="757942"/>
+                  <a:pt x="2838450" y="781050"/>
+                </a:cubicBezTo>
+                <a:cubicBezTo>
+                  <a:pt x="2822791" y="802973"/>
+                  <a:pt x="2799041" y="817925"/>
+                  <a:pt x="2781300" y="838200"/>
+                </a:cubicBezTo>
+                <a:cubicBezTo>
+                  <a:pt x="2754525" y="868800"/>
+                  <a:pt x="2729496" y="900922"/>
+                  <a:pt x="2705100" y="933450"/>
+                </a:cubicBezTo>
+                <a:cubicBezTo>
+                  <a:pt x="2529265" y="1167897"/>
+                  <a:pt x="2785272" y="828034"/>
+                  <a:pt x="2647950" y="1047750"/>
+                </a:cubicBezTo>
+                <a:cubicBezTo>
+                  <a:pt x="2626400" y="1082229"/>
+                  <a:pt x="2597150" y="1111250"/>
+                  <a:pt x="2571750" y="1143000"/>
+                </a:cubicBezTo>
+                <a:cubicBezTo>
+                  <a:pt x="2565400" y="1181100"/>
+                  <a:pt x="2564914" y="1220657"/>
+                  <a:pt x="2552700" y="1257300"/>
+                </a:cubicBezTo>
+                <a:cubicBezTo>
+                  <a:pt x="2535998" y="1307405"/>
+                  <a:pt x="2465956" y="1356206"/>
+                  <a:pt x="2438400" y="1390650"/>
+                </a:cubicBezTo>
+                <a:cubicBezTo>
+                  <a:pt x="2409795" y="1426406"/>
+                  <a:pt x="2392622" y="1470726"/>
+                  <a:pt x="2362200" y="1504950"/>
+                </a:cubicBezTo>
+                <a:cubicBezTo>
+                  <a:pt x="2341106" y="1528680"/>
+                  <a:pt x="2310106" y="1541437"/>
+                  <a:pt x="2286000" y="1562100"/>
+                </a:cubicBezTo>
+                <a:cubicBezTo>
+                  <a:pt x="2265545" y="1579633"/>
+                  <a:pt x="2249701" y="1602190"/>
+                  <a:pt x="2228850" y="1619250"/>
+                </a:cubicBezTo>
+                <a:cubicBezTo>
+                  <a:pt x="2179704" y="1659461"/>
+                  <a:pt x="2121351" y="1688649"/>
+                  <a:pt x="2076450" y="1733550"/>
+                </a:cubicBezTo>
+                <a:cubicBezTo>
+                  <a:pt x="2051050" y="1758950"/>
+                  <a:pt x="2027098" y="1785885"/>
+                  <a:pt x="2000250" y="1809750"/>
+                </a:cubicBezTo>
+                <a:cubicBezTo>
+                  <a:pt x="1969860" y="1836763"/>
+                  <a:pt x="1933751" y="1857199"/>
+                  <a:pt x="1905000" y="1885950"/>
+                </a:cubicBezTo>
+                <a:cubicBezTo>
+                  <a:pt x="1801203" y="1989747"/>
+                  <a:pt x="1899853" y="1944816"/>
+                  <a:pt x="1790700" y="1981200"/>
+                </a:cubicBezTo>
+                <a:cubicBezTo>
+                  <a:pt x="1648890" y="2123010"/>
+                  <a:pt x="1828417" y="1948871"/>
+                  <a:pt x="1657350" y="2095500"/>
+                </a:cubicBezTo>
+                <a:cubicBezTo>
+                  <a:pt x="1636895" y="2113033"/>
+                  <a:pt x="1621753" y="2136486"/>
+                  <a:pt x="1600200" y="2152650"/>
+                </a:cubicBezTo>
+                <a:cubicBezTo>
+                  <a:pt x="1545251" y="2193861"/>
+                  <a:pt x="1428750" y="2266950"/>
+                  <a:pt x="1428750" y="2266950"/>
+                </a:cubicBezTo>
+                <a:cubicBezTo>
+                  <a:pt x="1359779" y="2370407"/>
+                  <a:pt x="1426993" y="2287255"/>
+                  <a:pt x="1295400" y="2381250"/>
+                </a:cubicBezTo>
+                <a:cubicBezTo>
+                  <a:pt x="1236485" y="2423332"/>
+                  <a:pt x="1186812" y="2478679"/>
+                  <a:pt x="1123950" y="2514600"/>
+                </a:cubicBezTo>
+                <a:cubicBezTo>
+                  <a:pt x="752962" y="2726593"/>
+                  <a:pt x="1278182" y="2418128"/>
+                  <a:pt x="819150" y="2724150"/>
+                </a:cubicBezTo>
+                <a:cubicBezTo>
+                  <a:pt x="800100" y="2736850"/>
+                  <a:pt x="779383" y="2747350"/>
+                  <a:pt x="762000" y="2762250"/>
+                </a:cubicBezTo>
+                <a:cubicBezTo>
+                  <a:pt x="734727" y="2785627"/>
+                  <a:pt x="712648" y="2814585"/>
+                  <a:pt x="685800" y="2838450"/>
+                </a:cubicBezTo>
+                <a:cubicBezTo>
+                  <a:pt x="655410" y="2865463"/>
+                  <a:pt x="619301" y="2885899"/>
+                  <a:pt x="590550" y="2914650"/>
+                </a:cubicBezTo>
+                <a:cubicBezTo>
+                  <a:pt x="568099" y="2937101"/>
+                  <a:pt x="554308" y="2966956"/>
+                  <a:pt x="533400" y="2990850"/>
+                </a:cubicBezTo>
+                <a:cubicBezTo>
+                  <a:pt x="509746" y="3017883"/>
+                  <a:pt x="478753" y="3038313"/>
+                  <a:pt x="457200" y="3067050"/>
+                </a:cubicBezTo>
+                <a:cubicBezTo>
+                  <a:pt x="440161" y="3089768"/>
+                  <a:pt x="437444" y="3121571"/>
+                  <a:pt x="419100" y="3143250"/>
+                </a:cubicBezTo>
+                <a:cubicBezTo>
+                  <a:pt x="366893" y="3204949"/>
+                  <a:pt x="292482" y="3247452"/>
+                  <a:pt x="247650" y="3314700"/>
+                </a:cubicBezTo>
+                <a:cubicBezTo>
+                  <a:pt x="234950" y="3333750"/>
+                  <a:pt x="219789" y="3351372"/>
+                  <a:pt x="209550" y="3371850"/>
+                </a:cubicBezTo>
+                <a:cubicBezTo>
+                  <a:pt x="200570" y="3389811"/>
+                  <a:pt x="200618" y="3411655"/>
+                  <a:pt x="190500" y="3429000"/>
+                </a:cubicBezTo>
+                <a:cubicBezTo>
+                  <a:pt x="155891" y="3488329"/>
+                  <a:pt x="97920" y="3535289"/>
+                  <a:pt x="76200" y="3600450"/>
+                </a:cubicBezTo>
+                <a:cubicBezTo>
+                  <a:pt x="69850" y="3619500"/>
+                  <a:pt x="62920" y="3638366"/>
+                  <a:pt x="57150" y="3657600"/>
+                </a:cubicBezTo>
+                <a:cubicBezTo>
+                  <a:pt x="23180" y="3770832"/>
+                  <a:pt x="23849" y="3771753"/>
+                  <a:pt x="0" y="3867150"/>
+                </a:cubicBezTo>
+                <a:cubicBezTo>
+                  <a:pt x="60115" y="5490267"/>
+                  <a:pt x="-27293" y="4449943"/>
+                  <a:pt x="76200" y="5105400"/>
+                </a:cubicBezTo>
+                <a:cubicBezTo>
+                  <a:pt x="84185" y="5155969"/>
+                  <a:pt x="82833" y="5208133"/>
+                  <a:pt x="95250" y="5257800"/>
+                </a:cubicBezTo>
+                <a:cubicBezTo>
+                  <a:pt x="156363" y="5502253"/>
+                  <a:pt x="279838" y="5845544"/>
+                  <a:pt x="361950" y="6076950"/>
+                </a:cubicBezTo>
+                <a:cubicBezTo>
+                  <a:pt x="380093" y="6128081"/>
+                  <a:pt x="408460" y="6176149"/>
+                  <a:pt x="419100" y="6229350"/>
+                </a:cubicBezTo>
+                <a:cubicBezTo>
+                  <a:pt x="425450" y="6261100"/>
+                  <a:pt x="427911" y="6293883"/>
+                  <a:pt x="438150" y="6324600"/>
+                </a:cubicBezTo>
+                <a:cubicBezTo>
+                  <a:pt x="461774" y="6395472"/>
+                  <a:pt x="493504" y="6399752"/>
+                  <a:pt x="495300" y="6477000"/>
+                </a:cubicBezTo>
+                <a:cubicBezTo>
+                  <a:pt x="501058" y="6724583"/>
+                  <a:pt x="495300" y="6972300"/>
+                  <a:pt x="495300" y="7219950"/>
+                </a:cubicBezTo>
+              </a:path>
+            </a:pathLst>
+          </a:custGeom>
+          <a:noFill/>
+          <a:ln w="38100">
+            <a:solidFill>
+              <a:srgbClr val="FFFF00"/>
+            </a:solidFill>
+            <a:prstDash val="lgDash"/>
+          </a:ln>
+        </p:spPr>
+        <p:style>
+          <a:lnRef idx="2">
+            <a:schemeClr val="accent1">
+              <a:shade val="50000"/>
+            </a:schemeClr>
+          </a:lnRef>
+          <a:fillRef idx="1">
+            <a:schemeClr val="accent1"/>
+          </a:fillRef>
+          <a:effectRef idx="0">
+            <a:schemeClr val="accent1"/>
+          </a:effectRef>
+          <a:fontRef idx="minor">
+            <a:schemeClr val="lt1"/>
+          </a:fontRef>
+        </p:style>
+        <p:txBody>
+          <a:bodyPr rtlCol="0" anchor="ctr"/>
+          <a:lstStyle/>
+          <a:p>
+            <a:pPr algn="ctr"/>
+            <a:endParaRPr lang="zh-CN" altLang="en-US"/>
+          </a:p>
+        </p:txBody>
+      </p:sp>
+      <p:cxnSp>
+        <p:nvCxnSpPr>
+          <p:cNvPr id="46" name="直接连接符 45">
+            <a:extLst>
+              <a:ext uri="{FF2B5EF4-FFF2-40B4-BE49-F238E27FC236}">
+                <a16:creationId xmlns:a16="http://schemas.microsoft.com/office/drawing/2014/main" id="{E73D13C3-1B92-4E8F-80CA-3D4A935D7DFB}"/>
+              </a:ext>
+            </a:extLst>
+          </p:cNvPr>
+          <p:cNvCxnSpPr/>
+          <p:nvPr/>
+        </p:nvCxnSpPr>
+        <p:spPr>
+          <a:xfrm>
+            <a:off x="365501" y="1466877"/>
+            <a:ext cx="433947" cy="0"/>
+          </a:xfrm>
+          <a:prstGeom prst="line">
+            <a:avLst/>
+          </a:prstGeom>
+          <a:ln w="38100">
+            <a:solidFill>
+              <a:srgbClr val="FFFF00"/>
+            </a:solidFill>
+          </a:ln>
+        </p:spPr>
+        <p:style>
+          <a:lnRef idx="1">
+            <a:schemeClr val="accent1"/>
+          </a:lnRef>
+          <a:fillRef idx="0">
+            <a:schemeClr val="accent1"/>
+          </a:fillRef>
+          <a:effectRef idx="0">
+            <a:schemeClr val="accent1"/>
+          </a:effectRef>
+          <a:fontRef idx="minor">
+            <a:schemeClr val="tx1"/>
+          </a:fontRef>
+        </p:style>
+      </p:cxnSp>
+      <p:sp>
+        <p:nvSpPr>
+          <p:cNvPr id="275" name="文本框 274">
+            <a:extLst>
+              <a:ext uri="{FF2B5EF4-FFF2-40B4-BE49-F238E27FC236}">
+                <a16:creationId xmlns:a16="http://schemas.microsoft.com/office/drawing/2014/main" id="{6E59919C-9814-450D-BE29-2284ECC62B18}"/>
+              </a:ext>
+            </a:extLst>
+          </p:cNvPr>
+          <p:cNvSpPr txBox="1"/>
+          <p:nvPr/>
+        </p:nvSpPr>
+        <p:spPr>
+          <a:xfrm>
+            <a:off x="857723" y="1305718"/>
+            <a:ext cx="2685747" cy="369332"/>
+          </a:xfrm>
+          <a:prstGeom prst="rect">
+            <a:avLst/>
+          </a:prstGeom>
+          <a:noFill/>
+        </p:spPr>
+        <p:txBody>
+          <a:bodyPr wrap="square" rtlCol="0">
+            <a:spAutoFit/>
+          </a:bodyPr>
+          <a:lstStyle/>
+          <a:p>
+            <a:r>
+              <a:rPr lang="en-US" altLang="zh-CN" dirty="0"/>
+              <a:t>Min-cut</a:t>
+            </a:r>
+            <a:endParaRPr lang="zh-CN" altLang="en-US" dirty="0"/>
           </a:p>
         </p:txBody>
       </p:sp>
     </p:spTree>
     <p:extLst>
       <p:ext uri="{BB962C8B-B14F-4D97-AF65-F5344CB8AC3E}">
-        <p14:creationId xmlns:p14="http://schemas.microsoft.com/office/powerpoint/2010/main" val="3466772915"/>
+        <p14:creationId xmlns:p14="http://schemas.microsoft.com/office/powerpoint/2010/main" val="66958545"/>
       </p:ext>
     </p:extLst>
   </p:cSld>
